--- a/curso/modulo3capitulo5.pptx
+++ b/curso/modulo3capitulo5.pptx
@@ -20,17 +20,24 @@
     <p:sldId id="436" r:id="rId15"/>
     <p:sldId id="437" r:id="rId16"/>
     <p:sldId id="438" r:id="rId17"/>
-    <p:sldId id="439" r:id="rId18"/>
-    <p:sldId id="440" r:id="rId19"/>
-    <p:sldId id="442" r:id="rId20"/>
-    <p:sldId id="448" r:id="rId21"/>
-    <p:sldId id="450" r:id="rId22"/>
-    <p:sldId id="445" r:id="rId23"/>
-    <p:sldId id="446" r:id="rId24"/>
-    <p:sldId id="449" r:id="rId25"/>
-    <p:sldId id="456" r:id="rId26"/>
-    <p:sldId id="447" r:id="rId27"/>
-    <p:sldId id="444" r:id="rId28"/>
+    <p:sldId id="471" r:id="rId18"/>
+    <p:sldId id="439" r:id="rId19"/>
+    <p:sldId id="440" r:id="rId20"/>
+    <p:sldId id="442" r:id="rId21"/>
+    <p:sldId id="487" r:id="rId22"/>
+    <p:sldId id="488" r:id="rId23"/>
+    <p:sldId id="448" r:id="rId24"/>
+    <p:sldId id="461" r:id="rId25"/>
+    <p:sldId id="462" r:id="rId26"/>
+    <p:sldId id="450" r:id="rId27"/>
+    <p:sldId id="460" r:id="rId28"/>
+    <p:sldId id="449" r:id="rId29"/>
+    <p:sldId id="472" r:id="rId30"/>
+    <p:sldId id="445" r:id="rId31"/>
+    <p:sldId id="446" r:id="rId32"/>
+    <p:sldId id="456" r:id="rId33"/>
+    <p:sldId id="447" r:id="rId34"/>
+    <p:sldId id="444" r:id="rId35"/>
   </p:sldIdLst>
   <p:sldSz cx="9144000" cy="6858000" type="screen4x3"/>
   <p:notesSz cx="6858000" cy="9144000"/>
@@ -4222,7 +4229,7 @@
         <p:spPr/>
         <p:txBody>
           <a:bodyPr>
-            <a:normAutofit lnSpcReduction="20000"/>
+            <a:normAutofit fontScale="90000"/>
           </a:bodyPr>
           <a:p>
             <a:r>
@@ -4246,8 +4253,10 @@
           <a:p>
             <a:pPr lvl="1"/>
             <a:r>
-              <a:rPr lang="x-none" altLang="pt-BR"/>
-              <a:t>PgAdmin3</a:t>
+              <a:rPr lang="x-none" altLang="pt-BR">
+                <a:sym typeface="+mn-ea"/>
+              </a:rPr>
+              <a:t>OmniDB</a:t>
             </a:r>
             <a:endParaRPr lang="x-none" altLang="pt-BR"/>
           </a:p>
@@ -4255,7 +4264,15 @@
             <a:pPr lvl="1"/>
             <a:r>
               <a:rPr lang="x-none" altLang="pt-BR"/>
-              <a:t>OmniDB</a:t>
+              <a:t>PgAdmin</a:t>
+            </a:r>
+            <a:endParaRPr lang="x-none" altLang="pt-BR"/>
+          </a:p>
+          <a:p>
+            <a:pPr lvl="1"/>
+            <a:r>
+              <a:rPr lang="x-none" altLang="pt-BR"/>
+              <a:t>pg_activity (somente para monitoramento)</a:t>
             </a:r>
             <a:endParaRPr lang="x-none" altLang="pt-BR"/>
           </a:p>
@@ -4695,7 +4712,7 @@
           <a:p>
             <a:r>
               <a:rPr lang="x-none" altLang="pt-BR"/>
-              <a:t>Conceitos: Schemas</a:t>
+              <a:t>Conceitos: Privilégios</a:t>
             </a:r>
             <a:endParaRPr lang="x-none" altLang="pt-BR"/>
           </a:p>
@@ -4713,28 +4730,23 @@
         </p:nvSpPr>
         <p:spPr/>
         <p:txBody>
-          <a:bodyPr>
-            <a:normAutofit/>
-          </a:bodyPr>
-          <a:p>
+          <a:bodyPr/>
+          <a:p>
+            <a:r>
+              <a:rPr lang="x-none" altLang="pt-BR"/>
+              <a:t>Através de </a:t>
+            </a:r>
             <a:r>
               <a:rPr lang="x-none" altLang="pt-BR">
                 <a:solidFill>
                   <a:srgbClr val="92D050"/>
                 </a:solidFill>
               </a:rPr>
-              <a:t>Schemas </a:t>
-            </a:r>
-            <a:r>
-              <a:rPr lang="x-none" altLang="pt-BR"/>
-              <a:t>são namespaces dentro de bancos de dados</a:t>
-            </a:r>
-            <a:endParaRPr lang="x-none" altLang="pt-BR"/>
-          </a:p>
-          <a:p>
-            <a:r>
-              <a:rPr lang="x-none" altLang="pt-BR"/>
-              <a:t>São usados para </a:t>
+              <a:t>privilégios</a:t>
+            </a:r>
+            <a:r>
+              <a:rPr lang="x-none" altLang="pt-BR"/>
+              <a:t>, é possível definir quais usuários tem </a:t>
             </a:r>
             <a:r>
               <a:rPr lang="x-none" altLang="pt-BR">
@@ -4742,34 +4754,47 @@
                   <a:srgbClr val="92D050"/>
                 </a:solidFill>
               </a:rPr>
-              <a:t>organizar </a:t>
-            </a:r>
-            <a:r>
-              <a:rPr lang="x-none" altLang="pt-BR"/>
-              <a:t>o banco de dados e permitir duplicidade de nomes</a:t>
-            </a:r>
-            <a:endParaRPr lang="x-none" altLang="pt-BR"/>
-          </a:p>
-          <a:p>
-            <a:r>
-              <a:rPr lang="x-none" altLang="pt-BR"/>
-              <a:t>Por exemplo, você pode ter 2 tabelas de movimento:</a:t>
-            </a:r>
-            <a:endParaRPr lang="x-none" altLang="pt-BR"/>
-          </a:p>
-          <a:p>
-            <a:pPr lvl="1"/>
-            <a:r>
-              <a:rPr lang="x-none" altLang="pt-BR"/>
-              <a:t>vendas.movimento</a:t>
-            </a:r>
-            <a:endParaRPr lang="x-none" altLang="pt-BR"/>
-          </a:p>
-          <a:p>
-            <a:pPr lvl="1"/>
-            <a:r>
-              <a:rPr lang="x-none" altLang="pt-BR"/>
-              <a:t>compras.movimento</a:t>
+              <a:t>acesso </a:t>
+            </a:r>
+            <a:r>
+              <a:rPr lang="x-none" altLang="pt-BR"/>
+              <a:t>a quais objetos, e o que cada usuário pode fazer</a:t>
+            </a:r>
+            <a:endParaRPr lang="x-none" altLang="pt-BR"/>
+          </a:p>
+          <a:p>
+            <a:r>
+              <a:rPr lang="x-none" altLang="pt-BR">
+                <a:solidFill>
+                  <a:srgbClr val="00B0F0"/>
+                </a:solidFill>
+                <a:latin typeface="DejaVu Sans Mono" charset="0"/>
+              </a:rPr>
+              <a:t>grant all privileges on database teste to william</a:t>
+            </a:r>
+            <a:endParaRPr lang="x-none" altLang="pt-BR">
+              <a:solidFill>
+                <a:srgbClr val="00B0F0"/>
+              </a:solidFill>
+              <a:latin typeface="DejaVu Sans Mono" charset="0"/>
+            </a:endParaRPr>
+          </a:p>
+          <a:p>
+            <a:r>
+              <a:rPr lang="x-none" altLang="pt-BR"/>
+              <a:t>Tipos de </a:t>
+            </a:r>
+            <a:r>
+              <a:rPr lang="x-none" altLang="pt-BR">
+                <a:solidFill>
+                  <a:srgbClr val="92D050"/>
+                </a:solidFill>
+              </a:rPr>
+              <a:t>grant</a:t>
+            </a:r>
+            <a:r>
+              <a:rPr lang="x-none" altLang="pt-BR"/>
+              <a:t>: select, insert, update, delete, rule, references, trigger, create, temporary, execute e usage</a:t>
             </a:r>
             <a:endParaRPr lang="x-none" altLang="pt-BR"/>
           </a:p>
@@ -4828,126 +4853,64 @@
         <p:spPr/>
         <p:txBody>
           <a:bodyPr>
-            <a:normAutofit fontScale="90000" lnSpcReduction="10000"/>
+            <a:normAutofit/>
           </a:bodyPr>
           <a:p>
-            <a:pPr lvl="0"/>
-            <a:r>
-              <a:rPr lang="x-none" altLang="pt-BR" sz="3000">
-                <a:sym typeface="+mn-ea"/>
-              </a:rPr>
-              <a:t>Todo banco de dados possui o schema </a:t>
-            </a:r>
-            <a:r>
-              <a:rPr lang="x-none" altLang="pt-BR" sz="3000">
+            <a:r>
+              <a:rPr lang="x-none" altLang="pt-BR">
                 <a:solidFill>
                   <a:srgbClr val="92D050"/>
                 </a:solidFill>
-                <a:sym typeface="+mn-ea"/>
-              </a:rPr>
-              <a:t>public</a:t>
-            </a:r>
-            <a:r>
-              <a:rPr lang="x-none" altLang="pt-BR" sz="3000">
-                <a:sym typeface="+mn-ea"/>
-              </a:rPr>
-              <a:t>, o qual não é obrigatório ser usada a notação com ponto:</a:t>
-            </a:r>
-            <a:endParaRPr lang="x-none" altLang="pt-BR" sz="3000"/>
+              </a:rPr>
+              <a:t>Schemas </a:t>
+            </a:r>
+            <a:r>
+              <a:rPr lang="x-none" altLang="pt-BR"/>
+              <a:t>são namespaces dentro de bancos de dados</a:t>
+            </a:r>
+            <a:endParaRPr lang="x-none" altLang="pt-BR"/>
+          </a:p>
+          <a:p>
+            <a:r>
+              <a:rPr lang="x-none" altLang="pt-BR"/>
+              <a:t>São usados para </a:t>
+            </a:r>
+            <a:r>
+              <a:rPr lang="x-none" altLang="pt-BR">
+                <a:solidFill>
+                  <a:srgbClr val="92D050"/>
+                </a:solidFill>
+              </a:rPr>
+              <a:t>organizar </a:t>
+            </a:r>
+            <a:r>
+              <a:rPr lang="x-none" altLang="pt-BR"/>
+              <a:t>o banco de dados e permitir duplicidade de nomes</a:t>
+            </a:r>
+            <a:endParaRPr lang="x-none" altLang="pt-BR"/>
+          </a:p>
+          <a:p>
+            <a:r>
+              <a:rPr lang="x-none" altLang="pt-BR"/>
+              <a:t>Por exemplo, você pode ter 2 tabelas de movimento:</a:t>
+            </a:r>
+            <a:endParaRPr lang="x-none" altLang="pt-BR"/>
           </a:p>
           <a:p>
             <a:pPr lvl="1"/>
             <a:r>
-              <a:rPr lang="x-none" altLang="pt-BR" sz="3000">
-                <a:sym typeface="+mn-ea"/>
-              </a:rPr>
-              <a:t>public.movimento</a:t>
-            </a:r>
-            <a:endParaRPr lang="x-none" altLang="pt-BR" sz="3000"/>
+              <a:rPr lang="x-none" altLang="pt-BR"/>
+              <a:t>vendas.movimento</a:t>
+            </a:r>
+            <a:endParaRPr lang="x-none" altLang="pt-BR"/>
           </a:p>
           <a:p>
             <a:pPr lvl="1"/>
             <a:r>
-              <a:rPr lang="x-none" altLang="pt-BR" sz="3000">
-                <a:sym typeface="+mn-ea"/>
-              </a:rPr>
-              <a:t>movimento</a:t>
-            </a:r>
-            <a:endParaRPr lang="x-none" altLang="pt-BR" sz="3000">
-              <a:sym typeface="+mn-ea"/>
-            </a:endParaRPr>
-          </a:p>
-          <a:p>
-            <a:pPr lvl="0"/>
-            <a:r>
-              <a:rPr lang="x-none" altLang="pt-BR"/>
-              <a:t>Para </a:t>
-            </a:r>
-            <a:r>
-              <a:rPr lang="x-none" altLang="pt-BR">
-                <a:solidFill>
-                  <a:srgbClr val="92D050"/>
-                </a:solidFill>
-              </a:rPr>
-              <a:t>listar </a:t>
-            </a:r>
-            <a:r>
-              <a:rPr lang="x-none" altLang="pt-BR"/>
-              <a:t>todos os schemas (logado no banco):</a:t>
-            </a:r>
-            <a:endParaRPr lang="x-none" altLang="pt-BR"/>
-          </a:p>
-          <a:p>
-            <a:pPr lvl="0"/>
-            <a:r>
-              <a:rPr lang="x-none" altLang="pt-BR">
-                <a:solidFill>
-                  <a:srgbClr val="00B0F0"/>
-                </a:solidFill>
-              </a:rPr>
-              <a:t>select nspname from pg_namespace</a:t>
-            </a:r>
-            <a:endParaRPr lang="x-none" altLang="pt-BR">
-              <a:solidFill>
-                <a:srgbClr val="00B0F0"/>
-              </a:solidFill>
-            </a:endParaRPr>
-          </a:p>
-          <a:p>
-            <a:pPr lvl="0"/>
-            <a:r>
-              <a:rPr lang="x-none" altLang="pt-BR"/>
-              <a:t>Para </a:t>
-            </a:r>
-            <a:r>
-              <a:rPr lang="x-none" altLang="pt-BR">
-                <a:solidFill>
-                  <a:srgbClr val="92D050"/>
-                </a:solidFill>
-              </a:rPr>
-              <a:t>criar </a:t>
-            </a:r>
-            <a:r>
-              <a:rPr lang="x-none" altLang="pt-BR"/>
-              <a:t>um schema (logado no banco):</a:t>
-            </a:r>
-            <a:endParaRPr lang="x-none" altLang="pt-BR"/>
-          </a:p>
-          <a:p>
-            <a:pPr lvl="0"/>
-            <a:r>
-              <a:rPr lang="x-none" altLang="pt-BR">
-                <a:solidFill>
-                  <a:srgbClr val="00B0F0"/>
-                </a:solidFill>
-              </a:rPr>
-              <a:t>create schema schema_teste</a:t>
-            </a:r>
-            <a:endParaRPr lang="x-none" altLang="pt-BR">
-              <a:solidFill>
-                <a:srgbClr val="00B0F0"/>
-              </a:solidFill>
-            </a:endParaRPr>
+              <a:rPr lang="x-none" altLang="pt-BR"/>
+              <a:t>compras.movimento</a:t>
+            </a:r>
+            <a:endParaRPr lang="x-none" altLang="pt-BR"/>
           </a:p>
         </p:txBody>
       </p:sp>
@@ -4985,7 +4948,7 @@
           <a:p>
             <a:r>
               <a:rPr lang="x-none" altLang="pt-BR"/>
-              <a:t>Conceitos: Views</a:t>
+              <a:t>Conceitos: Schemas</a:t>
             </a:r>
             <a:endParaRPr lang="x-none" altLang="pt-BR"/>
           </a:p>
@@ -5003,9 +4966,127 @@
         </p:nvSpPr>
         <p:spPr/>
         <p:txBody>
-          <a:bodyPr/>
-          <a:p>
-            <a:endParaRPr lang="pt-BR" altLang="en-US"/>
+          <a:bodyPr>
+            <a:normAutofit fontScale="90000" lnSpcReduction="10000"/>
+          </a:bodyPr>
+          <a:p>
+            <a:pPr lvl="0"/>
+            <a:r>
+              <a:rPr lang="x-none" altLang="pt-BR" sz="3000">
+                <a:sym typeface="+mn-ea"/>
+              </a:rPr>
+              <a:t>Todo banco de dados possui o schema </a:t>
+            </a:r>
+            <a:r>
+              <a:rPr lang="x-none" altLang="pt-BR" sz="3000">
+                <a:solidFill>
+                  <a:srgbClr val="92D050"/>
+                </a:solidFill>
+                <a:sym typeface="+mn-ea"/>
+              </a:rPr>
+              <a:t>public</a:t>
+            </a:r>
+            <a:r>
+              <a:rPr lang="x-none" altLang="pt-BR" sz="3000">
+                <a:sym typeface="+mn-ea"/>
+              </a:rPr>
+              <a:t>, o qual não é obrigatório ser usada a notação com ponto:</a:t>
+            </a:r>
+            <a:endParaRPr lang="x-none" altLang="pt-BR" sz="3000"/>
+          </a:p>
+          <a:p>
+            <a:pPr lvl="1"/>
+            <a:r>
+              <a:rPr lang="x-none" altLang="pt-BR" sz="3000">
+                <a:sym typeface="+mn-ea"/>
+              </a:rPr>
+              <a:t>public.movimento</a:t>
+            </a:r>
+            <a:endParaRPr lang="x-none" altLang="pt-BR" sz="3000"/>
+          </a:p>
+          <a:p>
+            <a:pPr lvl="1"/>
+            <a:r>
+              <a:rPr lang="x-none" altLang="pt-BR" sz="3000">
+                <a:sym typeface="+mn-ea"/>
+              </a:rPr>
+              <a:t>movimento</a:t>
+            </a:r>
+            <a:endParaRPr lang="x-none" altLang="pt-BR" sz="3000">
+              <a:sym typeface="+mn-ea"/>
+            </a:endParaRPr>
+          </a:p>
+          <a:p>
+            <a:pPr lvl="0"/>
+            <a:r>
+              <a:rPr lang="x-none" altLang="pt-BR"/>
+              <a:t>Para </a:t>
+            </a:r>
+            <a:r>
+              <a:rPr lang="x-none" altLang="pt-BR">
+                <a:solidFill>
+                  <a:srgbClr val="92D050"/>
+                </a:solidFill>
+              </a:rPr>
+              <a:t>listar </a:t>
+            </a:r>
+            <a:r>
+              <a:rPr lang="x-none" altLang="pt-BR"/>
+              <a:t>todos os schemas (logado no banco):</a:t>
+            </a:r>
+            <a:endParaRPr lang="x-none" altLang="pt-BR"/>
+          </a:p>
+          <a:p>
+            <a:pPr lvl="0"/>
+            <a:r>
+              <a:rPr lang="x-none" altLang="pt-BR">
+                <a:solidFill>
+                  <a:srgbClr val="00B0F0"/>
+                </a:solidFill>
+              </a:rPr>
+              <a:t>select nspname from pg_namespace</a:t>
+            </a:r>
+            <a:endParaRPr lang="x-none" altLang="pt-BR">
+              <a:solidFill>
+                <a:srgbClr val="00B0F0"/>
+              </a:solidFill>
+            </a:endParaRPr>
+          </a:p>
+          <a:p>
+            <a:pPr lvl="0"/>
+            <a:r>
+              <a:rPr lang="x-none" altLang="pt-BR"/>
+              <a:t>Para </a:t>
+            </a:r>
+            <a:r>
+              <a:rPr lang="x-none" altLang="pt-BR">
+                <a:solidFill>
+                  <a:srgbClr val="92D050"/>
+                </a:solidFill>
+              </a:rPr>
+              <a:t>criar </a:t>
+            </a:r>
+            <a:r>
+              <a:rPr lang="x-none" altLang="pt-BR"/>
+              <a:t>um schema (logado no banco):</a:t>
+            </a:r>
+            <a:endParaRPr lang="x-none" altLang="pt-BR"/>
+          </a:p>
+          <a:p>
+            <a:pPr lvl="0"/>
+            <a:r>
+              <a:rPr lang="x-none" altLang="pt-BR">
+                <a:solidFill>
+                  <a:srgbClr val="00B0F0"/>
+                </a:solidFill>
+              </a:rPr>
+              <a:t>create schema schema_teste</a:t>
+            </a:r>
+            <a:endParaRPr lang="x-none" altLang="pt-BR">
+              <a:solidFill>
+                <a:srgbClr val="00B0F0"/>
+              </a:solidFill>
+            </a:endParaRPr>
           </a:p>
         </p:txBody>
       </p:sp>
@@ -5043,7 +5124,7 @@
           <a:p>
             <a:r>
               <a:rPr lang="x-none" altLang="pt-BR"/>
-              <a:t>Backup e Restauração</a:t>
+              <a:t>Conceitos: Views</a:t>
             </a:r>
             <a:endParaRPr lang="x-none" altLang="pt-BR"/>
           </a:p>
@@ -5061,9 +5142,143 @@
         </p:nvSpPr>
         <p:spPr/>
         <p:txBody>
-          <a:bodyPr/>
-          <a:p>
-            <a:endParaRPr lang="pt-BR" altLang="en-US"/>
+          <a:bodyPr>
+            <a:normAutofit fontScale="90000" lnSpcReduction="10000"/>
+          </a:bodyPr>
+          <a:p>
+            <a:r>
+              <a:rPr lang="x-none" altLang="pt-BR"/>
+              <a:t>Uma </a:t>
+            </a:r>
+            <a:r>
+              <a:rPr lang="x-none" altLang="pt-BR">
+                <a:solidFill>
+                  <a:srgbClr val="92D050"/>
+                </a:solidFill>
+              </a:rPr>
+              <a:t>view </a:t>
+            </a:r>
+            <a:r>
+              <a:rPr lang="x-none" altLang="pt-BR"/>
+              <a:t>é uma consulta armazenada</a:t>
+            </a:r>
+            <a:endParaRPr lang="x-none" altLang="pt-BR"/>
+          </a:p>
+          <a:p>
+            <a:r>
+              <a:rPr lang="x-none" altLang="pt-BR"/>
+              <a:t>Para </a:t>
+            </a:r>
+            <a:r>
+              <a:rPr lang="x-none" altLang="pt-BR">
+                <a:solidFill>
+                  <a:srgbClr val="92D050"/>
+                </a:solidFill>
+              </a:rPr>
+              <a:t>criar </a:t>
+            </a:r>
+            <a:r>
+              <a:rPr lang="x-none" altLang="pt-BR"/>
+              <a:t>uma view:</a:t>
+            </a:r>
+            <a:endParaRPr lang="x-none" altLang="pt-BR"/>
+          </a:p>
+          <a:p>
+            <a:r>
+              <a:rPr lang="x-none" altLang="pt-BR">
+                <a:solidFill>
+                  <a:srgbClr val="00B0F0"/>
+                </a:solidFill>
+                <a:latin typeface="DejaVu Sans Mono" charset="0"/>
+              </a:rPr>
+              <a:t>create or replace view vw_minhaview as</a:t>
+            </a:r>
+            <a:endParaRPr lang="x-none" altLang="pt-BR">
+              <a:solidFill>
+                <a:srgbClr val="00B0F0"/>
+              </a:solidFill>
+              <a:latin typeface="DejaVu Sans Mono" charset="0"/>
+            </a:endParaRPr>
+          </a:p>
+          <a:p>
+            <a:r>
+              <a:rPr lang="x-none" altLang="pt-BR">
+                <a:solidFill>
+                  <a:srgbClr val="00B0F0"/>
+                </a:solidFill>
+                <a:latin typeface="DejaVu Sans Mono" charset="0"/>
+              </a:rPr>
+              <a:t>select col1, col2, col3 from tabela</a:t>
+            </a:r>
+            <a:endParaRPr lang="x-none" altLang="pt-BR">
+              <a:solidFill>
+                <a:srgbClr val="00B0F0"/>
+              </a:solidFill>
+              <a:latin typeface="DejaVu Sans Mono" charset="0"/>
+            </a:endParaRPr>
+          </a:p>
+          <a:p>
+            <a:r>
+              <a:rPr lang="x-none" altLang="pt-BR"/>
+              <a:t>Usa-se uma view como se fosse uma tabela:</a:t>
+            </a:r>
+            <a:endParaRPr lang="x-none" altLang="pt-BR"/>
+          </a:p>
+          <a:p>
+            <a:r>
+              <a:rPr lang="x-none" altLang="pt-BR">
+                <a:solidFill>
+                  <a:srgbClr val="00B0F0"/>
+                </a:solidFill>
+                <a:latin typeface="DejaVu Sans Mono" charset="0"/>
+              </a:rPr>
+              <a:t>select * from vw_minhaview</a:t>
+            </a:r>
+            <a:endParaRPr lang="x-none" altLang="pt-BR">
+              <a:solidFill>
+                <a:srgbClr val="00B0F0"/>
+              </a:solidFill>
+              <a:latin typeface="DejaVu Sans Mono" charset="0"/>
+            </a:endParaRPr>
+          </a:p>
+          <a:p>
+            <a:r>
+              <a:rPr lang="x-none" altLang="pt-BR"/>
+              <a:t>Para </a:t>
+            </a:r>
+            <a:r>
+              <a:rPr lang="x-none" altLang="pt-BR">
+                <a:solidFill>
+                  <a:srgbClr val="92D050"/>
+                </a:solidFill>
+              </a:rPr>
+              <a:t>listar </a:t>
+            </a:r>
+            <a:r>
+              <a:rPr lang="x-none" altLang="pt-BR"/>
+              <a:t>todas as views:</a:t>
+            </a:r>
+            <a:endParaRPr lang="x-none" altLang="pt-BR"/>
+          </a:p>
+          <a:p>
+            <a:r>
+              <a:rPr lang="x-none" altLang="pt-BR">
+                <a:solidFill>
+                  <a:srgbClr val="00B0F0"/>
+                </a:solidFill>
+                <a:latin typeface="DejaVu Sans Mono" charset="0"/>
+              </a:rPr>
+              <a:t>select viewname from pg_views</a:t>
+            </a:r>
+            <a:endParaRPr lang="x-none" altLang="pt-BR">
+              <a:solidFill>
+                <a:srgbClr val="00B0F0"/>
+              </a:solidFill>
+              <a:latin typeface="DejaVu Sans Mono" charset="0"/>
+            </a:endParaRPr>
+          </a:p>
+          <a:p>
+            <a:endParaRPr lang="x-none" altLang="pt-BR"/>
           </a:p>
         </p:txBody>
       </p:sp>
@@ -5167,7 +5382,7 @@
           <a:p>
             <a:r>
               <a:rPr lang="x-none" altLang="pt-BR"/>
-              <a:t>Desempenho</a:t>
+              <a:t>Conceitos: Tipos de Dados</a:t>
             </a:r>
             <a:endParaRPr lang="x-none" altLang="pt-BR"/>
           </a:p>
@@ -5185,9 +5400,118 @@
         </p:nvSpPr>
         <p:spPr/>
         <p:txBody>
-          <a:bodyPr/>
-          <a:p>
-            <a:endParaRPr lang="pt-BR" altLang="en-US"/>
+          <a:bodyPr>
+            <a:normAutofit fontScale="90000" lnSpcReduction="10000"/>
+          </a:bodyPr>
+          <a:p>
+            <a:r>
+              <a:rPr lang="x-none" altLang="pt-BR"/>
+              <a:t>Exemplos de </a:t>
+            </a:r>
+            <a:r>
+              <a:rPr lang="x-none" altLang="pt-BR">
+                <a:solidFill>
+                  <a:srgbClr val="92D050"/>
+                </a:solidFill>
+              </a:rPr>
+              <a:t>tipos de dados</a:t>
+            </a:r>
+            <a:r>
+              <a:rPr lang="x-none" altLang="pt-BR"/>
+              <a:t>:</a:t>
+            </a:r>
+            <a:endParaRPr lang="x-none" altLang="pt-BR"/>
+          </a:p>
+          <a:p>
+            <a:pPr lvl="1"/>
+            <a:r>
+              <a:rPr lang="x-none" altLang="pt-BR"/>
+              <a:t>integer, bigint</a:t>
+            </a:r>
+            <a:endParaRPr lang="x-none" altLang="pt-BR"/>
+          </a:p>
+          <a:p>
+            <a:pPr lvl="1"/>
+            <a:r>
+              <a:rPr lang="x-none" altLang="pt-BR"/>
+              <a:t>serial, bigserial</a:t>
+            </a:r>
+            <a:endParaRPr lang="x-none" altLang="pt-BR"/>
+          </a:p>
+          <a:p>
+            <a:pPr lvl="1"/>
+            <a:r>
+              <a:rPr lang="x-none" altLang="pt-BR"/>
+              <a:t>char, character, character varying</a:t>
+            </a:r>
+            <a:endParaRPr lang="x-none" altLang="pt-BR"/>
+          </a:p>
+          <a:p>
+            <a:pPr lvl="1"/>
+            <a:r>
+              <a:rPr lang="x-none" altLang="pt-BR"/>
+              <a:t>double precision, numeric</a:t>
+            </a:r>
+            <a:endParaRPr lang="x-none" altLang="pt-BR"/>
+          </a:p>
+          <a:p>
+            <a:pPr lvl="1"/>
+            <a:r>
+              <a:rPr lang="x-none" altLang="pt-BR"/>
+              <a:t>date, timestamp</a:t>
+            </a:r>
+            <a:endParaRPr lang="x-none" altLang="pt-BR"/>
+          </a:p>
+          <a:p>
+            <a:r>
+              <a:rPr lang="x-none" altLang="pt-BR"/>
+              <a:t>Exemplos de </a:t>
+            </a:r>
+            <a:r>
+              <a:rPr lang="x-none" altLang="pt-BR">
+                <a:solidFill>
+                  <a:srgbClr val="92D050"/>
+                </a:solidFill>
+              </a:rPr>
+              <a:t>conversões</a:t>
+            </a:r>
+            <a:r>
+              <a:rPr lang="x-none" altLang="pt-BR"/>
+              <a:t>:</a:t>
+            </a:r>
+            <a:endParaRPr lang="x-none" altLang="pt-BR"/>
+          </a:p>
+          <a:p>
+            <a:pPr lvl="1"/>
+            <a:r>
+              <a:rPr lang="x-none" altLang="pt-BR"/>
+              <a:t>'27/09/2016'::date</a:t>
+            </a:r>
+            <a:endParaRPr lang="x-none" altLang="pt-BR"/>
+          </a:p>
+          <a:p>
+            <a:pPr lvl="1"/>
+            <a:r>
+              <a:rPr lang="x-none" altLang="pt-BR"/>
+              <a:t>'27/09/2016 09:00:00'::timestamp</a:t>
+            </a:r>
+            <a:endParaRPr lang="x-none" altLang="pt-BR"/>
+          </a:p>
+          <a:p>
+            <a:pPr lvl="1"/>
+            <a:r>
+              <a:rPr lang="x-none" altLang="pt-BR"/>
+              <a:t>'12.5'::double precision</a:t>
+            </a:r>
+            <a:endParaRPr lang="x-none" altLang="pt-BR"/>
+          </a:p>
+          <a:p>
+            <a:pPr lvl="1"/>
+            <a:r>
+              <a:rPr lang="x-none" altLang="pt-BR"/>
+              <a:t>1000::character varying</a:t>
+            </a:r>
+            <a:endParaRPr lang="x-none" altLang="pt-BR"/>
           </a:p>
         </p:txBody>
       </p:sp>
@@ -5225,7 +5549,7 @@
           <a:p>
             <a:r>
               <a:rPr lang="x-none" altLang="pt-BR"/>
-              <a:t>Desempenho: Explain</a:t>
+              <a:t>Conceitos: Funções</a:t>
             </a:r>
             <a:endParaRPr lang="x-none" altLang="pt-BR"/>
           </a:p>
@@ -5243,9 +5567,98 @@
         </p:nvSpPr>
         <p:spPr/>
         <p:txBody>
-          <a:bodyPr/>
-          <a:p>
-            <a:endParaRPr lang="pt-BR" altLang="en-US"/>
+          <a:bodyPr>
+            <a:normAutofit fontScale="90000" lnSpcReduction="10000"/>
+          </a:bodyPr>
+          <a:p>
+            <a:r>
+              <a:rPr lang="x-none" altLang="pt-BR"/>
+              <a:t>PostgreSQL tem muitas funções prontas</a:t>
+            </a:r>
+            <a:endParaRPr lang="x-none" altLang="pt-BR"/>
+          </a:p>
+          <a:p>
+            <a:r>
+              <a:rPr lang="x-none" altLang="pt-BR"/>
+              <a:t>Exemplos:</a:t>
+            </a:r>
+            <a:endParaRPr lang="x-none" altLang="pt-BR"/>
+          </a:p>
+          <a:p>
+            <a:pPr lvl="1"/>
+            <a:r>
+              <a:rPr lang="x-none" altLang="pt-BR"/>
+              <a:t>upper(str), lower(str), length(str)</a:t>
+            </a:r>
+            <a:endParaRPr lang="x-none" altLang="pt-BR"/>
+          </a:p>
+          <a:p>
+            <a:pPr lvl="1"/>
+            <a:r>
+              <a:rPr lang="x-none" altLang="pt-BR"/>
+              <a:t>trim(str), substring(str from start to end)</a:t>
+            </a:r>
+            <a:endParaRPr lang="x-none" altLang="pt-BR"/>
+          </a:p>
+          <a:p>
+            <a:pPr lvl="1"/>
+            <a:r>
+              <a:rPr lang="x-none" altLang="pt-BR"/>
+              <a:t>replace(str, str1, str2)</a:t>
+            </a:r>
+            <a:endParaRPr lang="x-none" altLang="pt-BR"/>
+          </a:p>
+          <a:p>
+            <a:pPr lvl="1"/>
+            <a:r>
+              <a:rPr lang="x-none" altLang="pt-BR"/>
+              <a:t>coalesce(val1, val2, ...)</a:t>
+            </a:r>
+            <a:endParaRPr lang="x-none" altLang="pt-BR"/>
+          </a:p>
+          <a:p>
+            <a:pPr lvl="1"/>
+            <a:r>
+              <a:rPr lang="x-none" altLang="pt-BR"/>
+              <a:t>greatest(val1, val2, ...)</a:t>
+            </a:r>
+            <a:endParaRPr lang="x-none" altLang="pt-BR"/>
+          </a:p>
+          <a:p>
+            <a:pPr lvl="1"/>
+            <a:r>
+              <a:rPr lang="x-none" altLang="pt-BR"/>
+              <a:t>least(val1, val2, ...)</a:t>
+            </a:r>
+            <a:endParaRPr lang="x-none" altLang="pt-BR"/>
+          </a:p>
+          <a:p>
+            <a:pPr lvl="1"/>
+            <a:r>
+              <a:rPr lang="x-none" altLang="pt-BR"/>
+              <a:t>now(), extract(date_part from timestamp)</a:t>
+            </a:r>
+            <a:endParaRPr lang="x-none" altLang="pt-BR"/>
+          </a:p>
+          <a:p>
+            <a:pPr lvl="1"/>
+            <a:r>
+              <a:rPr lang="x-none" altLang="pt-BR"/>
+              <a:t>floor(n), ceil(n), log(n), pi(), mod(n, m),</a:t>
+            </a:r>
+            <a:endParaRPr lang="x-none" altLang="pt-BR"/>
+          </a:p>
+          <a:p>
+            <a:pPr lvl="1"/>
+            <a:r>
+              <a:rPr lang="x-none" altLang="pt-BR"/>
+              <a:t>power(n, m), round(n, m), sqrt(n)</a:t>
+            </a:r>
+            <a:endParaRPr lang="x-none" altLang="pt-BR"/>
+          </a:p>
+          <a:p>
+            <a:pPr lvl="1"/>
+            <a:endParaRPr lang="x-none" altLang="pt-BR"/>
           </a:p>
         </p:txBody>
       </p:sp>
@@ -5283,7 +5696,7 @@
           <a:p>
             <a:r>
               <a:rPr lang="x-none" altLang="pt-BR"/>
-              <a:t>Desempenho: Índices</a:t>
+              <a:t>Backup e Restauração</a:t>
             </a:r>
             <a:endParaRPr lang="x-none" altLang="pt-BR"/>
           </a:p>
@@ -5301,9 +5714,106 @@
         </p:nvSpPr>
         <p:spPr/>
         <p:txBody>
-          <a:bodyPr/>
-          <a:p>
-            <a:endParaRPr lang="pt-BR" altLang="en-US"/>
+          <a:bodyPr>
+            <a:normAutofit fontScale="80000"/>
+          </a:bodyPr>
+          <a:p>
+            <a:r>
+              <a:rPr lang="x-none" altLang="pt-BR"/>
+              <a:t>Seus bancos de dados podem conter dados valiosos</a:t>
+            </a:r>
+            <a:endParaRPr lang="x-none" altLang="pt-BR"/>
+          </a:p>
+          <a:p>
+            <a:r>
+              <a:rPr lang="x-none" altLang="pt-BR">
+                <a:solidFill>
+                  <a:srgbClr val="92D050"/>
+                </a:solidFill>
+              </a:rPr>
+              <a:t>Faça backup regularmente!!</a:t>
+            </a:r>
+            <a:endParaRPr lang="x-none" altLang="pt-BR">
+              <a:solidFill>
+                <a:srgbClr val="92D050"/>
+              </a:solidFill>
+            </a:endParaRPr>
+          </a:p>
+          <a:p>
+            <a:r>
+              <a:rPr lang="x-none" altLang="pt-BR"/>
+              <a:t>No caso do SQLite, o backup é apenas uma cópia do arquivo .db</a:t>
+            </a:r>
+            <a:endParaRPr lang="x-none" altLang="pt-BR"/>
+          </a:p>
+          <a:p>
+            <a:r>
+              <a:rPr lang="x-none" altLang="pt-BR"/>
+              <a:t>No PostgreSQL, o backup é feito através de um </a:t>
+            </a:r>
+            <a:r>
+              <a:rPr lang="x-none" altLang="pt-BR">
+                <a:solidFill>
+                  <a:srgbClr val="92D050"/>
+                </a:solidFill>
+              </a:rPr>
+              <a:t>SQL Dump</a:t>
+            </a:r>
+            <a:endParaRPr lang="x-none" altLang="pt-BR">
+              <a:solidFill>
+                <a:srgbClr val="92D050"/>
+              </a:solidFill>
+            </a:endParaRPr>
+          </a:p>
+          <a:p>
+            <a:r>
+              <a:rPr lang="x-none" altLang="pt-BR"/>
+              <a:t>A ideia é criar um </a:t>
+            </a:r>
+            <a:r>
+              <a:rPr lang="x-none" altLang="pt-BR">
+                <a:solidFill>
+                  <a:srgbClr val="92D050"/>
+                </a:solidFill>
+              </a:rPr>
+              <a:t>script </a:t>
+            </a:r>
+            <a:r>
+              <a:rPr lang="x-none" altLang="pt-BR"/>
+              <a:t>contendo </a:t>
+            </a:r>
+            <a:r>
+              <a:rPr lang="x-none" altLang="pt-BR">
+                <a:solidFill>
+                  <a:srgbClr val="92D050"/>
+                </a:solidFill>
+              </a:rPr>
+              <a:t>comandos SQL</a:t>
+            </a:r>
+            <a:r>
+              <a:rPr lang="x-none" altLang="pt-BR"/>
+              <a:t> com o </a:t>
+            </a:r>
+            <a:r>
+              <a:rPr lang="x-none" altLang="pt-BR">
+                <a:solidFill>
+                  <a:srgbClr val="92D050"/>
+                </a:solidFill>
+              </a:rPr>
+              <a:t>estado atual</a:t>
+            </a:r>
+            <a:r>
+              <a:rPr lang="x-none" altLang="pt-BR"/>
+              <a:t> do banco de dados</a:t>
+            </a:r>
+            <a:endParaRPr lang="x-none" altLang="pt-BR"/>
+          </a:p>
+          <a:p>
+            <a:r>
+              <a:rPr lang="x-none" altLang="pt-BR"/>
+              <a:t>Ao ser rodado num banco de dados vazio, o script recriará o estado atual do banco de dados</a:t>
+            </a:r>
+            <a:endParaRPr lang="x-none" altLang="pt-BR"/>
           </a:p>
         </p:txBody>
       </p:sp>
@@ -5341,7 +5851,7 @@
           <a:p>
             <a:r>
               <a:rPr lang="x-none" altLang="pt-BR"/>
-              <a:t>Desempenho: CTEs</a:t>
+              <a:t>Backup e Restauração</a:t>
             </a:r>
             <a:endParaRPr lang="x-none" altLang="pt-BR"/>
           </a:p>
@@ -5359,9 +5869,147 @@
         </p:nvSpPr>
         <p:spPr/>
         <p:txBody>
-          <a:bodyPr/>
-          <a:p>
-            <a:endParaRPr lang="pt-BR" altLang="en-US"/>
+          <a:bodyPr>
+            <a:normAutofit lnSpcReduction="20000"/>
+          </a:bodyPr>
+          <a:p>
+            <a:r>
+              <a:rPr lang="x-none" altLang="pt-BR"/>
+              <a:t>Para criar um dump:</a:t>
+            </a:r>
+            <a:endParaRPr lang="x-none" altLang="pt-BR"/>
+          </a:p>
+          <a:p>
+            <a:pPr lvl="1"/>
+            <a:r>
+              <a:rPr lang="x-none" altLang="pt-BR">
+                <a:solidFill>
+                  <a:srgbClr val="00B0F0"/>
+                </a:solidFill>
+                <a:latin typeface="DejaVu Sans Mono" charset="0"/>
+              </a:rPr>
+              <a:t>su</a:t>
+            </a:r>
+            <a:endParaRPr lang="x-none" altLang="pt-BR">
+              <a:solidFill>
+                <a:srgbClr val="00B0F0"/>
+              </a:solidFill>
+              <a:latin typeface="DejaVu Sans Mono" charset="0"/>
+            </a:endParaRPr>
+          </a:p>
+          <a:p>
+            <a:pPr lvl="1"/>
+            <a:r>
+              <a:rPr lang="x-none" altLang="pt-BR">
+                <a:solidFill>
+                  <a:srgbClr val="00B0F0"/>
+                </a:solidFill>
+                <a:latin typeface="DejaVu Sans Mono" charset="0"/>
+              </a:rPr>
+              <a:t>su postgres</a:t>
+            </a:r>
+            <a:endParaRPr lang="x-none" altLang="pt-BR">
+              <a:solidFill>
+                <a:srgbClr val="00B0F0"/>
+              </a:solidFill>
+              <a:latin typeface="DejaVu Sans Mono" charset="0"/>
+            </a:endParaRPr>
+          </a:p>
+          <a:p>
+            <a:pPr lvl="1"/>
+            <a:r>
+              <a:rPr lang="x-none" altLang="pt-BR">
+                <a:solidFill>
+                  <a:srgbClr val="00B0F0"/>
+                </a:solidFill>
+                <a:latin typeface="DejaVu Sans Mono" charset="0"/>
+              </a:rPr>
+              <a:t>cd</a:t>
+            </a:r>
+            <a:endParaRPr lang="x-none" altLang="pt-BR">
+              <a:solidFill>
+                <a:srgbClr val="00B0F0"/>
+              </a:solidFill>
+              <a:latin typeface="DejaVu Sans Mono" charset="0"/>
+            </a:endParaRPr>
+          </a:p>
+          <a:p>
+            <a:pPr lvl="1"/>
+            <a:r>
+              <a:rPr lang="x-none" altLang="pt-BR">
+                <a:solidFill>
+                  <a:srgbClr val="00B0F0"/>
+                </a:solidFill>
+                <a:latin typeface="DejaVu Sans Mono" charset="0"/>
+              </a:rPr>
+              <a:t>pg_dump employees &gt; backup.sql</a:t>
+            </a:r>
+            <a:endParaRPr lang="x-none" altLang="pt-BR">
+              <a:solidFill>
+                <a:srgbClr val="00B0F0"/>
+              </a:solidFill>
+              <a:latin typeface="DejaVu Sans Mono" charset="0"/>
+            </a:endParaRPr>
+          </a:p>
+          <a:p>
+            <a:pPr lvl="0"/>
+            <a:r>
+              <a:rPr lang="x-none" altLang="pt-BR" sz="3000"/>
+              <a:t>Isso criará um arquivo </a:t>
+            </a:r>
+            <a:r>
+              <a:rPr lang="x-none" altLang="pt-BR" sz="3000">
+                <a:solidFill>
+                  <a:srgbClr val="92D050"/>
+                </a:solidFill>
+              </a:rPr>
+              <a:t>backup.sql</a:t>
+            </a:r>
+            <a:r>
+              <a:rPr lang="x-none" altLang="pt-BR" sz="3000"/>
+              <a:t> na pasta </a:t>
+            </a:r>
+            <a:r>
+              <a:rPr lang="x-none" altLang="pt-BR" sz="3000">
+                <a:solidFill>
+                  <a:srgbClr val="92D050"/>
+                </a:solidFill>
+              </a:rPr>
+              <a:t>/var/lib/postgresql</a:t>
+            </a:r>
+            <a:endParaRPr lang="x-none" altLang="pt-BR" sz="3000">
+              <a:solidFill>
+                <a:srgbClr val="92D050"/>
+              </a:solidFill>
+            </a:endParaRPr>
+          </a:p>
+          <a:p>
+            <a:pPr lvl="0"/>
+            <a:r>
+              <a:rPr lang="x-none" altLang="pt-BR" sz="3000"/>
+              <a:t>Recomenda-se o uso de um formato compactado:</a:t>
+            </a:r>
+            <a:endParaRPr lang="x-none" altLang="pt-BR" sz="3000"/>
+          </a:p>
+          <a:p>
+            <a:pPr lvl="1"/>
+            <a:r>
+              <a:rPr lang="x-none" altLang="pt-BR" sz="2600">
+                <a:solidFill>
+                  <a:srgbClr val="00B0F0"/>
+                </a:solidFill>
+              </a:rPr>
+              <a:t>pg_dump -Fc employees &gt; backup.dmp</a:t>
+            </a:r>
+            <a:endParaRPr lang="x-none" altLang="pt-BR" sz="2600">
+              <a:solidFill>
+                <a:srgbClr val="00B0F0"/>
+              </a:solidFill>
+            </a:endParaRPr>
+          </a:p>
+          <a:p>
+            <a:pPr lvl="1"/>
+            <a:endParaRPr lang="x-none" altLang="pt-BR"/>
           </a:p>
         </p:txBody>
       </p:sp>
@@ -5399,7 +6047,7 @@
           <a:p>
             <a:r>
               <a:rPr lang="x-none" altLang="pt-BR"/>
-              <a:t>Desempenho: Configuração</a:t>
+              <a:t>Backup e Restauração</a:t>
             </a:r>
             <a:endParaRPr lang="x-none" altLang="pt-BR"/>
           </a:p>
@@ -5417,9 +6065,116 @@
         </p:nvSpPr>
         <p:spPr/>
         <p:txBody>
-          <a:bodyPr/>
-          <a:p>
-            <a:endParaRPr lang="pt-BR" altLang="en-US"/>
+          <a:bodyPr>
+            <a:normAutofit fontScale="90000" lnSpcReduction="10000"/>
+          </a:bodyPr>
+          <a:p>
+            <a:r>
+              <a:rPr lang="x-none" altLang="pt-BR"/>
+              <a:t>O ideal é </a:t>
+            </a:r>
+            <a:r>
+              <a:rPr lang="x-none" altLang="pt-BR">
+                <a:solidFill>
+                  <a:srgbClr val="92D050"/>
+                </a:solidFill>
+              </a:rPr>
+              <a:t>agendar </a:t>
+            </a:r>
+            <a:r>
+              <a:rPr lang="x-none" altLang="pt-BR"/>
+              <a:t>para criar um backup diariamente</a:t>
+            </a:r>
+            <a:endParaRPr lang="x-none" altLang="pt-BR"/>
+          </a:p>
+          <a:p>
+            <a:r>
+              <a:rPr lang="x-none" altLang="pt-BR"/>
+              <a:t>Os arquivos .sql ou .dmp podem ser </a:t>
+            </a:r>
+            <a:r>
+              <a:rPr lang="x-none" altLang="pt-BR">
+                <a:solidFill>
+                  <a:srgbClr val="92D050"/>
+                </a:solidFill>
+              </a:rPr>
+              <a:t>copiados </a:t>
+            </a:r>
+            <a:r>
+              <a:rPr lang="x-none" altLang="pt-BR"/>
+              <a:t>para outra máquina</a:t>
+            </a:r>
+            <a:endParaRPr lang="x-none" altLang="pt-BR"/>
+          </a:p>
+          <a:p>
+            <a:r>
+              <a:rPr lang="x-none" altLang="pt-BR"/>
+              <a:t>Devem ser restaurados em um </a:t>
+            </a:r>
+            <a:r>
+              <a:rPr lang="x-none" altLang="pt-BR">
+                <a:solidFill>
+                  <a:srgbClr val="92D050"/>
+                </a:solidFill>
+              </a:rPr>
+              <a:t>banco de dados vazio</a:t>
+            </a:r>
+            <a:endParaRPr lang="x-none" altLang="pt-BR">
+              <a:solidFill>
+                <a:srgbClr val="92D050"/>
+              </a:solidFill>
+            </a:endParaRPr>
+          </a:p>
+          <a:p>
+            <a:r>
+              <a:rPr lang="x-none" altLang="pt-BR"/>
+              <a:t>Para restaurar um script .sql:</a:t>
+            </a:r>
+            <a:endParaRPr lang="x-none" altLang="pt-BR"/>
+          </a:p>
+          <a:p>
+            <a:pPr lvl="1"/>
+            <a:r>
+              <a:rPr lang="x-none" altLang="pt-BR">
+                <a:solidFill>
+                  <a:srgbClr val="00B0F0"/>
+                </a:solidFill>
+                <a:latin typeface="DejaVu Sans Mono" charset="0"/>
+              </a:rPr>
+              <a:t>psql novobanco &lt; backup.sql</a:t>
+            </a:r>
+            <a:endParaRPr lang="x-none" altLang="pt-BR">
+              <a:solidFill>
+                <a:srgbClr val="00B0F0"/>
+              </a:solidFill>
+              <a:latin typeface="DejaVu Sans Mono" charset="0"/>
+            </a:endParaRPr>
+          </a:p>
+          <a:p>
+            <a:pPr lvl="0"/>
+            <a:r>
+              <a:rPr lang="x-none" altLang="pt-BR"/>
+              <a:t>Para restaurar um arquivo .dmp:</a:t>
+            </a:r>
+            <a:endParaRPr lang="x-none" altLang="pt-BR"/>
+          </a:p>
+          <a:p>
+            <a:pPr lvl="1"/>
+            <a:r>
+              <a:rPr lang="x-none" altLang="pt-BR">
+                <a:solidFill>
+                  <a:srgbClr val="00B0F0"/>
+                </a:solidFill>
+                <a:latin typeface="DejaVu Sans Mono" charset="0"/>
+              </a:rPr>
+              <a:t>pg_restore -d novobanco backup.dmp</a:t>
+            </a:r>
+            <a:endParaRPr lang="x-none" altLang="pt-BR">
+              <a:solidFill>
+                <a:srgbClr val="00B0F0"/>
+              </a:solidFill>
+              <a:latin typeface="DejaVu Sans Mono" charset="0"/>
+            </a:endParaRPr>
           </a:p>
         </p:txBody>
       </p:sp>
@@ -5457,7 +6212,7 @@
           <a:p>
             <a:r>
               <a:rPr lang="x-none" altLang="pt-BR"/>
-              <a:t>Funções</a:t>
+              <a:t>Desempenho</a:t>
             </a:r>
             <a:endParaRPr lang="x-none" altLang="pt-BR"/>
           </a:p>
@@ -5475,9 +6230,169 @@
         </p:nvSpPr>
         <p:spPr/>
         <p:txBody>
-          <a:bodyPr/>
-          <a:p>
-            <a:endParaRPr lang="pt-BR" altLang="en-US"/>
+          <a:bodyPr>
+            <a:normAutofit fontScale="90000" lnSpcReduction="10000"/>
+          </a:bodyPr>
+          <a:p>
+            <a:r>
+              <a:rPr lang="x-none" altLang="pt-BR">
+                <a:solidFill>
+                  <a:srgbClr val="92D050"/>
+                </a:solidFill>
+              </a:rPr>
+              <a:t>PostgreSQL Tuning</a:t>
+            </a:r>
+            <a:r>
+              <a:rPr lang="x-none" altLang="pt-BR"/>
+              <a:t> é uma tarefa que pode ser complicada</a:t>
+            </a:r>
+            <a:endParaRPr lang="x-none" altLang="pt-BR"/>
+          </a:p>
+          <a:p>
+            <a:r>
+              <a:rPr lang="x-none" altLang="pt-BR"/>
+              <a:t>Depende muito da aplicação: </a:t>
+            </a:r>
+            <a:r>
+              <a:rPr lang="x-none" altLang="pt-BR">
+                <a:solidFill>
+                  <a:srgbClr val="92D050"/>
+                </a:solidFill>
+              </a:rPr>
+              <a:t>não existe bala de prata!</a:t>
+            </a:r>
+            <a:endParaRPr lang="x-none" altLang="pt-BR">
+              <a:solidFill>
+                <a:srgbClr val="92D050"/>
+              </a:solidFill>
+            </a:endParaRPr>
+          </a:p>
+          <a:p>
+            <a:r>
+              <a:rPr lang="x-none" altLang="pt-BR"/>
+              <a:t>Alguns pontos:</a:t>
+            </a:r>
+            <a:endParaRPr lang="x-none" altLang="pt-BR"/>
+          </a:p>
+          <a:p>
+            <a:pPr lvl="1"/>
+            <a:r>
+              <a:rPr lang="x-none" altLang="pt-BR"/>
+              <a:t>Melhorias no código </a:t>
+            </a:r>
+            <a:r>
+              <a:rPr lang="x-none" altLang="pt-BR">
+                <a:solidFill>
+                  <a:srgbClr val="92D050"/>
+                </a:solidFill>
+              </a:rPr>
+              <a:t>SQL</a:t>
+            </a:r>
+            <a:endParaRPr lang="x-none" altLang="pt-BR">
+              <a:solidFill>
+                <a:srgbClr val="92D050"/>
+              </a:solidFill>
+            </a:endParaRPr>
+          </a:p>
+          <a:p>
+            <a:pPr lvl="1"/>
+            <a:r>
+              <a:rPr lang="x-none" altLang="pt-BR"/>
+              <a:t>Uso de Common Table Expressions (</a:t>
+            </a:r>
+            <a:r>
+              <a:rPr lang="x-none" altLang="pt-BR">
+                <a:solidFill>
+                  <a:srgbClr val="92D050"/>
+                </a:solidFill>
+              </a:rPr>
+              <a:t>CTEs</a:t>
+            </a:r>
+            <a:r>
+              <a:rPr lang="x-none" altLang="pt-BR"/>
+              <a:t>)</a:t>
+            </a:r>
+            <a:endParaRPr lang="x-none" altLang="pt-BR"/>
+          </a:p>
+          <a:p>
+            <a:pPr lvl="1"/>
+            <a:r>
+              <a:rPr lang="x-none" altLang="pt-BR"/>
+              <a:t>Limpeza do banco de dados com </a:t>
+            </a:r>
+            <a:r>
+              <a:rPr lang="x-none" altLang="pt-BR">
+                <a:solidFill>
+                  <a:srgbClr val="92D050"/>
+                </a:solidFill>
+              </a:rPr>
+              <a:t>vacuum</a:t>
+            </a:r>
+            <a:endParaRPr lang="x-none" altLang="pt-BR">
+              <a:solidFill>
+                <a:srgbClr val="92D050"/>
+              </a:solidFill>
+            </a:endParaRPr>
+          </a:p>
+          <a:p>
+            <a:pPr lvl="1"/>
+            <a:r>
+              <a:rPr lang="x-none" altLang="pt-BR"/>
+              <a:t>Análise da consulta lenta com </a:t>
+            </a:r>
+            <a:r>
+              <a:rPr lang="x-none" altLang="pt-BR">
+                <a:solidFill>
+                  <a:srgbClr val="92D050"/>
+                </a:solidFill>
+              </a:rPr>
+              <a:t>explain</a:t>
+            </a:r>
+            <a:endParaRPr lang="x-none" altLang="pt-BR">
+              <a:solidFill>
+                <a:srgbClr val="92D050"/>
+              </a:solidFill>
+            </a:endParaRPr>
+          </a:p>
+          <a:p>
+            <a:pPr lvl="1"/>
+            <a:r>
+              <a:rPr lang="x-none" altLang="pt-BR"/>
+              <a:t>Uso de </a:t>
+            </a:r>
+            <a:r>
+              <a:rPr lang="x-none" altLang="pt-BR">
+                <a:solidFill>
+                  <a:srgbClr val="92D050"/>
+                </a:solidFill>
+              </a:rPr>
+              <a:t>índices </a:t>
+            </a:r>
+            <a:r>
+              <a:rPr lang="x-none" altLang="pt-BR"/>
+              <a:t>para melhoria de consultas</a:t>
+            </a:r>
+            <a:endParaRPr lang="x-none" altLang="pt-BR"/>
+          </a:p>
+          <a:p>
+            <a:pPr lvl="1"/>
+            <a:r>
+              <a:rPr lang="x-none" altLang="pt-BR"/>
+              <a:t>Alterar </a:t>
+            </a:r>
+            <a:r>
+              <a:rPr lang="x-none" altLang="pt-BR">
+                <a:solidFill>
+                  <a:srgbClr val="92D050"/>
+                </a:solidFill>
+              </a:rPr>
+              <a:t>configurações </a:t>
+            </a:r>
+            <a:r>
+              <a:rPr lang="x-none" altLang="pt-BR"/>
+              <a:t>do PostgreSQL</a:t>
+            </a:r>
+            <a:endParaRPr lang="x-none" altLang="pt-BR"/>
           </a:p>
         </p:txBody>
       </p:sp>
@@ -5515,7 +6430,7 @@
           <a:p>
             <a:r>
               <a:rPr lang="x-none" altLang="pt-BR"/>
-              <a:t>Outras Funcionalidades</a:t>
+              <a:t>Desempenho: SQL</a:t>
             </a:r>
             <a:endParaRPr lang="x-none" altLang="pt-BR"/>
           </a:p>
@@ -5534,107 +6449,216 @@
         <p:spPr/>
         <p:txBody>
           <a:bodyPr>
-            <a:normAutofit fontScale="60000"/>
+            <a:normAutofit lnSpcReduction="20000"/>
           </a:bodyPr>
           <a:p>
             <a:r>
               <a:rPr lang="x-none" altLang="pt-BR"/>
-              <a:t>Sequências</a:t>
-            </a:r>
-            <a:endParaRPr lang="x-none" altLang="pt-BR"/>
-          </a:p>
-          <a:p>
-            <a:r>
-              <a:rPr lang="x-none" altLang="pt-BR"/>
-              <a:t>Triggers</a:t>
-            </a:r>
-            <a:endParaRPr lang="x-none" altLang="pt-BR"/>
-          </a:p>
-          <a:p>
-            <a:r>
-              <a:rPr lang="x-none" altLang="pt-BR"/>
-              <a:t>Grants</a:t>
-            </a:r>
-            <a:endParaRPr lang="x-none" altLang="pt-BR"/>
-          </a:p>
-          <a:p>
-            <a:r>
-              <a:rPr lang="x-none" altLang="pt-BR">
-                <a:sym typeface="+mn-ea"/>
-              </a:rPr>
-              <a:t>Enumerações</a:t>
-            </a:r>
-            <a:endParaRPr lang="x-none" altLang="pt-BR"/>
-          </a:p>
-          <a:p>
-            <a:r>
-              <a:rPr lang="x-none" altLang="pt-BR">
-                <a:sym typeface="+mn-ea"/>
-              </a:rPr>
-              <a:t>Arrays</a:t>
-            </a:r>
-            <a:endParaRPr lang="x-none" altLang="pt-BR"/>
-          </a:p>
-          <a:p>
-            <a:r>
-              <a:rPr lang="x-none" altLang="pt-BR">
-                <a:sym typeface="+mn-ea"/>
-              </a:rPr>
-              <a:t>Orientação a objetos: HStore, JSON e JSONB</a:t>
-            </a:r>
-            <a:endParaRPr lang="x-none" altLang="pt-BR">
-              <a:sym typeface="+mn-ea"/>
-            </a:endParaRPr>
-          </a:p>
-          <a:p>
-            <a:r>
-              <a:rPr lang="x-none" altLang="pt-BR">
-                <a:sym typeface="+mn-ea"/>
-              </a:rPr>
-              <a:t>Funções de janela</a:t>
-            </a:r>
-            <a:endParaRPr lang="x-none" altLang="pt-BR">
-              <a:sym typeface="+mn-ea"/>
-            </a:endParaRPr>
-          </a:p>
-          <a:p>
-            <a:r>
-              <a:rPr lang="x-none" altLang="pt-BR">
-                <a:sym typeface="+mn-ea"/>
-              </a:rPr>
-              <a:t>Funções de agregação customizadas</a:t>
-            </a:r>
-            <a:endParaRPr lang="x-none" altLang="pt-BR">
-              <a:sym typeface="+mn-ea"/>
-            </a:endParaRPr>
-          </a:p>
-          <a:p>
-            <a:r>
-              <a:rPr lang="x-none" altLang="pt-BR"/>
-              <a:t>Índices parciais</a:t>
-            </a:r>
-            <a:endParaRPr lang="x-none" altLang="pt-BR"/>
-          </a:p>
-          <a:p>
-            <a:r>
-              <a:rPr lang="x-none" altLang="pt-BR"/>
-              <a:t>Clusterização de tabelas</a:t>
-            </a:r>
-            <a:endParaRPr lang="x-none" altLang="pt-BR"/>
-          </a:p>
-          <a:p>
-            <a:r>
-              <a:rPr lang="x-none" altLang="pt-BR"/>
-              <a:t>Particionamento de tabelas</a:t>
-            </a:r>
-            <a:endParaRPr lang="x-none" altLang="pt-BR"/>
-          </a:p>
-          <a:p>
-            <a:r>
-              <a:rPr lang="x-none" altLang="pt-BR"/>
-              <a:t>Replicação de bancos em servidores diferentes (Hot StandBy)</a:t>
-            </a:r>
-            <a:endParaRPr lang="x-none" altLang="pt-BR"/>
+              <a:t>Use subconsultas somente como uma tabela (no from e no join)</a:t>
+            </a:r>
+            <a:endParaRPr lang="x-none" altLang="pt-BR"/>
+          </a:p>
+          <a:p>
+            <a:r>
+              <a:rPr lang="x-none" altLang="pt-BR"/>
+              <a:t>Sempre que houver um atributo constante e puder fazer subconsulta no from ou no join, faça</a:t>
+            </a:r>
+            <a:endParaRPr lang="x-none" altLang="pt-BR"/>
+          </a:p>
+          <a:p>
+            <a:r>
+              <a:rPr lang="x-none" altLang="pt-BR"/>
+              <a:t>Procure fazer joins de apenas 1 atributo</a:t>
+            </a:r>
+            <a:endParaRPr lang="x-none" altLang="pt-BR"/>
+          </a:p>
+          <a:p>
+            <a:r>
+              <a:rPr lang="x-none" altLang="pt-BR"/>
+              <a:t>Ordene os joins em ordem de número de registros, do maior para o menor</a:t>
+            </a:r>
+            <a:endParaRPr lang="x-none" altLang="pt-BR"/>
+          </a:p>
+          <a:p>
+            <a:r>
+              <a:rPr lang="x-none" altLang="pt-BR"/>
+              <a:t>Procure não usar mais do que 7 joins (8 tabelas) em uma mesma consulta</a:t>
+            </a:r>
+            <a:endParaRPr lang="x-none" altLang="pt-BR"/>
+          </a:p>
+        </p:txBody>
+      </p:sp>
+    </p:spTree>
+  </p:cSld>
+  <p:clrMapOvr>
+    <a:masterClrMapping/>
+  </p:clrMapOvr>
+</p:sld>
+</file>
+
+<file path=ppt/slides/slide27.xml><?xml version="1.0" encoding="utf-8"?>
+<p:sld xmlns:a="http://schemas.openxmlformats.org/drawingml/2006/main" xmlns:r="http://schemas.openxmlformats.org/officeDocument/2006/relationships" xmlns:p="http://schemas.openxmlformats.org/presentationml/2006/main">
+  <p:cSld>
+    <p:spTree>
+      <p:nvGrpSpPr>
+        <p:cNvPr id="1" name=""/>
+        <p:cNvGrpSpPr/>
+        <p:nvPr/>
+      </p:nvGrpSpPr>
+      <p:grpSpPr/>
+      <p:sp>
+        <p:nvSpPr>
+          <p:cNvPr id="2" name="Title 1"/>
+          <p:cNvSpPr>
+            <a:spLocks noGrp="1"/>
+          </p:cNvSpPr>
+          <p:nvPr>
+            <p:ph type="title"/>
+          </p:nvPr>
+        </p:nvSpPr>
+        <p:spPr/>
+        <p:txBody>
+          <a:bodyPr/>
+          <a:p>
+            <a:r>
+              <a:rPr lang="x-none" altLang="pt-BR"/>
+              <a:t>Desempenho: CTEs</a:t>
+            </a:r>
+            <a:endParaRPr lang="x-none" altLang="pt-BR"/>
+          </a:p>
+        </p:txBody>
+      </p:sp>
+      <p:sp>
+        <p:nvSpPr>
+          <p:cNvPr id="3" name="Content Placeholder 2"/>
+          <p:cNvSpPr>
+            <a:spLocks noGrp="1"/>
+          </p:cNvSpPr>
+          <p:nvPr>
+            <p:ph idx="1"/>
+          </p:nvPr>
+        </p:nvSpPr>
+        <p:spPr/>
+        <p:txBody>
+          <a:bodyPr/>
+          <a:p>
+            <a:endParaRPr lang="pt-BR" altLang="en-US"/>
+          </a:p>
+        </p:txBody>
+      </p:sp>
+    </p:spTree>
+  </p:cSld>
+  <p:clrMapOvr>
+    <a:masterClrMapping/>
+  </p:clrMapOvr>
+</p:sld>
+</file>
+
+<file path=ppt/slides/slide28.xml><?xml version="1.0" encoding="utf-8"?>
+<p:sld xmlns:a="http://schemas.openxmlformats.org/drawingml/2006/main" xmlns:r="http://schemas.openxmlformats.org/officeDocument/2006/relationships" xmlns:p="http://schemas.openxmlformats.org/presentationml/2006/main">
+  <p:cSld>
+    <p:spTree>
+      <p:nvGrpSpPr>
+        <p:cNvPr id="1" name=""/>
+        <p:cNvGrpSpPr/>
+        <p:nvPr/>
+      </p:nvGrpSpPr>
+      <p:grpSpPr/>
+      <p:sp>
+        <p:nvSpPr>
+          <p:cNvPr id="2" name="Title 1"/>
+          <p:cNvSpPr>
+            <a:spLocks noGrp="1"/>
+          </p:cNvSpPr>
+          <p:nvPr>
+            <p:ph type="title"/>
+          </p:nvPr>
+        </p:nvSpPr>
+        <p:spPr/>
+        <p:txBody>
+          <a:bodyPr/>
+          <a:p>
+            <a:r>
+              <a:rPr lang="x-none" altLang="pt-BR"/>
+              <a:t>Desempenho: Vacuum</a:t>
+            </a:r>
+            <a:endParaRPr lang="x-none" altLang="pt-BR"/>
+          </a:p>
+        </p:txBody>
+      </p:sp>
+      <p:sp>
+        <p:nvSpPr>
+          <p:cNvPr id="3" name="Content Placeholder 2"/>
+          <p:cNvSpPr>
+            <a:spLocks noGrp="1"/>
+          </p:cNvSpPr>
+          <p:nvPr>
+            <p:ph idx="1"/>
+          </p:nvPr>
+        </p:nvSpPr>
+        <p:spPr/>
+        <p:txBody>
+          <a:bodyPr/>
+          <a:p>
+            <a:endParaRPr lang="pt-BR" altLang="en-US"/>
+          </a:p>
+        </p:txBody>
+      </p:sp>
+    </p:spTree>
+  </p:cSld>
+  <p:clrMapOvr>
+    <a:masterClrMapping/>
+  </p:clrMapOvr>
+</p:sld>
+</file>
+
+<file path=ppt/slides/slide29.xml><?xml version="1.0" encoding="utf-8"?>
+<p:sld xmlns:a="http://schemas.openxmlformats.org/drawingml/2006/main" xmlns:r="http://schemas.openxmlformats.org/officeDocument/2006/relationships" xmlns:p="http://schemas.openxmlformats.org/presentationml/2006/main">
+  <p:cSld>
+    <p:spTree>
+      <p:nvGrpSpPr>
+        <p:cNvPr id="1" name=""/>
+        <p:cNvGrpSpPr/>
+        <p:nvPr/>
+      </p:nvGrpSpPr>
+      <p:grpSpPr/>
+      <p:sp>
+        <p:nvSpPr>
+          <p:cNvPr id="2" name="Title 1"/>
+          <p:cNvSpPr>
+            <a:spLocks noGrp="1"/>
+          </p:cNvSpPr>
+          <p:nvPr>
+            <p:ph type="title"/>
+          </p:nvPr>
+        </p:nvSpPr>
+        <p:spPr/>
+        <p:txBody>
+          <a:bodyPr/>
+          <a:p>
+            <a:r>
+              <a:rPr lang="x-none" altLang="pt-BR"/>
+              <a:t>Desempenho: Explain</a:t>
+            </a:r>
+            <a:endParaRPr lang="x-none" altLang="pt-BR"/>
+          </a:p>
+        </p:txBody>
+      </p:sp>
+      <p:sp>
+        <p:nvSpPr>
+          <p:cNvPr id="3" name="Content Placeholder 2"/>
+          <p:cNvSpPr>
+            <a:spLocks noGrp="1"/>
+          </p:cNvSpPr>
+          <p:nvPr>
+            <p:ph idx="1"/>
+          </p:nvPr>
+        </p:nvSpPr>
+        <p:spPr/>
+        <p:txBody>
+          <a:bodyPr/>
+          <a:p>
+            <a:endParaRPr lang="pt-BR" altLang="en-US"/>
           </a:p>
         </p:txBody>
       </p:sp>
@@ -5738,7 +6762,7 @@
           <a:p>
             <a:r>
               <a:rPr lang="x-none" altLang="pt-BR"/>
-              <a:t>Funções</a:t>
+              <a:t>Funções Customizadas</a:t>
             </a:r>
             <a:endParaRPr lang="x-none" altLang="pt-BR"/>
           </a:p>
@@ -5746,6 +6770,440 @@
             <a:r>
               <a:rPr lang="x-none" altLang="pt-BR"/>
               <a:t>Outras Funcionalidades</a:t>
+            </a:r>
+            <a:endParaRPr lang="x-none" altLang="pt-BR"/>
+          </a:p>
+        </p:txBody>
+      </p:sp>
+    </p:spTree>
+  </p:cSld>
+  <p:clrMapOvr>
+    <a:masterClrMapping/>
+  </p:clrMapOvr>
+</p:sld>
+</file>
+
+<file path=ppt/slides/slide30.xml><?xml version="1.0" encoding="utf-8"?>
+<p:sld xmlns:a="http://schemas.openxmlformats.org/drawingml/2006/main" xmlns:r="http://schemas.openxmlformats.org/officeDocument/2006/relationships" xmlns:p="http://schemas.openxmlformats.org/presentationml/2006/main">
+  <p:cSld>
+    <p:spTree>
+      <p:nvGrpSpPr>
+        <p:cNvPr id="1" name=""/>
+        <p:cNvGrpSpPr/>
+        <p:nvPr/>
+      </p:nvGrpSpPr>
+      <p:grpSpPr/>
+      <p:sp>
+        <p:nvSpPr>
+          <p:cNvPr id="2" name="Title 1"/>
+          <p:cNvSpPr>
+            <a:spLocks noGrp="1"/>
+          </p:cNvSpPr>
+          <p:nvPr>
+            <p:ph type="title"/>
+          </p:nvPr>
+        </p:nvSpPr>
+        <p:spPr/>
+        <p:txBody>
+          <a:bodyPr/>
+          <a:p>
+            <a:r>
+              <a:rPr lang="x-none" altLang="pt-BR"/>
+              <a:t>Desempenho: Índices</a:t>
+            </a:r>
+            <a:endParaRPr lang="x-none" altLang="pt-BR"/>
+          </a:p>
+        </p:txBody>
+      </p:sp>
+      <p:sp>
+        <p:nvSpPr>
+          <p:cNvPr id="3" name="Content Placeholder 2"/>
+          <p:cNvSpPr>
+            <a:spLocks noGrp="1"/>
+          </p:cNvSpPr>
+          <p:nvPr>
+            <p:ph idx="1"/>
+          </p:nvPr>
+        </p:nvSpPr>
+        <p:spPr/>
+        <p:txBody>
+          <a:bodyPr/>
+          <a:p>
+            <a:endParaRPr lang="pt-BR" altLang="en-US"/>
+          </a:p>
+        </p:txBody>
+      </p:sp>
+    </p:spTree>
+  </p:cSld>
+  <p:clrMapOvr>
+    <a:masterClrMapping/>
+  </p:clrMapOvr>
+</p:sld>
+</file>
+
+<file path=ppt/slides/slide31.xml><?xml version="1.0" encoding="utf-8"?>
+<p:sld xmlns:a="http://schemas.openxmlformats.org/drawingml/2006/main" xmlns:r="http://schemas.openxmlformats.org/officeDocument/2006/relationships" xmlns:p="http://schemas.openxmlformats.org/presentationml/2006/main">
+  <p:cSld>
+    <p:spTree>
+      <p:nvGrpSpPr>
+        <p:cNvPr id="1" name=""/>
+        <p:cNvGrpSpPr/>
+        <p:nvPr/>
+      </p:nvGrpSpPr>
+      <p:grpSpPr/>
+      <p:sp>
+        <p:nvSpPr>
+          <p:cNvPr id="2" name="Title 1"/>
+          <p:cNvSpPr>
+            <a:spLocks noGrp="1"/>
+          </p:cNvSpPr>
+          <p:nvPr>
+            <p:ph type="title"/>
+          </p:nvPr>
+        </p:nvSpPr>
+        <p:spPr/>
+        <p:txBody>
+          <a:bodyPr/>
+          <a:p>
+            <a:r>
+              <a:rPr lang="x-none" altLang="pt-BR"/>
+              <a:t>Desempenho: Configuração</a:t>
+            </a:r>
+            <a:endParaRPr lang="x-none" altLang="pt-BR"/>
+          </a:p>
+        </p:txBody>
+      </p:sp>
+      <p:sp>
+        <p:nvSpPr>
+          <p:cNvPr id="3" name="Content Placeholder 2"/>
+          <p:cNvSpPr>
+            <a:spLocks noGrp="1"/>
+          </p:cNvSpPr>
+          <p:nvPr>
+            <p:ph idx="1"/>
+          </p:nvPr>
+        </p:nvSpPr>
+        <p:spPr/>
+        <p:txBody>
+          <a:bodyPr>
+            <a:normAutofit fontScale="90000"/>
+          </a:bodyPr>
+          <a:p>
+            <a:r>
+              <a:rPr lang="x-none" altLang="pt-BR"/>
+              <a:t>Alguns atributos do arquivo </a:t>
+            </a:r>
+            <a:r>
+              <a:rPr lang="x-none" altLang="pt-BR">
+                <a:solidFill>
+                  <a:srgbClr val="92D050"/>
+                </a:solidFill>
+              </a:rPr>
+              <a:t>postgresql.conf</a:t>
+            </a:r>
+            <a:r>
+              <a:rPr lang="x-none" altLang="pt-BR"/>
+              <a:t>:</a:t>
+            </a:r>
+            <a:endParaRPr lang="x-none" altLang="pt-BR"/>
+          </a:p>
+          <a:p>
+            <a:pPr lvl="1"/>
+            <a:r>
+              <a:rPr lang="x-none" altLang="pt-BR"/>
+              <a:t>listen_addresses</a:t>
+            </a:r>
+            <a:endParaRPr lang="x-none" altLang="pt-BR"/>
+          </a:p>
+          <a:p>
+            <a:pPr lvl="1"/>
+            <a:r>
+              <a:rPr lang="x-none" altLang="pt-BR"/>
+              <a:t>max_connections</a:t>
+            </a:r>
+            <a:endParaRPr lang="x-none" altLang="pt-BR"/>
+          </a:p>
+          <a:p>
+            <a:pPr lvl="1"/>
+            <a:r>
+              <a:rPr lang="x-none" altLang="pt-BR"/>
+              <a:t>effective_cache_size</a:t>
+            </a:r>
+            <a:endParaRPr lang="x-none" altLang="pt-BR"/>
+          </a:p>
+          <a:p>
+            <a:pPr lvl="1"/>
+            <a:r>
+              <a:rPr lang="x-none" altLang="pt-BR"/>
+              <a:t>shared_buffers</a:t>
+            </a:r>
+            <a:endParaRPr lang="x-none" altLang="pt-BR"/>
+          </a:p>
+          <a:p>
+            <a:pPr lvl="1"/>
+            <a:r>
+              <a:rPr lang="x-none" altLang="pt-BR"/>
+              <a:t>work_mem</a:t>
+            </a:r>
+            <a:endParaRPr lang="x-none" altLang="pt-BR"/>
+          </a:p>
+          <a:p>
+            <a:pPr lvl="1"/>
+            <a:r>
+              <a:rPr lang="x-none" altLang="pt-BR"/>
+              <a:t>maintenance_work_mem</a:t>
+            </a:r>
+            <a:endParaRPr lang="x-none" altLang="pt-BR"/>
+          </a:p>
+          <a:p>
+            <a:pPr lvl="1"/>
+            <a:endParaRPr lang="x-none" altLang="pt-BR"/>
+          </a:p>
+          <a:p>
+            <a:pPr lvl="0"/>
+            <a:r>
+              <a:rPr lang="x-none" altLang="pt-BR"/>
+              <a:t>Ferramenta de configuração automática: </a:t>
+            </a:r>
+            <a:r>
+              <a:rPr lang="x-none" altLang="pt-BR">
+                <a:solidFill>
+                  <a:srgbClr val="92D050"/>
+                </a:solidFill>
+              </a:rPr>
+              <a:t>www.pgconfig.org</a:t>
+            </a:r>
+            <a:r>
+              <a:rPr lang="x-none" altLang="pt-BR"/>
+              <a:t> (Sebastian Webber)</a:t>
+            </a:r>
+            <a:endParaRPr lang="x-none" altLang="pt-BR"/>
+          </a:p>
+        </p:txBody>
+      </p:sp>
+    </p:spTree>
+  </p:cSld>
+  <p:clrMapOvr>
+    <a:masterClrMapping/>
+  </p:clrMapOvr>
+</p:sld>
+</file>
+
+<file path=ppt/slides/slide32.xml><?xml version="1.0" encoding="utf-8"?>
+<p:sld xmlns:a="http://schemas.openxmlformats.org/drawingml/2006/main" xmlns:r="http://schemas.openxmlformats.org/officeDocument/2006/relationships" xmlns:p="http://schemas.openxmlformats.org/presentationml/2006/main">
+  <p:cSld>
+    <p:spTree>
+      <p:nvGrpSpPr>
+        <p:cNvPr id="1" name=""/>
+        <p:cNvGrpSpPr/>
+        <p:nvPr/>
+      </p:nvGrpSpPr>
+      <p:grpSpPr/>
+      <p:sp>
+        <p:nvSpPr>
+          <p:cNvPr id="2" name="Title 1"/>
+          <p:cNvSpPr>
+            <a:spLocks noGrp="1"/>
+          </p:cNvSpPr>
+          <p:nvPr>
+            <p:ph type="title"/>
+          </p:nvPr>
+        </p:nvSpPr>
+        <p:spPr/>
+        <p:txBody>
+          <a:bodyPr/>
+          <a:p>
+            <a:r>
+              <a:rPr lang="x-none" altLang="pt-BR"/>
+              <a:t>Funções Customizadas</a:t>
+            </a:r>
+            <a:endParaRPr lang="x-none" altLang="pt-BR"/>
+          </a:p>
+        </p:txBody>
+      </p:sp>
+      <p:sp>
+        <p:nvSpPr>
+          <p:cNvPr id="3" name="Content Placeholder 2"/>
+          <p:cNvSpPr>
+            <a:spLocks noGrp="1"/>
+          </p:cNvSpPr>
+          <p:nvPr>
+            <p:ph idx="1"/>
+          </p:nvPr>
+        </p:nvSpPr>
+        <p:spPr/>
+        <p:txBody>
+          <a:bodyPr/>
+          <a:p>
+            <a:endParaRPr lang="pt-BR" altLang="en-US"/>
+          </a:p>
+        </p:txBody>
+      </p:sp>
+    </p:spTree>
+  </p:cSld>
+  <p:clrMapOvr>
+    <a:masterClrMapping/>
+  </p:clrMapOvr>
+</p:sld>
+</file>
+
+<file path=ppt/slides/slide33.xml><?xml version="1.0" encoding="utf-8"?>
+<p:sld xmlns:a="http://schemas.openxmlformats.org/drawingml/2006/main" xmlns:r="http://schemas.openxmlformats.org/officeDocument/2006/relationships" xmlns:p="http://schemas.openxmlformats.org/presentationml/2006/main">
+  <p:cSld>
+    <p:spTree>
+      <p:nvGrpSpPr>
+        <p:cNvPr id="1" name=""/>
+        <p:cNvGrpSpPr/>
+        <p:nvPr/>
+      </p:nvGrpSpPr>
+      <p:grpSpPr/>
+      <p:sp>
+        <p:nvSpPr>
+          <p:cNvPr id="2" name="Title 1"/>
+          <p:cNvSpPr>
+            <a:spLocks noGrp="1"/>
+          </p:cNvSpPr>
+          <p:nvPr>
+            <p:ph type="title"/>
+          </p:nvPr>
+        </p:nvSpPr>
+        <p:spPr/>
+        <p:txBody>
+          <a:bodyPr/>
+          <a:p>
+            <a:r>
+              <a:rPr lang="x-none" altLang="pt-BR"/>
+              <a:t>Outras Funcionalidades</a:t>
+            </a:r>
+            <a:endParaRPr lang="x-none" altLang="pt-BR"/>
+          </a:p>
+        </p:txBody>
+      </p:sp>
+      <p:sp>
+        <p:nvSpPr>
+          <p:cNvPr id="3" name="Content Placeholder 2"/>
+          <p:cNvSpPr>
+            <a:spLocks noGrp="1"/>
+          </p:cNvSpPr>
+          <p:nvPr>
+            <p:ph idx="1"/>
+          </p:nvPr>
+        </p:nvSpPr>
+        <p:spPr/>
+        <p:txBody>
+          <a:bodyPr>
+            <a:normAutofit fontScale="60000"/>
+          </a:bodyPr>
+          <a:p>
+            <a:r>
+              <a:rPr lang="x-none" altLang="pt-BR"/>
+              <a:t>Sequências</a:t>
+            </a:r>
+            <a:endParaRPr lang="x-none" altLang="pt-BR"/>
+          </a:p>
+          <a:p>
+            <a:r>
+              <a:rPr lang="x-none" altLang="pt-BR"/>
+              <a:t>Triggers</a:t>
+            </a:r>
+            <a:endParaRPr lang="x-none" altLang="pt-BR"/>
+          </a:p>
+          <a:p>
+            <a:r>
+              <a:rPr lang="x-none" altLang="pt-BR"/>
+              <a:t>Grants</a:t>
+            </a:r>
+            <a:endParaRPr lang="x-none" altLang="pt-BR"/>
+          </a:p>
+          <a:p>
+            <a:r>
+              <a:rPr lang="x-none" altLang="pt-BR">
+                <a:sym typeface="+mn-ea"/>
+              </a:rPr>
+              <a:t>Enumerações</a:t>
+            </a:r>
+            <a:endParaRPr lang="x-none" altLang="pt-BR"/>
+          </a:p>
+          <a:p>
+            <a:r>
+              <a:rPr lang="x-none" altLang="pt-BR">
+                <a:sym typeface="+mn-ea"/>
+              </a:rPr>
+              <a:t>Arrays</a:t>
+            </a:r>
+            <a:endParaRPr lang="x-none" altLang="pt-BR">
+              <a:sym typeface="+mn-ea"/>
+            </a:endParaRPr>
+          </a:p>
+          <a:p>
+            <a:r>
+              <a:rPr lang="x-none" altLang="pt-BR">
+                <a:sym typeface="+mn-ea"/>
+              </a:rPr>
+              <a:t>CTEs recursivas (with recursive)</a:t>
+            </a:r>
+            <a:endParaRPr lang="x-none" altLang="pt-BR">
+              <a:sym typeface="+mn-ea"/>
+            </a:endParaRPr>
+          </a:p>
+          <a:p>
+            <a:r>
+              <a:rPr lang="x-none" altLang="pt-BR">
+                <a:sym typeface="+mn-ea"/>
+              </a:rPr>
+              <a:t>Orientação a objetos: HStore, JSON e JSONB</a:t>
+            </a:r>
+            <a:endParaRPr lang="x-none" altLang="pt-BR">
+              <a:sym typeface="+mn-ea"/>
+            </a:endParaRPr>
+          </a:p>
+          <a:p>
+            <a:r>
+              <a:rPr lang="x-none" altLang="pt-BR">
+                <a:sym typeface="+mn-ea"/>
+              </a:rPr>
+              <a:t>Funções de janela</a:t>
+            </a:r>
+            <a:endParaRPr lang="x-none" altLang="pt-BR">
+              <a:sym typeface="+mn-ea"/>
+            </a:endParaRPr>
+          </a:p>
+          <a:p>
+            <a:r>
+              <a:rPr lang="x-none" altLang="pt-BR">
+                <a:sym typeface="+mn-ea"/>
+              </a:rPr>
+              <a:t>Funções de agregação customizadas</a:t>
+            </a:r>
+            <a:endParaRPr lang="x-none" altLang="pt-BR">
+              <a:sym typeface="+mn-ea"/>
+            </a:endParaRPr>
+          </a:p>
+          <a:p>
+            <a:r>
+              <a:rPr lang="x-none" altLang="pt-BR"/>
+              <a:t>Índices parciais</a:t>
+            </a:r>
+            <a:endParaRPr lang="x-none" altLang="pt-BR"/>
+          </a:p>
+          <a:p>
+            <a:r>
+              <a:rPr lang="x-none" altLang="pt-BR"/>
+              <a:t>Clusterização de tabelas</a:t>
+            </a:r>
+            <a:endParaRPr lang="x-none" altLang="pt-BR"/>
+          </a:p>
+          <a:p>
+            <a:r>
+              <a:rPr lang="x-none" altLang="pt-BR"/>
+              <a:t>Particionamento de tabelas</a:t>
+            </a:r>
+            <a:endParaRPr lang="x-none" altLang="pt-BR"/>
+          </a:p>
+          <a:p>
+            <a:r>
+              <a:rPr lang="x-none" altLang="pt-BR"/>
+              <a:t>Replicação de bancos em servidores diferentes (Hot StandBy)</a:t>
             </a:r>
             <a:endParaRPr lang="x-none" altLang="pt-BR"/>
           </a:p>

--- a/curso/modulo3capitulo5.pptx
+++ b/curso/modulo3capitulo5.pptx
@@ -29,15 +29,16 @@
     <p:sldId id="448" r:id="rId24"/>
     <p:sldId id="461" r:id="rId25"/>
     <p:sldId id="462" r:id="rId26"/>
-    <p:sldId id="450" r:id="rId27"/>
-    <p:sldId id="460" r:id="rId28"/>
-    <p:sldId id="449" r:id="rId29"/>
-    <p:sldId id="472" r:id="rId30"/>
-    <p:sldId id="445" r:id="rId31"/>
-    <p:sldId id="446" r:id="rId32"/>
-    <p:sldId id="456" r:id="rId33"/>
-    <p:sldId id="447" r:id="rId34"/>
-    <p:sldId id="444" r:id="rId35"/>
+    <p:sldId id="501" r:id="rId27"/>
+    <p:sldId id="450" r:id="rId28"/>
+    <p:sldId id="460" r:id="rId29"/>
+    <p:sldId id="449" r:id="rId30"/>
+    <p:sldId id="472" r:id="rId31"/>
+    <p:sldId id="445" r:id="rId32"/>
+    <p:sldId id="446" r:id="rId33"/>
+    <p:sldId id="456" r:id="rId34"/>
+    <p:sldId id="447" r:id="rId35"/>
+    <p:sldId id="444" r:id="rId36"/>
   </p:sldIdLst>
   <p:sldSz cx="9144000" cy="6858000" type="screen4x3"/>
   <p:notesSz cx="6858000" cy="9144000"/>
@@ -4730,7 +4731,9 @@
         </p:nvSpPr>
         <p:spPr/>
         <p:txBody>
-          <a:bodyPr/>
+          <a:bodyPr>
+            <a:normAutofit fontScale="90000" lnSpcReduction="10000"/>
+          </a:bodyPr>
           <a:p>
             <a:r>
               <a:rPr lang="x-none" altLang="pt-BR"/>
@@ -4797,6 +4800,23 @@
               <a:t>: select, insert, update, delete, rule, references, trigger, create, temporary, execute e usage</a:t>
             </a:r>
             <a:endParaRPr lang="x-none" altLang="pt-BR"/>
+          </a:p>
+          <a:p>
+            <a:r>
+              <a:rPr lang="x-none" altLang="pt-BR">
+                <a:solidFill>
+                  <a:srgbClr val="00B0F0"/>
+                </a:solidFill>
+                <a:latin typeface="DejaVu Sans Mono" charset="0"/>
+              </a:rPr>
+              <a:t>grant all privileges on all tables in schema public to william</a:t>
+            </a:r>
+            <a:endParaRPr lang="x-none" altLang="pt-BR">
+              <a:solidFill>
+                <a:srgbClr val="00B0F0"/>
+              </a:solidFill>
+              <a:latin typeface="DejaVu Sans Mono" charset="0"/>
+            </a:endParaRPr>
           </a:p>
         </p:txBody>
       </p:sp>
@@ -6212,7 +6232,7 @@
           <a:p>
             <a:r>
               <a:rPr lang="x-none" altLang="pt-BR"/>
-              <a:t>Desempenho</a:t>
+              <a:t>Backup e Restauração</a:t>
             </a:r>
             <a:endParaRPr lang="x-none" altLang="pt-BR"/>
           </a:p>
@@ -6230,28 +6250,30 @@
         </p:nvSpPr>
         <p:spPr/>
         <p:txBody>
-          <a:bodyPr>
-            <a:normAutofit fontScale="90000" lnSpcReduction="10000"/>
-          </a:bodyPr>
-          <a:p>
+          <a:bodyPr/>
+          <a:p>
+            <a:r>
+              <a:rPr lang="x-none" altLang="pt-BR"/>
+              <a:t>Mas... não tem um jeito mais </a:t>
+            </a:r>
             <a:r>
               <a:rPr lang="x-none" altLang="pt-BR">
                 <a:solidFill>
                   <a:srgbClr val="92D050"/>
                 </a:solidFill>
               </a:rPr>
-              <a:t>PostgreSQL Tuning</a:t>
-            </a:r>
-            <a:r>
-              <a:rPr lang="x-none" altLang="pt-BR"/>
-              <a:t> é uma tarefa que pode ser complicada</a:t>
-            </a:r>
-            <a:endParaRPr lang="x-none" altLang="pt-BR"/>
-          </a:p>
-          <a:p>
-            <a:r>
-              <a:rPr lang="x-none" altLang="pt-BR"/>
-              <a:t>Depende muito da aplicação: </a:t>
+              <a:t>fácil</a:t>
+            </a:r>
+            <a:r>
+              <a:rPr lang="x-none" altLang="pt-BR"/>
+              <a:t>?</a:t>
+            </a:r>
+            <a:endParaRPr lang="x-none" altLang="pt-BR"/>
+          </a:p>
+          <a:p>
+            <a:r>
+              <a:rPr lang="x-none" altLang="pt-BR"/>
+              <a:t>Hoje o </a:t>
             </a:r>
             <a:r>
               <a:rPr lang="x-none" altLang="pt-BR">
@@ -6259,140 +6281,68 @@
                   <a:srgbClr val="92D050"/>
                 </a:solidFill>
               </a:rPr>
-              <a:t>não existe bala de prata!</a:t>
+              <a:t>OmniDB </a:t>
+            </a:r>
+            <a:r>
+              <a:rPr lang="x-none" altLang="pt-BR"/>
+              <a:t>consegue </a:t>
+            </a:r>
+            <a:r>
+              <a:rPr lang="x-none" altLang="pt-BR">
+                <a:solidFill>
+                  <a:srgbClr val="92D050"/>
+                </a:solidFill>
+              </a:rPr>
+              <a:t>converter</a:t>
+            </a:r>
+            <a:r>
+              <a:rPr lang="x-none" altLang="pt-BR"/>
+              <a:t> de qualquer SGBD suportado para qualquer SGBD suportado</a:t>
+            </a:r>
+            <a:endParaRPr lang="x-none" altLang="pt-BR"/>
+          </a:p>
+          <a:p>
+            <a:r>
+              <a:rPr lang="x-none" altLang="pt-BR"/>
+              <a:t>Por exemplo:</a:t>
+            </a:r>
+            <a:endParaRPr lang="x-none" altLang="pt-BR"/>
+          </a:p>
+          <a:p>
+            <a:pPr lvl="1"/>
+            <a:r>
+              <a:rPr lang="x-none" altLang="pt-BR"/>
+              <a:t>De PostgreSQL para SQLite</a:t>
+            </a:r>
+            <a:endParaRPr lang="x-none" altLang="pt-BR"/>
+          </a:p>
+          <a:p>
+            <a:pPr lvl="1"/>
+            <a:r>
+              <a:rPr lang="x-none" altLang="pt-BR"/>
+              <a:t>De SQLite para PostgreSQL</a:t>
+            </a:r>
+            <a:endParaRPr lang="x-none" altLang="pt-BR"/>
+          </a:p>
+          <a:p>
+            <a:pPr lvl="0"/>
+            <a:r>
+              <a:rPr lang="x-none" altLang="pt-BR"/>
+              <a:t>Futuramente lançaremos uma funcionalidade chamada </a:t>
+            </a:r>
+            <a:r>
+              <a:rPr lang="x-none" altLang="pt-BR">
+                <a:solidFill>
+                  <a:srgbClr val="92D050"/>
+                </a:solidFill>
+              </a:rPr>
+              <a:t>OmniDump</a:t>
             </a:r>
             <a:endParaRPr lang="x-none" altLang="pt-BR">
               <a:solidFill>
                 <a:srgbClr val="92D050"/>
               </a:solidFill>
             </a:endParaRPr>
-          </a:p>
-          <a:p>
-            <a:r>
-              <a:rPr lang="x-none" altLang="pt-BR"/>
-              <a:t>Alguns pontos:</a:t>
-            </a:r>
-            <a:endParaRPr lang="x-none" altLang="pt-BR"/>
-          </a:p>
-          <a:p>
-            <a:pPr lvl="1"/>
-            <a:r>
-              <a:rPr lang="x-none" altLang="pt-BR"/>
-              <a:t>Melhorias no código </a:t>
-            </a:r>
-            <a:r>
-              <a:rPr lang="x-none" altLang="pt-BR">
-                <a:solidFill>
-                  <a:srgbClr val="92D050"/>
-                </a:solidFill>
-              </a:rPr>
-              <a:t>SQL</a:t>
-            </a:r>
-            <a:endParaRPr lang="x-none" altLang="pt-BR">
-              <a:solidFill>
-                <a:srgbClr val="92D050"/>
-              </a:solidFill>
-            </a:endParaRPr>
-          </a:p>
-          <a:p>
-            <a:pPr lvl="1"/>
-            <a:r>
-              <a:rPr lang="x-none" altLang="pt-BR"/>
-              <a:t>Uso de Common Table Expressions (</a:t>
-            </a:r>
-            <a:r>
-              <a:rPr lang="x-none" altLang="pt-BR">
-                <a:solidFill>
-                  <a:srgbClr val="92D050"/>
-                </a:solidFill>
-              </a:rPr>
-              <a:t>CTEs</a:t>
-            </a:r>
-            <a:r>
-              <a:rPr lang="x-none" altLang="pt-BR"/>
-              <a:t>)</a:t>
-            </a:r>
-            <a:endParaRPr lang="x-none" altLang="pt-BR"/>
-          </a:p>
-          <a:p>
-            <a:pPr lvl="1"/>
-            <a:r>
-              <a:rPr lang="x-none" altLang="pt-BR"/>
-              <a:t>Limpeza do banco de dados com </a:t>
-            </a:r>
-            <a:r>
-              <a:rPr lang="x-none" altLang="pt-BR">
-                <a:solidFill>
-                  <a:srgbClr val="92D050"/>
-                </a:solidFill>
-              </a:rPr>
-              <a:t>vacuum</a:t>
-            </a:r>
-            <a:endParaRPr lang="x-none" altLang="pt-BR">
-              <a:solidFill>
-                <a:srgbClr val="92D050"/>
-              </a:solidFill>
-            </a:endParaRPr>
-          </a:p>
-          <a:p>
-            <a:pPr lvl="1"/>
-            <a:r>
-              <a:rPr lang="x-none" altLang="pt-BR"/>
-              <a:t>Análise da consulta lenta com </a:t>
-            </a:r>
-            <a:r>
-              <a:rPr lang="x-none" altLang="pt-BR">
-                <a:solidFill>
-                  <a:srgbClr val="92D050"/>
-                </a:solidFill>
-              </a:rPr>
-              <a:t>explain</a:t>
-            </a:r>
-            <a:endParaRPr lang="x-none" altLang="pt-BR">
-              <a:solidFill>
-                <a:srgbClr val="92D050"/>
-              </a:solidFill>
-            </a:endParaRPr>
-          </a:p>
-          <a:p>
-            <a:pPr lvl="1"/>
-            <a:r>
-              <a:rPr lang="x-none" altLang="pt-BR"/>
-              <a:t>Uso de </a:t>
-            </a:r>
-            <a:r>
-              <a:rPr lang="x-none" altLang="pt-BR">
-                <a:solidFill>
-                  <a:srgbClr val="92D050"/>
-                </a:solidFill>
-              </a:rPr>
-              <a:t>índices </a:t>
-            </a:r>
-            <a:r>
-              <a:rPr lang="x-none" altLang="pt-BR"/>
-              <a:t>para melhoria de consultas</a:t>
-            </a:r>
-            <a:endParaRPr lang="x-none" altLang="pt-BR"/>
-          </a:p>
-          <a:p>
-            <a:pPr lvl="1"/>
-            <a:r>
-              <a:rPr lang="x-none" altLang="pt-BR"/>
-              <a:t>Alterar </a:t>
-            </a:r>
-            <a:r>
-              <a:rPr lang="x-none" altLang="pt-BR">
-                <a:solidFill>
-                  <a:srgbClr val="92D050"/>
-                </a:solidFill>
-              </a:rPr>
-              <a:t>configurações </a:t>
-            </a:r>
-            <a:r>
-              <a:rPr lang="x-none" altLang="pt-BR"/>
-              <a:t>do PostgreSQL</a:t>
-            </a:r>
-            <a:endParaRPr lang="x-none" altLang="pt-BR"/>
           </a:p>
         </p:txBody>
       </p:sp>
@@ -6430,7 +6380,7 @@
           <a:p>
             <a:r>
               <a:rPr lang="x-none" altLang="pt-BR"/>
-              <a:t>Desempenho: SQL</a:t>
+              <a:t>Desempenho</a:t>
             </a:r>
             <a:endParaRPr lang="x-none" altLang="pt-BR"/>
           </a:p>
@@ -6449,40 +6399,166 @@
         <p:spPr/>
         <p:txBody>
           <a:bodyPr>
-            <a:normAutofit lnSpcReduction="20000"/>
+            <a:normAutofit fontScale="90000" lnSpcReduction="10000"/>
           </a:bodyPr>
           <a:p>
             <a:r>
-              <a:rPr lang="x-none" altLang="pt-BR"/>
-              <a:t>Use subconsultas somente como uma tabela (no from e no join)</a:t>
-            </a:r>
-            <a:endParaRPr lang="x-none" altLang="pt-BR"/>
-          </a:p>
-          <a:p>
-            <a:r>
-              <a:rPr lang="x-none" altLang="pt-BR"/>
-              <a:t>Sempre que houver um atributo constante e puder fazer subconsulta no from ou no join, faça</a:t>
-            </a:r>
-            <a:endParaRPr lang="x-none" altLang="pt-BR"/>
-          </a:p>
-          <a:p>
-            <a:r>
-              <a:rPr lang="x-none" altLang="pt-BR"/>
-              <a:t>Procure fazer joins de apenas 1 atributo</a:t>
-            </a:r>
-            <a:endParaRPr lang="x-none" altLang="pt-BR"/>
-          </a:p>
-          <a:p>
-            <a:r>
-              <a:rPr lang="x-none" altLang="pt-BR"/>
-              <a:t>Ordene os joins em ordem de número de registros, do maior para o menor</a:t>
-            </a:r>
-            <a:endParaRPr lang="x-none" altLang="pt-BR"/>
-          </a:p>
-          <a:p>
-            <a:r>
-              <a:rPr lang="x-none" altLang="pt-BR"/>
-              <a:t>Procure não usar mais do que 7 joins (8 tabelas) em uma mesma consulta</a:t>
+              <a:rPr lang="x-none" altLang="pt-BR">
+                <a:solidFill>
+                  <a:srgbClr val="92D050"/>
+                </a:solidFill>
+              </a:rPr>
+              <a:t>PostgreSQL Tuning</a:t>
+            </a:r>
+            <a:r>
+              <a:rPr lang="x-none" altLang="pt-BR"/>
+              <a:t> é uma tarefa que pode ser complicada</a:t>
+            </a:r>
+            <a:endParaRPr lang="x-none" altLang="pt-BR"/>
+          </a:p>
+          <a:p>
+            <a:r>
+              <a:rPr lang="x-none" altLang="pt-BR"/>
+              <a:t>Depende muito da aplicação: </a:t>
+            </a:r>
+            <a:r>
+              <a:rPr lang="x-none" altLang="pt-BR">
+                <a:solidFill>
+                  <a:srgbClr val="92D050"/>
+                </a:solidFill>
+              </a:rPr>
+              <a:t>não existe bala de prata!</a:t>
+            </a:r>
+            <a:endParaRPr lang="x-none" altLang="pt-BR">
+              <a:solidFill>
+                <a:srgbClr val="92D050"/>
+              </a:solidFill>
+            </a:endParaRPr>
+          </a:p>
+          <a:p>
+            <a:r>
+              <a:rPr lang="x-none" altLang="pt-BR"/>
+              <a:t>Alguns pontos:</a:t>
+            </a:r>
+            <a:endParaRPr lang="x-none" altLang="pt-BR"/>
+          </a:p>
+          <a:p>
+            <a:pPr lvl="1"/>
+            <a:r>
+              <a:rPr lang="x-none" altLang="pt-BR"/>
+              <a:t>Melhorias no código </a:t>
+            </a:r>
+            <a:r>
+              <a:rPr lang="x-none" altLang="pt-BR">
+                <a:solidFill>
+                  <a:srgbClr val="92D050"/>
+                </a:solidFill>
+              </a:rPr>
+              <a:t>SQL</a:t>
+            </a:r>
+            <a:endParaRPr lang="x-none" altLang="pt-BR">
+              <a:solidFill>
+                <a:srgbClr val="92D050"/>
+              </a:solidFill>
+            </a:endParaRPr>
+          </a:p>
+          <a:p>
+            <a:pPr lvl="1"/>
+            <a:r>
+              <a:rPr lang="x-none" altLang="pt-BR"/>
+              <a:t>Uso de Common Table Expressions (</a:t>
+            </a:r>
+            <a:r>
+              <a:rPr lang="x-none" altLang="pt-BR">
+                <a:solidFill>
+                  <a:srgbClr val="92D050"/>
+                </a:solidFill>
+              </a:rPr>
+              <a:t>CTEs</a:t>
+            </a:r>
+            <a:r>
+              <a:rPr lang="x-none" altLang="pt-BR"/>
+              <a:t>)</a:t>
+            </a:r>
+            <a:endParaRPr lang="x-none" altLang="pt-BR"/>
+          </a:p>
+          <a:p>
+            <a:pPr lvl="1"/>
+            <a:r>
+              <a:rPr lang="x-none" altLang="pt-BR"/>
+              <a:t>Limpeza do banco de dados com </a:t>
+            </a:r>
+            <a:r>
+              <a:rPr lang="x-none" altLang="pt-BR">
+                <a:solidFill>
+                  <a:srgbClr val="92D050"/>
+                </a:solidFill>
+              </a:rPr>
+              <a:t>vacuum</a:t>
+            </a:r>
+            <a:endParaRPr lang="x-none" altLang="pt-BR">
+              <a:solidFill>
+                <a:srgbClr val="92D050"/>
+              </a:solidFill>
+            </a:endParaRPr>
+          </a:p>
+          <a:p>
+            <a:pPr lvl="1"/>
+            <a:r>
+              <a:rPr lang="x-none" altLang="pt-BR"/>
+              <a:t>Análise da consulta lenta com </a:t>
+            </a:r>
+            <a:r>
+              <a:rPr lang="x-none" altLang="pt-BR">
+                <a:solidFill>
+                  <a:srgbClr val="92D050"/>
+                </a:solidFill>
+              </a:rPr>
+              <a:t>explain</a:t>
+            </a:r>
+            <a:endParaRPr lang="x-none" altLang="pt-BR">
+              <a:solidFill>
+                <a:srgbClr val="92D050"/>
+              </a:solidFill>
+            </a:endParaRPr>
+          </a:p>
+          <a:p>
+            <a:pPr lvl="1"/>
+            <a:r>
+              <a:rPr lang="x-none" altLang="pt-BR"/>
+              <a:t>Uso de </a:t>
+            </a:r>
+            <a:r>
+              <a:rPr lang="x-none" altLang="pt-BR">
+                <a:solidFill>
+                  <a:srgbClr val="92D050"/>
+                </a:solidFill>
+              </a:rPr>
+              <a:t>índices </a:t>
+            </a:r>
+            <a:r>
+              <a:rPr lang="x-none" altLang="pt-BR"/>
+              <a:t>para melhoria de consultas</a:t>
+            </a:r>
+            <a:endParaRPr lang="x-none" altLang="pt-BR"/>
+          </a:p>
+          <a:p>
+            <a:pPr lvl="1"/>
+            <a:r>
+              <a:rPr lang="x-none" altLang="pt-BR"/>
+              <a:t>Alterar </a:t>
+            </a:r>
+            <a:r>
+              <a:rPr lang="x-none" altLang="pt-BR">
+                <a:solidFill>
+                  <a:srgbClr val="92D050"/>
+                </a:solidFill>
+              </a:rPr>
+              <a:t>configurações </a:t>
+            </a:r>
+            <a:r>
+              <a:rPr lang="x-none" altLang="pt-BR"/>
+              <a:t>do PostgreSQL</a:t>
             </a:r>
             <a:endParaRPr lang="x-none" altLang="pt-BR"/>
           </a:p>
@@ -6522,7 +6598,7 @@
           <a:p>
             <a:r>
               <a:rPr lang="x-none" altLang="pt-BR"/>
-              <a:t>Desempenho: CTEs</a:t>
+              <a:t>Desempenho: SQL</a:t>
             </a:r>
             <a:endParaRPr lang="x-none" altLang="pt-BR"/>
           </a:p>
@@ -6540,9 +6616,43 @@
         </p:nvSpPr>
         <p:spPr/>
         <p:txBody>
-          <a:bodyPr/>
-          <a:p>
-            <a:endParaRPr lang="pt-BR" altLang="en-US"/>
+          <a:bodyPr>
+            <a:normAutofit lnSpcReduction="20000"/>
+          </a:bodyPr>
+          <a:p>
+            <a:r>
+              <a:rPr lang="x-none" altLang="pt-BR"/>
+              <a:t>Use subconsultas somente como uma tabela (no from e no join)</a:t>
+            </a:r>
+            <a:endParaRPr lang="x-none" altLang="pt-BR"/>
+          </a:p>
+          <a:p>
+            <a:r>
+              <a:rPr lang="x-none" altLang="pt-BR"/>
+              <a:t>Sempre que houver um atributo constante e puder fazer subconsulta no from ou no join, faça</a:t>
+            </a:r>
+            <a:endParaRPr lang="x-none" altLang="pt-BR"/>
+          </a:p>
+          <a:p>
+            <a:r>
+              <a:rPr lang="x-none" altLang="pt-BR"/>
+              <a:t>Procure fazer joins de apenas 1 atributo</a:t>
+            </a:r>
+            <a:endParaRPr lang="x-none" altLang="pt-BR"/>
+          </a:p>
+          <a:p>
+            <a:r>
+              <a:rPr lang="x-none" altLang="pt-BR"/>
+              <a:t>Ordene os joins em ordem de número de registros, do maior para o menor</a:t>
+            </a:r>
+            <a:endParaRPr lang="x-none" altLang="pt-BR"/>
+          </a:p>
+          <a:p>
+            <a:r>
+              <a:rPr lang="x-none" altLang="pt-BR"/>
+              <a:t>Procure não usar mais do que 7 joins (8 tabelas) em uma mesma consulta</a:t>
+            </a:r>
+            <a:endParaRPr lang="x-none" altLang="pt-BR"/>
           </a:p>
         </p:txBody>
       </p:sp>
@@ -6580,7 +6690,7 @@
           <a:p>
             <a:r>
               <a:rPr lang="x-none" altLang="pt-BR"/>
-              <a:t>Desempenho: Vacuum</a:t>
+              <a:t>Desempenho: CTEs</a:t>
             </a:r>
             <a:endParaRPr lang="x-none" altLang="pt-BR"/>
           </a:p>
@@ -6638,7 +6748,7 @@
           <a:p>
             <a:r>
               <a:rPr lang="x-none" altLang="pt-BR"/>
-              <a:t>Desempenho: Explain</a:t>
+              <a:t>Desempenho: Vacuum</a:t>
             </a:r>
             <a:endParaRPr lang="x-none" altLang="pt-BR"/>
           </a:p>
@@ -6809,7 +6919,7 @@
           <a:p>
             <a:r>
               <a:rPr lang="x-none" altLang="pt-BR"/>
-              <a:t>Desempenho: Índices</a:t>
+              <a:t>Desempenho: Explain</a:t>
             </a:r>
             <a:endParaRPr lang="x-none" altLang="pt-BR"/>
           </a:p>
@@ -6867,7 +6977,7 @@
           <a:p>
             <a:r>
               <a:rPr lang="x-none" altLang="pt-BR"/>
-              <a:t>Desempenho: Configuração</a:t>
+              <a:t>Desempenho: Índices</a:t>
             </a:r>
             <a:endParaRPr lang="x-none" altLang="pt-BR"/>
           </a:p>
@@ -6885,99 +6995,9 @@
         </p:nvSpPr>
         <p:spPr/>
         <p:txBody>
-          <a:bodyPr>
-            <a:normAutofit fontScale="90000"/>
-          </a:bodyPr>
-          <a:p>
-            <a:r>
-              <a:rPr lang="x-none" altLang="pt-BR"/>
-              <a:t>Alguns atributos do arquivo </a:t>
-            </a:r>
-            <a:r>
-              <a:rPr lang="x-none" altLang="pt-BR">
-                <a:solidFill>
-                  <a:srgbClr val="92D050"/>
-                </a:solidFill>
-              </a:rPr>
-              <a:t>postgresql.conf</a:t>
-            </a:r>
-            <a:r>
-              <a:rPr lang="x-none" altLang="pt-BR"/>
-              <a:t>:</a:t>
-            </a:r>
-            <a:endParaRPr lang="x-none" altLang="pt-BR"/>
-          </a:p>
-          <a:p>
-            <a:pPr lvl="1"/>
-            <a:r>
-              <a:rPr lang="x-none" altLang="pt-BR"/>
-              <a:t>listen_addresses</a:t>
-            </a:r>
-            <a:endParaRPr lang="x-none" altLang="pt-BR"/>
-          </a:p>
-          <a:p>
-            <a:pPr lvl="1"/>
-            <a:r>
-              <a:rPr lang="x-none" altLang="pt-BR"/>
-              <a:t>max_connections</a:t>
-            </a:r>
-            <a:endParaRPr lang="x-none" altLang="pt-BR"/>
-          </a:p>
-          <a:p>
-            <a:pPr lvl="1"/>
-            <a:r>
-              <a:rPr lang="x-none" altLang="pt-BR"/>
-              <a:t>effective_cache_size</a:t>
-            </a:r>
-            <a:endParaRPr lang="x-none" altLang="pt-BR"/>
-          </a:p>
-          <a:p>
-            <a:pPr lvl="1"/>
-            <a:r>
-              <a:rPr lang="x-none" altLang="pt-BR"/>
-              <a:t>shared_buffers</a:t>
-            </a:r>
-            <a:endParaRPr lang="x-none" altLang="pt-BR"/>
-          </a:p>
-          <a:p>
-            <a:pPr lvl="1"/>
-            <a:r>
-              <a:rPr lang="x-none" altLang="pt-BR"/>
-              <a:t>work_mem</a:t>
-            </a:r>
-            <a:endParaRPr lang="x-none" altLang="pt-BR"/>
-          </a:p>
-          <a:p>
-            <a:pPr lvl="1"/>
-            <a:r>
-              <a:rPr lang="x-none" altLang="pt-BR"/>
-              <a:t>maintenance_work_mem</a:t>
-            </a:r>
-            <a:endParaRPr lang="x-none" altLang="pt-BR"/>
-          </a:p>
-          <a:p>
-            <a:pPr lvl="1"/>
-            <a:endParaRPr lang="x-none" altLang="pt-BR"/>
-          </a:p>
-          <a:p>
-            <a:pPr lvl="0"/>
-            <a:r>
-              <a:rPr lang="x-none" altLang="pt-BR"/>
-              <a:t>Ferramenta de configuração automática: </a:t>
-            </a:r>
-            <a:r>
-              <a:rPr lang="x-none" altLang="pt-BR">
-                <a:solidFill>
-                  <a:srgbClr val="92D050"/>
-                </a:solidFill>
-              </a:rPr>
-              <a:t>www.pgconfig.org</a:t>
-            </a:r>
-            <a:r>
-              <a:rPr lang="x-none" altLang="pt-BR"/>
-              <a:t> (Sebastian Webber)</a:t>
-            </a:r>
-            <a:endParaRPr lang="x-none" altLang="pt-BR"/>
+          <a:bodyPr/>
+          <a:p>
+            <a:endParaRPr lang="pt-BR" altLang="en-US"/>
           </a:p>
         </p:txBody>
       </p:sp>
@@ -7015,7 +7035,7 @@
           <a:p>
             <a:r>
               <a:rPr lang="x-none" altLang="pt-BR"/>
-              <a:t>Funções Customizadas</a:t>
+              <a:t>Desempenho: Configuração</a:t>
             </a:r>
             <a:endParaRPr lang="x-none" altLang="pt-BR"/>
           </a:p>
@@ -7033,9 +7053,99 @@
         </p:nvSpPr>
         <p:spPr/>
         <p:txBody>
-          <a:bodyPr/>
-          <a:p>
-            <a:endParaRPr lang="pt-BR" altLang="en-US"/>
+          <a:bodyPr>
+            <a:normAutofit fontScale="90000"/>
+          </a:bodyPr>
+          <a:p>
+            <a:r>
+              <a:rPr lang="x-none" altLang="pt-BR"/>
+              <a:t>Alguns atributos do arquivo </a:t>
+            </a:r>
+            <a:r>
+              <a:rPr lang="x-none" altLang="pt-BR">
+                <a:solidFill>
+                  <a:srgbClr val="92D050"/>
+                </a:solidFill>
+              </a:rPr>
+              <a:t>postgresql.conf</a:t>
+            </a:r>
+            <a:r>
+              <a:rPr lang="x-none" altLang="pt-BR"/>
+              <a:t>:</a:t>
+            </a:r>
+            <a:endParaRPr lang="x-none" altLang="pt-BR"/>
+          </a:p>
+          <a:p>
+            <a:pPr lvl="1"/>
+            <a:r>
+              <a:rPr lang="x-none" altLang="pt-BR"/>
+              <a:t>listen_addresses</a:t>
+            </a:r>
+            <a:endParaRPr lang="x-none" altLang="pt-BR"/>
+          </a:p>
+          <a:p>
+            <a:pPr lvl="1"/>
+            <a:r>
+              <a:rPr lang="x-none" altLang="pt-BR"/>
+              <a:t>max_connections</a:t>
+            </a:r>
+            <a:endParaRPr lang="x-none" altLang="pt-BR"/>
+          </a:p>
+          <a:p>
+            <a:pPr lvl="1"/>
+            <a:r>
+              <a:rPr lang="x-none" altLang="pt-BR"/>
+              <a:t>effective_cache_size</a:t>
+            </a:r>
+            <a:endParaRPr lang="x-none" altLang="pt-BR"/>
+          </a:p>
+          <a:p>
+            <a:pPr lvl="1"/>
+            <a:r>
+              <a:rPr lang="x-none" altLang="pt-BR"/>
+              <a:t>shared_buffers</a:t>
+            </a:r>
+            <a:endParaRPr lang="x-none" altLang="pt-BR"/>
+          </a:p>
+          <a:p>
+            <a:pPr lvl="1"/>
+            <a:r>
+              <a:rPr lang="x-none" altLang="pt-BR"/>
+              <a:t>work_mem</a:t>
+            </a:r>
+            <a:endParaRPr lang="x-none" altLang="pt-BR"/>
+          </a:p>
+          <a:p>
+            <a:pPr lvl="1"/>
+            <a:r>
+              <a:rPr lang="x-none" altLang="pt-BR"/>
+              <a:t>maintenance_work_mem</a:t>
+            </a:r>
+            <a:endParaRPr lang="x-none" altLang="pt-BR"/>
+          </a:p>
+          <a:p>
+            <a:pPr lvl="1"/>
+            <a:endParaRPr lang="x-none" altLang="pt-BR"/>
+          </a:p>
+          <a:p>
+            <a:pPr lvl="0"/>
+            <a:r>
+              <a:rPr lang="x-none" altLang="pt-BR"/>
+              <a:t>Ferramenta de configuração automática: </a:t>
+            </a:r>
+            <a:r>
+              <a:rPr lang="x-none" altLang="pt-BR">
+                <a:solidFill>
+                  <a:srgbClr val="92D050"/>
+                </a:solidFill>
+              </a:rPr>
+              <a:t>www.pgconfig.org</a:t>
+            </a:r>
+            <a:r>
+              <a:rPr lang="x-none" altLang="pt-BR"/>
+              <a:t> (Sebastian Webber)</a:t>
+            </a:r>
+            <a:endParaRPr lang="x-none" altLang="pt-BR"/>
           </a:p>
         </p:txBody>
       </p:sp>
@@ -7073,6 +7183,64 @@
           <a:p>
             <a:r>
               <a:rPr lang="x-none" altLang="pt-BR"/>
+              <a:t>Funções Customizadas</a:t>
+            </a:r>
+            <a:endParaRPr lang="x-none" altLang="pt-BR"/>
+          </a:p>
+        </p:txBody>
+      </p:sp>
+      <p:sp>
+        <p:nvSpPr>
+          <p:cNvPr id="3" name="Content Placeholder 2"/>
+          <p:cNvSpPr>
+            <a:spLocks noGrp="1"/>
+          </p:cNvSpPr>
+          <p:nvPr>
+            <p:ph idx="1"/>
+          </p:nvPr>
+        </p:nvSpPr>
+        <p:spPr/>
+        <p:txBody>
+          <a:bodyPr/>
+          <a:p>
+            <a:endParaRPr lang="pt-BR" altLang="en-US"/>
+          </a:p>
+        </p:txBody>
+      </p:sp>
+    </p:spTree>
+  </p:cSld>
+  <p:clrMapOvr>
+    <a:masterClrMapping/>
+  </p:clrMapOvr>
+</p:sld>
+</file>
+
+<file path=ppt/slides/slide34.xml><?xml version="1.0" encoding="utf-8"?>
+<p:sld xmlns:a="http://schemas.openxmlformats.org/drawingml/2006/main" xmlns:r="http://schemas.openxmlformats.org/officeDocument/2006/relationships" xmlns:p="http://schemas.openxmlformats.org/presentationml/2006/main">
+  <p:cSld>
+    <p:spTree>
+      <p:nvGrpSpPr>
+        <p:cNvPr id="1" name=""/>
+        <p:cNvGrpSpPr/>
+        <p:nvPr/>
+      </p:nvGrpSpPr>
+      <p:grpSpPr/>
+      <p:sp>
+        <p:nvSpPr>
+          <p:cNvPr id="2" name="Title 1"/>
+          <p:cNvSpPr>
+            <a:spLocks noGrp="1"/>
+          </p:cNvSpPr>
+          <p:nvPr>
+            <p:ph type="title"/>
+          </p:nvPr>
+        </p:nvSpPr>
+        <p:spPr/>
+        <p:txBody>
+          <a:bodyPr/>
+          <a:p>
+            <a:r>
+              <a:rPr lang="x-none" altLang="pt-BR"/>
               <a:t>Outras Funcionalidades</a:t>
             </a:r>
             <a:endParaRPr lang="x-none" altLang="pt-BR"/>
@@ -7092,7 +7260,7 @@
         <p:spPr/>
         <p:txBody>
           <a:bodyPr>
-            <a:normAutofit fontScale="60000"/>
+            <a:normAutofit fontScale="50000"/>
           </a:bodyPr>
           <a:p>
             <a:r>
@@ -7203,7 +7371,21 @@
           <a:p>
             <a:r>
               <a:rPr lang="x-none" altLang="pt-BR"/>
+              <a:t>DBLink</a:t>
+            </a:r>
+            <a:endParaRPr lang="x-none" altLang="pt-BR"/>
+          </a:p>
+          <a:p>
+            <a:r>
+              <a:rPr lang="x-none" altLang="pt-BR"/>
               <a:t>Replicação de bancos em servidores diferentes (Hot StandBy)</a:t>
+            </a:r>
+            <a:endParaRPr lang="x-none" altLang="pt-BR"/>
+          </a:p>
+          <a:p>
+            <a:r>
+              <a:rPr lang="x-none" altLang="pt-BR"/>
+              <a:t>Execução de consultas em paralelo (9.6)</a:t>
             </a:r>
             <a:endParaRPr lang="x-none" altLang="pt-BR"/>
           </a:p>
@@ -7702,7 +7884,7 @@
         <p:spPr/>
         <p:txBody>
           <a:bodyPr>
-            <a:normAutofit lnSpcReduction="20000"/>
+            <a:normAutofit fontScale="70000"/>
           </a:bodyPr>
           <a:p>
             <a:r>
@@ -7846,6 +8028,42 @@
                 <a:latin typeface="DejaVu Sans Mono" charset="0"/>
               </a:rPr>
               <a:t>service postgresql restart</a:t>
+            </a:r>
+            <a:endParaRPr lang="x-none" altLang="pt-BR">
+              <a:solidFill>
+                <a:srgbClr val="00B0F0"/>
+              </a:solidFill>
+              <a:latin typeface="DejaVu Sans Mono" charset="0"/>
+            </a:endParaRPr>
+          </a:p>
+          <a:p>
+            <a:pPr lvl="0"/>
+            <a:r>
+              <a:rPr lang="x-none" altLang="pt-BR">
+                <a:solidFill>
+                  <a:srgbClr val="00B0F0"/>
+                </a:solidFill>
+                <a:latin typeface="DejaVu Sans Mono" charset="0"/>
+              </a:rPr>
+              <a:t>service postgresql stop</a:t>
+            </a:r>
+            <a:endParaRPr lang="x-none" altLang="pt-BR">
+              <a:solidFill>
+                <a:srgbClr val="00B0F0"/>
+              </a:solidFill>
+              <a:latin typeface="DejaVu Sans Mono" charset="0"/>
+            </a:endParaRPr>
+          </a:p>
+          <a:p>
+            <a:pPr lvl="0"/>
+            <a:r>
+              <a:rPr lang="x-none" altLang="pt-BR">
+                <a:solidFill>
+                  <a:srgbClr val="00B0F0"/>
+                </a:solidFill>
+                <a:latin typeface="DejaVu Sans Mono" charset="0"/>
+              </a:rPr>
+              <a:t>service postgresql start</a:t>
             </a:r>
             <a:endParaRPr lang="x-none" altLang="pt-BR">
               <a:solidFill>

--- a/curso/modulo3capitulo5.pptx
+++ b/curso/modulo3capitulo5.pptx
@@ -34,11 +34,23 @@
     <p:sldId id="460" r:id="rId29"/>
     <p:sldId id="449" r:id="rId30"/>
     <p:sldId id="472" r:id="rId31"/>
-    <p:sldId id="445" r:id="rId32"/>
-    <p:sldId id="446" r:id="rId33"/>
-    <p:sldId id="456" r:id="rId34"/>
-    <p:sldId id="447" r:id="rId35"/>
-    <p:sldId id="444" r:id="rId36"/>
+    <p:sldId id="511" r:id="rId32"/>
+    <p:sldId id="445" r:id="rId33"/>
+    <p:sldId id="446" r:id="rId34"/>
+    <p:sldId id="512" r:id="rId35"/>
+    <p:sldId id="513" r:id="rId36"/>
+    <p:sldId id="514" r:id="rId37"/>
+    <p:sldId id="515" r:id="rId38"/>
+    <p:sldId id="516" r:id="rId39"/>
+    <p:sldId id="517" r:id="rId40"/>
+    <p:sldId id="518" r:id="rId41"/>
+    <p:sldId id="519" r:id="rId42"/>
+    <p:sldId id="520" r:id="rId43"/>
+    <p:sldId id="521" r:id="rId44"/>
+    <p:sldId id="522" r:id="rId45"/>
+    <p:sldId id="456" r:id="rId46"/>
+    <p:sldId id="447" r:id="rId47"/>
+    <p:sldId id="444" r:id="rId48"/>
   </p:sldIdLst>
   <p:sldSz cx="9144000" cy="6858000" type="screen4x3"/>
   <p:notesSz cx="6858000" cy="9144000"/>
@@ -6506,6 +6518,28 @@
             <a:pPr lvl="1"/>
             <a:r>
               <a:rPr lang="x-none" altLang="pt-BR"/>
+              <a:t>Uso de </a:t>
+            </a:r>
+            <a:r>
+              <a:rPr lang="x-none" altLang="pt-BR">
+                <a:solidFill>
+                  <a:srgbClr val="92D050"/>
+                </a:solidFill>
+              </a:rPr>
+              <a:t>índices </a:t>
+            </a:r>
+            <a:r>
+              <a:rPr lang="x-none" altLang="pt-BR"/>
+              <a:t>para melhoria de consultas</a:t>
+            </a:r>
+            <a:endParaRPr lang="x-none" altLang="pt-BR"/>
+          </a:p>
+          <a:p>
+            <a:pPr lvl="1"/>
+            <a:r>
+              <a:rPr lang="x-none" altLang="pt-BR">
+                <a:sym typeface="+mn-ea"/>
+              </a:rPr>
               <a:t>Análise da consulta lenta com </a:t>
             </a:r>
             <a:r>
@@ -6513,32 +6547,9 @@
                 <a:solidFill>
                   <a:srgbClr val="92D050"/>
                 </a:solidFill>
+                <a:sym typeface="+mn-ea"/>
               </a:rPr>
               <a:t>explain</a:t>
-            </a:r>
-            <a:endParaRPr lang="x-none" altLang="pt-BR">
-              <a:solidFill>
-                <a:srgbClr val="92D050"/>
-              </a:solidFill>
-            </a:endParaRPr>
-          </a:p>
-          <a:p>
-            <a:pPr lvl="1"/>
-            <a:r>
-              <a:rPr lang="x-none" altLang="pt-BR"/>
-              <a:t>Uso de </a:t>
-            </a:r>
-            <a:r>
-              <a:rPr lang="x-none" altLang="pt-BR">
-                <a:solidFill>
-                  <a:srgbClr val="92D050"/>
-                </a:solidFill>
-              </a:rPr>
-              <a:t>índices </a:t>
-            </a:r>
-            <a:r>
-              <a:rPr lang="x-none" altLang="pt-BR"/>
-              <a:t>para melhoria de consultas</a:t>
             </a:r>
             <a:endParaRPr lang="x-none" altLang="pt-BR"/>
           </a:p>
@@ -6622,35 +6633,127 @@
           <a:p>
             <a:r>
               <a:rPr lang="x-none" altLang="pt-BR"/>
-              <a:t>Use subconsultas somente como uma tabela (no from e no join)</a:t>
-            </a:r>
-            <a:endParaRPr lang="x-none" altLang="pt-BR"/>
-          </a:p>
-          <a:p>
-            <a:r>
-              <a:rPr lang="x-none" altLang="pt-BR"/>
-              <a:t>Sempre que houver um atributo constante e puder fazer subconsulta no from ou no join, faça</a:t>
-            </a:r>
-            <a:endParaRPr lang="x-none" altLang="pt-BR"/>
-          </a:p>
-          <a:p>
-            <a:r>
-              <a:rPr lang="x-none" altLang="pt-BR"/>
-              <a:t>Procure fazer joins de apenas 1 atributo</a:t>
-            </a:r>
-            <a:endParaRPr lang="x-none" altLang="pt-BR"/>
-          </a:p>
-          <a:p>
-            <a:r>
-              <a:rPr lang="x-none" altLang="pt-BR"/>
-              <a:t>Ordene os joins em ordem de número de registros, do maior para o menor</a:t>
-            </a:r>
-            <a:endParaRPr lang="x-none" altLang="pt-BR"/>
-          </a:p>
-          <a:p>
-            <a:r>
-              <a:rPr lang="x-none" altLang="pt-BR"/>
-              <a:t>Procure não usar mais do que 7 joins (8 tabelas) em uma mesma consulta</a:t>
+              <a:t>Use </a:t>
+            </a:r>
+            <a:r>
+              <a:rPr lang="x-none" altLang="pt-BR">
+                <a:solidFill>
+                  <a:srgbClr val="92D050"/>
+                </a:solidFill>
+              </a:rPr>
+              <a:t>subconsultas </a:t>
+            </a:r>
+            <a:r>
+              <a:rPr lang="x-none" altLang="pt-BR"/>
+              <a:t>somente como uma tabela (no </a:t>
+            </a:r>
+            <a:r>
+              <a:rPr lang="x-none" altLang="pt-BR">
+                <a:solidFill>
+                  <a:srgbClr val="92D050"/>
+                </a:solidFill>
+              </a:rPr>
+              <a:t>from </a:t>
+            </a:r>
+            <a:r>
+              <a:rPr lang="x-none" altLang="pt-BR"/>
+              <a:t>e no </a:t>
+            </a:r>
+            <a:r>
+              <a:rPr lang="x-none" altLang="pt-BR">
+                <a:solidFill>
+                  <a:srgbClr val="92D050"/>
+                </a:solidFill>
+              </a:rPr>
+              <a:t>join</a:t>
+            </a:r>
+            <a:r>
+              <a:rPr lang="x-none" altLang="pt-BR"/>
+              <a:t>)</a:t>
+            </a:r>
+            <a:endParaRPr lang="x-none" altLang="pt-BR"/>
+          </a:p>
+          <a:p>
+            <a:r>
+              <a:rPr lang="x-none" altLang="pt-BR"/>
+              <a:t>Sempre que houver um </a:t>
+            </a:r>
+            <a:r>
+              <a:rPr lang="x-none" altLang="pt-BR">
+                <a:solidFill>
+                  <a:srgbClr val="92D050"/>
+                </a:solidFill>
+              </a:rPr>
+              <a:t>atributo constante</a:t>
+            </a:r>
+            <a:r>
+              <a:rPr lang="x-none" altLang="pt-BR"/>
+              <a:t> e puder fazer </a:t>
+            </a:r>
+            <a:r>
+              <a:rPr lang="x-none" altLang="pt-BR">
+                <a:solidFill>
+                  <a:srgbClr val="92D050"/>
+                </a:solidFill>
+              </a:rPr>
+              <a:t>subconsulta </a:t>
+            </a:r>
+            <a:r>
+              <a:rPr lang="x-none" altLang="pt-BR"/>
+              <a:t>no from ou no join, faça</a:t>
+            </a:r>
+            <a:endParaRPr lang="x-none" altLang="pt-BR"/>
+          </a:p>
+          <a:p>
+            <a:r>
+              <a:rPr lang="x-none" altLang="pt-BR"/>
+              <a:t>Procure fazer joins de apenas </a:t>
+            </a:r>
+            <a:r>
+              <a:rPr lang="x-none" altLang="pt-BR">
+                <a:solidFill>
+                  <a:srgbClr val="92D050"/>
+                </a:solidFill>
+              </a:rPr>
+              <a:t>1 atributo</a:t>
+            </a:r>
+            <a:endParaRPr lang="x-none" altLang="pt-BR">
+              <a:solidFill>
+                <a:srgbClr val="92D050"/>
+              </a:solidFill>
+            </a:endParaRPr>
+          </a:p>
+          <a:p>
+            <a:r>
+              <a:rPr lang="x-none" altLang="pt-BR">
+                <a:solidFill>
+                  <a:srgbClr val="92D050"/>
+                </a:solidFill>
+              </a:rPr>
+              <a:t>Ordene os joins</a:t>
+            </a:r>
+            <a:r>
+              <a:rPr lang="x-none" altLang="pt-BR"/>
+              <a:t> em ordem de número de registros, do maior para o menor</a:t>
+            </a:r>
+            <a:endParaRPr lang="x-none" altLang="pt-BR"/>
+          </a:p>
+          <a:p>
+            <a:r>
+              <a:rPr lang="x-none" altLang="pt-BR"/>
+              <a:t>Procure não usar mais do que </a:t>
+            </a:r>
+            <a:r>
+              <a:rPr lang="x-none" altLang="pt-BR">
+                <a:solidFill>
+                  <a:srgbClr val="92D050"/>
+                </a:solidFill>
+              </a:rPr>
+              <a:t>7 joins</a:t>
+            </a:r>
+            <a:r>
+              <a:rPr lang="x-none" altLang="pt-BR"/>
+              <a:t> (8 tabelas) em uma mesma consulta</a:t>
             </a:r>
             <a:endParaRPr lang="x-none" altLang="pt-BR"/>
           </a:p>
@@ -6708,9 +6811,150 @@
         </p:nvSpPr>
         <p:spPr/>
         <p:txBody>
-          <a:bodyPr/>
-          <a:p>
-            <a:endParaRPr lang="pt-BR" altLang="en-US"/>
+          <a:bodyPr>
+            <a:normAutofit fontScale="90000" lnSpcReduction="10000"/>
+          </a:bodyPr>
+          <a:p>
+            <a:r>
+              <a:rPr lang="x-none" altLang="pt-BR"/>
+              <a:t>Common Table Expression (</a:t>
+            </a:r>
+            <a:r>
+              <a:rPr lang="x-none" altLang="pt-BR">
+                <a:solidFill>
+                  <a:srgbClr val="92D050"/>
+                </a:solidFill>
+              </a:rPr>
+              <a:t>CTE</a:t>
+            </a:r>
+            <a:r>
+              <a:rPr lang="x-none" altLang="pt-BR"/>
+              <a:t>)</a:t>
+            </a:r>
+            <a:endParaRPr lang="x-none" altLang="pt-BR"/>
+          </a:p>
+          <a:p>
+            <a:r>
+              <a:rPr lang="x-none" altLang="pt-BR"/>
+              <a:t>Define uma </a:t>
+            </a:r>
+            <a:r>
+              <a:rPr lang="x-none" altLang="pt-BR">
+                <a:solidFill>
+                  <a:srgbClr val="92D050"/>
+                </a:solidFill>
+              </a:rPr>
+              <a:t>tabela temporária</a:t>
+            </a:r>
+            <a:r>
+              <a:rPr lang="x-none" altLang="pt-BR"/>
+              <a:t> que existirá apenas na execução do SQL</a:t>
+            </a:r>
+            <a:endParaRPr lang="x-none" altLang="pt-BR"/>
+          </a:p>
+          <a:p>
+            <a:r>
+              <a:rPr lang="x-none" altLang="pt-BR"/>
+              <a:t>Otimiza o tempo de </a:t>
+            </a:r>
+            <a:r>
+              <a:rPr lang="x-none" altLang="pt-BR">
+                <a:solidFill>
+                  <a:srgbClr val="92D050"/>
+                </a:solidFill>
+              </a:rPr>
+              <a:t>subconsultas</a:t>
+            </a:r>
+            <a:endParaRPr lang="x-none" altLang="pt-BR">
+              <a:solidFill>
+                <a:srgbClr val="92D050"/>
+              </a:solidFill>
+            </a:endParaRPr>
+          </a:p>
+          <a:p>
+            <a:r>
+              <a:rPr lang="x-none" altLang="pt-BR">
+                <a:solidFill>
+                  <a:srgbClr val="00B0F0"/>
+                </a:solidFill>
+                <a:latin typeface="DejaVu Sans Mono" charset="0"/>
+              </a:rPr>
+              <a:t>with temp as (</a:t>
+            </a:r>
+            <a:endParaRPr lang="x-none" altLang="pt-BR">
+              <a:solidFill>
+                <a:srgbClr val="00B0F0"/>
+              </a:solidFill>
+              <a:latin typeface="DejaVu Sans Mono" charset="0"/>
+            </a:endParaRPr>
+          </a:p>
+          <a:p>
+            <a:r>
+              <a:rPr lang="x-none" altLang="pt-BR">
+                <a:solidFill>
+                  <a:srgbClr val="00B0F0"/>
+                </a:solidFill>
+                <a:latin typeface="DejaVu Sans Mono" charset="0"/>
+              </a:rPr>
+              <a:t>    select ... </a:t>
+            </a:r>
+            <a:endParaRPr lang="x-none" altLang="pt-BR">
+              <a:solidFill>
+                <a:srgbClr val="00B0F0"/>
+              </a:solidFill>
+              <a:latin typeface="DejaVu Sans Mono" charset="0"/>
+            </a:endParaRPr>
+          </a:p>
+          <a:p>
+            <a:r>
+              <a:rPr lang="x-none" altLang="pt-BR">
+                <a:solidFill>
+                  <a:srgbClr val="00B0F0"/>
+                </a:solidFill>
+                <a:latin typeface="DejaVu Sans Mono" charset="0"/>
+              </a:rPr>
+              <a:t>)</a:t>
+            </a:r>
+            <a:endParaRPr lang="x-none" altLang="pt-BR">
+              <a:solidFill>
+                <a:srgbClr val="00B0F0"/>
+              </a:solidFill>
+              <a:latin typeface="DejaVu Sans Mono" charset="0"/>
+            </a:endParaRPr>
+          </a:p>
+          <a:p>
+            <a:r>
+              <a:rPr lang="x-none" altLang="pt-BR">
+                <a:solidFill>
+                  <a:srgbClr val="00B0F0"/>
+                </a:solidFill>
+                <a:latin typeface="DejaVu Sans Mono" charset="0"/>
+              </a:rPr>
+              <a:t>select * from tabela t</a:t>
+            </a:r>
+            <a:endParaRPr lang="x-none" altLang="pt-BR">
+              <a:solidFill>
+                <a:srgbClr val="00B0F0"/>
+              </a:solidFill>
+              <a:latin typeface="DejaVu Sans Mono" charset="0"/>
+            </a:endParaRPr>
+          </a:p>
+          <a:p>
+            <a:r>
+              <a:rPr lang="x-none" altLang="pt-BR">
+                <a:solidFill>
+                  <a:srgbClr val="00B0F0"/>
+                </a:solidFill>
+                <a:latin typeface="DejaVu Sans Mono" charset="0"/>
+              </a:rPr>
+              <a:t>inner join temp u on u.col = t.col</a:t>
+            </a:r>
+            <a:endParaRPr lang="x-none" altLang="pt-BR">
+              <a:solidFill>
+                <a:srgbClr val="00B0F0"/>
+              </a:solidFill>
+              <a:latin typeface="DejaVu Sans Mono" charset="0"/>
+            </a:endParaRPr>
           </a:p>
         </p:txBody>
       </p:sp>
@@ -6766,9 +7010,120 @@
         </p:nvSpPr>
         <p:spPr/>
         <p:txBody>
-          <a:bodyPr/>
-          <a:p>
-            <a:endParaRPr lang="pt-BR" altLang="en-US"/>
+          <a:bodyPr>
+            <a:normAutofit lnSpcReduction="10000"/>
+          </a:bodyPr>
+          <a:p>
+            <a:r>
+              <a:rPr lang="x-none" altLang="pt-BR">
+                <a:solidFill>
+                  <a:srgbClr val="92D050"/>
+                </a:solidFill>
+              </a:rPr>
+              <a:t>Delete </a:t>
+            </a:r>
+            <a:r>
+              <a:rPr lang="x-none" altLang="pt-BR"/>
+              <a:t>exclui registros logicamente (1)</a:t>
+            </a:r>
+            <a:endParaRPr lang="x-none" altLang="pt-BR"/>
+          </a:p>
+          <a:p>
+            <a:r>
+              <a:rPr lang="x-none" altLang="pt-BR"/>
+              <a:t>Registros deletados ficam marcados como não utilizados ou "mortos"</a:t>
+            </a:r>
+            <a:endParaRPr lang="x-none" altLang="pt-BR"/>
+          </a:p>
+          <a:p>
+            <a:r>
+              <a:rPr lang="x-none" altLang="pt-BR"/>
+              <a:t>Banco de dados </a:t>
+            </a:r>
+            <a:r>
+              <a:rPr lang="x-none" altLang="pt-BR">
+                <a:solidFill>
+                  <a:srgbClr val="92D050"/>
+                </a:solidFill>
+              </a:rPr>
+              <a:t>não diminui de tamanho</a:t>
+            </a:r>
+            <a:r>
+              <a:rPr lang="x-none" altLang="pt-BR"/>
+              <a:t> com delete</a:t>
+            </a:r>
+            <a:endParaRPr lang="x-none" altLang="pt-BR"/>
+          </a:p>
+          <a:p>
+            <a:r>
+              <a:rPr lang="x-none" altLang="pt-BR"/>
+              <a:t>O que o </a:t>
+            </a:r>
+            <a:r>
+              <a:rPr lang="x-none" altLang="pt-BR">
+                <a:solidFill>
+                  <a:srgbClr val="92D050"/>
+                </a:solidFill>
+              </a:rPr>
+              <a:t>vacuum </a:t>
+            </a:r>
+            <a:r>
+              <a:rPr lang="x-none" altLang="pt-BR"/>
+              <a:t>faz?</a:t>
+            </a:r>
+            <a:endParaRPr lang="x-none" altLang="pt-BR"/>
+          </a:p>
+          <a:p>
+            <a:pPr lvl="1"/>
+            <a:r>
+              <a:rPr lang="x-none" altLang="pt-BR">
+                <a:solidFill>
+                  <a:srgbClr val="92D050"/>
+                </a:solidFill>
+              </a:rPr>
+              <a:t>Deleta </a:t>
+            </a:r>
+            <a:r>
+              <a:rPr lang="x-none" altLang="pt-BR"/>
+              <a:t>os registros "mortos" (2)</a:t>
+            </a:r>
+            <a:endParaRPr lang="x-none" altLang="pt-BR"/>
+          </a:p>
+          <a:p>
+            <a:pPr lvl="1"/>
+            <a:r>
+              <a:rPr lang="x-none" altLang="pt-BR">
+                <a:solidFill>
+                  <a:srgbClr val="92D050"/>
+                </a:solidFill>
+              </a:rPr>
+              <a:t>Reorganiza </a:t>
+            </a:r>
+            <a:r>
+              <a:rPr lang="x-none" altLang="pt-BR"/>
+              <a:t>os registros no banco (3)</a:t>
+            </a:r>
+            <a:endParaRPr lang="x-none" altLang="pt-BR"/>
+          </a:p>
+          <a:p>
+            <a:pPr lvl="1"/>
+            <a:r>
+              <a:rPr lang="x-none" altLang="pt-BR"/>
+              <a:t>Atualiza </a:t>
+            </a:r>
+            <a:r>
+              <a:rPr lang="x-none" altLang="pt-BR">
+                <a:solidFill>
+                  <a:srgbClr val="92D050"/>
+                </a:solidFill>
+              </a:rPr>
+              <a:t>estatísticas</a:t>
+            </a:r>
+            <a:endParaRPr lang="x-none" altLang="pt-BR">
+              <a:solidFill>
+                <a:srgbClr val="92D050"/>
+              </a:solidFill>
+            </a:endParaRPr>
           </a:p>
         </p:txBody>
       </p:sp>
@@ -6919,30 +7274,38 @@
           <a:p>
             <a:r>
               <a:rPr lang="x-none" altLang="pt-BR"/>
-              <a:t>Desempenho: Explain</a:t>
-            </a:r>
-            <a:endParaRPr lang="x-none" altLang="pt-BR"/>
-          </a:p>
-        </p:txBody>
-      </p:sp>
-      <p:sp>
-        <p:nvSpPr>
-          <p:cNvPr id="3" name="Content Placeholder 2"/>
-          <p:cNvSpPr>
-            <a:spLocks noGrp="1"/>
-          </p:cNvSpPr>
+              <a:t>Desempenho: Vacuum</a:t>
+            </a:r>
+            <a:endParaRPr lang="x-none" altLang="pt-BR"/>
+          </a:p>
+        </p:txBody>
+      </p:sp>
+      <p:pic>
+        <p:nvPicPr>
+          <p:cNvPr id="4" name="Content Placeholder 3"/>
+          <p:cNvPicPr>
+            <a:picLocks noChangeAspect="1"/>
+          </p:cNvPicPr>
           <p:nvPr>
             <p:ph idx="1"/>
           </p:nvPr>
-        </p:nvSpPr>
-        <p:spPr/>
-        <p:txBody>
-          <a:bodyPr/>
-          <a:p>
-            <a:endParaRPr lang="pt-BR" altLang="en-US"/>
-          </a:p>
-        </p:txBody>
-      </p:sp>
+        </p:nvPicPr>
+        <p:blipFill>
+          <a:blip r:embed="rId1"/>
+          <a:stretch>
+            <a:fillRect/>
+          </a:stretch>
+        </p:blipFill>
+        <p:spPr>
+          <a:xfrm>
+            <a:off x="1187450" y="1772920"/>
+            <a:ext cx="6372225" cy="4368800"/>
+          </a:xfrm>
+          <a:prstGeom prst="rect">
+            <a:avLst/>
+          </a:prstGeom>
+        </p:spPr>
+      </p:pic>
     </p:spTree>
   </p:cSld>
   <p:clrMapOvr>
@@ -6977,7 +7340,7 @@
           <a:p>
             <a:r>
               <a:rPr lang="x-none" altLang="pt-BR"/>
-              <a:t>Desempenho: Índices</a:t>
+              <a:t>Desempenho: Vacuum</a:t>
             </a:r>
             <a:endParaRPr lang="x-none" altLang="pt-BR"/>
           </a:p>
@@ -6995,9 +7358,116 @@
         </p:nvSpPr>
         <p:spPr/>
         <p:txBody>
-          <a:bodyPr/>
-          <a:p>
-            <a:endParaRPr lang="pt-BR" altLang="en-US"/>
+          <a:bodyPr>
+            <a:normAutofit fontScale="90000" lnSpcReduction="20000"/>
+          </a:bodyPr>
+          <a:p>
+            <a:r>
+              <a:rPr lang="x-none" altLang="pt-BR"/>
+              <a:t>Tipos de Vacuum:</a:t>
+            </a:r>
+            <a:endParaRPr lang="x-none" altLang="pt-BR"/>
+          </a:p>
+          <a:p>
+            <a:pPr lvl="1"/>
+            <a:r>
+              <a:rPr lang="x-none" altLang="pt-BR">
+                <a:solidFill>
+                  <a:srgbClr val="00B0F0"/>
+                </a:solidFill>
+                <a:latin typeface="DejaVu Sans Mono" charset="0"/>
+              </a:rPr>
+              <a:t>vacuum</a:t>
+            </a:r>
+            <a:r>
+              <a:rPr lang="x-none" altLang="pt-BR"/>
+              <a:t>: apenas remove registros mortos no banco inteiro</a:t>
+            </a:r>
+            <a:endParaRPr lang="x-none" altLang="pt-BR"/>
+          </a:p>
+          <a:p>
+            <a:pPr lvl="1"/>
+            <a:r>
+              <a:rPr lang="x-none" altLang="pt-BR">
+                <a:solidFill>
+                  <a:srgbClr val="00B0F0"/>
+                </a:solidFill>
+                <a:latin typeface="DejaVu Sans Mono" charset="0"/>
+              </a:rPr>
+              <a:t>vacuum tabela</a:t>
+            </a:r>
+            <a:r>
+              <a:rPr lang="x-none" altLang="pt-BR"/>
+              <a:t>: remove registros mortos em uma única tabela</a:t>
+            </a:r>
+            <a:endParaRPr lang="x-none" altLang="pt-BR"/>
+          </a:p>
+          <a:p>
+            <a:pPr lvl="1"/>
+            <a:r>
+              <a:rPr lang="x-none" altLang="pt-BR">
+                <a:solidFill>
+                  <a:srgbClr val="00B0F0"/>
+                </a:solidFill>
+                <a:latin typeface="DejaVu Sans Mono" charset="0"/>
+              </a:rPr>
+              <a:t>vacuum verbose</a:t>
+            </a:r>
+            <a:r>
+              <a:rPr lang="x-none" altLang="pt-BR"/>
+              <a:t>: mostra mensagens do que está sendo feito</a:t>
+            </a:r>
+            <a:endParaRPr lang="x-none" altLang="pt-BR"/>
+          </a:p>
+          <a:p>
+            <a:pPr lvl="1"/>
+            <a:r>
+              <a:rPr lang="x-none" altLang="pt-BR">
+                <a:solidFill>
+                  <a:srgbClr val="00B0F0"/>
+                </a:solidFill>
+                <a:latin typeface="DejaVu Sans Mono" charset="0"/>
+              </a:rPr>
+              <a:t>vacuum analyze</a:t>
+            </a:r>
+            <a:r>
+              <a:rPr lang="x-none" altLang="pt-BR"/>
+              <a:t>: remove registros mortos e atualiza estatísticas</a:t>
+            </a:r>
+            <a:endParaRPr lang="x-none" altLang="pt-BR"/>
+          </a:p>
+          <a:p>
+            <a:pPr lvl="1"/>
+            <a:r>
+              <a:rPr lang="x-none" altLang="pt-BR">
+                <a:solidFill>
+                  <a:srgbClr val="00B0F0"/>
+                </a:solidFill>
+                <a:latin typeface="DejaVu Sans Mono" charset="0"/>
+              </a:rPr>
+              <a:t>vacuum full</a:t>
+            </a:r>
+            <a:r>
+              <a:rPr lang="x-none" altLang="pt-BR"/>
+              <a:t>: remove registros mortos, atualiza estatísticas e reorganiza o banco</a:t>
+            </a:r>
+            <a:endParaRPr lang="x-none" altLang="pt-BR"/>
+          </a:p>
+          <a:p>
+            <a:pPr lvl="1"/>
+            <a:r>
+              <a:rPr lang="x-none" altLang="pt-BR">
+                <a:solidFill>
+                  <a:srgbClr val="92D050"/>
+                </a:solidFill>
+              </a:rPr>
+              <a:t>autovacuum</a:t>
+            </a:r>
+            <a:r>
+              <a:rPr lang="x-none" altLang="pt-BR"/>
+              <a:t>: PostgreSQL decide como e quando fazer</a:t>
+            </a:r>
+            <a:endParaRPr lang="x-none" altLang="pt-BR"/>
           </a:p>
         </p:txBody>
       </p:sp>
@@ -7035,7 +7505,7 @@
           <a:p>
             <a:r>
               <a:rPr lang="x-none" altLang="pt-BR"/>
-              <a:t>Desempenho: Configuração</a:t>
+              <a:t>Desempenho: Índices</a:t>
             </a:r>
             <a:endParaRPr lang="x-none" altLang="pt-BR"/>
           </a:p>
@@ -7051,15 +7521,28 @@
             <p:ph idx="1"/>
           </p:nvPr>
         </p:nvSpPr>
-        <p:spPr/>
+        <p:spPr>
+          <a:xfrm>
+            <a:off x="467360" y="1628775"/>
+            <a:ext cx="7467600" cy="4525963"/>
+          </a:xfrm>
+        </p:spPr>
         <p:txBody>
           <a:bodyPr>
-            <a:normAutofit fontScale="90000"/>
+            <a:normAutofit fontScale="90000" lnSpcReduction="20000"/>
           </a:bodyPr>
           <a:p>
             <a:r>
               <a:rPr lang="x-none" altLang="pt-BR"/>
-              <a:t>Alguns atributos do arquivo </a:t>
+              <a:t>Prós</a:t>
+            </a:r>
+            <a:endParaRPr lang="x-none" altLang="pt-BR"/>
+          </a:p>
+          <a:p>
+            <a:pPr lvl="1"/>
+            <a:r>
+              <a:rPr lang="x-none" altLang="pt-BR"/>
+              <a:t>Índices são usados para melhorar o </a:t>
             </a:r>
             <a:r>
               <a:rPr lang="x-none" altLang="pt-BR">
@@ -7067,71 +7550,211 @@
                   <a:srgbClr val="92D050"/>
                 </a:solidFill>
               </a:rPr>
-              <a:t>postgresql.conf</a:t>
-            </a:r>
-            <a:r>
-              <a:rPr lang="x-none" altLang="pt-BR"/>
-              <a:t>:</a:t>
-            </a:r>
-            <a:endParaRPr lang="x-none" altLang="pt-BR"/>
+              <a:t>desempenho </a:t>
+            </a:r>
+            <a:r>
+              <a:rPr lang="x-none" altLang="pt-BR"/>
+              <a:t>de </a:t>
+            </a:r>
+            <a:r>
+              <a:rPr lang="x-none" altLang="pt-BR">
+                <a:solidFill>
+                  <a:srgbClr val="92D050"/>
+                </a:solidFill>
+              </a:rPr>
+              <a:t>select</a:t>
+            </a:r>
+            <a:endParaRPr lang="x-none" altLang="pt-BR">
+              <a:solidFill>
+                <a:srgbClr val="92D050"/>
+              </a:solidFill>
+            </a:endParaRPr>
           </a:p>
           <a:p>
             <a:pPr lvl="1"/>
             <a:r>
               <a:rPr lang="x-none" altLang="pt-BR"/>
-              <a:t>listen_addresses</a:t>
-            </a:r>
-            <a:endParaRPr lang="x-none" altLang="pt-BR"/>
+              <a:t>Mais especificamente, melhora o desempenho de </a:t>
+            </a:r>
+            <a:r>
+              <a:rPr lang="x-none" altLang="pt-BR">
+                <a:solidFill>
+                  <a:srgbClr val="92D050"/>
+                </a:solidFill>
+              </a:rPr>
+              <a:t>join </a:t>
+            </a:r>
+            <a:r>
+              <a:rPr lang="x-none" altLang="pt-BR"/>
+              <a:t>e </a:t>
+            </a:r>
+            <a:r>
+              <a:rPr lang="x-none" altLang="pt-BR">
+                <a:solidFill>
+                  <a:srgbClr val="92D050"/>
+                </a:solidFill>
+              </a:rPr>
+              <a:t>where</a:t>
+            </a:r>
+            <a:endParaRPr lang="x-none" altLang="pt-BR">
+              <a:solidFill>
+                <a:srgbClr val="92D050"/>
+              </a:solidFill>
+            </a:endParaRPr>
           </a:p>
           <a:p>
             <a:pPr lvl="1"/>
             <a:r>
               <a:rPr lang="x-none" altLang="pt-BR"/>
-              <a:t>max_connections</a:t>
-            </a:r>
-            <a:endParaRPr lang="x-none" altLang="pt-BR"/>
+              <a:t>PostgreSQL já cria índice na </a:t>
+            </a:r>
+            <a:r>
+              <a:rPr lang="x-none" altLang="pt-BR">
+                <a:solidFill>
+                  <a:srgbClr val="92D050"/>
+                </a:solidFill>
+              </a:rPr>
+              <a:t>PK</a:t>
+            </a:r>
+            <a:endParaRPr lang="x-none" altLang="pt-BR">
+              <a:solidFill>
+                <a:srgbClr val="92D050"/>
+              </a:solidFill>
+            </a:endParaRPr>
           </a:p>
           <a:p>
             <a:pPr lvl="1"/>
             <a:r>
               <a:rPr lang="x-none" altLang="pt-BR"/>
-              <a:t>effective_cache_size</a:t>
-            </a:r>
-            <a:endParaRPr lang="x-none" altLang="pt-BR"/>
+              <a:t>Recomenda-se criar índices nas </a:t>
+            </a:r>
+            <a:r>
+              <a:rPr lang="x-none" altLang="pt-BR">
+                <a:solidFill>
+                  <a:srgbClr val="92D050"/>
+                </a:solidFill>
+              </a:rPr>
+              <a:t>FKs</a:t>
+            </a:r>
+            <a:endParaRPr lang="x-none" altLang="pt-BR">
+              <a:solidFill>
+                <a:srgbClr val="92D050"/>
+              </a:solidFill>
+            </a:endParaRPr>
+          </a:p>
+          <a:p>
+            <a:pPr lvl="0"/>
+            <a:r>
+              <a:rPr lang="x-none" altLang="pt-BR">
+                <a:solidFill>
+                  <a:schemeClr val="tx1"/>
+                </a:solidFill>
+              </a:rPr>
+              <a:t>Contras</a:t>
+            </a:r>
+            <a:endParaRPr lang="x-none" altLang="pt-BR">
+              <a:solidFill>
+                <a:schemeClr val="tx1"/>
+              </a:solidFill>
+            </a:endParaRPr>
           </a:p>
           <a:p>
             <a:pPr lvl="1"/>
             <a:r>
-              <a:rPr lang="x-none" altLang="pt-BR"/>
-              <a:t>shared_buffers</a:t>
-            </a:r>
-            <a:endParaRPr lang="x-none" altLang="pt-BR"/>
+              <a:rPr lang="x-none" altLang="pt-BR">
+                <a:solidFill>
+                  <a:schemeClr val="tx1"/>
+                </a:solidFill>
+              </a:rPr>
+              <a:t>Torna mais </a:t>
+            </a:r>
+            <a:r>
+              <a:rPr lang="x-none" altLang="pt-BR">
+                <a:solidFill>
+                  <a:srgbClr val="92D050"/>
+                </a:solidFill>
+              </a:rPr>
+              <a:t>lento insert</a:t>
+            </a:r>
+            <a:r>
+              <a:rPr lang="x-none" altLang="pt-BR">
+                <a:solidFill>
+                  <a:schemeClr val="tx1"/>
+                </a:solidFill>
+              </a:rPr>
+              <a:t>, </a:t>
+            </a:r>
+            <a:r>
+              <a:rPr lang="x-none" altLang="pt-BR">
+                <a:solidFill>
+                  <a:srgbClr val="92D050"/>
+                </a:solidFill>
+              </a:rPr>
+              <a:t>update </a:t>
+            </a:r>
+            <a:r>
+              <a:rPr lang="x-none" altLang="pt-BR">
+                <a:solidFill>
+                  <a:schemeClr val="tx1"/>
+                </a:solidFill>
+              </a:rPr>
+              <a:t>e </a:t>
+            </a:r>
+            <a:r>
+              <a:rPr lang="x-none" altLang="pt-BR">
+                <a:solidFill>
+                  <a:srgbClr val="92D050"/>
+                </a:solidFill>
+              </a:rPr>
+              <a:t>delete</a:t>
+            </a:r>
+            <a:endParaRPr lang="x-none" altLang="pt-BR">
+              <a:solidFill>
+                <a:srgbClr val="92D050"/>
+              </a:solidFill>
+            </a:endParaRPr>
           </a:p>
           <a:p>
             <a:pPr lvl="1"/>
             <a:r>
-              <a:rPr lang="x-none" altLang="pt-BR"/>
-              <a:t>work_mem</a:t>
-            </a:r>
-            <a:endParaRPr lang="x-none" altLang="pt-BR"/>
+              <a:rPr lang="x-none" altLang="pt-BR">
+                <a:solidFill>
+                  <a:schemeClr val="tx1"/>
+                </a:solidFill>
+              </a:rPr>
+              <a:t>Ocupa </a:t>
+            </a:r>
+            <a:r>
+              <a:rPr lang="x-none" altLang="pt-BR">
+                <a:solidFill>
+                  <a:srgbClr val="92D050"/>
+                </a:solidFill>
+              </a:rPr>
+              <a:t>espaço </a:t>
+            </a:r>
+            <a:r>
+              <a:rPr lang="x-none" altLang="pt-BR">
+                <a:solidFill>
+                  <a:schemeClr val="tx1"/>
+                </a:solidFill>
+              </a:rPr>
+              <a:t>no banco de dados</a:t>
+            </a:r>
+            <a:endParaRPr lang="x-none" altLang="pt-BR">
+              <a:solidFill>
+                <a:schemeClr val="tx1"/>
+              </a:solidFill>
+            </a:endParaRPr>
           </a:p>
           <a:p>
             <a:pPr lvl="1"/>
             <a:r>
-              <a:rPr lang="x-none" altLang="pt-BR"/>
-              <a:t>maintenance_work_mem</a:t>
-            </a:r>
-            <a:endParaRPr lang="x-none" altLang="pt-BR"/>
-          </a:p>
-          <a:p>
-            <a:pPr lvl="1"/>
-            <a:endParaRPr lang="x-none" altLang="pt-BR"/>
-          </a:p>
-          <a:p>
-            <a:pPr lvl="0"/>
-            <a:r>
-              <a:rPr lang="x-none" altLang="pt-BR"/>
-              <a:t>Ferramenta de configuração automática: </a:t>
+              <a:rPr lang="x-none" altLang="pt-BR">
+                <a:solidFill>
+                  <a:schemeClr val="tx1"/>
+                </a:solidFill>
+              </a:rPr>
+              <a:t>No PostgreSQL, índices de </a:t>
             </a:r>
             <a:r>
               <a:rPr lang="x-none" altLang="pt-BR">
@@ -7139,13 +7762,21 @@
                   <a:srgbClr val="92D050"/>
                 </a:solidFill>
               </a:rPr>
-              <a:t>www.pgconfig.org</a:t>
-            </a:r>
-            <a:r>
-              <a:rPr lang="x-none" altLang="pt-BR"/>
-              <a:t> (Sebastian Webber)</a:t>
-            </a:r>
-            <a:endParaRPr lang="x-none" altLang="pt-BR"/>
+              <a:t>múltiplas colunas</a:t>
+            </a:r>
+            <a:r>
+              <a:rPr lang="x-none" altLang="pt-BR">
+                <a:solidFill>
+                  <a:schemeClr val="tx1"/>
+                </a:solidFill>
+              </a:rPr>
+              <a:t> não funcionam sempre do jeito que você espera</a:t>
+            </a:r>
+            <a:endParaRPr lang="x-none" altLang="pt-BR">
+              <a:solidFill>
+                <a:schemeClr val="tx1"/>
+              </a:solidFill>
+            </a:endParaRPr>
           </a:p>
         </p:txBody>
       </p:sp>
@@ -7183,7 +7814,7 @@
           <a:p>
             <a:r>
               <a:rPr lang="x-none" altLang="pt-BR"/>
-              <a:t>Funções Customizadas</a:t>
+              <a:t>Desempenho: Explain</a:t>
             </a:r>
             <a:endParaRPr lang="x-none" altLang="pt-BR"/>
           </a:p>
@@ -7201,9 +7832,94 @@
         </p:nvSpPr>
         <p:spPr/>
         <p:txBody>
-          <a:bodyPr/>
-          <a:p>
-            <a:endParaRPr lang="pt-BR" altLang="en-US"/>
+          <a:bodyPr>
+            <a:normAutofit lnSpcReduction="20000"/>
+          </a:bodyPr>
+          <a:p>
+            <a:r>
+              <a:rPr lang="x-none" altLang="pt-BR"/>
+              <a:t>PostgreSQL tem um </a:t>
+            </a:r>
+            <a:r>
+              <a:rPr lang="x-none" altLang="pt-BR">
+                <a:solidFill>
+                  <a:srgbClr val="92D050"/>
+                </a:solidFill>
+              </a:rPr>
+              <a:t>planejador </a:t>
+            </a:r>
+            <a:r>
+              <a:rPr lang="x-none" altLang="pt-BR"/>
+              <a:t>de consultas</a:t>
+            </a:r>
+            <a:endParaRPr lang="x-none" altLang="pt-BR"/>
+          </a:p>
+          <a:p>
+            <a:r>
+              <a:rPr lang="x-none" altLang="pt-BR"/>
+              <a:t>É possível visualizar qual é a </a:t>
+            </a:r>
+            <a:r>
+              <a:rPr lang="x-none" altLang="pt-BR">
+                <a:solidFill>
+                  <a:srgbClr val="92D050"/>
+                </a:solidFill>
+              </a:rPr>
+              <a:t>estratégia </a:t>
+            </a:r>
+            <a:r>
+              <a:rPr lang="x-none" altLang="pt-BR"/>
+              <a:t>do planejador em uma determinada consulta</a:t>
+            </a:r>
+            <a:endParaRPr lang="x-none" altLang="pt-BR"/>
+          </a:p>
+          <a:p>
+            <a:r>
+              <a:rPr lang="x-none" altLang="pt-BR">
+                <a:solidFill>
+                  <a:srgbClr val="00B0F0"/>
+                </a:solidFill>
+                <a:latin typeface="DejaVu Sans Mono" charset="0"/>
+              </a:rPr>
+              <a:t>explain select * ...</a:t>
+            </a:r>
+            <a:endParaRPr lang="x-none" altLang="pt-BR">
+              <a:solidFill>
+                <a:srgbClr val="00B0F0"/>
+              </a:solidFill>
+              <a:latin typeface="DejaVu Sans Mono" charset="0"/>
+            </a:endParaRPr>
+          </a:p>
+          <a:p>
+            <a:r>
+              <a:rPr lang="x-none" altLang="pt-BR"/>
+              <a:t>Para executar de fato:</a:t>
+            </a:r>
+            <a:endParaRPr lang="x-none" altLang="pt-BR"/>
+          </a:p>
+          <a:p>
+            <a:r>
+              <a:rPr lang="x-none" altLang="pt-BR">
+                <a:solidFill>
+                  <a:srgbClr val="00B0F0"/>
+                </a:solidFill>
+                <a:latin typeface="DejaVu Sans Mono" charset="0"/>
+              </a:rPr>
+              <a:t>explain analyze select * ...</a:t>
+            </a:r>
+            <a:endParaRPr lang="x-none" altLang="pt-BR">
+              <a:solidFill>
+                <a:srgbClr val="00B0F0"/>
+              </a:solidFill>
+              <a:latin typeface="DejaVu Sans Mono" charset="0"/>
+            </a:endParaRPr>
+          </a:p>
+          <a:p>
+            <a:r>
+              <a:rPr lang="x-none" altLang="pt-BR"/>
+              <a:t>Pode ser feito em select, insert, update, delete, etc</a:t>
+            </a:r>
+            <a:endParaRPr lang="x-none" altLang="pt-BR"/>
           </a:p>
         </p:txBody>
       </p:sp>
@@ -7241,156 +7957,370 @@
           <a:p>
             <a:r>
               <a:rPr lang="x-none" altLang="pt-BR"/>
-              <a:t>Outras Funcionalidades</a:t>
-            </a:r>
-            <a:endParaRPr lang="x-none" altLang="pt-BR"/>
-          </a:p>
-        </p:txBody>
-      </p:sp>
-      <p:sp>
-        <p:nvSpPr>
-          <p:cNvPr id="3" name="Content Placeholder 2"/>
-          <p:cNvSpPr>
-            <a:spLocks noGrp="1"/>
-          </p:cNvSpPr>
+              <a:t>Desempenho: Explain</a:t>
+            </a:r>
+            <a:endParaRPr lang="x-none" altLang="pt-BR"/>
+          </a:p>
+        </p:txBody>
+      </p:sp>
+      <p:pic>
+        <p:nvPicPr>
+          <p:cNvPr id="4" name="Content Placeholder 3"/>
+          <p:cNvPicPr>
+            <a:picLocks noChangeAspect="1"/>
+          </p:cNvPicPr>
           <p:nvPr>
             <p:ph idx="1"/>
           </p:nvPr>
+        </p:nvPicPr>
+        <p:blipFill>
+          <a:blip r:embed="rId1"/>
+          <a:stretch>
+            <a:fillRect/>
+          </a:stretch>
+        </p:blipFill>
+        <p:spPr>
+          <a:xfrm>
+            <a:off x="252095" y="1628140"/>
+            <a:ext cx="8549005" cy="4838700"/>
+          </a:xfrm>
+          <a:prstGeom prst="rect">
+            <a:avLst/>
+          </a:prstGeom>
+        </p:spPr>
+      </p:pic>
+    </p:spTree>
+  </p:cSld>
+  <p:clrMapOvr>
+    <a:masterClrMapping/>
+  </p:clrMapOvr>
+</p:sld>
+</file>
+
+<file path=ppt/slides/slide35.xml><?xml version="1.0" encoding="utf-8"?>
+<p:sld xmlns:a="http://schemas.openxmlformats.org/drawingml/2006/main" xmlns:r="http://schemas.openxmlformats.org/officeDocument/2006/relationships" xmlns:p="http://schemas.openxmlformats.org/presentationml/2006/main">
+  <p:cSld>
+    <p:spTree>
+      <p:nvGrpSpPr>
+        <p:cNvPr id="1" name=""/>
+        <p:cNvGrpSpPr/>
+        <p:nvPr/>
+      </p:nvGrpSpPr>
+      <p:grpSpPr/>
+      <p:sp>
+        <p:nvSpPr>
+          <p:cNvPr id="2" name="Title 1"/>
+          <p:cNvSpPr>
+            <a:spLocks noGrp="1"/>
+          </p:cNvSpPr>
+          <p:nvPr>
+            <p:ph type="title"/>
+          </p:nvPr>
         </p:nvSpPr>
         <p:spPr/>
         <p:txBody>
           <a:bodyPr>
-            <a:normAutofit fontScale="50000"/>
+            <a:normAutofit/>
           </a:bodyPr>
           <a:p>
             <a:r>
               <a:rPr lang="x-none" altLang="pt-BR"/>
-              <a:t>Sequências</a:t>
-            </a:r>
-            <a:endParaRPr lang="x-none" altLang="pt-BR"/>
-          </a:p>
-          <a:p>
-            <a:r>
-              <a:rPr lang="x-none" altLang="pt-BR"/>
-              <a:t>Triggers</a:t>
-            </a:r>
-            <a:endParaRPr lang="x-none" altLang="pt-BR"/>
-          </a:p>
-          <a:p>
-            <a:r>
-              <a:rPr lang="x-none" altLang="pt-BR"/>
-              <a:t>Grants</a:t>
-            </a:r>
-            <a:endParaRPr lang="x-none" altLang="pt-BR"/>
-          </a:p>
-          <a:p>
-            <a:r>
-              <a:rPr lang="x-none" altLang="pt-BR">
-                <a:sym typeface="+mn-ea"/>
-              </a:rPr>
-              <a:t>Enumerações</a:t>
-            </a:r>
-            <a:endParaRPr lang="x-none" altLang="pt-BR"/>
-          </a:p>
-          <a:p>
-            <a:r>
-              <a:rPr lang="x-none" altLang="pt-BR">
-                <a:sym typeface="+mn-ea"/>
-              </a:rPr>
-              <a:t>Arrays</a:t>
-            </a:r>
-            <a:endParaRPr lang="x-none" altLang="pt-BR">
-              <a:sym typeface="+mn-ea"/>
-            </a:endParaRPr>
-          </a:p>
-          <a:p>
-            <a:r>
-              <a:rPr lang="x-none" altLang="pt-BR">
-                <a:sym typeface="+mn-ea"/>
-              </a:rPr>
-              <a:t>CTEs recursivas (with recursive)</a:t>
-            </a:r>
-            <a:endParaRPr lang="x-none" altLang="pt-BR">
-              <a:sym typeface="+mn-ea"/>
-            </a:endParaRPr>
-          </a:p>
-          <a:p>
-            <a:r>
-              <a:rPr lang="x-none" altLang="pt-BR">
-                <a:sym typeface="+mn-ea"/>
-              </a:rPr>
-              <a:t>Orientação a objetos: HStore, JSON e JSONB</a:t>
-            </a:r>
-            <a:endParaRPr lang="x-none" altLang="pt-BR">
-              <a:sym typeface="+mn-ea"/>
-            </a:endParaRPr>
-          </a:p>
-          <a:p>
-            <a:r>
-              <a:rPr lang="x-none" altLang="pt-BR">
-                <a:sym typeface="+mn-ea"/>
-              </a:rPr>
-              <a:t>Funções de janela</a:t>
-            </a:r>
-            <a:endParaRPr lang="x-none" altLang="pt-BR">
-              <a:sym typeface="+mn-ea"/>
-            </a:endParaRPr>
-          </a:p>
-          <a:p>
-            <a:r>
-              <a:rPr lang="x-none" altLang="pt-BR">
-                <a:sym typeface="+mn-ea"/>
-              </a:rPr>
-              <a:t>Funções de agregação customizadas</a:t>
-            </a:r>
-            <a:endParaRPr lang="x-none" altLang="pt-BR">
-              <a:sym typeface="+mn-ea"/>
-            </a:endParaRPr>
-          </a:p>
-          <a:p>
-            <a:r>
-              <a:rPr lang="x-none" altLang="pt-BR"/>
-              <a:t>Índices parciais</a:t>
-            </a:r>
-            <a:endParaRPr lang="x-none" altLang="pt-BR"/>
-          </a:p>
-          <a:p>
-            <a:r>
-              <a:rPr lang="x-none" altLang="pt-BR"/>
-              <a:t>Clusterização de tabelas</a:t>
-            </a:r>
-            <a:endParaRPr lang="x-none" altLang="pt-BR"/>
-          </a:p>
-          <a:p>
-            <a:r>
-              <a:rPr lang="x-none" altLang="pt-BR"/>
-              <a:t>Particionamento de tabelas</a:t>
-            </a:r>
-            <a:endParaRPr lang="x-none" altLang="pt-BR"/>
-          </a:p>
-          <a:p>
-            <a:r>
-              <a:rPr lang="x-none" altLang="pt-BR"/>
-              <a:t>DBLink</a:t>
-            </a:r>
-            <a:endParaRPr lang="x-none" altLang="pt-BR"/>
-          </a:p>
-          <a:p>
-            <a:r>
-              <a:rPr lang="x-none" altLang="pt-BR"/>
-              <a:t>Replicação de bancos em servidores diferentes (Hot StandBy)</a:t>
-            </a:r>
-            <a:endParaRPr lang="x-none" altLang="pt-BR"/>
-          </a:p>
-          <a:p>
-            <a:r>
-              <a:rPr lang="x-none" altLang="pt-BR"/>
-              <a:t>Execução de consultas em paralelo (9.6)</a:t>
-            </a:r>
-            <a:endParaRPr lang="x-none" altLang="pt-BR"/>
-          </a:p>
-        </p:txBody>
-      </p:sp>
+              <a:t>Desempenho: Explain</a:t>
+            </a:r>
+            <a:endParaRPr lang="x-none" altLang="pt-BR"/>
+          </a:p>
+        </p:txBody>
+      </p:sp>
+      <p:pic>
+        <p:nvPicPr>
+          <p:cNvPr id="4" name="Content Placeholder 3"/>
+          <p:cNvPicPr>
+            <a:picLocks noChangeAspect="1"/>
+          </p:cNvPicPr>
+          <p:nvPr>
+            <p:ph idx="1"/>
+          </p:nvPr>
+        </p:nvPicPr>
+        <p:blipFill>
+          <a:blip r:embed="rId1"/>
+          <a:stretch>
+            <a:fillRect/>
+          </a:stretch>
+        </p:blipFill>
+        <p:spPr>
+          <a:xfrm>
+            <a:off x="251460" y="1772920"/>
+            <a:ext cx="8535670" cy="4383405"/>
+          </a:xfrm>
+          <a:prstGeom prst="rect">
+            <a:avLst/>
+          </a:prstGeom>
+        </p:spPr>
+      </p:pic>
+    </p:spTree>
+  </p:cSld>
+  <p:clrMapOvr>
+    <a:masterClrMapping/>
+  </p:clrMapOvr>
+</p:sld>
+</file>
+
+<file path=ppt/slides/slide36.xml><?xml version="1.0" encoding="utf-8"?>
+<p:sld xmlns:a="http://schemas.openxmlformats.org/drawingml/2006/main" xmlns:r="http://schemas.openxmlformats.org/officeDocument/2006/relationships" xmlns:p="http://schemas.openxmlformats.org/presentationml/2006/main">
+  <p:cSld>
+    <p:spTree>
+      <p:nvGrpSpPr>
+        <p:cNvPr id="1" name=""/>
+        <p:cNvGrpSpPr/>
+        <p:nvPr/>
+      </p:nvGrpSpPr>
+      <p:grpSpPr/>
+      <p:sp>
+        <p:nvSpPr>
+          <p:cNvPr id="2" name="Title 1"/>
+          <p:cNvSpPr>
+            <a:spLocks noGrp="1"/>
+          </p:cNvSpPr>
+          <p:nvPr>
+            <p:ph type="title"/>
+          </p:nvPr>
+        </p:nvSpPr>
+        <p:spPr/>
+        <p:txBody>
+          <a:bodyPr/>
+          <a:p>
+            <a:r>
+              <a:rPr lang="x-none" altLang="pt-BR"/>
+              <a:t>Desempenho: Explain</a:t>
+            </a:r>
+            <a:endParaRPr lang="x-none" altLang="pt-BR"/>
+          </a:p>
+        </p:txBody>
+      </p:sp>
+      <p:pic>
+        <p:nvPicPr>
+          <p:cNvPr id="4" name="Content Placeholder 3"/>
+          <p:cNvPicPr>
+            <a:picLocks noChangeAspect="1"/>
+          </p:cNvPicPr>
+          <p:nvPr>
+            <p:ph idx="1"/>
+          </p:nvPr>
+        </p:nvPicPr>
+        <p:blipFill>
+          <a:blip r:embed="rId1"/>
+          <a:stretch>
+            <a:fillRect/>
+          </a:stretch>
+        </p:blipFill>
+        <p:spPr>
+          <a:xfrm>
+            <a:off x="251460" y="1700530"/>
+            <a:ext cx="8555355" cy="4393565"/>
+          </a:xfrm>
+          <a:prstGeom prst="rect">
+            <a:avLst/>
+          </a:prstGeom>
+        </p:spPr>
+      </p:pic>
+    </p:spTree>
+  </p:cSld>
+  <p:clrMapOvr>
+    <a:masterClrMapping/>
+  </p:clrMapOvr>
+</p:sld>
+</file>
+
+<file path=ppt/slides/slide37.xml><?xml version="1.0" encoding="utf-8"?>
+<p:sld xmlns:a="http://schemas.openxmlformats.org/drawingml/2006/main" xmlns:r="http://schemas.openxmlformats.org/officeDocument/2006/relationships" xmlns:p="http://schemas.openxmlformats.org/presentationml/2006/main">
+  <p:cSld>
+    <p:spTree>
+      <p:nvGrpSpPr>
+        <p:cNvPr id="1" name=""/>
+        <p:cNvGrpSpPr/>
+        <p:nvPr/>
+      </p:nvGrpSpPr>
+      <p:grpSpPr/>
+      <p:sp>
+        <p:nvSpPr>
+          <p:cNvPr id="2" name="Title 1"/>
+          <p:cNvSpPr>
+            <a:spLocks noGrp="1"/>
+          </p:cNvSpPr>
+          <p:nvPr>
+            <p:ph type="title"/>
+          </p:nvPr>
+        </p:nvSpPr>
+        <p:spPr/>
+        <p:txBody>
+          <a:bodyPr/>
+          <a:p>
+            <a:r>
+              <a:rPr lang="x-none" altLang="pt-BR"/>
+              <a:t>Desempenho: Explain</a:t>
+            </a:r>
+            <a:endParaRPr lang="x-none" altLang="pt-BR"/>
+          </a:p>
+        </p:txBody>
+      </p:sp>
+      <p:pic>
+        <p:nvPicPr>
+          <p:cNvPr id="4" name="Content Placeholder 3"/>
+          <p:cNvPicPr>
+            <a:picLocks noChangeAspect="1"/>
+          </p:cNvPicPr>
+          <p:nvPr>
+            <p:ph idx="1"/>
+          </p:nvPr>
+        </p:nvPicPr>
+        <p:blipFill>
+          <a:blip r:embed="rId1"/>
+          <a:stretch>
+            <a:fillRect/>
+          </a:stretch>
+        </p:blipFill>
+        <p:spPr>
+          <a:xfrm>
+            <a:off x="323850" y="1701165"/>
+            <a:ext cx="8513445" cy="4371975"/>
+          </a:xfrm>
+          <a:prstGeom prst="rect">
+            <a:avLst/>
+          </a:prstGeom>
+        </p:spPr>
+      </p:pic>
+    </p:spTree>
+  </p:cSld>
+  <p:clrMapOvr>
+    <a:masterClrMapping/>
+  </p:clrMapOvr>
+</p:sld>
+</file>
+
+<file path=ppt/slides/slide38.xml><?xml version="1.0" encoding="utf-8"?>
+<p:sld xmlns:a="http://schemas.openxmlformats.org/drawingml/2006/main" xmlns:r="http://schemas.openxmlformats.org/officeDocument/2006/relationships" xmlns:p="http://schemas.openxmlformats.org/presentationml/2006/main">
+  <p:cSld>
+    <p:spTree>
+      <p:nvGrpSpPr>
+        <p:cNvPr id="1" name=""/>
+        <p:cNvGrpSpPr/>
+        <p:nvPr/>
+      </p:nvGrpSpPr>
+      <p:grpSpPr/>
+      <p:sp>
+        <p:nvSpPr>
+          <p:cNvPr id="2" name="Title 1"/>
+          <p:cNvSpPr>
+            <a:spLocks noGrp="1"/>
+          </p:cNvSpPr>
+          <p:nvPr>
+            <p:ph type="title"/>
+          </p:nvPr>
+        </p:nvSpPr>
+        <p:spPr/>
+        <p:txBody>
+          <a:bodyPr/>
+          <a:p>
+            <a:r>
+              <a:rPr lang="x-none" altLang="pt-BR"/>
+              <a:t>Desempenho: Explain</a:t>
+            </a:r>
+            <a:endParaRPr lang="x-none" altLang="pt-BR"/>
+          </a:p>
+        </p:txBody>
+      </p:sp>
+      <p:pic>
+        <p:nvPicPr>
+          <p:cNvPr id="4" name="Content Placeholder 3"/>
+          <p:cNvPicPr>
+            <a:picLocks noChangeAspect="1"/>
+          </p:cNvPicPr>
+          <p:nvPr>
+            <p:ph idx="1"/>
+          </p:nvPr>
+        </p:nvPicPr>
+        <p:blipFill>
+          <a:blip r:embed="rId1"/>
+          <a:stretch>
+            <a:fillRect/>
+          </a:stretch>
+        </p:blipFill>
+        <p:spPr>
+          <a:xfrm>
+            <a:off x="323215" y="1701165"/>
+            <a:ext cx="8526780" cy="4378960"/>
+          </a:xfrm>
+          <a:prstGeom prst="rect">
+            <a:avLst/>
+          </a:prstGeom>
+        </p:spPr>
+      </p:pic>
+    </p:spTree>
+  </p:cSld>
+  <p:clrMapOvr>
+    <a:masterClrMapping/>
+  </p:clrMapOvr>
+</p:sld>
+</file>
+
+<file path=ppt/slides/slide39.xml><?xml version="1.0" encoding="utf-8"?>
+<p:sld xmlns:a="http://schemas.openxmlformats.org/drawingml/2006/main" xmlns:r="http://schemas.openxmlformats.org/officeDocument/2006/relationships" xmlns:p="http://schemas.openxmlformats.org/presentationml/2006/main">
+  <p:cSld>
+    <p:spTree>
+      <p:nvGrpSpPr>
+        <p:cNvPr id="1" name=""/>
+        <p:cNvGrpSpPr/>
+        <p:nvPr/>
+      </p:nvGrpSpPr>
+      <p:grpSpPr/>
+      <p:sp>
+        <p:nvSpPr>
+          <p:cNvPr id="2" name="Title 1"/>
+          <p:cNvSpPr>
+            <a:spLocks noGrp="1"/>
+          </p:cNvSpPr>
+          <p:nvPr>
+            <p:ph type="title"/>
+          </p:nvPr>
+        </p:nvSpPr>
+        <p:spPr/>
+        <p:txBody>
+          <a:bodyPr/>
+          <a:p>
+            <a:r>
+              <a:rPr lang="x-none" altLang="pt-BR"/>
+              <a:t>Desempenho: Explain</a:t>
+            </a:r>
+            <a:endParaRPr lang="x-none" altLang="pt-BR"/>
+          </a:p>
+        </p:txBody>
+      </p:sp>
+      <p:pic>
+        <p:nvPicPr>
+          <p:cNvPr id="4" name="Content Placeholder 3"/>
+          <p:cNvPicPr>
+            <a:picLocks noChangeAspect="1"/>
+          </p:cNvPicPr>
+          <p:nvPr>
+            <p:ph idx="1"/>
+          </p:nvPr>
+        </p:nvPicPr>
+        <p:blipFill>
+          <a:blip r:embed="rId1"/>
+          <a:stretch>
+            <a:fillRect/>
+          </a:stretch>
+        </p:blipFill>
+        <p:spPr>
+          <a:xfrm>
+            <a:off x="251460" y="1628775"/>
+            <a:ext cx="8507095" cy="4368800"/>
+          </a:xfrm>
+          <a:prstGeom prst="rect">
+            <a:avLst/>
+          </a:prstGeom>
+        </p:spPr>
+      </p:pic>
     </p:spTree>
   </p:cSld>
   <p:clrMapOvr>
@@ -7610,6 +8540,660 @@
             <a:r>
               <a:rPr lang="x-none" altLang="pt-BR"/>
               <a:t>, sem conflitos de interesse</a:t>
+            </a:r>
+            <a:endParaRPr lang="x-none" altLang="pt-BR"/>
+          </a:p>
+        </p:txBody>
+      </p:sp>
+    </p:spTree>
+  </p:cSld>
+  <p:clrMapOvr>
+    <a:masterClrMapping/>
+  </p:clrMapOvr>
+</p:sld>
+</file>
+
+<file path=ppt/slides/slide40.xml><?xml version="1.0" encoding="utf-8"?>
+<p:sld xmlns:a="http://schemas.openxmlformats.org/drawingml/2006/main" xmlns:r="http://schemas.openxmlformats.org/officeDocument/2006/relationships" xmlns:p="http://schemas.openxmlformats.org/presentationml/2006/main">
+  <p:cSld>
+    <p:spTree>
+      <p:nvGrpSpPr>
+        <p:cNvPr id="1" name=""/>
+        <p:cNvGrpSpPr/>
+        <p:nvPr/>
+      </p:nvGrpSpPr>
+      <p:grpSpPr/>
+      <p:sp>
+        <p:nvSpPr>
+          <p:cNvPr id="2" name="Title 1"/>
+          <p:cNvSpPr>
+            <a:spLocks noGrp="1"/>
+          </p:cNvSpPr>
+          <p:nvPr>
+            <p:ph type="title"/>
+          </p:nvPr>
+        </p:nvSpPr>
+        <p:spPr/>
+        <p:txBody>
+          <a:bodyPr/>
+          <a:p>
+            <a:r>
+              <a:rPr lang="x-none" altLang="pt-BR"/>
+              <a:t>Desempenho: Explain</a:t>
+            </a:r>
+            <a:endParaRPr lang="x-none" altLang="pt-BR"/>
+          </a:p>
+        </p:txBody>
+      </p:sp>
+      <p:pic>
+        <p:nvPicPr>
+          <p:cNvPr id="4" name="Content Placeholder 3"/>
+          <p:cNvPicPr>
+            <a:picLocks noChangeAspect="1"/>
+          </p:cNvPicPr>
+          <p:nvPr>
+            <p:ph idx="1"/>
+          </p:nvPr>
+        </p:nvPicPr>
+        <p:blipFill>
+          <a:blip r:embed="rId1"/>
+          <a:stretch>
+            <a:fillRect/>
+          </a:stretch>
+        </p:blipFill>
+        <p:spPr>
+          <a:xfrm>
+            <a:off x="179070" y="1628775"/>
+            <a:ext cx="8654415" cy="4444365"/>
+          </a:xfrm>
+          <a:prstGeom prst="rect">
+            <a:avLst/>
+          </a:prstGeom>
+        </p:spPr>
+      </p:pic>
+    </p:spTree>
+  </p:cSld>
+  <p:clrMapOvr>
+    <a:masterClrMapping/>
+  </p:clrMapOvr>
+</p:sld>
+</file>
+
+<file path=ppt/slides/slide41.xml><?xml version="1.0" encoding="utf-8"?>
+<p:sld xmlns:a="http://schemas.openxmlformats.org/drawingml/2006/main" xmlns:r="http://schemas.openxmlformats.org/officeDocument/2006/relationships" xmlns:p="http://schemas.openxmlformats.org/presentationml/2006/main">
+  <p:cSld>
+    <p:spTree>
+      <p:nvGrpSpPr>
+        <p:cNvPr id="1" name=""/>
+        <p:cNvGrpSpPr/>
+        <p:nvPr/>
+      </p:nvGrpSpPr>
+      <p:grpSpPr/>
+      <p:sp>
+        <p:nvSpPr>
+          <p:cNvPr id="2" name="Title 1"/>
+          <p:cNvSpPr>
+            <a:spLocks noGrp="1"/>
+          </p:cNvSpPr>
+          <p:nvPr>
+            <p:ph type="title"/>
+          </p:nvPr>
+        </p:nvSpPr>
+        <p:spPr/>
+        <p:txBody>
+          <a:bodyPr/>
+          <a:p>
+            <a:r>
+              <a:rPr lang="x-none" altLang="pt-BR"/>
+              <a:t>Desempenho: Explain</a:t>
+            </a:r>
+            <a:endParaRPr lang="x-none" altLang="pt-BR"/>
+          </a:p>
+        </p:txBody>
+      </p:sp>
+      <p:pic>
+        <p:nvPicPr>
+          <p:cNvPr id="4" name="Content Placeholder 3"/>
+          <p:cNvPicPr>
+            <a:picLocks noChangeAspect="1"/>
+          </p:cNvPicPr>
+          <p:nvPr>
+            <p:ph idx="1"/>
+          </p:nvPr>
+        </p:nvPicPr>
+        <p:blipFill>
+          <a:blip r:embed="rId1"/>
+          <a:stretch>
+            <a:fillRect/>
+          </a:stretch>
+        </p:blipFill>
+        <p:spPr>
+          <a:xfrm>
+            <a:off x="251460" y="1557020"/>
+            <a:ext cx="8574405" cy="4641215"/>
+          </a:xfrm>
+          <a:prstGeom prst="rect">
+            <a:avLst/>
+          </a:prstGeom>
+        </p:spPr>
+      </p:pic>
+    </p:spTree>
+  </p:cSld>
+  <p:clrMapOvr>
+    <a:masterClrMapping/>
+  </p:clrMapOvr>
+</p:sld>
+</file>
+
+<file path=ppt/slides/slide42.xml><?xml version="1.0" encoding="utf-8"?>
+<p:sld xmlns:a="http://schemas.openxmlformats.org/drawingml/2006/main" xmlns:r="http://schemas.openxmlformats.org/officeDocument/2006/relationships" xmlns:p="http://schemas.openxmlformats.org/presentationml/2006/main">
+  <p:cSld>
+    <p:spTree>
+      <p:nvGrpSpPr>
+        <p:cNvPr id="1" name=""/>
+        <p:cNvGrpSpPr/>
+        <p:nvPr/>
+      </p:nvGrpSpPr>
+      <p:grpSpPr/>
+      <p:sp>
+        <p:nvSpPr>
+          <p:cNvPr id="2" name="Title 1"/>
+          <p:cNvSpPr>
+            <a:spLocks noGrp="1"/>
+          </p:cNvSpPr>
+          <p:nvPr>
+            <p:ph type="title"/>
+          </p:nvPr>
+        </p:nvSpPr>
+        <p:spPr/>
+        <p:txBody>
+          <a:bodyPr/>
+          <a:p>
+            <a:r>
+              <a:rPr lang="x-none" altLang="pt-BR"/>
+              <a:t>Desempenho: Explain</a:t>
+            </a:r>
+            <a:endParaRPr lang="x-none" altLang="pt-BR"/>
+          </a:p>
+        </p:txBody>
+      </p:sp>
+      <p:pic>
+        <p:nvPicPr>
+          <p:cNvPr id="5" name="Content Placeholder 4"/>
+          <p:cNvPicPr>
+            <a:picLocks noChangeAspect="1"/>
+          </p:cNvPicPr>
+          <p:nvPr>
+            <p:ph idx="1"/>
+          </p:nvPr>
+        </p:nvPicPr>
+        <p:blipFill>
+          <a:blip r:embed="rId1"/>
+          <a:stretch>
+            <a:fillRect/>
+          </a:stretch>
+        </p:blipFill>
+        <p:spPr>
+          <a:xfrm>
+            <a:off x="179070" y="1628775"/>
+            <a:ext cx="8686800" cy="4623435"/>
+          </a:xfrm>
+          <a:prstGeom prst="rect">
+            <a:avLst/>
+          </a:prstGeom>
+        </p:spPr>
+      </p:pic>
+    </p:spTree>
+  </p:cSld>
+  <p:clrMapOvr>
+    <a:masterClrMapping/>
+  </p:clrMapOvr>
+</p:sld>
+</file>
+
+<file path=ppt/slides/slide43.xml><?xml version="1.0" encoding="utf-8"?>
+<p:sld xmlns:a="http://schemas.openxmlformats.org/drawingml/2006/main" xmlns:r="http://schemas.openxmlformats.org/officeDocument/2006/relationships" xmlns:p="http://schemas.openxmlformats.org/presentationml/2006/main">
+  <p:cSld>
+    <p:spTree>
+      <p:nvGrpSpPr>
+        <p:cNvPr id="1" name=""/>
+        <p:cNvGrpSpPr/>
+        <p:nvPr/>
+      </p:nvGrpSpPr>
+      <p:grpSpPr/>
+      <p:sp>
+        <p:nvSpPr>
+          <p:cNvPr id="2" name="Title 1"/>
+          <p:cNvSpPr>
+            <a:spLocks noGrp="1"/>
+          </p:cNvSpPr>
+          <p:nvPr>
+            <p:ph type="title"/>
+          </p:nvPr>
+        </p:nvSpPr>
+        <p:spPr/>
+        <p:txBody>
+          <a:bodyPr/>
+          <a:p>
+            <a:r>
+              <a:rPr lang="x-none" altLang="pt-BR"/>
+              <a:t>Desempenho: Explain</a:t>
+            </a:r>
+            <a:endParaRPr lang="x-none" altLang="pt-BR"/>
+          </a:p>
+        </p:txBody>
+      </p:sp>
+      <p:pic>
+        <p:nvPicPr>
+          <p:cNvPr id="4" name="Content Placeholder 3"/>
+          <p:cNvPicPr>
+            <a:picLocks noChangeAspect="1"/>
+          </p:cNvPicPr>
+          <p:nvPr>
+            <p:ph idx="1"/>
+          </p:nvPr>
+        </p:nvPicPr>
+        <p:blipFill>
+          <a:blip r:embed="rId1"/>
+          <a:stretch>
+            <a:fillRect/>
+          </a:stretch>
+        </p:blipFill>
+        <p:spPr>
+          <a:xfrm>
+            <a:off x="467360" y="1845310"/>
+            <a:ext cx="8106410" cy="4001135"/>
+          </a:xfrm>
+          <a:prstGeom prst="rect">
+            <a:avLst/>
+          </a:prstGeom>
+        </p:spPr>
+      </p:pic>
+    </p:spTree>
+  </p:cSld>
+  <p:clrMapOvr>
+    <a:masterClrMapping/>
+  </p:clrMapOvr>
+</p:sld>
+</file>
+
+<file path=ppt/slides/slide44.xml><?xml version="1.0" encoding="utf-8"?>
+<p:sld xmlns:a="http://schemas.openxmlformats.org/drawingml/2006/main" xmlns:r="http://schemas.openxmlformats.org/officeDocument/2006/relationships" xmlns:p="http://schemas.openxmlformats.org/presentationml/2006/main">
+  <p:cSld>
+    <p:spTree>
+      <p:nvGrpSpPr>
+        <p:cNvPr id="1" name=""/>
+        <p:cNvGrpSpPr/>
+        <p:nvPr/>
+      </p:nvGrpSpPr>
+      <p:grpSpPr/>
+      <p:sp>
+        <p:nvSpPr>
+          <p:cNvPr id="2" name="Title 1"/>
+          <p:cNvSpPr>
+            <a:spLocks noGrp="1"/>
+          </p:cNvSpPr>
+          <p:nvPr>
+            <p:ph type="title"/>
+          </p:nvPr>
+        </p:nvSpPr>
+        <p:spPr/>
+        <p:txBody>
+          <a:bodyPr/>
+          <a:p>
+            <a:r>
+              <a:rPr lang="x-none" altLang="pt-BR"/>
+              <a:t>Desempenho: Configuração</a:t>
+            </a:r>
+            <a:endParaRPr lang="x-none" altLang="pt-BR"/>
+          </a:p>
+        </p:txBody>
+      </p:sp>
+      <p:sp>
+        <p:nvSpPr>
+          <p:cNvPr id="3" name="Content Placeholder 2"/>
+          <p:cNvSpPr>
+            <a:spLocks noGrp="1"/>
+          </p:cNvSpPr>
+          <p:nvPr>
+            <p:ph idx="1"/>
+          </p:nvPr>
+        </p:nvSpPr>
+        <p:spPr/>
+        <p:txBody>
+          <a:bodyPr>
+            <a:normAutofit fontScale="90000"/>
+          </a:bodyPr>
+          <a:p>
+            <a:r>
+              <a:rPr lang="x-none" altLang="pt-BR"/>
+              <a:t>Alguns atributos do arquivo </a:t>
+            </a:r>
+            <a:r>
+              <a:rPr lang="x-none" altLang="pt-BR">
+                <a:solidFill>
+                  <a:srgbClr val="92D050"/>
+                </a:solidFill>
+              </a:rPr>
+              <a:t>postgresql.conf</a:t>
+            </a:r>
+            <a:r>
+              <a:rPr lang="x-none" altLang="pt-BR"/>
+              <a:t>:</a:t>
+            </a:r>
+            <a:endParaRPr lang="x-none" altLang="pt-BR"/>
+          </a:p>
+          <a:p>
+            <a:pPr lvl="1"/>
+            <a:r>
+              <a:rPr lang="x-none" altLang="pt-BR"/>
+              <a:t>listen_addresses</a:t>
+            </a:r>
+            <a:endParaRPr lang="x-none" altLang="pt-BR"/>
+          </a:p>
+          <a:p>
+            <a:pPr lvl="1"/>
+            <a:r>
+              <a:rPr lang="x-none" altLang="pt-BR"/>
+              <a:t>max_connections</a:t>
+            </a:r>
+            <a:endParaRPr lang="x-none" altLang="pt-BR"/>
+          </a:p>
+          <a:p>
+            <a:pPr lvl="1"/>
+            <a:r>
+              <a:rPr lang="x-none" altLang="pt-BR"/>
+              <a:t>effective_cache_size</a:t>
+            </a:r>
+            <a:endParaRPr lang="x-none" altLang="pt-BR"/>
+          </a:p>
+          <a:p>
+            <a:pPr lvl="1"/>
+            <a:r>
+              <a:rPr lang="x-none" altLang="pt-BR"/>
+              <a:t>shared_buffers</a:t>
+            </a:r>
+            <a:endParaRPr lang="x-none" altLang="pt-BR"/>
+          </a:p>
+          <a:p>
+            <a:pPr lvl="1"/>
+            <a:r>
+              <a:rPr lang="x-none" altLang="pt-BR"/>
+              <a:t>work_mem</a:t>
+            </a:r>
+            <a:endParaRPr lang="x-none" altLang="pt-BR"/>
+          </a:p>
+          <a:p>
+            <a:pPr lvl="1"/>
+            <a:r>
+              <a:rPr lang="x-none" altLang="pt-BR"/>
+              <a:t>maintenance_work_mem</a:t>
+            </a:r>
+            <a:endParaRPr lang="x-none" altLang="pt-BR"/>
+          </a:p>
+          <a:p>
+            <a:pPr lvl="1"/>
+            <a:endParaRPr lang="x-none" altLang="pt-BR"/>
+          </a:p>
+          <a:p>
+            <a:pPr lvl="0"/>
+            <a:r>
+              <a:rPr lang="x-none" altLang="pt-BR"/>
+              <a:t>Ferramenta de configuração automática: </a:t>
+            </a:r>
+            <a:r>
+              <a:rPr lang="x-none" altLang="pt-BR">
+                <a:solidFill>
+                  <a:srgbClr val="92D050"/>
+                </a:solidFill>
+              </a:rPr>
+              <a:t>www.pgconfig.org</a:t>
+            </a:r>
+            <a:r>
+              <a:rPr lang="x-none" altLang="pt-BR"/>
+              <a:t> (Sebastian Webber)</a:t>
+            </a:r>
+            <a:endParaRPr lang="x-none" altLang="pt-BR"/>
+          </a:p>
+        </p:txBody>
+      </p:sp>
+    </p:spTree>
+  </p:cSld>
+  <p:clrMapOvr>
+    <a:masterClrMapping/>
+  </p:clrMapOvr>
+</p:sld>
+</file>
+
+<file path=ppt/slides/slide45.xml><?xml version="1.0" encoding="utf-8"?>
+<p:sld xmlns:a="http://schemas.openxmlformats.org/drawingml/2006/main" xmlns:r="http://schemas.openxmlformats.org/officeDocument/2006/relationships" xmlns:p="http://schemas.openxmlformats.org/presentationml/2006/main">
+  <p:cSld>
+    <p:spTree>
+      <p:nvGrpSpPr>
+        <p:cNvPr id="1" name=""/>
+        <p:cNvGrpSpPr/>
+        <p:nvPr/>
+      </p:nvGrpSpPr>
+      <p:grpSpPr/>
+      <p:sp>
+        <p:nvSpPr>
+          <p:cNvPr id="2" name="Title 1"/>
+          <p:cNvSpPr>
+            <a:spLocks noGrp="1"/>
+          </p:cNvSpPr>
+          <p:nvPr>
+            <p:ph type="title"/>
+          </p:nvPr>
+        </p:nvSpPr>
+        <p:spPr/>
+        <p:txBody>
+          <a:bodyPr/>
+          <a:p>
+            <a:r>
+              <a:rPr lang="x-none" altLang="pt-BR"/>
+              <a:t>Funções Customizadas</a:t>
+            </a:r>
+            <a:endParaRPr lang="x-none" altLang="pt-BR"/>
+          </a:p>
+        </p:txBody>
+      </p:sp>
+      <p:sp>
+        <p:nvSpPr>
+          <p:cNvPr id="3" name="Content Placeholder 2"/>
+          <p:cNvSpPr>
+            <a:spLocks noGrp="1"/>
+          </p:cNvSpPr>
+          <p:nvPr>
+            <p:ph idx="1"/>
+          </p:nvPr>
+        </p:nvSpPr>
+        <p:spPr/>
+        <p:txBody>
+          <a:bodyPr/>
+          <a:p>
+            <a:endParaRPr lang="pt-BR" altLang="en-US"/>
+          </a:p>
+        </p:txBody>
+      </p:sp>
+    </p:spTree>
+  </p:cSld>
+  <p:clrMapOvr>
+    <a:masterClrMapping/>
+  </p:clrMapOvr>
+</p:sld>
+</file>
+
+<file path=ppt/slides/slide46.xml><?xml version="1.0" encoding="utf-8"?>
+<p:sld xmlns:a="http://schemas.openxmlformats.org/drawingml/2006/main" xmlns:r="http://schemas.openxmlformats.org/officeDocument/2006/relationships" xmlns:p="http://schemas.openxmlformats.org/presentationml/2006/main">
+  <p:cSld>
+    <p:spTree>
+      <p:nvGrpSpPr>
+        <p:cNvPr id="1" name=""/>
+        <p:cNvGrpSpPr/>
+        <p:nvPr/>
+      </p:nvGrpSpPr>
+      <p:grpSpPr/>
+      <p:sp>
+        <p:nvSpPr>
+          <p:cNvPr id="2" name="Title 1"/>
+          <p:cNvSpPr>
+            <a:spLocks noGrp="1"/>
+          </p:cNvSpPr>
+          <p:nvPr>
+            <p:ph type="title"/>
+          </p:nvPr>
+        </p:nvSpPr>
+        <p:spPr/>
+        <p:txBody>
+          <a:bodyPr/>
+          <a:p>
+            <a:r>
+              <a:rPr lang="x-none" altLang="pt-BR"/>
+              <a:t>Outras Funcionalidades</a:t>
+            </a:r>
+            <a:endParaRPr lang="x-none" altLang="pt-BR"/>
+          </a:p>
+        </p:txBody>
+      </p:sp>
+      <p:sp>
+        <p:nvSpPr>
+          <p:cNvPr id="3" name="Content Placeholder 2"/>
+          <p:cNvSpPr>
+            <a:spLocks noGrp="1"/>
+          </p:cNvSpPr>
+          <p:nvPr>
+            <p:ph idx="1"/>
+          </p:nvPr>
+        </p:nvSpPr>
+        <p:spPr/>
+        <p:txBody>
+          <a:bodyPr>
+            <a:normAutofit fontScale="50000"/>
+          </a:bodyPr>
+          <a:p>
+            <a:r>
+              <a:rPr lang="x-none" altLang="pt-BR"/>
+              <a:t>Sequências</a:t>
+            </a:r>
+            <a:endParaRPr lang="x-none" altLang="pt-BR"/>
+          </a:p>
+          <a:p>
+            <a:r>
+              <a:rPr lang="x-none" altLang="pt-BR"/>
+              <a:t>Triggers</a:t>
+            </a:r>
+            <a:endParaRPr lang="x-none" altLang="pt-BR"/>
+          </a:p>
+          <a:p>
+            <a:r>
+              <a:rPr lang="x-none" altLang="pt-BR"/>
+              <a:t>Grants</a:t>
+            </a:r>
+            <a:endParaRPr lang="x-none" altLang="pt-BR"/>
+          </a:p>
+          <a:p>
+            <a:r>
+              <a:rPr lang="x-none" altLang="pt-BR">
+                <a:sym typeface="+mn-ea"/>
+              </a:rPr>
+              <a:t>Enumerações</a:t>
+            </a:r>
+            <a:endParaRPr lang="x-none" altLang="pt-BR"/>
+          </a:p>
+          <a:p>
+            <a:r>
+              <a:rPr lang="x-none" altLang="pt-BR">
+                <a:sym typeface="+mn-ea"/>
+              </a:rPr>
+              <a:t>Arrays</a:t>
+            </a:r>
+            <a:endParaRPr lang="x-none" altLang="pt-BR">
+              <a:sym typeface="+mn-ea"/>
+            </a:endParaRPr>
+          </a:p>
+          <a:p>
+            <a:r>
+              <a:rPr lang="x-none" altLang="pt-BR">
+                <a:sym typeface="+mn-ea"/>
+              </a:rPr>
+              <a:t>CTEs recursivas (with recursive)</a:t>
+            </a:r>
+            <a:endParaRPr lang="x-none" altLang="pt-BR">
+              <a:sym typeface="+mn-ea"/>
+            </a:endParaRPr>
+          </a:p>
+          <a:p>
+            <a:r>
+              <a:rPr lang="x-none" altLang="pt-BR">
+                <a:sym typeface="+mn-ea"/>
+              </a:rPr>
+              <a:t>Orientação a objetos: HStore, JSON e JSONB</a:t>
+            </a:r>
+            <a:endParaRPr lang="x-none" altLang="pt-BR">
+              <a:sym typeface="+mn-ea"/>
+            </a:endParaRPr>
+          </a:p>
+          <a:p>
+            <a:r>
+              <a:rPr lang="x-none" altLang="pt-BR">
+                <a:sym typeface="+mn-ea"/>
+              </a:rPr>
+              <a:t>Funções de janela</a:t>
+            </a:r>
+            <a:endParaRPr lang="x-none" altLang="pt-BR">
+              <a:sym typeface="+mn-ea"/>
+            </a:endParaRPr>
+          </a:p>
+          <a:p>
+            <a:r>
+              <a:rPr lang="x-none" altLang="pt-BR">
+                <a:sym typeface="+mn-ea"/>
+              </a:rPr>
+              <a:t>Funções de agregação customizadas</a:t>
+            </a:r>
+            <a:endParaRPr lang="x-none" altLang="pt-BR">
+              <a:sym typeface="+mn-ea"/>
+            </a:endParaRPr>
+          </a:p>
+          <a:p>
+            <a:r>
+              <a:rPr lang="x-none" altLang="pt-BR"/>
+              <a:t>Índices parciais</a:t>
+            </a:r>
+            <a:endParaRPr lang="x-none" altLang="pt-BR"/>
+          </a:p>
+          <a:p>
+            <a:r>
+              <a:rPr lang="x-none" altLang="pt-BR"/>
+              <a:t>Clusterização de tabelas</a:t>
+            </a:r>
+            <a:endParaRPr lang="x-none" altLang="pt-BR"/>
+          </a:p>
+          <a:p>
+            <a:r>
+              <a:rPr lang="x-none" altLang="pt-BR"/>
+              <a:t>Particionamento de tabelas</a:t>
+            </a:r>
+            <a:endParaRPr lang="x-none" altLang="pt-BR"/>
+          </a:p>
+          <a:p>
+            <a:r>
+              <a:rPr lang="x-none" altLang="pt-BR"/>
+              <a:t>DBLink</a:t>
+            </a:r>
+            <a:endParaRPr lang="x-none" altLang="pt-BR"/>
+          </a:p>
+          <a:p>
+            <a:r>
+              <a:rPr lang="x-none" altLang="pt-BR"/>
+              <a:t>Replicação de bancos em servidores diferentes (Hot StandBy)</a:t>
+            </a:r>
+            <a:endParaRPr lang="x-none" altLang="pt-BR"/>
+          </a:p>
+          <a:p>
+            <a:r>
+              <a:rPr lang="x-none" altLang="pt-BR"/>
+              <a:t>Execução de consultas em paralelo (9.6)</a:t>
             </a:r>
             <a:endParaRPr lang="x-none" altLang="pt-BR"/>
           </a:p>

--- a/curso/modulo3capitulo5.pptx
+++ b/curso/modulo3capitulo5.pptx
@@ -9098,7 +9098,20 @@
               </a:rPr>
               <a:t>Enumerações</a:t>
             </a:r>
-            <a:endParaRPr lang="x-none" altLang="pt-BR"/>
+            <a:endParaRPr lang="x-none" altLang="pt-BR">
+              <a:sym typeface="+mn-ea"/>
+            </a:endParaRPr>
+          </a:p>
+          <a:p>
+            <a:r>
+              <a:rPr lang="x-none" altLang="pt-BR">
+                <a:sym typeface="+mn-ea"/>
+              </a:rPr>
+              <a:t>Views materializadas</a:t>
+            </a:r>
+            <a:endParaRPr lang="x-none" altLang="pt-BR">
+              <a:sym typeface="+mn-ea"/>
+            </a:endParaRPr>
           </a:p>
           <a:p>
             <a:r>

--- a/curso/modulo3capitulo5.pptx
+++ b/curso/modulo3capitulo5.pptx
@@ -5628,7 +5628,7 @@
             <a:pPr lvl="1"/>
             <a:r>
               <a:rPr lang="x-none" altLang="pt-BR"/>
-              <a:t>trim(str), substring(str from start to end)</a:t>
+              <a:t>trim(str), substring(str from start for num)</a:t>
             </a:r>
             <a:endParaRPr lang="x-none" altLang="pt-BR"/>
           </a:p>
@@ -6266,7 +6266,7 @@
           <a:p>
             <a:r>
               <a:rPr lang="x-none" altLang="pt-BR"/>
-              <a:t>Mas... não tem um jeito mais </a:t>
+              <a:t>Mas... não existe um backup </a:t>
             </a:r>
             <a:r>
               <a:rPr lang="x-none" altLang="pt-BR">
@@ -6274,7 +6274,7 @@
                   <a:srgbClr val="92D050"/>
                 </a:solidFill>
               </a:rPr>
-              <a:t>fácil</a:t>
+              <a:t>genérico</a:t>
             </a:r>
             <a:r>
               <a:rPr lang="x-none" altLang="pt-BR"/>

--- a/curso/modulo3capitulo5.pptx
+++ b/curso/modulo3capitulo5.pptx
@@ -50,7 +50,15 @@
     <p:sldId id="522" r:id="rId45"/>
     <p:sldId id="456" r:id="rId46"/>
     <p:sldId id="447" r:id="rId47"/>
-    <p:sldId id="444" r:id="rId48"/>
+    <p:sldId id="528" r:id="rId48"/>
+    <p:sldId id="529" r:id="rId49"/>
+    <p:sldId id="530" r:id="rId50"/>
+    <p:sldId id="532" r:id="rId51"/>
+    <p:sldId id="533" r:id="rId52"/>
+    <p:sldId id="534" r:id="rId53"/>
+    <p:sldId id="535" r:id="rId54"/>
+    <p:sldId id="531" r:id="rId55"/>
+    <p:sldId id="444" r:id="rId56"/>
   </p:sldIdLst>
   <p:sldSz cx="9144000" cy="6858000" type="screen4x3"/>
   <p:notesSz cx="6858000" cy="9144000"/>
@@ -9009,9 +9017,132 @@
         </p:nvSpPr>
         <p:spPr/>
         <p:txBody>
-          <a:bodyPr/>
-          <a:p>
-            <a:endParaRPr lang="pt-BR" altLang="en-US"/>
+          <a:bodyPr>
+            <a:normAutofit fontScale="90000" lnSpcReduction="10000"/>
+          </a:bodyPr>
+          <a:p>
+            <a:r>
+              <a:rPr lang="x-none" altLang="pt-BR"/>
+              <a:t>PostgreSQL permite definirmos nossas próprias </a:t>
+            </a:r>
+            <a:r>
+              <a:rPr lang="x-none" altLang="pt-BR">
+                <a:solidFill>
+                  <a:srgbClr val="92D050"/>
+                </a:solidFill>
+              </a:rPr>
+              <a:t>funções</a:t>
+            </a:r>
+            <a:endParaRPr lang="x-none" altLang="pt-BR">
+              <a:solidFill>
+                <a:srgbClr val="92D050"/>
+              </a:solidFill>
+            </a:endParaRPr>
+          </a:p>
+          <a:p>
+            <a:r>
+              <a:rPr lang="x-none" altLang="pt-BR"/>
+              <a:t>O código das funções é armazenado no banco de dados</a:t>
+            </a:r>
+            <a:endParaRPr lang="x-none" altLang="pt-BR"/>
+          </a:p>
+          <a:p>
+            <a:r>
+              <a:rPr lang="x-none" altLang="pt-BR"/>
+              <a:t>Toda função pode receber </a:t>
+            </a:r>
+            <a:r>
+              <a:rPr lang="x-none" altLang="pt-BR">
+                <a:solidFill>
+                  <a:srgbClr val="92D050"/>
+                </a:solidFill>
+              </a:rPr>
+              <a:t>parâmetros</a:t>
+            </a:r>
+            <a:endParaRPr lang="x-none" altLang="pt-BR">
+              <a:solidFill>
+                <a:srgbClr val="92D050"/>
+              </a:solidFill>
+            </a:endParaRPr>
+          </a:p>
+          <a:p>
+            <a:r>
+              <a:rPr lang="x-none" altLang="pt-BR"/>
+              <a:t>Toda função possui um </a:t>
+            </a:r>
+            <a:r>
+              <a:rPr lang="x-none" altLang="pt-BR">
+                <a:solidFill>
+                  <a:srgbClr val="92D050"/>
+                </a:solidFill>
+              </a:rPr>
+              <a:t>tipo de retorno</a:t>
+            </a:r>
+            <a:endParaRPr lang="x-none" altLang="pt-BR">
+              <a:solidFill>
+                <a:srgbClr val="92D050"/>
+              </a:solidFill>
+            </a:endParaRPr>
+          </a:p>
+          <a:p>
+            <a:pPr lvl="1"/>
+            <a:r>
+              <a:rPr lang="x-none" altLang="pt-BR"/>
+              <a:t>Para não retornar nada, usa-se </a:t>
+            </a:r>
+            <a:r>
+              <a:rPr lang="x-none" altLang="pt-BR">
+                <a:solidFill>
+                  <a:srgbClr val="92D050"/>
+                </a:solidFill>
+              </a:rPr>
+              <a:t>void</a:t>
+            </a:r>
+            <a:endParaRPr lang="x-none" altLang="pt-BR">
+              <a:solidFill>
+                <a:srgbClr val="92D050"/>
+              </a:solidFill>
+            </a:endParaRPr>
+          </a:p>
+          <a:p>
+            <a:pPr lvl="0"/>
+            <a:r>
+              <a:rPr lang="x-none" altLang="pt-BR"/>
+              <a:t>Linguagens suportadas: </a:t>
+            </a:r>
+            <a:r>
+              <a:rPr lang="x-none" altLang="pt-BR">
+                <a:solidFill>
+                  <a:srgbClr val="92D050"/>
+                </a:solidFill>
+              </a:rPr>
+              <a:t>SQL</a:t>
+            </a:r>
+            <a:r>
+              <a:rPr lang="x-none" altLang="pt-BR"/>
+              <a:t>, </a:t>
+            </a:r>
+            <a:r>
+              <a:rPr lang="x-none" altLang="pt-BR">
+                <a:solidFill>
+                  <a:srgbClr val="92D050"/>
+                </a:solidFill>
+              </a:rPr>
+              <a:t>PL/pgSQL</a:t>
+            </a:r>
+            <a:r>
+              <a:rPr lang="x-none" altLang="pt-BR"/>
+              <a:t>, C, PL/Python, PL/Perl</a:t>
+            </a:r>
+            <a:endParaRPr lang="x-none" altLang="pt-BR"/>
+          </a:p>
+          <a:p>
+            <a:pPr lvl="0"/>
+            <a:r>
+              <a:rPr lang="x-none" altLang="pt-BR"/>
+              <a:t>Programação dentro do banco de dados!!</a:t>
+            </a:r>
+            <a:endParaRPr lang="x-none" altLang="pt-BR"/>
           </a:p>
         </p:txBody>
       </p:sp>
@@ -9049,7 +9180,7 @@
           <a:p>
             <a:r>
               <a:rPr lang="x-none" altLang="pt-BR"/>
-              <a:t>Outras Funcionalidades</a:t>
+              <a:t>Funções Customizadas</a:t>
             </a:r>
             <a:endParaRPr lang="x-none" altLang="pt-BR"/>
           </a:p>
@@ -9067,148 +9198,856 @@
         </p:nvSpPr>
         <p:spPr/>
         <p:txBody>
+          <a:bodyPr/>
+          <a:p>
+            <a:r>
+              <a:rPr lang="x-none" altLang="pt-BR"/>
+              <a:t>Funções na linguagem </a:t>
+            </a:r>
+            <a:r>
+              <a:rPr lang="x-none" altLang="pt-BR">
+                <a:solidFill>
+                  <a:srgbClr val="92D050"/>
+                </a:solidFill>
+              </a:rPr>
+              <a:t>SQL</a:t>
+            </a:r>
+            <a:r>
+              <a:rPr lang="x-none" altLang="pt-BR"/>
+              <a:t>:</a:t>
+            </a:r>
+            <a:endParaRPr lang="x-none" altLang="pt-BR"/>
+          </a:p>
+          <a:p>
+            <a:pPr lvl="1"/>
+            <a:r>
+              <a:rPr lang="x-none" altLang="pt-BR">
+                <a:solidFill>
+                  <a:srgbClr val="00B0F0"/>
+                </a:solidFill>
+                <a:latin typeface="DejaVu Sans Mono" charset="0"/>
+              </a:rPr>
+              <a:t>create or replace function nome_da_funcao</a:t>
+            </a:r>
+            <a:endParaRPr lang="x-none" altLang="pt-BR">
+              <a:solidFill>
+                <a:srgbClr val="00B0F0"/>
+              </a:solidFill>
+              <a:latin typeface="DejaVu Sans Mono" charset="0"/>
+            </a:endParaRPr>
+          </a:p>
+          <a:p>
+            <a:pPr lvl="1"/>
+            <a:r>
+              <a:rPr lang="x-none" altLang="pt-BR">
+                <a:solidFill>
+                  <a:srgbClr val="00B0F0"/>
+                </a:solidFill>
+                <a:latin typeface="DejaVu Sans Mono" charset="0"/>
+              </a:rPr>
+              <a:t>(lista de tipos de parâmetros)</a:t>
+            </a:r>
+            <a:endParaRPr lang="x-none" altLang="pt-BR">
+              <a:solidFill>
+                <a:srgbClr val="00B0F0"/>
+              </a:solidFill>
+              <a:latin typeface="DejaVu Sans Mono" charset="0"/>
+            </a:endParaRPr>
+          </a:p>
+          <a:p>
+            <a:pPr lvl="1"/>
+            <a:r>
+              <a:rPr lang="x-none" altLang="pt-BR">
+                <a:solidFill>
+                  <a:srgbClr val="00B0F0"/>
+                </a:solidFill>
+                <a:latin typeface="DejaVu Sans Mono" charset="0"/>
+              </a:rPr>
+              <a:t>returns tipo as $$</a:t>
+            </a:r>
+            <a:endParaRPr lang="x-none" altLang="pt-BR">
+              <a:solidFill>
+                <a:srgbClr val="00B0F0"/>
+              </a:solidFill>
+              <a:latin typeface="DejaVu Sans Mono" charset="0"/>
+            </a:endParaRPr>
+          </a:p>
+          <a:p>
+            <a:pPr lvl="1"/>
+            <a:r>
+              <a:rPr lang="x-none" altLang="pt-BR">
+                <a:solidFill>
+                  <a:srgbClr val="00B0F0"/>
+                </a:solidFill>
+                <a:latin typeface="DejaVu Sans Mono" charset="0"/>
+              </a:rPr>
+              <a:t>comandos SQL</a:t>
+            </a:r>
+            <a:endParaRPr lang="x-none" altLang="pt-BR">
+              <a:solidFill>
+                <a:srgbClr val="00B0F0"/>
+              </a:solidFill>
+              <a:latin typeface="DejaVu Sans Mono" charset="0"/>
+            </a:endParaRPr>
+          </a:p>
+          <a:p>
+            <a:pPr lvl="1"/>
+            <a:r>
+              <a:rPr lang="x-none" altLang="pt-BR">
+                <a:solidFill>
+                  <a:srgbClr val="00B0F0"/>
+                </a:solidFill>
+                <a:latin typeface="DejaVu Sans Mono" charset="0"/>
+              </a:rPr>
+              <a:t>$$ language sql;</a:t>
+            </a:r>
+            <a:endParaRPr lang="x-none" altLang="pt-BR">
+              <a:solidFill>
+                <a:srgbClr val="00B0F0"/>
+              </a:solidFill>
+              <a:latin typeface="DejaVu Sans Mono" charset="0"/>
+            </a:endParaRPr>
+          </a:p>
+          <a:p>
+            <a:pPr lvl="0"/>
+            <a:r>
+              <a:rPr lang="x-none" altLang="pt-BR"/>
+              <a:t>Utilizar a função:</a:t>
+            </a:r>
+            <a:endParaRPr lang="x-none" altLang="pt-BR"/>
+          </a:p>
+          <a:p>
+            <a:pPr lvl="1"/>
+            <a:r>
+              <a:rPr lang="x-none" altLang="pt-BR">
+                <a:solidFill>
+                  <a:srgbClr val="00B0F0"/>
+                </a:solidFill>
+                <a:latin typeface="Courier 10 Pitch" charset="0"/>
+              </a:rPr>
+              <a:t>select nome_da_funcao(valores);</a:t>
+            </a:r>
+            <a:endParaRPr lang="x-none" altLang="pt-BR">
+              <a:solidFill>
+                <a:srgbClr val="00B0F0"/>
+              </a:solidFill>
+              <a:latin typeface="Courier 10 Pitch" charset="0"/>
+            </a:endParaRPr>
+          </a:p>
+        </p:txBody>
+      </p:sp>
+    </p:spTree>
+  </p:cSld>
+  <p:clrMapOvr>
+    <a:masterClrMapping/>
+  </p:clrMapOvr>
+</p:sld>
+</file>
+
+<file path=ppt/slides/slide47.xml><?xml version="1.0" encoding="utf-8"?>
+<p:sld xmlns:a="http://schemas.openxmlformats.org/drawingml/2006/main" xmlns:r="http://schemas.openxmlformats.org/officeDocument/2006/relationships" xmlns:p="http://schemas.openxmlformats.org/presentationml/2006/main">
+  <p:cSld>
+    <p:spTree>
+      <p:nvGrpSpPr>
+        <p:cNvPr id="1" name=""/>
+        <p:cNvGrpSpPr/>
+        <p:nvPr/>
+      </p:nvGrpSpPr>
+      <p:grpSpPr/>
+      <p:sp>
+        <p:nvSpPr>
+          <p:cNvPr id="2" name="Title 1"/>
+          <p:cNvSpPr>
+            <a:spLocks noGrp="1"/>
+          </p:cNvSpPr>
+          <p:nvPr>
+            <p:ph type="title"/>
+          </p:nvPr>
+        </p:nvSpPr>
+        <p:spPr/>
+        <p:txBody>
+          <a:bodyPr/>
+          <a:p>
+            <a:r>
+              <a:rPr lang="x-none" altLang="pt-BR"/>
+              <a:t>Funções Customizadas</a:t>
+            </a:r>
+            <a:endParaRPr lang="x-none" altLang="pt-BR"/>
+          </a:p>
+        </p:txBody>
+      </p:sp>
+      <p:sp>
+        <p:nvSpPr>
+          <p:cNvPr id="3" name="Content Placeholder 2"/>
+          <p:cNvSpPr>
+            <a:spLocks noGrp="1"/>
+          </p:cNvSpPr>
+          <p:nvPr>
+            <p:ph idx="1"/>
+          </p:nvPr>
+        </p:nvSpPr>
+        <p:spPr/>
+        <p:txBody>
           <a:bodyPr>
-            <a:normAutofit fontScale="50000"/>
+            <a:noAutofit/>
           </a:bodyPr>
           <a:p>
             <a:r>
-              <a:rPr lang="x-none" altLang="pt-BR"/>
-              <a:t>Sequências</a:t>
-            </a:r>
-            <a:endParaRPr lang="x-none" altLang="pt-BR"/>
-          </a:p>
-          <a:p>
-            <a:r>
-              <a:rPr lang="x-none" altLang="pt-BR"/>
-              <a:t>Triggers</a:t>
-            </a:r>
-            <a:endParaRPr lang="x-none" altLang="pt-BR"/>
-          </a:p>
-          <a:p>
-            <a:r>
-              <a:rPr lang="x-none" altLang="pt-BR"/>
-              <a:t>Grants</a:t>
-            </a:r>
-            <a:endParaRPr lang="x-none" altLang="pt-BR"/>
-          </a:p>
-          <a:p>
-            <a:r>
-              <a:rPr lang="x-none" altLang="pt-BR">
-                <a:sym typeface="+mn-ea"/>
-              </a:rPr>
-              <a:t>Enumerações</a:t>
+              <a:rPr lang="x-none" altLang="pt-BR" sz="2400"/>
+              <a:t>Funções na linguagem </a:t>
+            </a:r>
+            <a:r>
+              <a:rPr lang="x-none" altLang="pt-BR" sz="2400">
+                <a:solidFill>
+                  <a:srgbClr val="92D050"/>
+                </a:solidFill>
+              </a:rPr>
+              <a:t>PL/pgSQL</a:t>
+            </a:r>
+            <a:r>
+              <a:rPr lang="x-none" altLang="pt-BR" sz="2400"/>
+              <a:t>:</a:t>
+            </a:r>
+            <a:endParaRPr lang="x-none" altLang="pt-BR" sz="2400"/>
+          </a:p>
+          <a:p>
+            <a:pPr lvl="1"/>
+            <a:r>
+              <a:rPr lang="x-none" altLang="pt-BR" sz="2000">
+                <a:solidFill>
+                  <a:srgbClr val="00B0F0"/>
+                </a:solidFill>
+                <a:latin typeface="DejaVu Sans Mono" charset="0"/>
+              </a:rPr>
+              <a:t>create or replace function nome_da_funcao</a:t>
+            </a:r>
+            <a:endParaRPr lang="x-none" altLang="pt-BR" sz="2000">
+              <a:solidFill>
+                <a:srgbClr val="00B0F0"/>
+              </a:solidFill>
+              <a:latin typeface="DejaVu Sans Mono" charset="0"/>
+            </a:endParaRPr>
+          </a:p>
+          <a:p>
+            <a:pPr lvl="1"/>
+            <a:r>
+              <a:rPr lang="x-none" altLang="pt-BR" sz="2000">
+                <a:solidFill>
+                  <a:srgbClr val="00B0F0"/>
+                </a:solidFill>
+                <a:latin typeface="DejaVu Sans Mono" charset="0"/>
+              </a:rPr>
+              <a:t>(lista de tipos de parâmetros)</a:t>
+            </a:r>
+            <a:endParaRPr lang="x-none" altLang="pt-BR" sz="2000">
+              <a:solidFill>
+                <a:srgbClr val="00B0F0"/>
+              </a:solidFill>
+              <a:latin typeface="DejaVu Sans Mono" charset="0"/>
+            </a:endParaRPr>
+          </a:p>
+          <a:p>
+            <a:pPr lvl="1"/>
+            <a:r>
+              <a:rPr lang="x-none" altLang="pt-BR" sz="2000">
+                <a:solidFill>
+                  <a:srgbClr val="00B0F0"/>
+                </a:solidFill>
+                <a:latin typeface="DejaVu Sans Mono" charset="0"/>
+              </a:rPr>
+              <a:t>returns tipo as $$</a:t>
+            </a:r>
+            <a:endParaRPr lang="x-none" altLang="pt-BR" sz="2000">
+              <a:solidFill>
+                <a:srgbClr val="00B0F0"/>
+              </a:solidFill>
+              <a:latin typeface="DejaVu Sans Mono" charset="0"/>
+            </a:endParaRPr>
+          </a:p>
+          <a:p>
+            <a:pPr lvl="1"/>
+            <a:r>
+              <a:rPr lang="x-none" altLang="pt-BR" sz="2000">
+                <a:solidFill>
+                  <a:srgbClr val="00B0F0"/>
+                </a:solidFill>
+                <a:latin typeface="DejaVu Sans Mono" charset="0"/>
+              </a:rPr>
+              <a:t>declare lista de variáveis;</a:t>
+            </a:r>
+            <a:endParaRPr lang="x-none" altLang="pt-BR" sz="2000">
+              <a:solidFill>
+                <a:srgbClr val="00B0F0"/>
+              </a:solidFill>
+              <a:latin typeface="DejaVu Sans Mono" charset="0"/>
+            </a:endParaRPr>
+          </a:p>
+          <a:p>
+            <a:pPr lvl="1"/>
+            <a:r>
+              <a:rPr lang="x-none" altLang="pt-BR" sz="2000">
+                <a:solidFill>
+                  <a:srgbClr val="00B0F0"/>
+                </a:solidFill>
+                <a:latin typeface="DejaVu Sans Mono" charset="0"/>
+              </a:rPr>
+              <a:t>begin</a:t>
+            </a:r>
+            <a:endParaRPr lang="x-none" altLang="pt-BR" sz="2000">
+              <a:solidFill>
+                <a:srgbClr val="00B0F0"/>
+              </a:solidFill>
+              <a:latin typeface="DejaVu Sans Mono" charset="0"/>
+            </a:endParaRPr>
+          </a:p>
+          <a:p>
+            <a:pPr lvl="1"/>
+            <a:r>
+              <a:rPr lang="x-none" altLang="pt-BR" sz="2000">
+                <a:solidFill>
+                  <a:srgbClr val="00B0F0"/>
+                </a:solidFill>
+                <a:latin typeface="DejaVu Sans Mono" charset="0"/>
+              </a:rPr>
+              <a:t>comandos PL/pgSQL</a:t>
+            </a:r>
+            <a:endParaRPr lang="x-none" altLang="pt-BR" sz="2000">
+              <a:solidFill>
+                <a:srgbClr val="00B0F0"/>
+              </a:solidFill>
+              <a:latin typeface="DejaVu Sans Mono" charset="0"/>
+            </a:endParaRPr>
+          </a:p>
+          <a:p>
+            <a:pPr lvl="1"/>
+            <a:r>
+              <a:rPr lang="x-none" altLang="pt-BR" sz="2000">
+                <a:solidFill>
+                  <a:srgbClr val="00B0F0"/>
+                </a:solidFill>
+                <a:latin typeface="DejaVu Sans Mono" charset="0"/>
+              </a:rPr>
+              <a:t>return valor;</a:t>
+            </a:r>
+            <a:endParaRPr lang="x-none" altLang="pt-BR" sz="2000">
+              <a:solidFill>
+                <a:srgbClr val="00B0F0"/>
+              </a:solidFill>
+              <a:latin typeface="DejaVu Sans Mono" charset="0"/>
+            </a:endParaRPr>
+          </a:p>
+          <a:p>
+            <a:pPr lvl="1"/>
+            <a:r>
+              <a:rPr lang="x-none" altLang="pt-BR" sz="2000">
+                <a:solidFill>
+                  <a:srgbClr val="00B0F0"/>
+                </a:solidFill>
+                <a:latin typeface="DejaVu Sans Mono" charset="0"/>
+              </a:rPr>
+              <a:t>end;</a:t>
+            </a:r>
+            <a:endParaRPr lang="x-none" altLang="pt-BR" sz="2000">
+              <a:solidFill>
+                <a:srgbClr val="00B0F0"/>
+              </a:solidFill>
+              <a:latin typeface="DejaVu Sans Mono" charset="0"/>
+            </a:endParaRPr>
+          </a:p>
+          <a:p>
+            <a:pPr lvl="1"/>
+            <a:r>
+              <a:rPr lang="x-none" altLang="pt-BR" sz="2000">
+                <a:solidFill>
+                  <a:srgbClr val="00B0F0"/>
+                </a:solidFill>
+                <a:latin typeface="DejaVu Sans Mono" charset="0"/>
+              </a:rPr>
+              <a:t>$$ language plpgsql;</a:t>
+            </a:r>
+            <a:endParaRPr lang="x-none" altLang="pt-BR" sz="2000">
+              <a:solidFill>
+                <a:srgbClr val="00B0F0"/>
+              </a:solidFill>
+              <a:latin typeface="DejaVu Sans Mono" charset="0"/>
+            </a:endParaRPr>
+          </a:p>
+          <a:p>
+            <a:pPr lvl="0"/>
+            <a:r>
+              <a:rPr lang="x-none" altLang="pt-BR" sz="2400"/>
+              <a:t>Utilizar a função:</a:t>
+            </a:r>
+            <a:endParaRPr lang="x-none" altLang="pt-BR" sz="2400"/>
+          </a:p>
+          <a:p>
+            <a:pPr lvl="1"/>
+            <a:r>
+              <a:rPr lang="x-none" altLang="pt-BR" sz="2000">
+                <a:solidFill>
+                  <a:srgbClr val="00B0F0"/>
+                </a:solidFill>
+              </a:rPr>
+              <a:t>select nome_da_funcao(valores);</a:t>
+            </a:r>
+            <a:endParaRPr lang="x-none" altLang="pt-BR" sz="2000">
+              <a:solidFill>
+                <a:srgbClr val="00B0F0"/>
+              </a:solidFill>
+            </a:endParaRPr>
+          </a:p>
+        </p:txBody>
+      </p:sp>
+    </p:spTree>
+  </p:cSld>
+  <p:clrMapOvr>
+    <a:masterClrMapping/>
+  </p:clrMapOvr>
+</p:sld>
+</file>
+
+<file path=ppt/slides/slide48.xml><?xml version="1.0" encoding="utf-8"?>
+<p:sld xmlns:a="http://schemas.openxmlformats.org/drawingml/2006/main" xmlns:r="http://schemas.openxmlformats.org/officeDocument/2006/relationships" xmlns:p="http://schemas.openxmlformats.org/presentationml/2006/main">
+  <p:cSld>
+    <p:spTree>
+      <p:nvGrpSpPr>
+        <p:cNvPr id="1" name=""/>
+        <p:cNvGrpSpPr/>
+        <p:nvPr/>
+      </p:nvGrpSpPr>
+      <p:grpSpPr/>
+      <p:sp>
+        <p:nvSpPr>
+          <p:cNvPr id="2" name="Title 1"/>
+          <p:cNvSpPr>
+            <a:spLocks noGrp="1"/>
+          </p:cNvSpPr>
+          <p:nvPr>
+            <p:ph type="title"/>
+          </p:nvPr>
+        </p:nvSpPr>
+        <p:spPr/>
+        <p:txBody>
+          <a:bodyPr/>
+          <a:p>
+            <a:r>
+              <a:rPr lang="x-none" altLang="pt-BR"/>
+              <a:t>Funções Customizadas</a:t>
+            </a:r>
+            <a:endParaRPr lang="x-none" altLang="pt-BR"/>
+          </a:p>
+        </p:txBody>
+      </p:sp>
+      <p:sp>
+        <p:nvSpPr>
+          <p:cNvPr id="3" name="Content Placeholder 2"/>
+          <p:cNvSpPr>
+            <a:spLocks noGrp="1"/>
+          </p:cNvSpPr>
+          <p:nvPr>
+            <p:ph idx="1"/>
+          </p:nvPr>
+        </p:nvSpPr>
+        <p:spPr/>
+        <p:txBody>
+          <a:bodyPr>
+            <a:normAutofit lnSpcReduction="10000"/>
+          </a:bodyPr>
+          <a:p>
+            <a:r>
+              <a:rPr lang="x-none" altLang="pt-BR"/>
+              <a:t>Sintaxe de </a:t>
+            </a:r>
+            <a:r>
+              <a:rPr lang="x-none" altLang="pt-BR">
+                <a:solidFill>
+                  <a:srgbClr val="92D050"/>
+                </a:solidFill>
+              </a:rPr>
+              <a:t>PL/pgSQL</a:t>
+            </a:r>
+            <a:r>
+              <a:rPr lang="x-none" altLang="pt-BR"/>
+              <a:t>:</a:t>
+            </a:r>
+            <a:endParaRPr lang="x-none" altLang="pt-BR"/>
+          </a:p>
+          <a:p>
+            <a:pPr lvl="1"/>
+            <a:r>
+              <a:rPr lang="x-none" altLang="pt-BR"/>
+              <a:t>Atribuição simples:</a:t>
+            </a:r>
+            <a:endParaRPr lang="x-none" altLang="pt-BR"/>
+          </a:p>
+          <a:p>
+            <a:pPr lvl="2"/>
+            <a:r>
+              <a:rPr lang="x-none" altLang="pt-BR">
+                <a:solidFill>
+                  <a:srgbClr val="00B0F0"/>
+                </a:solidFill>
+                <a:latin typeface="DejaVu Sans Mono" charset="0"/>
+              </a:rPr>
+              <a:t>&lt;variavel&gt; := &lt;valor&gt;;</a:t>
             </a:r>
             <a:endParaRPr lang="x-none" altLang="pt-BR">
-              <a:sym typeface="+mn-ea"/>
-            </a:endParaRPr>
-          </a:p>
-          <a:p>
-            <a:r>
-              <a:rPr lang="x-none" altLang="pt-BR">
-                <a:sym typeface="+mn-ea"/>
-              </a:rPr>
-              <a:t>Views materializadas</a:t>
+              <a:solidFill>
+                <a:srgbClr val="00B0F0"/>
+              </a:solidFill>
+              <a:latin typeface="DejaVu Sans Mono" charset="0"/>
+            </a:endParaRPr>
+          </a:p>
+          <a:p>
+            <a:pPr lvl="1"/>
+            <a:r>
+              <a:rPr lang="x-none" altLang="pt-BR"/>
+              <a:t>Atribuição usando select:</a:t>
+            </a:r>
+            <a:endParaRPr lang="x-none" altLang="pt-BR"/>
+          </a:p>
+          <a:p>
+            <a:pPr lvl="2"/>
+            <a:r>
+              <a:rPr lang="x-none" altLang="pt-BR">
+                <a:solidFill>
+                  <a:srgbClr val="00B0F0"/>
+                </a:solidFill>
+                <a:latin typeface="DejaVu Sans Mono" charset="0"/>
+              </a:rPr>
+              <a:t>begin</a:t>
             </a:r>
             <a:endParaRPr lang="x-none" altLang="pt-BR">
-              <a:sym typeface="+mn-ea"/>
-            </a:endParaRPr>
-          </a:p>
-          <a:p>
-            <a:r>
-              <a:rPr lang="x-none" altLang="pt-BR">
-                <a:sym typeface="+mn-ea"/>
-              </a:rPr>
-              <a:t>Arrays</a:t>
+              <a:solidFill>
+                <a:srgbClr val="00B0F0"/>
+              </a:solidFill>
+              <a:latin typeface="DejaVu Sans Mono" charset="0"/>
+            </a:endParaRPr>
+          </a:p>
+          <a:p>
+            <a:pPr lvl="3"/>
+            <a:r>
+              <a:rPr lang="x-none" altLang="pt-BR">
+                <a:solidFill>
+                  <a:srgbClr val="00B0F0"/>
+                </a:solidFill>
+                <a:latin typeface="DejaVu Sans Mono" charset="0"/>
+              </a:rPr>
+              <a:t>select val1, val2, val3</a:t>
             </a:r>
             <a:endParaRPr lang="x-none" altLang="pt-BR">
-              <a:sym typeface="+mn-ea"/>
-            </a:endParaRPr>
-          </a:p>
-          <a:p>
-            <a:r>
-              <a:rPr lang="x-none" altLang="pt-BR">
-                <a:sym typeface="+mn-ea"/>
-              </a:rPr>
-              <a:t>CTEs recursivas (with recursive)</a:t>
+              <a:solidFill>
+                <a:srgbClr val="00B0F0"/>
+              </a:solidFill>
+              <a:latin typeface="DejaVu Sans Mono" charset="0"/>
+            </a:endParaRPr>
+          </a:p>
+          <a:p>
+            <a:pPr lvl="3"/>
+            <a:r>
+              <a:rPr lang="x-none" altLang="pt-BR">
+                <a:solidFill>
+                  <a:srgbClr val="00B0F0"/>
+                </a:solidFill>
+                <a:latin typeface="DejaVu Sans Mono" charset="0"/>
+              </a:rPr>
+              <a:t>into strict var1, var2, var2</a:t>
             </a:r>
             <a:endParaRPr lang="x-none" altLang="pt-BR">
-              <a:sym typeface="+mn-ea"/>
-            </a:endParaRPr>
-          </a:p>
-          <a:p>
-            <a:r>
-              <a:rPr lang="x-none" altLang="pt-BR">
-                <a:sym typeface="+mn-ea"/>
-              </a:rPr>
-              <a:t>Orientação a objetos: HStore, JSON e JSONB</a:t>
+              <a:solidFill>
+                <a:srgbClr val="00B0F0"/>
+              </a:solidFill>
+              <a:latin typeface="DejaVu Sans Mono" charset="0"/>
+            </a:endParaRPr>
+          </a:p>
+          <a:p>
+            <a:pPr lvl="3"/>
+            <a:r>
+              <a:rPr lang="x-none" altLang="pt-BR">
+                <a:solidFill>
+                  <a:srgbClr val="00B0F0"/>
+                </a:solidFill>
+                <a:latin typeface="DejaVu Sans Mono" charset="0"/>
+              </a:rPr>
+              <a:t>from tabela;</a:t>
             </a:r>
             <a:endParaRPr lang="x-none" altLang="pt-BR">
-              <a:sym typeface="+mn-ea"/>
-            </a:endParaRPr>
-          </a:p>
-          <a:p>
-            <a:r>
-              <a:rPr lang="x-none" altLang="pt-BR">
-                <a:sym typeface="+mn-ea"/>
-              </a:rPr>
-              <a:t>Funções de janela</a:t>
+              <a:solidFill>
+                <a:srgbClr val="00B0F0"/>
+              </a:solidFill>
+              <a:latin typeface="DejaVu Sans Mono" charset="0"/>
+            </a:endParaRPr>
+          </a:p>
+          <a:p>
+            <a:pPr lvl="2"/>
+            <a:r>
+              <a:rPr lang="x-none" altLang="pt-BR">
+                <a:solidFill>
+                  <a:srgbClr val="00B0F0"/>
+                </a:solidFill>
+                <a:latin typeface="DejaVu Sans Mono" charset="0"/>
+              </a:rPr>
+              <a:t>exception when no_data_found then</a:t>
             </a:r>
             <a:endParaRPr lang="x-none" altLang="pt-BR">
-              <a:sym typeface="+mn-ea"/>
-            </a:endParaRPr>
-          </a:p>
-          <a:p>
-            <a:r>
-              <a:rPr lang="x-none" altLang="pt-BR">
-                <a:sym typeface="+mn-ea"/>
-              </a:rPr>
-              <a:t>Funções de agregação customizadas</a:t>
+              <a:solidFill>
+                <a:srgbClr val="00B0F0"/>
+              </a:solidFill>
+              <a:latin typeface="DejaVu Sans Mono" charset="0"/>
+            </a:endParaRPr>
+          </a:p>
+          <a:p>
+            <a:pPr lvl="3"/>
+            <a:r>
+              <a:rPr lang="x-none" altLang="pt-BR">
+                <a:solidFill>
+                  <a:srgbClr val="00B0F0"/>
+                </a:solidFill>
+                <a:latin typeface="DejaVu Sans Mono" charset="0"/>
+              </a:rPr>
+              <a:t>comandos</a:t>
             </a:r>
             <a:endParaRPr lang="x-none" altLang="pt-BR">
-              <a:sym typeface="+mn-ea"/>
-            </a:endParaRPr>
-          </a:p>
-          <a:p>
-            <a:r>
-              <a:rPr lang="x-none" altLang="pt-BR"/>
-              <a:t>Índices parciais</a:t>
-            </a:r>
-            <a:endParaRPr lang="x-none" altLang="pt-BR"/>
-          </a:p>
-          <a:p>
-            <a:r>
-              <a:rPr lang="x-none" altLang="pt-BR"/>
-              <a:t>Clusterização de tabelas</a:t>
-            </a:r>
-            <a:endParaRPr lang="x-none" altLang="pt-BR"/>
-          </a:p>
-          <a:p>
-            <a:r>
-              <a:rPr lang="x-none" altLang="pt-BR"/>
-              <a:t>Particionamento de tabelas</a:t>
-            </a:r>
-            <a:endParaRPr lang="x-none" altLang="pt-BR"/>
-          </a:p>
-          <a:p>
-            <a:r>
-              <a:rPr lang="x-none" altLang="pt-BR"/>
-              <a:t>DBLink</a:t>
-            </a:r>
-            <a:endParaRPr lang="x-none" altLang="pt-BR"/>
-          </a:p>
-          <a:p>
-            <a:r>
-              <a:rPr lang="x-none" altLang="pt-BR"/>
-              <a:t>Replicação de bancos em servidores diferentes (Hot StandBy)</a:t>
-            </a:r>
-            <a:endParaRPr lang="x-none" altLang="pt-BR"/>
-          </a:p>
-          <a:p>
-            <a:r>
-              <a:rPr lang="x-none" altLang="pt-BR"/>
-              <a:t>Execução de consultas em paralelo (9.6)</a:t>
-            </a:r>
-            <a:endParaRPr lang="x-none" altLang="pt-BR"/>
+              <a:solidFill>
+                <a:srgbClr val="00B0F0"/>
+              </a:solidFill>
+              <a:latin typeface="DejaVu Sans Mono" charset="0"/>
+            </a:endParaRPr>
+          </a:p>
+          <a:p>
+            <a:pPr lvl="2"/>
+            <a:r>
+              <a:rPr lang="x-none" altLang="pt-BR">
+                <a:solidFill>
+                  <a:srgbClr val="00B0F0"/>
+                </a:solidFill>
+                <a:latin typeface="DejaVu Sans Mono" charset="0"/>
+              </a:rPr>
+              <a:t>end;</a:t>
+            </a:r>
+            <a:endParaRPr lang="x-none" altLang="pt-BR">
+              <a:solidFill>
+                <a:srgbClr val="00B0F0"/>
+              </a:solidFill>
+              <a:latin typeface="DejaVu Sans Mono" charset="0"/>
+            </a:endParaRPr>
+          </a:p>
+        </p:txBody>
+      </p:sp>
+    </p:spTree>
+  </p:cSld>
+  <p:clrMapOvr>
+    <a:masterClrMapping/>
+  </p:clrMapOvr>
+</p:sld>
+</file>
+
+<file path=ppt/slides/slide49.xml><?xml version="1.0" encoding="utf-8"?>
+<p:sld xmlns:a="http://schemas.openxmlformats.org/drawingml/2006/main" xmlns:r="http://schemas.openxmlformats.org/officeDocument/2006/relationships" xmlns:p="http://schemas.openxmlformats.org/presentationml/2006/main">
+  <p:cSld>
+    <p:spTree>
+      <p:nvGrpSpPr>
+        <p:cNvPr id="1" name=""/>
+        <p:cNvGrpSpPr/>
+        <p:nvPr/>
+      </p:nvGrpSpPr>
+      <p:grpSpPr/>
+      <p:sp>
+        <p:nvSpPr>
+          <p:cNvPr id="2" name="Title 1"/>
+          <p:cNvSpPr>
+            <a:spLocks noGrp="1"/>
+          </p:cNvSpPr>
+          <p:nvPr>
+            <p:ph type="title"/>
+          </p:nvPr>
+        </p:nvSpPr>
+        <p:spPr/>
+        <p:txBody>
+          <a:bodyPr/>
+          <a:p>
+            <a:r>
+              <a:rPr lang="x-none" altLang="pt-BR"/>
+              <a:t>Funções Customizadas</a:t>
+            </a:r>
+            <a:endParaRPr lang="x-none" altLang="pt-BR"/>
+          </a:p>
+        </p:txBody>
+      </p:sp>
+      <p:sp>
+        <p:nvSpPr>
+          <p:cNvPr id="3" name="Content Placeholder 2"/>
+          <p:cNvSpPr>
+            <a:spLocks noGrp="1"/>
+          </p:cNvSpPr>
+          <p:nvPr>
+            <p:ph idx="1"/>
+          </p:nvPr>
+        </p:nvSpPr>
+        <p:spPr/>
+        <p:txBody>
+          <a:bodyPr>
+            <a:normAutofit lnSpcReduction="10000"/>
+          </a:bodyPr>
+          <a:p>
+            <a:pPr lvl="0"/>
+            <a:r>
+              <a:rPr lang="x-none" altLang="pt-BR"/>
+              <a:t>Condicional:</a:t>
+            </a:r>
+            <a:endParaRPr lang="x-none" altLang="pt-BR"/>
+          </a:p>
+          <a:p>
+            <a:pPr lvl="1"/>
+            <a:r>
+              <a:rPr lang="x-none" altLang="pt-BR">
+                <a:solidFill>
+                  <a:srgbClr val="00B0F0"/>
+                </a:solidFill>
+                <a:latin typeface="DejaVu Sans Mono" charset="0"/>
+              </a:rPr>
+              <a:t>if &lt;expressao&gt; then</a:t>
+            </a:r>
+            <a:endParaRPr lang="x-none" altLang="pt-BR">
+              <a:solidFill>
+                <a:srgbClr val="00B0F0"/>
+              </a:solidFill>
+              <a:latin typeface="DejaVu Sans Mono" charset="0"/>
+            </a:endParaRPr>
+          </a:p>
+          <a:p>
+            <a:pPr lvl="2"/>
+            <a:r>
+              <a:rPr lang="x-none" altLang="pt-BR">
+                <a:solidFill>
+                  <a:srgbClr val="00B0F0"/>
+                </a:solidFill>
+                <a:latin typeface="DejaVu Sans Mono" charset="0"/>
+              </a:rPr>
+              <a:t>comandos;</a:t>
+            </a:r>
+            <a:endParaRPr lang="x-none" altLang="pt-BR">
+              <a:solidFill>
+                <a:srgbClr val="00B0F0"/>
+              </a:solidFill>
+              <a:latin typeface="DejaVu Sans Mono" charset="0"/>
+            </a:endParaRPr>
+          </a:p>
+          <a:p>
+            <a:pPr lvl="1"/>
+            <a:r>
+              <a:rPr lang="x-none" altLang="pt-BR">
+                <a:solidFill>
+                  <a:srgbClr val="00B0F0"/>
+                </a:solidFill>
+                <a:latin typeface="DejaVu Sans Mono" charset="0"/>
+              </a:rPr>
+              <a:t>else</a:t>
+            </a:r>
+            <a:endParaRPr lang="x-none" altLang="pt-BR">
+              <a:solidFill>
+                <a:srgbClr val="00B0F0"/>
+              </a:solidFill>
+              <a:latin typeface="DejaVu Sans Mono" charset="0"/>
+            </a:endParaRPr>
+          </a:p>
+          <a:p>
+            <a:pPr lvl="2"/>
+            <a:r>
+              <a:rPr lang="x-none" altLang="pt-BR">
+                <a:solidFill>
+                  <a:srgbClr val="00B0F0"/>
+                </a:solidFill>
+                <a:latin typeface="DejaVu Sans Mono" charset="0"/>
+              </a:rPr>
+              <a:t>comandos;</a:t>
+            </a:r>
+            <a:endParaRPr lang="x-none" altLang="pt-BR">
+              <a:solidFill>
+                <a:srgbClr val="00B0F0"/>
+              </a:solidFill>
+              <a:latin typeface="DejaVu Sans Mono" charset="0"/>
+            </a:endParaRPr>
+          </a:p>
+          <a:p>
+            <a:pPr lvl="1"/>
+            <a:r>
+              <a:rPr lang="x-none" altLang="pt-BR">
+                <a:solidFill>
+                  <a:srgbClr val="00B0F0"/>
+                </a:solidFill>
+                <a:latin typeface="DejaVu Sans Mono" charset="0"/>
+              </a:rPr>
+              <a:t>end if;</a:t>
+            </a:r>
+            <a:endParaRPr lang="x-none" altLang="pt-BR">
+              <a:solidFill>
+                <a:srgbClr val="00B0F0"/>
+              </a:solidFill>
+              <a:latin typeface="DejaVu Sans Mono" charset="0"/>
+            </a:endParaRPr>
+          </a:p>
+          <a:p>
+            <a:pPr lvl="0"/>
+            <a:r>
+              <a:rPr lang="x-none" altLang="pt-BR"/>
+              <a:t>Repetição com while:</a:t>
+            </a:r>
+            <a:endParaRPr lang="x-none" altLang="pt-BR"/>
+          </a:p>
+          <a:p>
+            <a:pPr lvl="1"/>
+            <a:r>
+              <a:rPr lang="x-none" altLang="pt-BR">
+                <a:solidFill>
+                  <a:srgbClr val="00B0F0"/>
+                </a:solidFill>
+                <a:latin typeface="DejaVu Sans Mono" charset="0"/>
+              </a:rPr>
+              <a:t>while &lt;expressao&gt; loop</a:t>
+            </a:r>
+            <a:endParaRPr lang="x-none" altLang="pt-BR">
+              <a:solidFill>
+                <a:srgbClr val="00B0F0"/>
+              </a:solidFill>
+              <a:latin typeface="DejaVu Sans Mono" charset="0"/>
+            </a:endParaRPr>
+          </a:p>
+          <a:p>
+            <a:pPr lvl="2"/>
+            <a:r>
+              <a:rPr lang="x-none" altLang="pt-BR">
+                <a:solidFill>
+                  <a:srgbClr val="00B0F0"/>
+                </a:solidFill>
+                <a:latin typeface="DejaVu Sans Mono" charset="0"/>
+              </a:rPr>
+              <a:t>comandos;</a:t>
+            </a:r>
+            <a:endParaRPr lang="x-none" altLang="pt-BR">
+              <a:solidFill>
+                <a:srgbClr val="00B0F0"/>
+              </a:solidFill>
+              <a:latin typeface="DejaVu Sans Mono" charset="0"/>
+            </a:endParaRPr>
+          </a:p>
+          <a:p>
+            <a:pPr lvl="1"/>
+            <a:r>
+              <a:rPr lang="x-none" altLang="pt-BR">
+                <a:solidFill>
+                  <a:srgbClr val="00B0F0"/>
+                </a:solidFill>
+                <a:latin typeface="DejaVu Sans Mono" charset="0"/>
+              </a:rPr>
+              <a:t>end loop;</a:t>
+            </a:r>
+            <a:endParaRPr lang="x-none" altLang="pt-BR">
+              <a:solidFill>
+                <a:srgbClr val="00B0F0"/>
+              </a:solidFill>
+              <a:latin typeface="DejaVu Sans Mono" charset="0"/>
+            </a:endParaRPr>
           </a:p>
         </p:txBody>
       </p:sp>
@@ -9425,6 +10264,982 @@
               </a:solidFill>
               <a:latin typeface="DejaVu Sans Mono" charset="0"/>
             </a:endParaRPr>
+          </a:p>
+        </p:txBody>
+      </p:sp>
+    </p:spTree>
+  </p:cSld>
+  <p:clrMapOvr>
+    <a:masterClrMapping/>
+  </p:clrMapOvr>
+</p:sld>
+</file>
+
+<file path=ppt/slides/slide50.xml><?xml version="1.0" encoding="utf-8"?>
+<p:sld xmlns:a="http://schemas.openxmlformats.org/drawingml/2006/main" xmlns:r="http://schemas.openxmlformats.org/officeDocument/2006/relationships" xmlns:p="http://schemas.openxmlformats.org/presentationml/2006/main">
+  <p:cSld>
+    <p:spTree>
+      <p:nvGrpSpPr>
+        <p:cNvPr id="1" name=""/>
+        <p:cNvGrpSpPr/>
+        <p:nvPr/>
+      </p:nvGrpSpPr>
+      <p:grpSpPr/>
+      <p:sp>
+        <p:nvSpPr>
+          <p:cNvPr id="2" name="Title 1"/>
+          <p:cNvSpPr>
+            <a:spLocks noGrp="1"/>
+          </p:cNvSpPr>
+          <p:nvPr>
+            <p:ph type="title"/>
+          </p:nvPr>
+        </p:nvSpPr>
+        <p:spPr/>
+        <p:txBody>
+          <a:bodyPr/>
+          <a:p>
+            <a:r>
+              <a:rPr lang="x-none" altLang="pt-BR"/>
+              <a:t>Funções Customizadas</a:t>
+            </a:r>
+            <a:endParaRPr lang="x-none" altLang="pt-BR"/>
+          </a:p>
+        </p:txBody>
+      </p:sp>
+      <p:sp>
+        <p:nvSpPr>
+          <p:cNvPr id="3" name="Content Placeholder 2"/>
+          <p:cNvSpPr>
+            <a:spLocks noGrp="1"/>
+          </p:cNvSpPr>
+          <p:nvPr>
+            <p:ph idx="1"/>
+          </p:nvPr>
+        </p:nvSpPr>
+        <p:spPr/>
+        <p:txBody>
+          <a:bodyPr>
+            <a:normAutofit/>
+          </a:bodyPr>
+          <a:p>
+            <a:pPr lvl="0"/>
+            <a:r>
+              <a:rPr lang="x-none" altLang="pt-BR"/>
+              <a:t>Repetição com for simples:</a:t>
+            </a:r>
+            <a:endParaRPr lang="x-none" altLang="pt-BR"/>
+          </a:p>
+          <a:p>
+            <a:pPr lvl="1"/>
+            <a:r>
+              <a:rPr lang="x-none" altLang="pt-BR">
+                <a:solidFill>
+                  <a:srgbClr val="00B0F0"/>
+                </a:solidFill>
+                <a:latin typeface="DejaVu Sans Mono" charset="0"/>
+              </a:rPr>
+              <a:t>for i in 1..10 loop</a:t>
+            </a:r>
+            <a:endParaRPr lang="x-none" altLang="pt-BR">
+              <a:solidFill>
+                <a:srgbClr val="00B0F0"/>
+              </a:solidFill>
+              <a:latin typeface="DejaVu Sans Mono" charset="0"/>
+            </a:endParaRPr>
+          </a:p>
+          <a:p>
+            <a:pPr lvl="2"/>
+            <a:r>
+              <a:rPr lang="x-none" altLang="pt-BR" sz="2400">
+                <a:solidFill>
+                  <a:srgbClr val="00B0F0"/>
+                </a:solidFill>
+                <a:latin typeface="DejaVu Sans Mono" charset="0"/>
+              </a:rPr>
+              <a:t>comandos;</a:t>
+            </a:r>
+            <a:endParaRPr lang="x-none" altLang="pt-BR" sz="2400">
+              <a:solidFill>
+                <a:srgbClr val="00B0F0"/>
+              </a:solidFill>
+              <a:latin typeface="DejaVu Sans Mono" charset="0"/>
+            </a:endParaRPr>
+          </a:p>
+          <a:p>
+            <a:pPr lvl="1"/>
+            <a:r>
+              <a:rPr lang="x-none" altLang="pt-BR" sz="2600">
+                <a:solidFill>
+                  <a:srgbClr val="00B0F0"/>
+                </a:solidFill>
+                <a:latin typeface="DejaVu Sans Mono" charset="0"/>
+              </a:rPr>
+              <a:t>end loop;</a:t>
+            </a:r>
+            <a:endParaRPr lang="x-none" altLang="pt-BR" sz="2600">
+              <a:solidFill>
+                <a:srgbClr val="00B0F0"/>
+              </a:solidFill>
+              <a:latin typeface="DejaVu Sans Mono" charset="0"/>
+            </a:endParaRPr>
+          </a:p>
+          <a:p>
+            <a:pPr lvl="0"/>
+            <a:r>
+              <a:rPr lang="x-none" altLang="pt-BR"/>
+              <a:t>Repetição com for reverso:</a:t>
+            </a:r>
+            <a:endParaRPr lang="x-none" altLang="pt-BR"/>
+          </a:p>
+          <a:p>
+            <a:pPr lvl="1"/>
+            <a:r>
+              <a:rPr lang="x-none" altLang="pt-BR">
+                <a:solidFill>
+                  <a:srgbClr val="00B0F0"/>
+                </a:solidFill>
+                <a:latin typeface="DejaVu Sans Mono" charset="0"/>
+              </a:rPr>
+              <a:t>for i in reverse 10..1 loop</a:t>
+            </a:r>
+            <a:endParaRPr lang="x-none" altLang="pt-BR">
+              <a:solidFill>
+                <a:srgbClr val="00B0F0"/>
+              </a:solidFill>
+              <a:latin typeface="DejaVu Sans Mono" charset="0"/>
+            </a:endParaRPr>
+          </a:p>
+          <a:p>
+            <a:pPr lvl="2"/>
+            <a:r>
+              <a:rPr lang="x-none" altLang="pt-BR">
+                <a:solidFill>
+                  <a:srgbClr val="00B0F0"/>
+                </a:solidFill>
+                <a:latin typeface="DejaVu Sans Mono" charset="0"/>
+              </a:rPr>
+              <a:t>comandos;</a:t>
+            </a:r>
+            <a:endParaRPr lang="x-none" altLang="pt-BR">
+              <a:solidFill>
+                <a:srgbClr val="00B0F0"/>
+              </a:solidFill>
+              <a:latin typeface="DejaVu Sans Mono" charset="0"/>
+            </a:endParaRPr>
+          </a:p>
+          <a:p>
+            <a:pPr lvl="1"/>
+            <a:r>
+              <a:rPr lang="x-none" altLang="pt-BR">
+                <a:solidFill>
+                  <a:srgbClr val="00B0F0"/>
+                </a:solidFill>
+                <a:latin typeface="DejaVu Sans Mono" charset="0"/>
+              </a:rPr>
+              <a:t>end loop;</a:t>
+            </a:r>
+            <a:endParaRPr lang="x-none" altLang="pt-BR">
+              <a:solidFill>
+                <a:srgbClr val="00B0F0"/>
+              </a:solidFill>
+              <a:latin typeface="DejaVu Sans Mono" charset="0"/>
+            </a:endParaRPr>
+          </a:p>
+        </p:txBody>
+      </p:sp>
+    </p:spTree>
+  </p:cSld>
+  <p:clrMapOvr>
+    <a:masterClrMapping/>
+  </p:clrMapOvr>
+</p:sld>
+</file>
+
+<file path=ppt/slides/slide51.xml><?xml version="1.0" encoding="utf-8"?>
+<p:sld xmlns:a="http://schemas.openxmlformats.org/drawingml/2006/main" xmlns:r="http://schemas.openxmlformats.org/officeDocument/2006/relationships" xmlns:p="http://schemas.openxmlformats.org/presentationml/2006/main">
+  <p:cSld>
+    <p:spTree>
+      <p:nvGrpSpPr>
+        <p:cNvPr id="1" name=""/>
+        <p:cNvGrpSpPr/>
+        <p:nvPr/>
+      </p:nvGrpSpPr>
+      <p:grpSpPr/>
+      <p:sp>
+        <p:nvSpPr>
+          <p:cNvPr id="2" name="Title 1"/>
+          <p:cNvSpPr>
+            <a:spLocks noGrp="1"/>
+          </p:cNvSpPr>
+          <p:nvPr>
+            <p:ph type="title"/>
+          </p:nvPr>
+        </p:nvSpPr>
+        <p:spPr/>
+        <p:txBody>
+          <a:bodyPr/>
+          <a:p>
+            <a:r>
+              <a:rPr lang="x-none" altLang="pt-BR"/>
+              <a:t>Funções Customizadas</a:t>
+            </a:r>
+            <a:endParaRPr lang="x-none" altLang="pt-BR"/>
+          </a:p>
+        </p:txBody>
+      </p:sp>
+      <p:sp>
+        <p:nvSpPr>
+          <p:cNvPr id="3" name="Content Placeholder 2"/>
+          <p:cNvSpPr>
+            <a:spLocks noGrp="1"/>
+          </p:cNvSpPr>
+          <p:nvPr>
+            <p:ph idx="1"/>
+          </p:nvPr>
+        </p:nvSpPr>
+        <p:spPr/>
+        <p:txBody>
+          <a:bodyPr>
+            <a:noAutofit/>
+          </a:bodyPr>
+          <a:p>
+            <a:pPr lvl="0"/>
+            <a:r>
+              <a:rPr lang="x-none" altLang="pt-BR" sz="2400"/>
+              <a:t>Repetição com for simples com incremento customizado:</a:t>
+            </a:r>
+            <a:endParaRPr lang="x-none" altLang="pt-BR" sz="2400"/>
+          </a:p>
+          <a:p>
+            <a:pPr lvl="1"/>
+            <a:r>
+              <a:rPr lang="x-none" altLang="pt-BR" sz="2000">
+                <a:solidFill>
+                  <a:srgbClr val="00B0F0"/>
+                </a:solidFill>
+                <a:latin typeface="DejaVu Sans Mono" charset="0"/>
+              </a:rPr>
+              <a:t>for i in 1..10 by 2 loop</a:t>
+            </a:r>
+            <a:endParaRPr lang="x-none" altLang="pt-BR" sz="2000">
+              <a:solidFill>
+                <a:srgbClr val="00B0F0"/>
+              </a:solidFill>
+              <a:latin typeface="DejaVu Sans Mono" charset="0"/>
+            </a:endParaRPr>
+          </a:p>
+          <a:p>
+            <a:pPr lvl="2"/>
+            <a:r>
+              <a:rPr lang="x-none" altLang="pt-BR" sz="1800">
+                <a:solidFill>
+                  <a:srgbClr val="00B0F0"/>
+                </a:solidFill>
+                <a:latin typeface="DejaVu Sans Mono" charset="0"/>
+              </a:rPr>
+              <a:t>comandos;</a:t>
+            </a:r>
+            <a:endParaRPr lang="x-none" altLang="pt-BR" sz="1800">
+              <a:solidFill>
+                <a:srgbClr val="00B0F0"/>
+              </a:solidFill>
+              <a:latin typeface="DejaVu Sans Mono" charset="0"/>
+            </a:endParaRPr>
+          </a:p>
+          <a:p>
+            <a:pPr lvl="1"/>
+            <a:r>
+              <a:rPr lang="x-none" altLang="pt-BR" sz="2000">
+                <a:solidFill>
+                  <a:srgbClr val="00B0F0"/>
+                </a:solidFill>
+                <a:latin typeface="DejaVu Sans Mono" charset="0"/>
+              </a:rPr>
+              <a:t>end loop;</a:t>
+            </a:r>
+            <a:endParaRPr lang="x-none" altLang="pt-BR" sz="2000">
+              <a:solidFill>
+                <a:srgbClr val="00B0F0"/>
+              </a:solidFill>
+              <a:latin typeface="DejaVu Sans Mono" charset="0"/>
+            </a:endParaRPr>
+          </a:p>
+          <a:p>
+            <a:pPr lvl="0"/>
+            <a:r>
+              <a:rPr lang="x-none" altLang="pt-BR" sz="2400"/>
+              <a:t>Repetição com for com cursor implícito:</a:t>
+            </a:r>
+            <a:endParaRPr lang="x-none" altLang="pt-BR" sz="2400"/>
+          </a:p>
+          <a:p>
+            <a:pPr lvl="1"/>
+            <a:r>
+              <a:rPr lang="x-none" altLang="pt-BR" sz="2000">
+                <a:solidFill>
+                  <a:srgbClr val="00B0F0"/>
+                </a:solidFill>
+                <a:latin typeface="DejaVu Sans Mono" charset="0"/>
+              </a:rPr>
+              <a:t>declare</a:t>
+            </a:r>
+            <a:endParaRPr lang="x-none" altLang="pt-BR" sz="2000">
+              <a:solidFill>
+                <a:srgbClr val="00B0F0"/>
+              </a:solidFill>
+              <a:latin typeface="DejaVu Sans Mono" charset="0"/>
+            </a:endParaRPr>
+          </a:p>
+          <a:p>
+            <a:pPr lvl="2"/>
+            <a:r>
+              <a:rPr lang="x-none" altLang="pt-BR" sz="1800">
+                <a:solidFill>
+                  <a:srgbClr val="00B0F0"/>
+                </a:solidFill>
+                <a:latin typeface="DejaVu Sans Mono" charset="0"/>
+              </a:rPr>
+              <a:t>c record;</a:t>
+            </a:r>
+            <a:endParaRPr lang="x-none" altLang="pt-BR" sz="1800">
+              <a:solidFill>
+                <a:srgbClr val="00B0F0"/>
+              </a:solidFill>
+              <a:latin typeface="DejaVu Sans Mono" charset="0"/>
+            </a:endParaRPr>
+          </a:p>
+          <a:p>
+            <a:pPr lvl="1"/>
+            <a:r>
+              <a:rPr lang="x-none" altLang="pt-BR" sz="2000">
+                <a:solidFill>
+                  <a:srgbClr val="00B0F0"/>
+                </a:solidFill>
+                <a:latin typeface="DejaVu Sans Mono" charset="0"/>
+              </a:rPr>
+              <a:t>begin</a:t>
+            </a:r>
+            <a:endParaRPr lang="x-none" altLang="pt-BR" sz="2000">
+              <a:solidFill>
+                <a:srgbClr val="00B0F0"/>
+              </a:solidFill>
+              <a:latin typeface="DejaVu Sans Mono" charset="0"/>
+            </a:endParaRPr>
+          </a:p>
+          <a:p>
+            <a:pPr lvl="2"/>
+            <a:r>
+              <a:rPr lang="x-none" altLang="pt-BR" sz="1800">
+                <a:solidFill>
+                  <a:srgbClr val="00B0F0"/>
+                </a:solidFill>
+                <a:latin typeface="DejaVu Sans Mono" charset="0"/>
+              </a:rPr>
+              <a:t>for c in (select * from tabela) loop</a:t>
+            </a:r>
+            <a:endParaRPr lang="x-none" altLang="pt-BR" sz="1800">
+              <a:solidFill>
+                <a:srgbClr val="00B0F0"/>
+              </a:solidFill>
+              <a:latin typeface="DejaVu Sans Mono" charset="0"/>
+            </a:endParaRPr>
+          </a:p>
+          <a:p>
+            <a:pPr lvl="3"/>
+            <a:r>
+              <a:rPr lang="x-none" altLang="pt-BR" sz="1600">
+                <a:solidFill>
+                  <a:srgbClr val="00B0F0"/>
+                </a:solidFill>
+                <a:latin typeface="DejaVu Sans Mono" charset="0"/>
+              </a:rPr>
+              <a:t>comandos;</a:t>
+            </a:r>
+            <a:endParaRPr lang="x-none" altLang="pt-BR" sz="1600">
+              <a:solidFill>
+                <a:srgbClr val="00B0F0"/>
+              </a:solidFill>
+              <a:latin typeface="DejaVu Sans Mono" charset="0"/>
+            </a:endParaRPr>
+          </a:p>
+          <a:p>
+            <a:pPr lvl="2"/>
+            <a:r>
+              <a:rPr lang="x-none" altLang="pt-BR" sz="1800">
+                <a:solidFill>
+                  <a:srgbClr val="00B0F0"/>
+                </a:solidFill>
+                <a:latin typeface="DejaVu Sans Mono" charset="0"/>
+              </a:rPr>
+              <a:t>end loop;</a:t>
+            </a:r>
+            <a:endParaRPr lang="x-none" altLang="pt-BR" sz="1800">
+              <a:solidFill>
+                <a:srgbClr val="00B0F0"/>
+              </a:solidFill>
+              <a:latin typeface="DejaVu Sans Mono" charset="0"/>
+            </a:endParaRPr>
+          </a:p>
+          <a:p>
+            <a:pPr lvl="1"/>
+            <a:r>
+              <a:rPr lang="x-none" altLang="pt-BR" sz="2000">
+                <a:solidFill>
+                  <a:srgbClr val="00B0F0"/>
+                </a:solidFill>
+                <a:latin typeface="DejaVu Sans Mono" charset="0"/>
+              </a:rPr>
+              <a:t>end;</a:t>
+            </a:r>
+            <a:endParaRPr lang="x-none" altLang="pt-BR" sz="2000">
+              <a:solidFill>
+                <a:srgbClr val="00B0F0"/>
+              </a:solidFill>
+              <a:latin typeface="DejaVu Sans Mono" charset="0"/>
+            </a:endParaRPr>
+          </a:p>
+        </p:txBody>
+      </p:sp>
+    </p:spTree>
+  </p:cSld>
+  <p:clrMapOvr>
+    <a:masterClrMapping/>
+  </p:clrMapOvr>
+</p:sld>
+</file>
+
+<file path=ppt/slides/slide52.xml><?xml version="1.0" encoding="utf-8"?>
+<p:sld xmlns:a="http://schemas.openxmlformats.org/drawingml/2006/main" xmlns:r="http://schemas.openxmlformats.org/officeDocument/2006/relationships" xmlns:p="http://schemas.openxmlformats.org/presentationml/2006/main">
+  <p:cSld>
+    <p:spTree>
+      <p:nvGrpSpPr>
+        <p:cNvPr id="1" name=""/>
+        <p:cNvGrpSpPr/>
+        <p:nvPr/>
+      </p:nvGrpSpPr>
+      <p:grpSpPr/>
+      <p:sp>
+        <p:nvSpPr>
+          <p:cNvPr id="2" name="Title 1"/>
+          <p:cNvSpPr>
+            <a:spLocks noGrp="1"/>
+          </p:cNvSpPr>
+          <p:nvPr>
+            <p:ph type="title"/>
+          </p:nvPr>
+        </p:nvSpPr>
+        <p:spPr/>
+        <p:txBody>
+          <a:bodyPr/>
+          <a:p>
+            <a:r>
+              <a:rPr lang="x-none" altLang="pt-BR"/>
+              <a:t>Funções Customizadas</a:t>
+            </a:r>
+            <a:endParaRPr lang="x-none" altLang="pt-BR"/>
+          </a:p>
+        </p:txBody>
+      </p:sp>
+      <p:sp>
+        <p:nvSpPr>
+          <p:cNvPr id="3" name="Content Placeholder 2"/>
+          <p:cNvSpPr>
+            <a:spLocks noGrp="1"/>
+          </p:cNvSpPr>
+          <p:nvPr>
+            <p:ph idx="1"/>
+          </p:nvPr>
+        </p:nvSpPr>
+        <p:spPr/>
+        <p:txBody>
+          <a:bodyPr>
+            <a:noAutofit/>
+          </a:bodyPr>
+          <a:p>
+            <a:pPr lvl="0"/>
+            <a:r>
+              <a:rPr lang="x-none" altLang="pt-BR" sz="2400"/>
+              <a:t>Impressão de mensagens:</a:t>
+            </a:r>
+            <a:endParaRPr lang="x-none" altLang="pt-BR" sz="2400"/>
+          </a:p>
+          <a:p>
+            <a:pPr lvl="1"/>
+            <a:r>
+              <a:rPr lang="x-none" altLang="pt-BR" sz="2400">
+                <a:solidFill>
+                  <a:srgbClr val="00B0F0"/>
+                </a:solidFill>
+                <a:latin typeface="DejaVu Sans Mono" charset="0"/>
+              </a:rPr>
+              <a:t>raise notice 'Valores: % e %',var1,var2</a:t>
+            </a:r>
+            <a:endParaRPr lang="x-none" altLang="pt-BR" sz="2400">
+              <a:solidFill>
+                <a:srgbClr val="00B0F0"/>
+              </a:solidFill>
+              <a:latin typeface="DejaVu Sans Mono" charset="0"/>
+            </a:endParaRPr>
+          </a:p>
+          <a:p>
+            <a:pPr lvl="0"/>
+            <a:r>
+              <a:rPr lang="x-none" altLang="pt-BR" sz="2400"/>
+              <a:t>Execução de string SQL:</a:t>
+            </a:r>
+            <a:endParaRPr lang="x-none" altLang="pt-BR" sz="2400"/>
+          </a:p>
+          <a:p>
+            <a:pPr lvl="1"/>
+            <a:r>
+              <a:rPr lang="x-none" altLang="pt-BR" sz="2400">
+                <a:solidFill>
+                  <a:srgbClr val="00B0F0"/>
+                </a:solidFill>
+                <a:latin typeface="DejaVu Sans Mono" charset="0"/>
+              </a:rPr>
+              <a:t>execute 'delete from tabela';</a:t>
+            </a:r>
+            <a:endParaRPr lang="x-none" altLang="pt-BR" sz="2400">
+              <a:solidFill>
+                <a:srgbClr val="00B0F0"/>
+              </a:solidFill>
+              <a:latin typeface="DejaVu Sans Mono" charset="0"/>
+            </a:endParaRPr>
+          </a:p>
+          <a:p>
+            <a:pPr lvl="0"/>
+            <a:r>
+              <a:rPr lang="x-none" altLang="pt-BR" sz="2400">
+                <a:sym typeface="+mn-ea"/>
+              </a:rPr>
+              <a:t>Execução de funções armazenando retorno em variável:</a:t>
+            </a:r>
+            <a:endParaRPr lang="x-none" altLang="pt-BR" sz="2400"/>
+          </a:p>
+          <a:p>
+            <a:pPr lvl="1"/>
+            <a:r>
+              <a:rPr lang="x-none" altLang="pt-BR" sz="2400">
+                <a:solidFill>
+                  <a:srgbClr val="00B0F0"/>
+                </a:solidFill>
+                <a:latin typeface="DejaVu Sans Mono" charset="0"/>
+                <a:sym typeface="+mn-ea"/>
+              </a:rPr>
+              <a:t>x := nome_da_funcao(valores);</a:t>
+            </a:r>
+            <a:endParaRPr lang="x-none" altLang="pt-BR" sz="2400">
+              <a:solidFill>
+                <a:srgbClr val="00B0F0"/>
+              </a:solidFill>
+              <a:latin typeface="DejaVu Sans Mono" charset="0"/>
+              <a:sym typeface="+mn-ea"/>
+            </a:endParaRPr>
+          </a:p>
+          <a:p>
+            <a:pPr lvl="0"/>
+            <a:r>
+              <a:rPr lang="x-none" altLang="pt-BR" sz="2400">
+                <a:sym typeface="+mn-ea"/>
+              </a:rPr>
+              <a:t>Execução de funções descartando retorno:</a:t>
+            </a:r>
+            <a:endParaRPr lang="x-none" altLang="pt-BR" sz="2400"/>
+          </a:p>
+          <a:p>
+            <a:pPr lvl="1"/>
+            <a:r>
+              <a:rPr lang="x-none" altLang="pt-BR" sz="2400">
+                <a:solidFill>
+                  <a:srgbClr val="00B0F0"/>
+                </a:solidFill>
+                <a:latin typeface="DejaVu Sans Mono" charset="0"/>
+                <a:sym typeface="+mn-ea"/>
+              </a:rPr>
+              <a:t>perform nome_da_funcao(valores);</a:t>
+            </a:r>
+            <a:endParaRPr lang="x-none" altLang="pt-BR" sz="2400">
+              <a:solidFill>
+                <a:srgbClr val="00B0F0"/>
+              </a:solidFill>
+              <a:latin typeface="DejaVu Sans Mono" charset="0"/>
+            </a:endParaRPr>
+          </a:p>
+        </p:txBody>
+      </p:sp>
+    </p:spTree>
+  </p:cSld>
+  <p:clrMapOvr>
+    <a:masterClrMapping/>
+  </p:clrMapOvr>
+</p:sld>
+</file>
+
+<file path=ppt/slides/slide53.xml><?xml version="1.0" encoding="utf-8"?>
+<p:sld xmlns:a="http://schemas.openxmlformats.org/drawingml/2006/main" xmlns:r="http://schemas.openxmlformats.org/officeDocument/2006/relationships" xmlns:p="http://schemas.openxmlformats.org/presentationml/2006/main">
+  <p:cSld>
+    <p:spTree>
+      <p:nvGrpSpPr>
+        <p:cNvPr id="1" name=""/>
+        <p:cNvGrpSpPr/>
+        <p:nvPr/>
+      </p:nvGrpSpPr>
+      <p:grpSpPr/>
+      <p:sp>
+        <p:nvSpPr>
+          <p:cNvPr id="2" name="Title 1"/>
+          <p:cNvSpPr>
+            <a:spLocks noGrp="1"/>
+          </p:cNvSpPr>
+          <p:nvPr>
+            <p:ph type="title"/>
+          </p:nvPr>
+        </p:nvSpPr>
+        <p:spPr/>
+        <p:txBody>
+          <a:bodyPr/>
+          <a:p>
+            <a:r>
+              <a:rPr lang="x-none" altLang="pt-BR"/>
+              <a:t>Funções Customizadas</a:t>
+            </a:r>
+            <a:endParaRPr lang="x-none" altLang="pt-BR"/>
+          </a:p>
+        </p:txBody>
+      </p:sp>
+      <p:sp>
+        <p:nvSpPr>
+          <p:cNvPr id="3" name="Content Placeholder 2"/>
+          <p:cNvSpPr>
+            <a:spLocks noGrp="1"/>
+          </p:cNvSpPr>
+          <p:nvPr>
+            <p:ph idx="1"/>
+          </p:nvPr>
+        </p:nvSpPr>
+        <p:spPr/>
+        <p:txBody>
+          <a:bodyPr>
+            <a:normAutofit fontScale="90000" lnSpcReduction="20000"/>
+          </a:bodyPr>
+          <a:p>
+            <a:r>
+              <a:rPr lang="x-none" altLang="pt-BR">
+                <a:solidFill>
+                  <a:srgbClr val="92D050"/>
+                </a:solidFill>
+              </a:rPr>
+              <a:t>Vantagens</a:t>
+            </a:r>
+            <a:r>
+              <a:rPr lang="x-none" altLang="pt-BR"/>
+              <a:t>:</a:t>
+            </a:r>
+            <a:endParaRPr lang="x-none" altLang="pt-BR"/>
+          </a:p>
+          <a:p>
+            <a:pPr lvl="1"/>
+            <a:r>
+              <a:rPr lang="x-none" altLang="pt-BR"/>
+              <a:t>Redução de:</a:t>
+            </a:r>
+            <a:endParaRPr lang="x-none" altLang="pt-BR"/>
+          </a:p>
+          <a:p>
+            <a:pPr lvl="2"/>
+            <a:r>
+              <a:rPr lang="x-none" altLang="pt-BR"/>
+              <a:t>trocas de contexto</a:t>
+            </a:r>
+            <a:endParaRPr lang="x-none" altLang="pt-BR"/>
+          </a:p>
+          <a:p>
+            <a:pPr lvl="2"/>
+            <a:r>
+              <a:rPr lang="x-none" altLang="pt-BR"/>
+              <a:t>comunicação inter-processo</a:t>
+            </a:r>
+            <a:endParaRPr lang="x-none" altLang="pt-BR"/>
+          </a:p>
+          <a:p>
+            <a:pPr lvl="2"/>
+            <a:r>
+              <a:rPr lang="x-none" altLang="pt-BR"/>
+              <a:t>transferência de dados via rede</a:t>
+            </a:r>
+            <a:endParaRPr lang="x-none" altLang="pt-BR"/>
+          </a:p>
+          <a:p>
+            <a:pPr lvl="1"/>
+            <a:r>
+              <a:rPr lang="x-none" altLang="pt-BR"/>
+              <a:t>Aumento de desempenho</a:t>
+            </a:r>
+            <a:endParaRPr lang="x-none" altLang="pt-BR"/>
+          </a:p>
+          <a:p>
+            <a:pPr lvl="1"/>
+            <a:r>
+              <a:rPr lang="x-none" altLang="pt-BR"/>
+              <a:t>Parâmetros</a:t>
+            </a:r>
+            <a:endParaRPr lang="x-none" altLang="pt-BR"/>
+          </a:p>
+          <a:p>
+            <a:pPr lvl="1"/>
+            <a:r>
+              <a:rPr lang="x-none" altLang="pt-BR"/>
+              <a:t>Abstração</a:t>
+            </a:r>
+            <a:endParaRPr lang="x-none" altLang="pt-BR"/>
+          </a:p>
+          <a:p>
+            <a:pPr lvl="0"/>
+            <a:r>
+              <a:rPr lang="x-none" altLang="pt-BR">
+                <a:solidFill>
+                  <a:srgbClr val="92D050"/>
+                </a:solidFill>
+              </a:rPr>
+              <a:t>Desvantagens</a:t>
+            </a:r>
+            <a:r>
+              <a:rPr lang="x-none" altLang="pt-BR"/>
+              <a:t>:</a:t>
+            </a:r>
+            <a:endParaRPr lang="x-none" altLang="pt-BR"/>
+          </a:p>
+          <a:p>
+            <a:pPr lvl="1"/>
+            <a:r>
+              <a:rPr lang="x-none" altLang="pt-BR"/>
+              <a:t>Sua aplicação funcionará apenas em PostgreSQL</a:t>
+            </a:r>
+            <a:endParaRPr lang="x-none" altLang="pt-BR"/>
+          </a:p>
+          <a:p>
+            <a:pPr lvl="1"/>
+            <a:r>
+              <a:rPr lang="x-none" altLang="pt-BR"/>
+              <a:t>Migração trabalhosa para outro SGBD</a:t>
+            </a:r>
+            <a:endParaRPr lang="x-none" altLang="pt-BR"/>
+          </a:p>
+          <a:p>
+            <a:pPr lvl="1"/>
+            <a:r>
+              <a:rPr lang="x-none" altLang="pt-BR"/>
+              <a:t>Nem todo SGBD suporta programação</a:t>
+            </a:r>
+            <a:endParaRPr lang="x-none" altLang="pt-BR"/>
+          </a:p>
+        </p:txBody>
+      </p:sp>
+    </p:spTree>
+  </p:cSld>
+  <p:clrMapOvr>
+    <a:masterClrMapping/>
+  </p:clrMapOvr>
+</p:sld>
+</file>
+
+<file path=ppt/slides/slide54.xml><?xml version="1.0" encoding="utf-8"?>
+<p:sld xmlns:a="http://schemas.openxmlformats.org/drawingml/2006/main" xmlns:r="http://schemas.openxmlformats.org/officeDocument/2006/relationships" xmlns:p="http://schemas.openxmlformats.org/presentationml/2006/main">
+  <p:cSld>
+    <p:spTree>
+      <p:nvGrpSpPr>
+        <p:cNvPr id="1" name=""/>
+        <p:cNvGrpSpPr/>
+        <p:nvPr/>
+      </p:nvGrpSpPr>
+      <p:grpSpPr/>
+      <p:sp>
+        <p:nvSpPr>
+          <p:cNvPr id="2" name="Title 1"/>
+          <p:cNvSpPr>
+            <a:spLocks noGrp="1"/>
+          </p:cNvSpPr>
+          <p:nvPr>
+            <p:ph type="title"/>
+          </p:nvPr>
+        </p:nvSpPr>
+        <p:spPr/>
+        <p:txBody>
+          <a:bodyPr/>
+          <a:p>
+            <a:r>
+              <a:rPr lang="x-none" altLang="pt-BR"/>
+              <a:t>Outras Funcionalidades</a:t>
+            </a:r>
+            <a:endParaRPr lang="x-none" altLang="pt-BR"/>
+          </a:p>
+        </p:txBody>
+      </p:sp>
+      <p:sp>
+        <p:nvSpPr>
+          <p:cNvPr id="3" name="Content Placeholder 2"/>
+          <p:cNvSpPr>
+            <a:spLocks noGrp="1"/>
+          </p:cNvSpPr>
+          <p:nvPr>
+            <p:ph idx="1"/>
+          </p:nvPr>
+        </p:nvSpPr>
+        <p:spPr/>
+        <p:txBody>
+          <a:bodyPr/>
+          <a:p>
+            <a:r>
+              <a:rPr lang="x-none" altLang="pt-BR" sz="1400"/>
+              <a:t>Sequências</a:t>
+            </a:r>
+            <a:endParaRPr lang="x-none" altLang="pt-BR" sz="1400"/>
+          </a:p>
+          <a:p>
+            <a:r>
+              <a:rPr lang="x-none" altLang="pt-BR" sz="1400"/>
+              <a:t>Triggers</a:t>
+            </a:r>
+            <a:endParaRPr lang="x-none" altLang="pt-BR" sz="1400"/>
+          </a:p>
+          <a:p>
+            <a:r>
+              <a:rPr lang="x-none" altLang="pt-BR" sz="1400"/>
+              <a:t>Grants</a:t>
+            </a:r>
+            <a:endParaRPr lang="x-none" altLang="pt-BR" sz="1400"/>
+          </a:p>
+          <a:p>
+            <a:r>
+              <a:rPr lang="x-none" altLang="pt-BR" sz="1400">
+                <a:sym typeface="+mn-ea"/>
+              </a:rPr>
+              <a:t>Enumerações</a:t>
+            </a:r>
+            <a:endParaRPr lang="x-none" altLang="pt-BR" sz="1400">
+              <a:sym typeface="+mn-ea"/>
+            </a:endParaRPr>
+          </a:p>
+          <a:p>
+            <a:r>
+              <a:rPr lang="x-none" altLang="pt-BR" sz="1400">
+                <a:sym typeface="+mn-ea"/>
+              </a:rPr>
+              <a:t>Views materializadas</a:t>
+            </a:r>
+            <a:endParaRPr lang="x-none" altLang="pt-BR" sz="1400">
+              <a:sym typeface="+mn-ea"/>
+            </a:endParaRPr>
+          </a:p>
+          <a:p>
+            <a:r>
+              <a:rPr lang="x-none" altLang="pt-BR" sz="1400">
+                <a:sym typeface="+mn-ea"/>
+              </a:rPr>
+              <a:t>Arrays</a:t>
+            </a:r>
+            <a:endParaRPr lang="x-none" altLang="pt-BR" sz="1400">
+              <a:sym typeface="+mn-ea"/>
+            </a:endParaRPr>
+          </a:p>
+          <a:p>
+            <a:r>
+              <a:rPr lang="x-none" altLang="pt-BR" sz="1400">
+                <a:sym typeface="+mn-ea"/>
+              </a:rPr>
+              <a:t>Cursores explícitos</a:t>
+            </a:r>
+            <a:endParaRPr lang="x-none" altLang="pt-BR" sz="1400">
+              <a:sym typeface="+mn-ea"/>
+            </a:endParaRPr>
+          </a:p>
+          <a:p>
+            <a:r>
+              <a:rPr lang="x-none" altLang="pt-BR" sz="1400">
+                <a:sym typeface="+mn-ea"/>
+              </a:rPr>
+              <a:t>CTEs recursivas (with recursive)</a:t>
+            </a:r>
+            <a:endParaRPr lang="x-none" altLang="pt-BR" sz="1400">
+              <a:sym typeface="+mn-ea"/>
+            </a:endParaRPr>
+          </a:p>
+          <a:p>
+            <a:r>
+              <a:rPr lang="x-none" altLang="pt-BR" sz="1400">
+                <a:sym typeface="+mn-ea"/>
+              </a:rPr>
+              <a:t>Orientação a objetos: HStore, JSON e JSONB</a:t>
+            </a:r>
+            <a:endParaRPr lang="x-none" altLang="pt-BR" sz="1400">
+              <a:sym typeface="+mn-ea"/>
+            </a:endParaRPr>
+          </a:p>
+          <a:p>
+            <a:r>
+              <a:rPr lang="x-none" altLang="pt-BR" sz="1400">
+                <a:sym typeface="+mn-ea"/>
+              </a:rPr>
+              <a:t>Funções de janela</a:t>
+            </a:r>
+            <a:endParaRPr lang="x-none" altLang="pt-BR" sz="1400">
+              <a:sym typeface="+mn-ea"/>
+            </a:endParaRPr>
+          </a:p>
+          <a:p>
+            <a:r>
+              <a:rPr lang="x-none" altLang="pt-BR" sz="1400">
+                <a:sym typeface="+mn-ea"/>
+              </a:rPr>
+              <a:t>Funções de agregação customizadas</a:t>
+            </a:r>
+            <a:endParaRPr lang="x-none" altLang="pt-BR" sz="1400">
+              <a:sym typeface="+mn-ea"/>
+            </a:endParaRPr>
+          </a:p>
+          <a:p>
+            <a:r>
+              <a:rPr lang="x-none" altLang="pt-BR" sz="1400"/>
+              <a:t>Índices parciais</a:t>
+            </a:r>
+            <a:endParaRPr lang="x-none" altLang="pt-BR" sz="1400"/>
+          </a:p>
+          <a:p>
+            <a:r>
+              <a:rPr lang="x-none" altLang="pt-BR" sz="1400"/>
+              <a:t>Clusterização de tabelas</a:t>
+            </a:r>
+            <a:endParaRPr lang="x-none" altLang="pt-BR" sz="1400"/>
+          </a:p>
+          <a:p>
+            <a:r>
+              <a:rPr lang="x-none" altLang="pt-BR" sz="1400"/>
+              <a:t>Particionamento de tabelas</a:t>
+            </a:r>
+            <a:endParaRPr lang="x-none" altLang="pt-BR" sz="1400"/>
+          </a:p>
+          <a:p>
+            <a:r>
+              <a:rPr lang="x-none" altLang="pt-BR" sz="1400"/>
+              <a:t>DBLink</a:t>
+            </a:r>
+            <a:endParaRPr lang="x-none" altLang="pt-BR" sz="1400"/>
+          </a:p>
+          <a:p>
+            <a:r>
+              <a:rPr lang="x-none" altLang="pt-BR" sz="1400"/>
+              <a:t>Replicação de bancos em servidores diferentes (Hot StandBy)</a:t>
+            </a:r>
+            <a:endParaRPr lang="x-none" altLang="pt-BR" sz="1400"/>
+          </a:p>
+          <a:p>
+            <a:r>
+              <a:rPr lang="x-none" altLang="pt-BR" sz="1400"/>
+              <a:t>Execução de consultas em paralelo (9.6)</a:t>
+            </a:r>
+            <a:endParaRPr lang="x-none" altLang="pt-BR" sz="1400"/>
           </a:p>
         </p:txBody>
       </p:sp>

--- a/curso/modulo3capitulo5.pptx
+++ b/curso/modulo3capitulo5.pptx
@@ -30,35 +30,40 @@
     <p:sldId id="461" r:id="rId25"/>
     <p:sldId id="462" r:id="rId26"/>
     <p:sldId id="501" r:id="rId27"/>
-    <p:sldId id="450" r:id="rId28"/>
-    <p:sldId id="460" r:id="rId29"/>
-    <p:sldId id="449" r:id="rId30"/>
-    <p:sldId id="472" r:id="rId31"/>
-    <p:sldId id="511" r:id="rId32"/>
-    <p:sldId id="445" r:id="rId33"/>
-    <p:sldId id="446" r:id="rId34"/>
-    <p:sldId id="512" r:id="rId35"/>
-    <p:sldId id="513" r:id="rId36"/>
-    <p:sldId id="514" r:id="rId37"/>
-    <p:sldId id="515" r:id="rId38"/>
-    <p:sldId id="516" r:id="rId39"/>
-    <p:sldId id="517" r:id="rId40"/>
-    <p:sldId id="518" r:id="rId41"/>
-    <p:sldId id="519" r:id="rId42"/>
-    <p:sldId id="520" r:id="rId43"/>
-    <p:sldId id="521" r:id="rId44"/>
-    <p:sldId id="522" r:id="rId45"/>
-    <p:sldId id="456" r:id="rId46"/>
-    <p:sldId id="447" r:id="rId47"/>
-    <p:sldId id="528" r:id="rId48"/>
-    <p:sldId id="529" r:id="rId49"/>
-    <p:sldId id="530" r:id="rId50"/>
-    <p:sldId id="532" r:id="rId51"/>
-    <p:sldId id="533" r:id="rId52"/>
-    <p:sldId id="534" r:id="rId53"/>
-    <p:sldId id="535" r:id="rId54"/>
-    <p:sldId id="531" r:id="rId55"/>
-    <p:sldId id="444" r:id="rId56"/>
+    <p:sldId id="571" r:id="rId28"/>
+    <p:sldId id="538" r:id="rId29"/>
+    <p:sldId id="539" r:id="rId30"/>
+    <p:sldId id="540" r:id="rId31"/>
+    <p:sldId id="541" r:id="rId32"/>
+    <p:sldId id="450" r:id="rId33"/>
+    <p:sldId id="460" r:id="rId34"/>
+    <p:sldId id="449" r:id="rId35"/>
+    <p:sldId id="472" r:id="rId36"/>
+    <p:sldId id="511" r:id="rId37"/>
+    <p:sldId id="445" r:id="rId38"/>
+    <p:sldId id="446" r:id="rId39"/>
+    <p:sldId id="512" r:id="rId40"/>
+    <p:sldId id="513" r:id="rId41"/>
+    <p:sldId id="514" r:id="rId42"/>
+    <p:sldId id="515" r:id="rId43"/>
+    <p:sldId id="516" r:id="rId44"/>
+    <p:sldId id="517" r:id="rId45"/>
+    <p:sldId id="518" r:id="rId46"/>
+    <p:sldId id="519" r:id="rId47"/>
+    <p:sldId id="520" r:id="rId48"/>
+    <p:sldId id="521" r:id="rId49"/>
+    <p:sldId id="522" r:id="rId50"/>
+    <p:sldId id="456" r:id="rId51"/>
+    <p:sldId id="447" r:id="rId52"/>
+    <p:sldId id="528" r:id="rId53"/>
+    <p:sldId id="529" r:id="rId54"/>
+    <p:sldId id="530" r:id="rId55"/>
+    <p:sldId id="532" r:id="rId56"/>
+    <p:sldId id="533" r:id="rId57"/>
+    <p:sldId id="534" r:id="rId58"/>
+    <p:sldId id="535" r:id="rId59"/>
+    <p:sldId id="531" r:id="rId60"/>
+    <p:sldId id="444" r:id="rId61"/>
   </p:sldIdLst>
   <p:sldSz cx="9144000" cy="6858000" type="screen4x3"/>
   <p:notesSz cx="6858000" cy="9144000"/>
@@ -6400,7 +6405,7 @@
           <a:p>
             <a:r>
               <a:rPr lang="x-none" altLang="pt-BR"/>
-              <a:t>Desempenho</a:t>
+              <a:t>Nesting e Unnesting</a:t>
             </a:r>
             <a:endParaRPr lang="x-none" altLang="pt-BR"/>
           </a:p>
@@ -6419,167 +6424,164 @@
         <p:spPr/>
         <p:txBody>
           <a:bodyPr>
-            <a:normAutofit fontScale="90000" lnSpcReduction="10000"/>
+            <a:normAutofit lnSpcReduction="10000"/>
           </a:bodyPr>
           <a:p>
             <a:r>
-              <a:rPr lang="x-none" altLang="pt-BR">
+              <a:rPr lang="x-none" altLang="pt-BR" sz="2400">
                 <a:solidFill>
                   <a:srgbClr val="92D050"/>
                 </a:solidFill>
               </a:rPr>
-              <a:t>PostgreSQL Tuning</a:t>
-            </a:r>
-            <a:r>
-              <a:rPr lang="x-none" altLang="pt-BR"/>
-              <a:t> é uma tarefa que pode ser complicada</a:t>
-            </a:r>
-            <a:endParaRPr lang="x-none" altLang="pt-BR"/>
-          </a:p>
-          <a:p>
-            <a:r>
-              <a:rPr lang="x-none" altLang="pt-BR"/>
-              <a:t>Depende muito da aplicação: </a:t>
-            </a:r>
-            <a:r>
-              <a:rPr lang="x-none" altLang="pt-BR">
+              <a:t>Nesting</a:t>
+            </a:r>
+            <a:r>
+              <a:rPr lang="x-none" altLang="pt-BR" sz="2400"/>
+              <a:t>: juntar os valores de uma coluna em uma única string</a:t>
+            </a:r>
+            <a:endParaRPr lang="x-none" altLang="pt-BR" sz="2400"/>
+          </a:p>
+          <a:p>
+            <a:pPr lvl="1"/>
+            <a:r>
+              <a:rPr lang="x-none" altLang="pt-BR" sz="2000">
+                <a:solidFill>
+                  <a:srgbClr val="00B0F0"/>
+                </a:solidFill>
+                <a:latin typeface="DejaVu Sans Mono" charset="0"/>
+              </a:rPr>
+              <a:t>select array_to_string(array(</a:t>
+            </a:r>
+            <a:endParaRPr lang="x-none" altLang="pt-BR" sz="2000">
+              <a:solidFill>
+                <a:srgbClr val="00B0F0"/>
+              </a:solidFill>
+              <a:latin typeface="DejaVu Sans Mono" charset="0"/>
+            </a:endParaRPr>
+          </a:p>
+          <a:p>
+            <a:pPr lvl="1"/>
+            <a:r>
+              <a:rPr lang="x-none" altLang="pt-BR" sz="2000">
+                <a:solidFill>
+                  <a:srgbClr val="00B0F0"/>
+                </a:solidFill>
+                <a:latin typeface="DejaVu Sans Mono" charset="0"/>
+              </a:rPr>
+              <a:t>select 'banana' union</a:t>
+            </a:r>
+            <a:endParaRPr lang="x-none" altLang="pt-BR" sz="2000">
+              <a:solidFill>
+                <a:srgbClr val="00B0F0"/>
+              </a:solidFill>
+              <a:latin typeface="DejaVu Sans Mono" charset="0"/>
+            </a:endParaRPr>
+          </a:p>
+          <a:p>
+            <a:pPr lvl="1"/>
+            <a:r>
+              <a:rPr lang="x-none" altLang="pt-BR" sz="2000">
+                <a:solidFill>
+                  <a:srgbClr val="00B0F0"/>
+                </a:solidFill>
+                <a:latin typeface="DejaVu Sans Mono" charset="0"/>
+              </a:rPr>
+              <a:t>select 'laranja' union</a:t>
+            </a:r>
+            <a:endParaRPr lang="x-none" altLang="pt-BR" sz="2000">
+              <a:solidFill>
+                <a:srgbClr val="00B0F0"/>
+              </a:solidFill>
+              <a:latin typeface="DejaVu Sans Mono" charset="0"/>
+            </a:endParaRPr>
+          </a:p>
+          <a:p>
+            <a:pPr lvl="1"/>
+            <a:r>
+              <a:rPr lang="x-none" altLang="pt-BR" sz="2000">
+                <a:solidFill>
+                  <a:srgbClr val="00B0F0"/>
+                </a:solidFill>
+                <a:latin typeface="DejaVu Sans Mono" charset="0"/>
+              </a:rPr>
+              <a:t>select 'maçã' union</a:t>
+            </a:r>
+            <a:endParaRPr lang="x-none" altLang="pt-BR" sz="2000">
+              <a:solidFill>
+                <a:srgbClr val="00B0F0"/>
+              </a:solidFill>
+              <a:latin typeface="DejaVu Sans Mono" charset="0"/>
+            </a:endParaRPr>
+          </a:p>
+          <a:p>
+            <a:pPr lvl="1"/>
+            <a:r>
+              <a:rPr lang="x-none" altLang="pt-BR" sz="2000">
+                <a:solidFill>
+                  <a:srgbClr val="00B0F0"/>
+                </a:solidFill>
+                <a:latin typeface="DejaVu Sans Mono" charset="0"/>
+              </a:rPr>
+              <a:t>select 'mamão'</a:t>
+            </a:r>
+            <a:endParaRPr lang="x-none" altLang="pt-BR" sz="2000">
+              <a:solidFill>
+                <a:srgbClr val="00B0F0"/>
+              </a:solidFill>
+              <a:latin typeface="DejaVu Sans Mono" charset="0"/>
+            </a:endParaRPr>
+          </a:p>
+          <a:p>
+            <a:pPr lvl="1"/>
+            <a:r>
+              <a:rPr lang="x-none" altLang="pt-BR" sz="2000">
+                <a:solidFill>
+                  <a:srgbClr val="00B0F0"/>
+                </a:solidFill>
+                <a:latin typeface="DejaVu Sans Mono" charset="0"/>
+              </a:rPr>
+              <a:t>), ',')</a:t>
+            </a:r>
+            <a:endParaRPr lang="x-none" altLang="pt-BR" sz="2000">
+              <a:solidFill>
+                <a:srgbClr val="00B0F0"/>
+              </a:solidFill>
+              <a:latin typeface="DejaVu Sans Mono" charset="0"/>
+            </a:endParaRPr>
+          </a:p>
+          <a:p>
+            <a:pPr lvl="0"/>
+            <a:r>
+              <a:rPr lang="x-none" altLang="pt-BR" sz="2400">
                 <a:solidFill>
                   <a:srgbClr val="92D050"/>
                 </a:solidFill>
               </a:rPr>
-              <a:t>não existe bala de prata!</a:t>
-            </a:r>
-            <a:endParaRPr lang="x-none" altLang="pt-BR">
-              <a:solidFill>
-                <a:srgbClr val="92D050"/>
-              </a:solidFill>
-            </a:endParaRPr>
-          </a:p>
-          <a:p>
-            <a:r>
-              <a:rPr lang="x-none" altLang="pt-BR"/>
-              <a:t>Alguns pontos:</a:t>
-            </a:r>
-            <a:endParaRPr lang="x-none" altLang="pt-BR"/>
-          </a:p>
-          <a:p>
-            <a:pPr lvl="1"/>
-            <a:r>
-              <a:rPr lang="x-none" altLang="pt-BR"/>
-              <a:t>Melhorias no código </a:t>
-            </a:r>
-            <a:r>
-              <a:rPr lang="x-none" altLang="pt-BR">
-                <a:solidFill>
-                  <a:srgbClr val="92D050"/>
-                </a:solidFill>
-              </a:rPr>
-              <a:t>SQL</a:t>
-            </a:r>
-            <a:endParaRPr lang="x-none" altLang="pt-BR">
-              <a:solidFill>
-                <a:srgbClr val="92D050"/>
-              </a:solidFill>
-            </a:endParaRPr>
-          </a:p>
-          <a:p>
-            <a:pPr lvl="1"/>
-            <a:r>
-              <a:rPr lang="x-none" altLang="pt-BR"/>
-              <a:t>Uso de Common Table Expressions (</a:t>
-            </a:r>
-            <a:r>
-              <a:rPr lang="x-none" altLang="pt-BR">
-                <a:solidFill>
-                  <a:srgbClr val="92D050"/>
-                </a:solidFill>
-              </a:rPr>
-              <a:t>CTEs</a:t>
-            </a:r>
-            <a:r>
-              <a:rPr lang="x-none" altLang="pt-BR"/>
-              <a:t>)</a:t>
-            </a:r>
-            <a:endParaRPr lang="x-none" altLang="pt-BR"/>
-          </a:p>
-          <a:p>
-            <a:pPr lvl="1"/>
-            <a:r>
-              <a:rPr lang="x-none" altLang="pt-BR"/>
-              <a:t>Limpeza do banco de dados com </a:t>
-            </a:r>
-            <a:r>
-              <a:rPr lang="x-none" altLang="pt-BR">
-                <a:solidFill>
-                  <a:srgbClr val="92D050"/>
-                </a:solidFill>
-              </a:rPr>
-              <a:t>vacuum</a:t>
-            </a:r>
-            <a:endParaRPr lang="x-none" altLang="pt-BR">
-              <a:solidFill>
-                <a:srgbClr val="92D050"/>
-              </a:solidFill>
-            </a:endParaRPr>
-          </a:p>
-          <a:p>
-            <a:pPr lvl="1"/>
-            <a:r>
-              <a:rPr lang="x-none" altLang="pt-BR"/>
-              <a:t>Uso de </a:t>
-            </a:r>
-            <a:r>
-              <a:rPr lang="x-none" altLang="pt-BR">
-                <a:solidFill>
-                  <a:srgbClr val="92D050"/>
-                </a:solidFill>
-              </a:rPr>
-              <a:t>índices </a:t>
-            </a:r>
-            <a:r>
-              <a:rPr lang="x-none" altLang="pt-BR"/>
-              <a:t>para melhoria de consultas</a:t>
-            </a:r>
-            <a:endParaRPr lang="x-none" altLang="pt-BR"/>
-          </a:p>
-          <a:p>
-            <a:pPr lvl="1"/>
-            <a:r>
-              <a:rPr lang="x-none" altLang="pt-BR">
-                <a:sym typeface="+mn-ea"/>
-              </a:rPr>
-              <a:t>Análise da consulta lenta com </a:t>
-            </a:r>
-            <a:r>
-              <a:rPr lang="x-none" altLang="pt-BR">
-                <a:solidFill>
-                  <a:srgbClr val="92D050"/>
-                </a:solidFill>
-                <a:sym typeface="+mn-ea"/>
-              </a:rPr>
-              <a:t>explain</a:t>
-            </a:r>
-            <a:endParaRPr lang="x-none" altLang="pt-BR"/>
-          </a:p>
-          <a:p>
-            <a:pPr lvl="1"/>
-            <a:r>
-              <a:rPr lang="x-none" altLang="pt-BR"/>
-              <a:t>Alterar </a:t>
-            </a:r>
-            <a:r>
-              <a:rPr lang="x-none" altLang="pt-BR">
-                <a:solidFill>
-                  <a:srgbClr val="92D050"/>
-                </a:solidFill>
-              </a:rPr>
-              <a:t>configurações </a:t>
-            </a:r>
-            <a:r>
-              <a:rPr lang="x-none" altLang="pt-BR"/>
-              <a:t>do PostgreSQL</a:t>
-            </a:r>
-            <a:endParaRPr lang="x-none" altLang="pt-BR"/>
+              <a:t>Unnesting</a:t>
+            </a:r>
+            <a:r>
+              <a:rPr lang="x-none" altLang="pt-BR" sz="2400"/>
+              <a:t>: quebrar uma string em várias linhas de uma mesma coluna</a:t>
+            </a:r>
+            <a:endParaRPr lang="x-none" altLang="pt-BR" sz="2400"/>
+          </a:p>
+          <a:p>
+            <a:pPr lvl="1"/>
+            <a:r>
+              <a:rPr lang="x-none" altLang="pt-BR" sz="2000">
+                <a:solidFill>
+                  <a:srgbClr val="00B0F0"/>
+                </a:solidFill>
+                <a:latin typeface="DejaVu Sans Mono" charset="0"/>
+              </a:rPr>
+              <a:t>select unnest(string_to_array('banana,laranja,maçã,mamão', ','))</a:t>
+            </a:r>
+            <a:endParaRPr lang="x-none" altLang="pt-BR" sz="2000">
+              <a:solidFill>
+                <a:srgbClr val="00B0F0"/>
+              </a:solidFill>
+              <a:latin typeface="DejaVu Sans Mono" charset="0"/>
+            </a:endParaRPr>
           </a:p>
         </p:txBody>
       </p:sp>
@@ -6617,7 +6619,7 @@
           <a:p>
             <a:r>
               <a:rPr lang="x-none" altLang="pt-BR"/>
-              <a:t>Desempenho: SQL</a:t>
+              <a:t>Ferramentas - pg_activity</a:t>
             </a:r>
             <a:endParaRPr lang="x-none" altLang="pt-BR"/>
           </a:p>
@@ -6636,12 +6638,12 @@
         <p:spPr/>
         <p:txBody>
           <a:bodyPr>
-            <a:normAutofit lnSpcReduction="20000"/>
+            <a:normAutofit fontScale="90000" lnSpcReduction="10000"/>
           </a:bodyPr>
           <a:p>
             <a:r>
               <a:rPr lang="x-none" altLang="pt-BR"/>
-              <a:t>Use </a:t>
+              <a:t>Semelhante ao </a:t>
             </a:r>
             <a:r>
               <a:rPr lang="x-none" altLang="pt-BR">
@@ -6649,23 +6651,33 @@
                   <a:srgbClr val="92D050"/>
                 </a:solidFill>
               </a:rPr>
-              <a:t>subconsultas </a:t>
-            </a:r>
-            <a:r>
-              <a:rPr lang="x-none" altLang="pt-BR"/>
-              <a:t>somente como uma tabela (no </a:t>
-            </a:r>
+              <a:t>top</a:t>
+            </a:r>
+            <a:r>
+              <a:rPr lang="x-none" altLang="pt-BR"/>
+              <a:t>, permite ver toda a atividade do banco no momento</a:t>
+            </a:r>
+            <a:endParaRPr lang="x-none" altLang="pt-BR"/>
+          </a:p>
+          <a:p>
             <a:r>
               <a:rPr lang="x-none" altLang="pt-BR">
                 <a:solidFill>
                   <a:srgbClr val="92D050"/>
                 </a:solidFill>
               </a:rPr>
-              <a:t>from </a:t>
-            </a:r>
-            <a:r>
-              <a:rPr lang="x-none" altLang="pt-BR"/>
-              <a:t>e no </a:t>
+              <a:t>Se não há atividade, não mostra nada! (pgbench?)</a:t>
+            </a:r>
+            <a:endParaRPr lang="x-none" altLang="pt-BR">
+              <a:solidFill>
+                <a:srgbClr val="92D050"/>
+              </a:solidFill>
+            </a:endParaRPr>
+          </a:p>
+          <a:p>
+            <a:r>
+              <a:rPr lang="x-none" altLang="pt-BR"/>
+              <a:t>Também permite </a:t>
             </a:r>
             <a:r>
               <a:rPr lang="x-none" altLang="pt-BR">
@@ -6673,97 +6685,64 @@
                   <a:srgbClr val="92D050"/>
                 </a:solidFill>
               </a:rPr>
-              <a:t>join</a:t>
-            </a:r>
-            <a:r>
-              <a:rPr lang="x-none" altLang="pt-BR"/>
-              <a:t>)</a:t>
-            </a:r>
-            <a:endParaRPr lang="x-none" altLang="pt-BR"/>
-          </a:p>
-          <a:p>
-            <a:r>
-              <a:rPr lang="x-none" altLang="pt-BR"/>
-              <a:t>Sempre que houver um </a:t>
-            </a:r>
-            <a:r>
-              <a:rPr lang="x-none" altLang="pt-BR">
-                <a:solidFill>
-                  <a:srgbClr val="92D050"/>
-                </a:solidFill>
-              </a:rPr>
-              <a:t>atributo constante</a:t>
-            </a:r>
-            <a:r>
-              <a:rPr lang="x-none" altLang="pt-BR"/>
-              <a:t> e puder fazer </a:t>
-            </a:r>
-            <a:r>
-              <a:rPr lang="x-none" altLang="pt-BR">
-                <a:solidFill>
-                  <a:srgbClr val="92D050"/>
-                </a:solidFill>
-              </a:rPr>
-              <a:t>subconsulta </a:t>
-            </a:r>
-            <a:r>
-              <a:rPr lang="x-none" altLang="pt-BR"/>
-              <a:t>no from ou no join, faça</a:t>
-            </a:r>
-            <a:endParaRPr lang="x-none" altLang="pt-BR"/>
-          </a:p>
-          <a:p>
-            <a:r>
-              <a:rPr lang="x-none" altLang="pt-BR"/>
-              <a:t>Procure fazer joins de apenas </a:t>
-            </a:r>
-            <a:r>
-              <a:rPr lang="x-none" altLang="pt-BR">
-                <a:solidFill>
-                  <a:srgbClr val="92D050"/>
-                </a:solidFill>
-              </a:rPr>
-              <a:t>1 atributo</a:t>
+              <a:t>cancelar </a:t>
+            </a:r>
+            <a:r>
+              <a:rPr lang="x-none" altLang="pt-BR"/>
+              <a:t>transações (tecla k sobre a transação)</a:t>
+            </a:r>
+            <a:endParaRPr lang="x-none" altLang="pt-BR"/>
+          </a:p>
+          <a:p>
+            <a:r>
+              <a:rPr lang="x-none" altLang="pt-BR"/>
+              <a:t>Instalação:</a:t>
+            </a:r>
+            <a:endParaRPr lang="x-none" altLang="pt-BR"/>
+          </a:p>
+          <a:p>
+            <a:pPr lvl="1"/>
+            <a:r>
+              <a:rPr lang="x-none" altLang="pt-BR">
+                <a:solidFill>
+                  <a:srgbClr val="00B0F0"/>
+                </a:solidFill>
+                <a:latin typeface="DejaVu Sans Mono" charset="0"/>
+              </a:rPr>
+              <a:t>apt install pg-activity</a:t>
             </a:r>
             <a:endParaRPr lang="x-none" altLang="pt-BR">
               <a:solidFill>
-                <a:srgbClr val="92D050"/>
-              </a:solidFill>
-            </a:endParaRPr>
-          </a:p>
-          <a:p>
-            <a:r>
-              <a:rPr lang="x-none" altLang="pt-BR">
-                <a:solidFill>
-                  <a:srgbClr val="92D050"/>
-                </a:solidFill>
-              </a:rPr>
-              <a:t>Ordene os joins</a:t>
-            </a:r>
-            <a:r>
-              <a:rPr lang="x-none" altLang="pt-BR"/>
-              <a:t> em ordem de número de registros, do maior para o menor</a:t>
-            </a:r>
-            <a:endParaRPr lang="x-none" altLang="pt-BR"/>
-          </a:p>
-          <a:p>
-            <a:r>
-              <a:rPr lang="x-none" altLang="pt-BR"/>
-              <a:t>Procure não usar mais do que </a:t>
-            </a:r>
-            <a:r>
-              <a:rPr lang="x-none" altLang="pt-BR">
-                <a:solidFill>
-                  <a:srgbClr val="92D050"/>
-                </a:solidFill>
-              </a:rPr>
-              <a:t>7 joins</a:t>
-            </a:r>
-            <a:r>
-              <a:rPr lang="x-none" altLang="pt-BR"/>
-              <a:t> (8 tabelas) em uma mesma consulta</a:t>
-            </a:r>
-            <a:endParaRPr lang="x-none" altLang="pt-BR"/>
+                <a:srgbClr val="00B0F0"/>
+              </a:solidFill>
+              <a:latin typeface="DejaVu Sans Mono" charset="0"/>
+            </a:endParaRPr>
+          </a:p>
+          <a:p>
+            <a:pPr lvl="0"/>
+            <a:r>
+              <a:rPr lang="x-none" altLang="pt-BR"/>
+              <a:t>Utilização:</a:t>
+            </a:r>
+            <a:endParaRPr lang="x-none" altLang="pt-BR"/>
+          </a:p>
+          <a:p>
+            <a:pPr lvl="1"/>
+            <a:r>
+              <a:rPr lang="x-none" altLang="pt-BR">
+                <a:solidFill>
+                  <a:srgbClr val="00B0F0"/>
+                </a:solidFill>
+                <a:latin typeface="DejaVu Sans Mono" charset="0"/>
+              </a:rPr>
+              <a:t>pg_activity -h &lt;servidor&gt; -U postgres</a:t>
+            </a:r>
+            <a:endParaRPr lang="x-none" altLang="pt-BR">
+              <a:solidFill>
+                <a:srgbClr val="00B0F0"/>
+              </a:solidFill>
+              <a:latin typeface="DejaVu Sans Mono" charset="0"/>
+            </a:endParaRPr>
           </a:p>
         </p:txBody>
       </p:sp>
@@ -6801,7 +6780,7 @@
           <a:p>
             <a:r>
               <a:rPr lang="x-none" altLang="pt-BR"/>
-              <a:t>Desempenho: CTEs</a:t>
+              <a:t>Ferramentas - pgbadger</a:t>
             </a:r>
             <a:endParaRPr lang="x-none" altLang="pt-BR"/>
           </a:p>
@@ -6820,148 +6799,130 @@
         <p:spPr/>
         <p:txBody>
           <a:bodyPr>
-            <a:normAutofit fontScale="90000" lnSpcReduction="10000"/>
+            <a:normAutofit lnSpcReduction="20000"/>
           </a:bodyPr>
           <a:p>
             <a:r>
               <a:rPr lang="x-none" altLang="pt-BR"/>
-              <a:t>Common Table Expression (</a:t>
-            </a:r>
-            <a:r>
-              <a:rPr lang="x-none" altLang="pt-BR">
+              <a:t>Análise visual de log do PostgreSQL</a:t>
+            </a:r>
+            <a:endParaRPr lang="x-none" altLang="pt-BR"/>
+          </a:p>
+          <a:p>
+            <a:r>
+              <a:rPr lang="x-none" altLang="pt-BR"/>
+              <a:t>Instalação:</a:t>
+            </a:r>
+            <a:endParaRPr lang="x-none" altLang="pt-BR"/>
+          </a:p>
+          <a:p>
+            <a:pPr lvl="1"/>
+            <a:r>
+              <a:rPr lang="x-none" altLang="pt-BR">
+                <a:solidFill>
+                  <a:srgbClr val="00B0F0"/>
+                </a:solidFill>
+                <a:latin typeface="DejaVu Sans Mono" charset="0"/>
+              </a:rPr>
+              <a:t>apt install git perl mono-xsp</a:t>
+            </a:r>
+            <a:endParaRPr lang="x-none" altLang="pt-BR">
+              <a:solidFill>
+                <a:srgbClr val="00B0F0"/>
+              </a:solidFill>
+              <a:latin typeface="DejaVu Sans Mono" charset="0"/>
+            </a:endParaRPr>
+          </a:p>
+          <a:p>
+            <a:pPr lvl="1"/>
+            <a:r>
+              <a:rPr lang="x-none" altLang="pt-BR">
+                <a:solidFill>
+                  <a:srgbClr val="00B0F0"/>
+                </a:solidFill>
+                <a:latin typeface="DejaVu Sans Mono" charset="0"/>
+              </a:rPr>
+              <a:t>git clone https://github.com/dalibo/pgbadger</a:t>
+            </a:r>
+            <a:endParaRPr lang="x-none" altLang="pt-BR">
+              <a:solidFill>
+                <a:srgbClr val="00B0F0"/>
+              </a:solidFill>
+              <a:latin typeface="DejaVu Sans Mono" charset="0"/>
+            </a:endParaRPr>
+          </a:p>
+          <a:p>
+            <a:pPr lvl="0"/>
+            <a:r>
+              <a:rPr lang="x-none" altLang="pt-BR" sz="3000">
+                <a:sym typeface="+mn-ea"/>
+              </a:rPr>
+              <a:t>Edite o arquivo </a:t>
+            </a:r>
+            <a:r>
+              <a:rPr lang="x-none" altLang="pt-BR" sz="3000">
                 <a:solidFill>
                   <a:srgbClr val="92D050"/>
                 </a:solidFill>
-              </a:rPr>
-              <a:t>CTE</a:t>
-            </a:r>
-            <a:r>
-              <a:rPr lang="x-none" altLang="pt-BR"/>
-              <a:t>)</a:t>
-            </a:r>
-            <a:endParaRPr lang="x-none" altLang="pt-BR"/>
-          </a:p>
-          <a:p>
-            <a:r>
-              <a:rPr lang="x-none" altLang="pt-BR"/>
-              <a:t>Define uma </a:t>
-            </a:r>
-            <a:r>
-              <a:rPr lang="x-none" altLang="pt-BR">
-                <a:solidFill>
-                  <a:srgbClr val="92D050"/>
-                </a:solidFill>
-              </a:rPr>
-              <a:t>tabela temporária</a:t>
-            </a:r>
-            <a:r>
-              <a:rPr lang="x-none" altLang="pt-BR"/>
-              <a:t> que existirá apenas na execução do SQL</a:t>
-            </a:r>
-            <a:endParaRPr lang="x-none" altLang="pt-BR"/>
-          </a:p>
-          <a:p>
-            <a:r>
-              <a:rPr lang="x-none" altLang="pt-BR"/>
-              <a:t>Otimiza o tempo de </a:t>
-            </a:r>
-            <a:r>
-              <a:rPr lang="x-none" altLang="pt-BR">
-                <a:solidFill>
-                  <a:srgbClr val="92D050"/>
-                </a:solidFill>
-              </a:rPr>
-              <a:t>subconsultas</a:t>
-            </a:r>
-            <a:endParaRPr lang="x-none" altLang="pt-BR">
+                <a:sym typeface="+mn-ea"/>
+              </a:rPr>
+              <a:t>/etc/postgresql/9. 4/main/postgresql.conf</a:t>
+            </a:r>
+            <a:endParaRPr lang="x-none" altLang="pt-BR" sz="3000">
               <a:solidFill>
                 <a:srgbClr val="92D050"/>
               </a:solidFill>
-            </a:endParaRPr>
-          </a:p>
-          <a:p>
-            <a:r>
-              <a:rPr lang="x-none" altLang="pt-BR">
+              <a:sym typeface="+mn-ea"/>
+            </a:endParaRPr>
+          </a:p>
+          <a:p>
+            <a:pPr lvl="1"/>
+            <a:r>
+              <a:rPr lang="x-none" altLang="pt-BR" sz="3000">
                 <a:solidFill>
                   <a:srgbClr val="00B0F0"/>
                 </a:solidFill>
                 <a:latin typeface="DejaVu Sans Mono" charset="0"/>
-              </a:rPr>
-              <a:t>with temp as (</a:t>
-            </a:r>
-            <a:endParaRPr lang="x-none" altLang="pt-BR">
+                <a:sym typeface="+mn-ea"/>
+              </a:rPr>
+              <a:t>log_min_duration_statement = 0</a:t>
+            </a:r>
+            <a:endParaRPr lang="x-none" altLang="pt-BR" sz="3000">
               <a:solidFill>
                 <a:srgbClr val="00B0F0"/>
               </a:solidFill>
               <a:latin typeface="DejaVu Sans Mono" charset="0"/>
-            </a:endParaRPr>
-          </a:p>
-          <a:p>
-            <a:r>
-              <a:rPr lang="x-none" altLang="pt-BR">
+              <a:sym typeface="+mn-ea"/>
+            </a:endParaRPr>
+          </a:p>
+          <a:p>
+            <a:pPr lvl="1"/>
+            <a:r>
+              <a:rPr lang="x-none" altLang="pt-BR" sz="3000">
                 <a:solidFill>
                   <a:srgbClr val="00B0F0"/>
                 </a:solidFill>
                 <a:latin typeface="DejaVu Sans Mono" charset="0"/>
-              </a:rPr>
-              <a:t>    select ... </a:t>
-            </a:r>
-            <a:endParaRPr lang="x-none" altLang="pt-BR">
+                <a:sym typeface="+mn-ea"/>
+              </a:rPr>
+              <a:t>lc_messages = 'C'</a:t>
+            </a:r>
+            <a:endParaRPr lang="x-none" altLang="pt-BR" sz="3000">
               <a:solidFill>
                 <a:srgbClr val="00B0F0"/>
               </a:solidFill>
               <a:latin typeface="DejaVu Sans Mono" charset="0"/>
-            </a:endParaRPr>
-          </a:p>
-          <a:p>
-            <a:r>
-              <a:rPr lang="x-none" altLang="pt-BR">
-                <a:solidFill>
-                  <a:srgbClr val="00B0F0"/>
-                </a:solidFill>
-                <a:latin typeface="DejaVu Sans Mono" charset="0"/>
-              </a:rPr>
-              <a:t>)</a:t>
-            </a:r>
-            <a:endParaRPr lang="x-none" altLang="pt-BR">
+              <a:sym typeface="+mn-ea"/>
+            </a:endParaRPr>
+          </a:p>
+          <a:p>
+            <a:pPr lvl="0"/>
+            <a:endParaRPr lang="x-none" altLang="pt-BR" sz="3000">
               <a:solidFill>
                 <a:srgbClr val="00B0F0"/>
               </a:solidFill>
               <a:latin typeface="DejaVu Sans Mono" charset="0"/>
-            </a:endParaRPr>
-          </a:p>
-          <a:p>
-            <a:r>
-              <a:rPr lang="x-none" altLang="pt-BR">
-                <a:solidFill>
-                  <a:srgbClr val="00B0F0"/>
-                </a:solidFill>
-                <a:latin typeface="DejaVu Sans Mono" charset="0"/>
-              </a:rPr>
-              <a:t>select * from tabela t</a:t>
-            </a:r>
-            <a:endParaRPr lang="x-none" altLang="pt-BR">
-              <a:solidFill>
-                <a:srgbClr val="00B0F0"/>
-              </a:solidFill>
-              <a:latin typeface="DejaVu Sans Mono" charset="0"/>
-            </a:endParaRPr>
-          </a:p>
-          <a:p>
-            <a:r>
-              <a:rPr lang="x-none" altLang="pt-BR">
-                <a:solidFill>
-                  <a:srgbClr val="00B0F0"/>
-                </a:solidFill>
-                <a:latin typeface="DejaVu Sans Mono" charset="0"/>
-              </a:rPr>
-              <a:t>inner join temp u on u.col = t.col</a:t>
-            </a:r>
-            <a:endParaRPr lang="x-none" altLang="pt-BR">
-              <a:solidFill>
-                <a:srgbClr val="00B0F0"/>
-              </a:solidFill>
-              <a:latin typeface="DejaVu Sans Mono" charset="0"/>
+              <a:sym typeface="+mn-ea"/>
             </a:endParaRPr>
           </a:p>
         </p:txBody>
@@ -7000,7 +6961,7 @@
           <a:p>
             <a:r>
               <a:rPr lang="x-none" altLang="pt-BR"/>
-              <a:t>Desempenho: Vacuum</a:t>
+              <a:t>Ferramentas - pgbadger</a:t>
             </a:r>
             <a:endParaRPr lang="x-none" altLang="pt-BR"/>
           </a:p>
@@ -7019,34 +6980,81 @@
         <p:spPr/>
         <p:txBody>
           <a:bodyPr>
-            <a:normAutofit lnSpcReduction="10000"/>
+            <a:normAutofit fontScale="90000" lnSpcReduction="10000"/>
           </a:bodyPr>
           <a:p>
+            <a:pPr lvl="0"/>
+            <a:r>
+              <a:rPr lang="x-none" altLang="pt-BR"/>
+              <a:t>No OmniDB:</a:t>
+            </a:r>
+            <a:endParaRPr lang="x-none" altLang="pt-BR"/>
+          </a:p>
+          <a:p>
+            <a:pPr lvl="1"/>
+            <a:r>
+              <a:rPr lang="x-none" altLang="pt-BR">
+                <a:solidFill>
+                  <a:srgbClr val="00B0F0"/>
+                </a:solidFill>
+                <a:latin typeface="DejaVu Sans Mono" charset="0"/>
+              </a:rPr>
+              <a:t>select pg_reload_conf()</a:t>
+            </a:r>
+            <a:endParaRPr lang="x-none" altLang="pt-BR">
+              <a:solidFill>
+                <a:srgbClr val="00B0F0"/>
+              </a:solidFill>
+              <a:latin typeface="DejaVu Sans Mono" charset="0"/>
+            </a:endParaRPr>
+          </a:p>
+          <a:p>
+            <a:pPr lvl="0"/>
             <a:r>
               <a:rPr lang="x-none" altLang="pt-BR">
                 <a:solidFill>
                   <a:srgbClr val="92D050"/>
                 </a:solidFill>
               </a:rPr>
-              <a:t>Delete </a:t>
-            </a:r>
-            <a:r>
-              <a:rPr lang="x-none" altLang="pt-BR"/>
-              <a:t>exclui registros logicamente (1)</a:t>
-            </a:r>
-            <a:endParaRPr lang="x-none" altLang="pt-BR"/>
-          </a:p>
-          <a:p>
-            <a:r>
-              <a:rPr lang="x-none" altLang="pt-BR"/>
-              <a:t>Registros deletados ficam marcados como não utilizados ou "mortos"</a:t>
-            </a:r>
-            <a:endParaRPr lang="x-none" altLang="pt-BR"/>
-          </a:p>
-          <a:p>
-            <a:r>
-              <a:rPr lang="x-none" altLang="pt-BR"/>
-              <a:t>Banco de dados </a:t>
+              <a:t>Faça alguma coisa no banco! (pgbench?)</a:t>
+            </a:r>
+            <a:endParaRPr lang="x-none" altLang="pt-BR">
+              <a:solidFill>
+                <a:srgbClr val="92D050"/>
+              </a:solidFill>
+            </a:endParaRPr>
+          </a:p>
+          <a:p>
+            <a:pPr lvl="0"/>
+            <a:r>
+              <a:rPr lang="x-none" altLang="pt-BR"/>
+              <a:t>Para rodar o pgbadger:</a:t>
+            </a:r>
+            <a:endParaRPr lang="x-none" altLang="pt-BR"/>
+          </a:p>
+          <a:p>
+            <a:pPr lvl="1"/>
+            <a:r>
+              <a:rPr lang="x-none" altLang="pt-BR">
+                <a:solidFill>
+                  <a:srgbClr val="00B0F0"/>
+                </a:solidFill>
+                <a:latin typeface="DejaVu Sans Mono" charset="0"/>
+              </a:rPr>
+              <a:t>perl ./pgbadger/pgbadger -p '%t [%p-%l] %q%u@%d ' /var/log/postgresql-9.4-main.log</a:t>
+            </a:r>
+            <a:endParaRPr lang="x-none" altLang="pt-BR">
+              <a:solidFill>
+                <a:srgbClr val="00B0F0"/>
+              </a:solidFill>
+              <a:latin typeface="DejaVu Sans Mono" charset="0"/>
+            </a:endParaRPr>
+          </a:p>
+          <a:p>
+            <a:pPr lvl="0"/>
+            <a:r>
+              <a:rPr lang="x-none" altLang="pt-BR"/>
+              <a:t>Vai gerar um arquivo </a:t>
             </a:r>
             <a:r>
               <a:rPr lang="x-none" altLang="pt-BR">
@@ -7054,83 +7062,38 @@
                   <a:srgbClr val="92D050"/>
                 </a:solidFill>
               </a:rPr>
-              <a:t>não diminui de tamanho</a:t>
-            </a:r>
-            <a:r>
-              <a:rPr lang="x-none" altLang="pt-BR"/>
-              <a:t> com delete</a:t>
-            </a:r>
-            <a:endParaRPr lang="x-none" altLang="pt-BR"/>
-          </a:p>
-          <a:p>
-            <a:r>
-              <a:rPr lang="x-none" altLang="pt-BR"/>
-              <a:t>O que o </a:t>
-            </a:r>
-            <a:r>
-              <a:rPr lang="x-none" altLang="pt-BR">
-                <a:solidFill>
-                  <a:srgbClr val="92D050"/>
-                </a:solidFill>
-              </a:rPr>
-              <a:t>vacuum </a:t>
-            </a:r>
-            <a:r>
-              <a:rPr lang="x-none" altLang="pt-BR"/>
-              <a:t>faz?</a:t>
-            </a:r>
-            <a:endParaRPr lang="x-none" altLang="pt-BR"/>
-          </a:p>
-          <a:p>
-            <a:pPr lvl="1"/>
-            <a:r>
-              <a:rPr lang="x-none" altLang="pt-BR">
-                <a:solidFill>
-                  <a:srgbClr val="92D050"/>
-                </a:solidFill>
-              </a:rPr>
-              <a:t>Deleta </a:t>
-            </a:r>
-            <a:r>
-              <a:rPr lang="x-none" altLang="pt-BR"/>
-              <a:t>os registros "mortos" (2)</a:t>
-            </a:r>
-            <a:endParaRPr lang="x-none" altLang="pt-BR"/>
-          </a:p>
-          <a:p>
-            <a:pPr lvl="1"/>
-            <a:r>
-              <a:rPr lang="x-none" altLang="pt-BR">
-                <a:solidFill>
-                  <a:srgbClr val="92D050"/>
-                </a:solidFill>
-              </a:rPr>
-              <a:t>Reorganiza </a:t>
-            </a:r>
-            <a:r>
-              <a:rPr lang="x-none" altLang="pt-BR"/>
-              <a:t>os registros no banco (3)</a:t>
-            </a:r>
-            <a:endParaRPr lang="x-none" altLang="pt-BR"/>
-          </a:p>
-          <a:p>
-            <a:pPr lvl="1"/>
-            <a:r>
-              <a:rPr lang="x-none" altLang="pt-BR"/>
-              <a:t>Atualiza </a:t>
-            </a:r>
-            <a:r>
-              <a:rPr lang="x-none" altLang="pt-BR">
-                <a:solidFill>
-                  <a:srgbClr val="92D050"/>
-                </a:solidFill>
-              </a:rPr>
-              <a:t>estatísticas</a:t>
+              <a:t>out.html</a:t>
             </a:r>
             <a:endParaRPr lang="x-none" altLang="pt-BR">
               <a:solidFill>
                 <a:srgbClr val="92D050"/>
               </a:solidFill>
+            </a:endParaRPr>
+          </a:p>
+          <a:p>
+            <a:pPr lvl="0"/>
+            <a:r>
+              <a:rPr lang="x-none" altLang="pt-BR"/>
+              <a:t>Necessário abrir esse arquivo no navegador, ou servi-lo pela web</a:t>
+            </a:r>
+            <a:endParaRPr lang="x-none" altLang="pt-BR"/>
+          </a:p>
+          <a:p>
+            <a:pPr lvl="1"/>
+            <a:r>
+              <a:rPr lang="x-none" altLang="pt-BR">
+                <a:solidFill>
+                  <a:srgbClr val="00B0F0"/>
+                </a:solidFill>
+                <a:latin typeface="DejaVu Sans Mono" charset="0"/>
+              </a:rPr>
+              <a:t>xsp4</a:t>
+            </a:r>
+            <a:endParaRPr lang="x-none" altLang="pt-BR">
+              <a:solidFill>
+                <a:srgbClr val="00B0F0"/>
+              </a:solidFill>
+              <a:latin typeface="DejaVu Sans Mono" charset="0"/>
             </a:endParaRPr>
           </a:p>
         </p:txBody>
@@ -7188,7 +7151,7 @@
         <p:spPr/>
         <p:txBody>
           <a:bodyPr>
-            <a:normAutofit lnSpcReduction="20000"/>
+            <a:normAutofit fontScale="90000" lnSpcReduction="20000"/>
           </a:bodyPr>
           <a:p>
             <a:r>
@@ -7222,6 +7185,20 @@
             <a:r>
               <a:rPr lang="x-none" altLang="pt-BR"/>
               <a:t>Backup e Restauração</a:t>
+            </a:r>
+            <a:endParaRPr lang="x-none" altLang="pt-BR"/>
+          </a:p>
+          <a:p>
+            <a:r>
+              <a:rPr lang="x-none" altLang="pt-BR"/>
+              <a:t>Nesting e Unnesting</a:t>
+            </a:r>
+            <a:endParaRPr lang="x-none" altLang="pt-BR"/>
+          </a:p>
+          <a:p>
+            <a:r>
+              <a:rPr lang="x-none" altLang="pt-BR"/>
+              <a:t>Ferramentas</a:t>
             </a:r>
             <a:endParaRPr lang="x-none" altLang="pt-BR"/>
           </a:p>
@@ -7257,6 +7234,966 @@
 </file>
 
 <file path=ppt/slides/slide30.xml><?xml version="1.0" encoding="utf-8"?>
+<p:sld xmlns:a="http://schemas.openxmlformats.org/drawingml/2006/main" xmlns:r="http://schemas.openxmlformats.org/officeDocument/2006/relationships" xmlns:p="http://schemas.openxmlformats.org/presentationml/2006/main">
+  <p:cSld>
+    <p:spTree>
+      <p:nvGrpSpPr>
+        <p:cNvPr id="1" name=""/>
+        <p:cNvGrpSpPr/>
+        <p:nvPr/>
+      </p:nvGrpSpPr>
+      <p:grpSpPr/>
+      <p:sp>
+        <p:nvSpPr>
+          <p:cNvPr id="2" name="Title 1"/>
+          <p:cNvSpPr>
+            <a:spLocks noGrp="1"/>
+          </p:cNvSpPr>
+          <p:nvPr>
+            <p:ph type="title"/>
+          </p:nvPr>
+        </p:nvSpPr>
+        <p:spPr/>
+        <p:txBody>
+          <a:bodyPr/>
+          <a:p>
+            <a:r>
+              <a:rPr lang="x-none" altLang="pt-BR"/>
+              <a:t>Ferramentas - pgbench</a:t>
+            </a:r>
+            <a:endParaRPr lang="x-none" altLang="pt-BR"/>
+          </a:p>
+        </p:txBody>
+      </p:sp>
+      <p:sp>
+        <p:nvSpPr>
+          <p:cNvPr id="3" name="Content Placeholder 2"/>
+          <p:cNvSpPr>
+            <a:spLocks noGrp="1"/>
+          </p:cNvSpPr>
+          <p:nvPr>
+            <p:ph idx="1"/>
+          </p:nvPr>
+        </p:nvSpPr>
+        <p:spPr/>
+        <p:txBody>
+          <a:bodyPr>
+            <a:normAutofit lnSpcReduction="20000"/>
+          </a:bodyPr>
+          <a:p>
+            <a:r>
+              <a:rPr lang="x-none" altLang="pt-BR"/>
+              <a:t>Usado para </a:t>
+            </a:r>
+            <a:r>
+              <a:rPr lang="x-none" altLang="pt-BR">
+                <a:solidFill>
+                  <a:srgbClr val="92D050"/>
+                </a:solidFill>
+              </a:rPr>
+              <a:t>benchmarking </a:t>
+            </a:r>
+            <a:r>
+              <a:rPr lang="x-none" altLang="pt-BR"/>
+              <a:t>do PostgreSQL</a:t>
+            </a:r>
+            <a:endParaRPr lang="x-none" altLang="pt-BR"/>
+          </a:p>
+          <a:p>
+            <a:r>
+              <a:rPr lang="x-none" altLang="pt-BR"/>
+              <a:t>Instalação:</a:t>
+            </a:r>
+            <a:endParaRPr lang="x-none" altLang="pt-BR"/>
+          </a:p>
+          <a:p>
+            <a:pPr lvl="1"/>
+            <a:r>
+              <a:rPr lang="x-none" altLang="pt-BR">
+                <a:solidFill>
+                  <a:srgbClr val="00B0F0"/>
+                </a:solidFill>
+                <a:latin typeface="DejaVu Sans Mono" charset="0"/>
+              </a:rPr>
+              <a:t>apt install postgresql-contrib</a:t>
+            </a:r>
+            <a:endParaRPr lang="x-none" altLang="pt-BR">
+              <a:solidFill>
+                <a:srgbClr val="00B0F0"/>
+              </a:solidFill>
+              <a:latin typeface="DejaVu Sans Mono" charset="0"/>
+            </a:endParaRPr>
+          </a:p>
+          <a:p>
+            <a:pPr lvl="0"/>
+            <a:r>
+              <a:rPr lang="x-none" altLang="pt-BR"/>
+              <a:t>Crie um banco chamado </a:t>
+            </a:r>
+            <a:r>
+              <a:rPr lang="x-none" altLang="pt-BR">
+                <a:solidFill>
+                  <a:srgbClr val="92D050"/>
+                </a:solidFill>
+              </a:rPr>
+              <a:t>teste</a:t>
+            </a:r>
+            <a:endParaRPr lang="x-none" altLang="pt-BR">
+              <a:solidFill>
+                <a:srgbClr val="92D050"/>
+              </a:solidFill>
+            </a:endParaRPr>
+          </a:p>
+          <a:p>
+            <a:pPr lvl="0"/>
+            <a:r>
+              <a:rPr lang="x-none" altLang="pt-BR"/>
+              <a:t>Para criar o banco de benchmarking:</a:t>
+            </a:r>
+            <a:endParaRPr lang="x-none" altLang="pt-BR"/>
+          </a:p>
+          <a:p>
+            <a:pPr lvl="1"/>
+            <a:r>
+              <a:rPr lang="x-none" altLang="pt-BR">
+                <a:solidFill>
+                  <a:srgbClr val="00B0F0"/>
+                </a:solidFill>
+                <a:latin typeface="DejaVu Sans Mono" charset="0"/>
+              </a:rPr>
+              <a:t>su postgres</a:t>
+            </a:r>
+            <a:endParaRPr lang="x-none" altLang="pt-BR">
+              <a:solidFill>
+                <a:srgbClr val="00B0F0"/>
+              </a:solidFill>
+              <a:latin typeface="DejaVu Sans Mono" charset="0"/>
+            </a:endParaRPr>
+          </a:p>
+          <a:p>
+            <a:pPr lvl="1"/>
+            <a:r>
+              <a:rPr lang="x-none" altLang="pt-BR">
+                <a:solidFill>
+                  <a:srgbClr val="00B0F0"/>
+                </a:solidFill>
+                <a:latin typeface="DejaVu Sans Mono" charset="0"/>
+              </a:rPr>
+              <a:t>pgbench -i -s 10 teste</a:t>
+            </a:r>
+            <a:endParaRPr lang="x-none" altLang="pt-BR">
+              <a:solidFill>
+                <a:srgbClr val="00B0F0"/>
+              </a:solidFill>
+              <a:latin typeface="DejaVu Sans Mono" charset="0"/>
+            </a:endParaRPr>
+          </a:p>
+          <a:p>
+            <a:pPr lvl="0"/>
+            <a:r>
+              <a:rPr lang="x-none" altLang="pt-BR"/>
+              <a:t>Para rodar o benchmarking:</a:t>
+            </a:r>
+            <a:endParaRPr lang="x-none" altLang="pt-BR"/>
+          </a:p>
+          <a:p>
+            <a:pPr lvl="1"/>
+            <a:r>
+              <a:rPr lang="x-none" altLang="pt-BR">
+                <a:solidFill>
+                  <a:srgbClr val="00B0F0"/>
+                </a:solidFill>
+                <a:latin typeface="DejaVu Sans Mono" charset="0"/>
+              </a:rPr>
+              <a:t>pgbench -c 90 -t 100 teste -n</a:t>
+            </a:r>
+            <a:endParaRPr lang="x-none" altLang="pt-BR">
+              <a:solidFill>
+                <a:srgbClr val="00B0F0"/>
+              </a:solidFill>
+              <a:latin typeface="DejaVu Sans Mono" charset="0"/>
+            </a:endParaRPr>
+          </a:p>
+        </p:txBody>
+      </p:sp>
+    </p:spTree>
+  </p:cSld>
+  <p:clrMapOvr>
+    <a:masterClrMapping/>
+  </p:clrMapOvr>
+</p:sld>
+</file>
+
+<file path=ppt/slides/slide31.xml><?xml version="1.0" encoding="utf-8"?>
+<p:sld xmlns:a="http://schemas.openxmlformats.org/drawingml/2006/main" xmlns:r="http://schemas.openxmlformats.org/officeDocument/2006/relationships" xmlns:p="http://schemas.openxmlformats.org/presentationml/2006/main">
+  <p:cSld>
+    <p:spTree>
+      <p:nvGrpSpPr>
+        <p:cNvPr id="1" name=""/>
+        <p:cNvGrpSpPr/>
+        <p:nvPr/>
+      </p:nvGrpSpPr>
+      <p:grpSpPr/>
+      <p:sp>
+        <p:nvSpPr>
+          <p:cNvPr id="2" name="Title 1"/>
+          <p:cNvSpPr>
+            <a:spLocks noGrp="1"/>
+          </p:cNvSpPr>
+          <p:nvPr>
+            <p:ph type="title"/>
+          </p:nvPr>
+        </p:nvSpPr>
+        <p:spPr/>
+        <p:txBody>
+          <a:bodyPr/>
+          <a:p>
+            <a:r>
+              <a:rPr lang="x-none" altLang="pt-BR"/>
+              <a:t>Desempenho</a:t>
+            </a:r>
+            <a:endParaRPr lang="x-none" altLang="pt-BR"/>
+          </a:p>
+        </p:txBody>
+      </p:sp>
+      <p:sp>
+        <p:nvSpPr>
+          <p:cNvPr id="3" name="Content Placeholder 2"/>
+          <p:cNvSpPr>
+            <a:spLocks noGrp="1"/>
+          </p:cNvSpPr>
+          <p:nvPr>
+            <p:ph idx="1"/>
+          </p:nvPr>
+        </p:nvSpPr>
+        <p:spPr/>
+        <p:txBody>
+          <a:bodyPr>
+            <a:normAutofit fontScale="90000" lnSpcReduction="10000"/>
+          </a:bodyPr>
+          <a:p>
+            <a:r>
+              <a:rPr lang="x-none" altLang="pt-BR">
+                <a:solidFill>
+                  <a:srgbClr val="92D050"/>
+                </a:solidFill>
+              </a:rPr>
+              <a:t>PostgreSQL Tuning</a:t>
+            </a:r>
+            <a:r>
+              <a:rPr lang="x-none" altLang="pt-BR"/>
+              <a:t> é uma tarefa que pode ser complicada</a:t>
+            </a:r>
+            <a:endParaRPr lang="x-none" altLang="pt-BR"/>
+          </a:p>
+          <a:p>
+            <a:r>
+              <a:rPr lang="x-none" altLang="pt-BR"/>
+              <a:t>Depende muito da aplicação: </a:t>
+            </a:r>
+            <a:r>
+              <a:rPr lang="x-none" altLang="pt-BR">
+                <a:solidFill>
+                  <a:srgbClr val="92D050"/>
+                </a:solidFill>
+              </a:rPr>
+              <a:t>não existe bala de prata!</a:t>
+            </a:r>
+            <a:endParaRPr lang="x-none" altLang="pt-BR">
+              <a:solidFill>
+                <a:srgbClr val="92D050"/>
+              </a:solidFill>
+            </a:endParaRPr>
+          </a:p>
+          <a:p>
+            <a:r>
+              <a:rPr lang="x-none" altLang="pt-BR"/>
+              <a:t>Alguns pontos:</a:t>
+            </a:r>
+            <a:endParaRPr lang="x-none" altLang="pt-BR"/>
+          </a:p>
+          <a:p>
+            <a:pPr lvl="1"/>
+            <a:r>
+              <a:rPr lang="x-none" altLang="pt-BR"/>
+              <a:t>Melhorias no código </a:t>
+            </a:r>
+            <a:r>
+              <a:rPr lang="x-none" altLang="pt-BR">
+                <a:solidFill>
+                  <a:srgbClr val="92D050"/>
+                </a:solidFill>
+              </a:rPr>
+              <a:t>SQL</a:t>
+            </a:r>
+            <a:endParaRPr lang="x-none" altLang="pt-BR">
+              <a:solidFill>
+                <a:srgbClr val="92D050"/>
+              </a:solidFill>
+            </a:endParaRPr>
+          </a:p>
+          <a:p>
+            <a:pPr lvl="1"/>
+            <a:r>
+              <a:rPr lang="x-none" altLang="pt-BR"/>
+              <a:t>Uso de Common Table Expressions (</a:t>
+            </a:r>
+            <a:r>
+              <a:rPr lang="x-none" altLang="pt-BR">
+                <a:solidFill>
+                  <a:srgbClr val="92D050"/>
+                </a:solidFill>
+              </a:rPr>
+              <a:t>CTEs</a:t>
+            </a:r>
+            <a:r>
+              <a:rPr lang="x-none" altLang="pt-BR"/>
+              <a:t>)</a:t>
+            </a:r>
+            <a:endParaRPr lang="x-none" altLang="pt-BR"/>
+          </a:p>
+          <a:p>
+            <a:pPr lvl="1"/>
+            <a:r>
+              <a:rPr lang="x-none" altLang="pt-BR"/>
+              <a:t>Limpeza do banco de dados com </a:t>
+            </a:r>
+            <a:r>
+              <a:rPr lang="x-none" altLang="pt-BR">
+                <a:solidFill>
+                  <a:srgbClr val="92D050"/>
+                </a:solidFill>
+              </a:rPr>
+              <a:t>vacuum</a:t>
+            </a:r>
+            <a:endParaRPr lang="x-none" altLang="pt-BR">
+              <a:solidFill>
+                <a:srgbClr val="92D050"/>
+              </a:solidFill>
+            </a:endParaRPr>
+          </a:p>
+          <a:p>
+            <a:pPr lvl="1"/>
+            <a:r>
+              <a:rPr lang="x-none" altLang="pt-BR"/>
+              <a:t>Uso de </a:t>
+            </a:r>
+            <a:r>
+              <a:rPr lang="x-none" altLang="pt-BR">
+                <a:solidFill>
+                  <a:srgbClr val="92D050"/>
+                </a:solidFill>
+              </a:rPr>
+              <a:t>índices </a:t>
+            </a:r>
+            <a:r>
+              <a:rPr lang="x-none" altLang="pt-BR"/>
+              <a:t>para melhoria de consultas</a:t>
+            </a:r>
+            <a:endParaRPr lang="x-none" altLang="pt-BR"/>
+          </a:p>
+          <a:p>
+            <a:pPr lvl="1"/>
+            <a:r>
+              <a:rPr lang="x-none" altLang="pt-BR">
+                <a:sym typeface="+mn-ea"/>
+              </a:rPr>
+              <a:t>Análise da consulta lenta com </a:t>
+            </a:r>
+            <a:r>
+              <a:rPr lang="x-none" altLang="pt-BR">
+                <a:solidFill>
+                  <a:srgbClr val="92D050"/>
+                </a:solidFill>
+                <a:sym typeface="+mn-ea"/>
+              </a:rPr>
+              <a:t>explain</a:t>
+            </a:r>
+            <a:endParaRPr lang="x-none" altLang="pt-BR"/>
+          </a:p>
+          <a:p>
+            <a:pPr lvl="1"/>
+            <a:r>
+              <a:rPr lang="x-none" altLang="pt-BR"/>
+              <a:t>Alterar </a:t>
+            </a:r>
+            <a:r>
+              <a:rPr lang="x-none" altLang="pt-BR">
+                <a:solidFill>
+                  <a:srgbClr val="92D050"/>
+                </a:solidFill>
+              </a:rPr>
+              <a:t>configurações </a:t>
+            </a:r>
+            <a:r>
+              <a:rPr lang="x-none" altLang="pt-BR"/>
+              <a:t>do PostgreSQL</a:t>
+            </a:r>
+            <a:endParaRPr lang="x-none" altLang="pt-BR"/>
+          </a:p>
+        </p:txBody>
+      </p:sp>
+    </p:spTree>
+  </p:cSld>
+  <p:clrMapOvr>
+    <a:masterClrMapping/>
+  </p:clrMapOvr>
+</p:sld>
+</file>
+
+<file path=ppt/slides/slide32.xml><?xml version="1.0" encoding="utf-8"?>
+<p:sld xmlns:a="http://schemas.openxmlformats.org/drawingml/2006/main" xmlns:r="http://schemas.openxmlformats.org/officeDocument/2006/relationships" xmlns:p="http://schemas.openxmlformats.org/presentationml/2006/main">
+  <p:cSld>
+    <p:spTree>
+      <p:nvGrpSpPr>
+        <p:cNvPr id="1" name=""/>
+        <p:cNvGrpSpPr/>
+        <p:nvPr/>
+      </p:nvGrpSpPr>
+      <p:grpSpPr/>
+      <p:sp>
+        <p:nvSpPr>
+          <p:cNvPr id="2" name="Title 1"/>
+          <p:cNvSpPr>
+            <a:spLocks noGrp="1"/>
+          </p:cNvSpPr>
+          <p:nvPr>
+            <p:ph type="title"/>
+          </p:nvPr>
+        </p:nvSpPr>
+        <p:spPr/>
+        <p:txBody>
+          <a:bodyPr/>
+          <a:p>
+            <a:r>
+              <a:rPr lang="x-none" altLang="pt-BR"/>
+              <a:t>Desempenho: SQL</a:t>
+            </a:r>
+            <a:endParaRPr lang="x-none" altLang="pt-BR"/>
+          </a:p>
+        </p:txBody>
+      </p:sp>
+      <p:sp>
+        <p:nvSpPr>
+          <p:cNvPr id="3" name="Content Placeholder 2"/>
+          <p:cNvSpPr>
+            <a:spLocks noGrp="1"/>
+          </p:cNvSpPr>
+          <p:nvPr>
+            <p:ph idx="1"/>
+          </p:nvPr>
+        </p:nvSpPr>
+        <p:spPr/>
+        <p:txBody>
+          <a:bodyPr>
+            <a:normAutofit lnSpcReduction="20000"/>
+          </a:bodyPr>
+          <a:p>
+            <a:r>
+              <a:rPr lang="x-none" altLang="pt-BR"/>
+              <a:t>Use </a:t>
+            </a:r>
+            <a:r>
+              <a:rPr lang="x-none" altLang="pt-BR">
+                <a:solidFill>
+                  <a:srgbClr val="92D050"/>
+                </a:solidFill>
+              </a:rPr>
+              <a:t>subconsultas </a:t>
+            </a:r>
+            <a:r>
+              <a:rPr lang="x-none" altLang="pt-BR"/>
+              <a:t>somente como uma tabela (no </a:t>
+            </a:r>
+            <a:r>
+              <a:rPr lang="x-none" altLang="pt-BR">
+                <a:solidFill>
+                  <a:srgbClr val="92D050"/>
+                </a:solidFill>
+              </a:rPr>
+              <a:t>from </a:t>
+            </a:r>
+            <a:r>
+              <a:rPr lang="x-none" altLang="pt-BR"/>
+              <a:t>e no </a:t>
+            </a:r>
+            <a:r>
+              <a:rPr lang="x-none" altLang="pt-BR">
+                <a:solidFill>
+                  <a:srgbClr val="92D050"/>
+                </a:solidFill>
+              </a:rPr>
+              <a:t>join</a:t>
+            </a:r>
+            <a:r>
+              <a:rPr lang="x-none" altLang="pt-BR"/>
+              <a:t>)</a:t>
+            </a:r>
+            <a:endParaRPr lang="x-none" altLang="pt-BR"/>
+          </a:p>
+          <a:p>
+            <a:r>
+              <a:rPr lang="x-none" altLang="pt-BR"/>
+              <a:t>Sempre que houver um </a:t>
+            </a:r>
+            <a:r>
+              <a:rPr lang="x-none" altLang="pt-BR">
+                <a:solidFill>
+                  <a:srgbClr val="92D050"/>
+                </a:solidFill>
+              </a:rPr>
+              <a:t>atributo constante</a:t>
+            </a:r>
+            <a:r>
+              <a:rPr lang="x-none" altLang="pt-BR"/>
+              <a:t> e puder fazer </a:t>
+            </a:r>
+            <a:r>
+              <a:rPr lang="x-none" altLang="pt-BR">
+                <a:solidFill>
+                  <a:srgbClr val="92D050"/>
+                </a:solidFill>
+              </a:rPr>
+              <a:t>subconsulta </a:t>
+            </a:r>
+            <a:r>
+              <a:rPr lang="x-none" altLang="pt-BR"/>
+              <a:t>no from ou no join, faça</a:t>
+            </a:r>
+            <a:endParaRPr lang="x-none" altLang="pt-BR"/>
+          </a:p>
+          <a:p>
+            <a:r>
+              <a:rPr lang="x-none" altLang="pt-BR"/>
+              <a:t>Procure fazer joins de apenas </a:t>
+            </a:r>
+            <a:r>
+              <a:rPr lang="x-none" altLang="pt-BR">
+                <a:solidFill>
+                  <a:srgbClr val="92D050"/>
+                </a:solidFill>
+              </a:rPr>
+              <a:t>1 atributo</a:t>
+            </a:r>
+            <a:endParaRPr lang="x-none" altLang="pt-BR">
+              <a:solidFill>
+                <a:srgbClr val="92D050"/>
+              </a:solidFill>
+            </a:endParaRPr>
+          </a:p>
+          <a:p>
+            <a:r>
+              <a:rPr lang="x-none" altLang="pt-BR">
+                <a:solidFill>
+                  <a:srgbClr val="92D050"/>
+                </a:solidFill>
+              </a:rPr>
+              <a:t>Ordene os joins</a:t>
+            </a:r>
+            <a:r>
+              <a:rPr lang="x-none" altLang="pt-BR"/>
+              <a:t> em ordem de número de registros, do maior para o menor</a:t>
+            </a:r>
+            <a:endParaRPr lang="x-none" altLang="pt-BR"/>
+          </a:p>
+          <a:p>
+            <a:r>
+              <a:rPr lang="x-none" altLang="pt-BR"/>
+              <a:t>Procure não usar mais do que </a:t>
+            </a:r>
+            <a:r>
+              <a:rPr lang="x-none" altLang="pt-BR">
+                <a:solidFill>
+                  <a:srgbClr val="92D050"/>
+                </a:solidFill>
+              </a:rPr>
+              <a:t>7 joins</a:t>
+            </a:r>
+            <a:r>
+              <a:rPr lang="x-none" altLang="pt-BR"/>
+              <a:t> (8 tabelas) em uma mesma consulta</a:t>
+            </a:r>
+            <a:endParaRPr lang="x-none" altLang="pt-BR"/>
+          </a:p>
+        </p:txBody>
+      </p:sp>
+    </p:spTree>
+  </p:cSld>
+  <p:clrMapOvr>
+    <a:masterClrMapping/>
+  </p:clrMapOvr>
+</p:sld>
+</file>
+
+<file path=ppt/slides/slide33.xml><?xml version="1.0" encoding="utf-8"?>
+<p:sld xmlns:a="http://schemas.openxmlformats.org/drawingml/2006/main" xmlns:r="http://schemas.openxmlformats.org/officeDocument/2006/relationships" xmlns:p="http://schemas.openxmlformats.org/presentationml/2006/main">
+  <p:cSld>
+    <p:spTree>
+      <p:nvGrpSpPr>
+        <p:cNvPr id="1" name=""/>
+        <p:cNvGrpSpPr/>
+        <p:nvPr/>
+      </p:nvGrpSpPr>
+      <p:grpSpPr/>
+      <p:sp>
+        <p:nvSpPr>
+          <p:cNvPr id="2" name="Title 1"/>
+          <p:cNvSpPr>
+            <a:spLocks noGrp="1"/>
+          </p:cNvSpPr>
+          <p:nvPr>
+            <p:ph type="title"/>
+          </p:nvPr>
+        </p:nvSpPr>
+        <p:spPr/>
+        <p:txBody>
+          <a:bodyPr/>
+          <a:p>
+            <a:r>
+              <a:rPr lang="x-none" altLang="pt-BR"/>
+              <a:t>Desempenho: CTEs</a:t>
+            </a:r>
+            <a:endParaRPr lang="x-none" altLang="pt-BR"/>
+          </a:p>
+        </p:txBody>
+      </p:sp>
+      <p:sp>
+        <p:nvSpPr>
+          <p:cNvPr id="3" name="Content Placeholder 2"/>
+          <p:cNvSpPr>
+            <a:spLocks noGrp="1"/>
+          </p:cNvSpPr>
+          <p:nvPr>
+            <p:ph idx="1"/>
+          </p:nvPr>
+        </p:nvSpPr>
+        <p:spPr/>
+        <p:txBody>
+          <a:bodyPr>
+            <a:normAutofit fontScale="90000" lnSpcReduction="10000"/>
+          </a:bodyPr>
+          <a:p>
+            <a:r>
+              <a:rPr lang="x-none" altLang="pt-BR"/>
+              <a:t>Common Table Expression (</a:t>
+            </a:r>
+            <a:r>
+              <a:rPr lang="x-none" altLang="pt-BR">
+                <a:solidFill>
+                  <a:srgbClr val="92D050"/>
+                </a:solidFill>
+              </a:rPr>
+              <a:t>CTE</a:t>
+            </a:r>
+            <a:r>
+              <a:rPr lang="x-none" altLang="pt-BR"/>
+              <a:t>)</a:t>
+            </a:r>
+            <a:endParaRPr lang="x-none" altLang="pt-BR"/>
+          </a:p>
+          <a:p>
+            <a:r>
+              <a:rPr lang="x-none" altLang="pt-BR"/>
+              <a:t>Define uma </a:t>
+            </a:r>
+            <a:r>
+              <a:rPr lang="x-none" altLang="pt-BR">
+                <a:solidFill>
+                  <a:srgbClr val="92D050"/>
+                </a:solidFill>
+              </a:rPr>
+              <a:t>tabela temporária</a:t>
+            </a:r>
+            <a:r>
+              <a:rPr lang="x-none" altLang="pt-BR"/>
+              <a:t> que existirá apenas na execução do SQL</a:t>
+            </a:r>
+            <a:endParaRPr lang="x-none" altLang="pt-BR"/>
+          </a:p>
+          <a:p>
+            <a:r>
+              <a:rPr lang="x-none" altLang="pt-BR"/>
+              <a:t>Otimiza o tempo de </a:t>
+            </a:r>
+            <a:r>
+              <a:rPr lang="x-none" altLang="pt-BR">
+                <a:solidFill>
+                  <a:srgbClr val="92D050"/>
+                </a:solidFill>
+              </a:rPr>
+              <a:t>subconsultas</a:t>
+            </a:r>
+            <a:endParaRPr lang="x-none" altLang="pt-BR">
+              <a:solidFill>
+                <a:srgbClr val="92D050"/>
+              </a:solidFill>
+            </a:endParaRPr>
+          </a:p>
+          <a:p>
+            <a:r>
+              <a:rPr lang="x-none" altLang="pt-BR">
+                <a:solidFill>
+                  <a:srgbClr val="00B0F0"/>
+                </a:solidFill>
+                <a:latin typeface="DejaVu Sans Mono" charset="0"/>
+              </a:rPr>
+              <a:t>with temp as (</a:t>
+            </a:r>
+            <a:endParaRPr lang="x-none" altLang="pt-BR">
+              <a:solidFill>
+                <a:srgbClr val="00B0F0"/>
+              </a:solidFill>
+              <a:latin typeface="DejaVu Sans Mono" charset="0"/>
+            </a:endParaRPr>
+          </a:p>
+          <a:p>
+            <a:r>
+              <a:rPr lang="x-none" altLang="pt-BR">
+                <a:solidFill>
+                  <a:srgbClr val="00B0F0"/>
+                </a:solidFill>
+                <a:latin typeface="DejaVu Sans Mono" charset="0"/>
+              </a:rPr>
+              <a:t>    select ... </a:t>
+            </a:r>
+            <a:endParaRPr lang="x-none" altLang="pt-BR">
+              <a:solidFill>
+                <a:srgbClr val="00B0F0"/>
+              </a:solidFill>
+              <a:latin typeface="DejaVu Sans Mono" charset="0"/>
+            </a:endParaRPr>
+          </a:p>
+          <a:p>
+            <a:r>
+              <a:rPr lang="x-none" altLang="pt-BR">
+                <a:solidFill>
+                  <a:srgbClr val="00B0F0"/>
+                </a:solidFill>
+                <a:latin typeface="DejaVu Sans Mono" charset="0"/>
+              </a:rPr>
+              <a:t>)</a:t>
+            </a:r>
+            <a:endParaRPr lang="x-none" altLang="pt-BR">
+              <a:solidFill>
+                <a:srgbClr val="00B0F0"/>
+              </a:solidFill>
+              <a:latin typeface="DejaVu Sans Mono" charset="0"/>
+            </a:endParaRPr>
+          </a:p>
+          <a:p>
+            <a:r>
+              <a:rPr lang="x-none" altLang="pt-BR">
+                <a:solidFill>
+                  <a:srgbClr val="00B0F0"/>
+                </a:solidFill>
+                <a:latin typeface="DejaVu Sans Mono" charset="0"/>
+              </a:rPr>
+              <a:t>select * from tabela t</a:t>
+            </a:r>
+            <a:endParaRPr lang="x-none" altLang="pt-BR">
+              <a:solidFill>
+                <a:srgbClr val="00B0F0"/>
+              </a:solidFill>
+              <a:latin typeface="DejaVu Sans Mono" charset="0"/>
+            </a:endParaRPr>
+          </a:p>
+          <a:p>
+            <a:r>
+              <a:rPr lang="x-none" altLang="pt-BR">
+                <a:solidFill>
+                  <a:srgbClr val="00B0F0"/>
+                </a:solidFill>
+                <a:latin typeface="DejaVu Sans Mono" charset="0"/>
+              </a:rPr>
+              <a:t>inner join temp u on u.col = t.col</a:t>
+            </a:r>
+            <a:endParaRPr lang="x-none" altLang="pt-BR">
+              <a:solidFill>
+                <a:srgbClr val="00B0F0"/>
+              </a:solidFill>
+              <a:latin typeface="DejaVu Sans Mono" charset="0"/>
+            </a:endParaRPr>
+          </a:p>
+        </p:txBody>
+      </p:sp>
+    </p:spTree>
+  </p:cSld>
+  <p:clrMapOvr>
+    <a:masterClrMapping/>
+  </p:clrMapOvr>
+</p:sld>
+</file>
+
+<file path=ppt/slides/slide34.xml><?xml version="1.0" encoding="utf-8"?>
+<p:sld xmlns:a="http://schemas.openxmlformats.org/drawingml/2006/main" xmlns:r="http://schemas.openxmlformats.org/officeDocument/2006/relationships" xmlns:p="http://schemas.openxmlformats.org/presentationml/2006/main">
+  <p:cSld>
+    <p:spTree>
+      <p:nvGrpSpPr>
+        <p:cNvPr id="1" name=""/>
+        <p:cNvGrpSpPr/>
+        <p:nvPr/>
+      </p:nvGrpSpPr>
+      <p:grpSpPr/>
+      <p:sp>
+        <p:nvSpPr>
+          <p:cNvPr id="2" name="Title 1"/>
+          <p:cNvSpPr>
+            <a:spLocks noGrp="1"/>
+          </p:cNvSpPr>
+          <p:nvPr>
+            <p:ph type="title"/>
+          </p:nvPr>
+        </p:nvSpPr>
+        <p:spPr/>
+        <p:txBody>
+          <a:bodyPr/>
+          <a:p>
+            <a:r>
+              <a:rPr lang="x-none" altLang="pt-BR"/>
+              <a:t>Desempenho: Vacuum</a:t>
+            </a:r>
+            <a:endParaRPr lang="x-none" altLang="pt-BR"/>
+          </a:p>
+        </p:txBody>
+      </p:sp>
+      <p:sp>
+        <p:nvSpPr>
+          <p:cNvPr id="3" name="Content Placeholder 2"/>
+          <p:cNvSpPr>
+            <a:spLocks noGrp="1"/>
+          </p:cNvSpPr>
+          <p:nvPr>
+            <p:ph idx="1"/>
+          </p:nvPr>
+        </p:nvSpPr>
+        <p:spPr/>
+        <p:txBody>
+          <a:bodyPr>
+            <a:normAutofit lnSpcReduction="10000"/>
+          </a:bodyPr>
+          <a:p>
+            <a:r>
+              <a:rPr lang="x-none" altLang="pt-BR">
+                <a:solidFill>
+                  <a:srgbClr val="92D050"/>
+                </a:solidFill>
+              </a:rPr>
+              <a:t>Delete </a:t>
+            </a:r>
+            <a:r>
+              <a:rPr lang="x-none" altLang="pt-BR"/>
+              <a:t>exclui registros logicamente (1)</a:t>
+            </a:r>
+            <a:endParaRPr lang="x-none" altLang="pt-BR"/>
+          </a:p>
+          <a:p>
+            <a:r>
+              <a:rPr lang="x-none" altLang="pt-BR"/>
+              <a:t>Registros deletados ficam marcados como não utilizados ou "mortos"</a:t>
+            </a:r>
+            <a:endParaRPr lang="x-none" altLang="pt-BR"/>
+          </a:p>
+          <a:p>
+            <a:r>
+              <a:rPr lang="x-none" altLang="pt-BR"/>
+              <a:t>Banco de dados </a:t>
+            </a:r>
+            <a:r>
+              <a:rPr lang="x-none" altLang="pt-BR">
+                <a:solidFill>
+                  <a:srgbClr val="92D050"/>
+                </a:solidFill>
+              </a:rPr>
+              <a:t>não diminui de tamanho</a:t>
+            </a:r>
+            <a:r>
+              <a:rPr lang="x-none" altLang="pt-BR"/>
+              <a:t> com delete</a:t>
+            </a:r>
+            <a:endParaRPr lang="x-none" altLang="pt-BR"/>
+          </a:p>
+          <a:p>
+            <a:r>
+              <a:rPr lang="x-none" altLang="pt-BR"/>
+              <a:t>O que o </a:t>
+            </a:r>
+            <a:r>
+              <a:rPr lang="x-none" altLang="pt-BR">
+                <a:solidFill>
+                  <a:srgbClr val="92D050"/>
+                </a:solidFill>
+              </a:rPr>
+              <a:t>vacuum </a:t>
+            </a:r>
+            <a:r>
+              <a:rPr lang="x-none" altLang="pt-BR"/>
+              <a:t>faz?</a:t>
+            </a:r>
+            <a:endParaRPr lang="x-none" altLang="pt-BR"/>
+          </a:p>
+          <a:p>
+            <a:pPr lvl="1"/>
+            <a:r>
+              <a:rPr lang="x-none" altLang="pt-BR">
+                <a:solidFill>
+                  <a:srgbClr val="92D050"/>
+                </a:solidFill>
+              </a:rPr>
+              <a:t>Deleta </a:t>
+            </a:r>
+            <a:r>
+              <a:rPr lang="x-none" altLang="pt-BR"/>
+              <a:t>os registros "mortos" (2)</a:t>
+            </a:r>
+            <a:endParaRPr lang="x-none" altLang="pt-BR"/>
+          </a:p>
+          <a:p>
+            <a:pPr lvl="1"/>
+            <a:r>
+              <a:rPr lang="x-none" altLang="pt-BR">
+                <a:solidFill>
+                  <a:srgbClr val="92D050"/>
+                </a:solidFill>
+              </a:rPr>
+              <a:t>Reorganiza </a:t>
+            </a:r>
+            <a:r>
+              <a:rPr lang="x-none" altLang="pt-BR"/>
+              <a:t>os registros no banco (3)</a:t>
+            </a:r>
+            <a:endParaRPr lang="x-none" altLang="pt-BR"/>
+          </a:p>
+          <a:p>
+            <a:pPr lvl="1"/>
+            <a:r>
+              <a:rPr lang="x-none" altLang="pt-BR"/>
+              <a:t>Atualiza </a:t>
+            </a:r>
+            <a:r>
+              <a:rPr lang="x-none" altLang="pt-BR">
+                <a:solidFill>
+                  <a:srgbClr val="92D050"/>
+                </a:solidFill>
+              </a:rPr>
+              <a:t>estatísticas</a:t>
+            </a:r>
+            <a:endParaRPr lang="x-none" altLang="pt-BR">
+              <a:solidFill>
+                <a:srgbClr val="92D050"/>
+              </a:solidFill>
+            </a:endParaRPr>
+          </a:p>
+        </p:txBody>
+      </p:sp>
+    </p:spTree>
+  </p:cSld>
+  <p:clrMapOvr>
+    <a:masterClrMapping/>
+  </p:clrMapOvr>
+</p:sld>
+</file>
+
+<file path=ppt/slides/slide35.xml><?xml version="1.0" encoding="utf-8"?>
 <p:sld xmlns:a="http://schemas.openxmlformats.org/drawingml/2006/main" xmlns:r="http://schemas.openxmlformats.org/officeDocument/2006/relationships" xmlns:p="http://schemas.openxmlformats.org/presentationml/2006/main">
   <p:cSld>
     <p:spTree>
@@ -7322,7 +8259,7 @@
 </p:sld>
 </file>
 
-<file path=ppt/slides/slide31.xml><?xml version="1.0" encoding="utf-8"?>
+<file path=ppt/slides/slide36.xml><?xml version="1.0" encoding="utf-8"?>
 <p:sld xmlns:a="http://schemas.openxmlformats.org/drawingml/2006/main" xmlns:r="http://schemas.openxmlformats.org/officeDocument/2006/relationships" xmlns:p="http://schemas.openxmlformats.org/presentationml/2006/main">
   <p:cSld>
     <p:spTree>
@@ -7487,7 +8424,7 @@
 </p:sld>
 </file>
 
-<file path=ppt/slides/slide32.xml><?xml version="1.0" encoding="utf-8"?>
+<file path=ppt/slides/slide37.xml><?xml version="1.0" encoding="utf-8"?>
 <p:sld xmlns:a="http://schemas.openxmlformats.org/drawingml/2006/main" xmlns:r="http://schemas.openxmlformats.org/officeDocument/2006/relationships" xmlns:p="http://schemas.openxmlformats.org/presentationml/2006/main">
   <p:cSld>
     <p:spTree>
@@ -7796,7 +8733,7 @@
 </p:sld>
 </file>
 
-<file path=ppt/slides/slide33.xml><?xml version="1.0" encoding="utf-8"?>
+<file path=ppt/slides/slide38.xml><?xml version="1.0" encoding="utf-8"?>
 <p:sld xmlns:a="http://schemas.openxmlformats.org/drawingml/2006/main" xmlns:r="http://schemas.openxmlformats.org/officeDocument/2006/relationships" xmlns:p="http://schemas.openxmlformats.org/presentationml/2006/main">
   <p:cSld>
     <p:spTree>
@@ -7939,7 +8876,7 @@
 </p:sld>
 </file>
 
-<file path=ppt/slides/slide34.xml><?xml version="1.0" encoding="utf-8"?>
+<file path=ppt/slides/slide39.xml><?xml version="1.0" encoding="utf-8"?>
 <p:sld xmlns:a="http://schemas.openxmlformats.org/drawingml/2006/main" xmlns:r="http://schemas.openxmlformats.org/officeDocument/2006/relationships" xmlns:p="http://schemas.openxmlformats.org/presentationml/2006/main">
   <p:cSld>
     <p:spTree>
@@ -8005,7 +8942,231 @@
 </p:sld>
 </file>
 
-<file path=ppt/slides/slide35.xml><?xml version="1.0" encoding="utf-8"?>
+<file path=ppt/slides/slide4.xml><?xml version="1.0" encoding="utf-8"?>
+<p:sld xmlns:a="http://schemas.openxmlformats.org/drawingml/2006/main" xmlns:r="http://schemas.openxmlformats.org/officeDocument/2006/relationships" xmlns:p="http://schemas.openxmlformats.org/presentationml/2006/main">
+  <p:cSld>
+    <p:spTree>
+      <p:nvGrpSpPr>
+        <p:cNvPr id="1" name=""/>
+        <p:cNvGrpSpPr/>
+        <p:nvPr/>
+      </p:nvGrpSpPr>
+      <p:grpSpPr/>
+      <p:sp>
+        <p:nvSpPr>
+          <p:cNvPr id="2" name="Title 1"/>
+          <p:cNvSpPr>
+            <a:spLocks noGrp="1"/>
+          </p:cNvSpPr>
+          <p:nvPr>
+            <p:ph type="title"/>
+          </p:nvPr>
+        </p:nvSpPr>
+        <p:spPr/>
+        <p:txBody>
+          <a:bodyPr/>
+          <a:p>
+            <a:r>
+              <a:rPr lang="x-none" altLang="pt-BR"/>
+              <a:t>Motivação</a:t>
+            </a:r>
+            <a:endParaRPr lang="x-none" altLang="pt-BR"/>
+          </a:p>
+        </p:txBody>
+      </p:sp>
+      <p:sp>
+        <p:nvSpPr>
+          <p:cNvPr id="3" name="Content Placeholder 2"/>
+          <p:cNvSpPr>
+            <a:spLocks noGrp="1"/>
+          </p:cNvSpPr>
+          <p:nvPr>
+            <p:ph idx="1"/>
+          </p:nvPr>
+        </p:nvSpPr>
+        <p:spPr/>
+        <p:txBody>
+          <a:bodyPr>
+            <a:normAutofit fontScale="90000" lnSpcReduction="20000"/>
+          </a:bodyPr>
+          <a:p>
+            <a:pPr lvl="0"/>
+            <a:r>
+              <a:rPr lang="x-none" altLang="pt-BR"/>
+              <a:t>SGBD </a:t>
+            </a:r>
+            <a:r>
+              <a:rPr lang="x-none" altLang="pt-BR">
+                <a:solidFill>
+                  <a:srgbClr val="92D050"/>
+                </a:solidFill>
+              </a:rPr>
+              <a:t>open source</a:t>
+            </a:r>
+            <a:r>
+              <a:rPr lang="x-none" altLang="pt-BR"/>
+              <a:t> mais avançado do mundo</a:t>
+            </a:r>
+            <a:endParaRPr lang="x-none" altLang="pt-BR"/>
+          </a:p>
+          <a:p>
+            <a:pPr lvl="0"/>
+            <a:r>
+              <a:rPr lang="x-none" altLang="pt-BR"/>
+              <a:t>Extremamente </a:t>
+            </a:r>
+            <a:r>
+              <a:rPr lang="x-none" altLang="pt-BR">
+                <a:solidFill>
+                  <a:srgbClr val="92D050"/>
+                </a:solidFill>
+              </a:rPr>
+              <a:t>leve </a:t>
+            </a:r>
+            <a:r>
+              <a:rPr lang="x-none" altLang="pt-BR"/>
+              <a:t>e pequeno (24 MB)</a:t>
+            </a:r>
+            <a:endParaRPr lang="x-none" altLang="pt-BR"/>
+          </a:p>
+          <a:p>
+            <a:pPr lvl="0"/>
+            <a:r>
+              <a:rPr lang="x-none" altLang="pt-BR"/>
+              <a:t>Usado para sistemas muito </a:t>
+            </a:r>
+            <a:r>
+              <a:rPr lang="x-none" altLang="pt-BR">
+                <a:solidFill>
+                  <a:srgbClr val="92D050"/>
+                </a:solidFill>
+              </a:rPr>
+              <a:t>grandes</a:t>
+            </a:r>
+            <a:r>
+              <a:rPr lang="x-none" altLang="pt-BR"/>
+              <a:t>!</a:t>
+            </a:r>
+            <a:endParaRPr lang="x-none" altLang="pt-BR"/>
+          </a:p>
+          <a:p>
+            <a:pPr lvl="0"/>
+            <a:r>
+              <a:rPr lang="x-none" altLang="pt-BR"/>
+              <a:t>Extremamente usado em </a:t>
+            </a:r>
+            <a:r>
+              <a:rPr lang="x-none" altLang="pt-BR">
+                <a:solidFill>
+                  <a:srgbClr val="92D050"/>
+                </a:solidFill>
+              </a:rPr>
+              <a:t>Big Data</a:t>
+            </a:r>
+            <a:endParaRPr lang="x-none" altLang="pt-BR">
+              <a:solidFill>
+                <a:srgbClr val="92D050"/>
+              </a:solidFill>
+            </a:endParaRPr>
+          </a:p>
+          <a:p>
+            <a:pPr lvl="0"/>
+            <a:r>
+              <a:rPr lang="x-none" altLang="pt-BR">
+                <a:sym typeface="+mn-ea"/>
+              </a:rPr>
+              <a:t>Rivaliza diretamente contra </a:t>
+            </a:r>
+            <a:r>
+              <a:rPr lang="x-none" altLang="pt-BR">
+                <a:solidFill>
+                  <a:srgbClr val="92D050"/>
+                </a:solidFill>
+                <a:sym typeface="+mn-ea"/>
+              </a:rPr>
+              <a:t>Oracle </a:t>
+            </a:r>
+            <a:r>
+              <a:rPr lang="x-none" altLang="pt-BR">
+                <a:sym typeface="+mn-ea"/>
+              </a:rPr>
+              <a:t>e </a:t>
+            </a:r>
+            <a:r>
+              <a:rPr lang="x-none" altLang="pt-BR">
+                <a:solidFill>
+                  <a:srgbClr val="92D050"/>
+                </a:solidFill>
+                <a:sym typeface="+mn-ea"/>
+              </a:rPr>
+              <a:t>SQL Server</a:t>
+            </a:r>
+            <a:endParaRPr lang="x-none" altLang="pt-BR">
+              <a:solidFill>
+                <a:srgbClr val="92D050"/>
+              </a:solidFill>
+            </a:endParaRPr>
+          </a:p>
+          <a:p>
+            <a:pPr lvl="0"/>
+            <a:r>
+              <a:rPr lang="x-none" altLang="pt-BR">
+                <a:sym typeface="+mn-ea"/>
+              </a:rPr>
+              <a:t>Possui a melhor </a:t>
+            </a:r>
+            <a:r>
+              <a:rPr lang="x-none" altLang="pt-BR">
+                <a:solidFill>
+                  <a:srgbClr val="92D050"/>
+                </a:solidFill>
+                <a:sym typeface="+mn-ea"/>
+              </a:rPr>
+              <a:t>documentação </a:t>
+            </a:r>
+            <a:r>
+              <a:rPr lang="x-none" altLang="pt-BR">
+                <a:sym typeface="+mn-ea"/>
+              </a:rPr>
+              <a:t>entre todos os projetos open source</a:t>
+            </a:r>
+            <a:endParaRPr lang="x-none" altLang="pt-BR">
+              <a:solidFill>
+                <a:srgbClr val="92D050"/>
+              </a:solidFill>
+            </a:endParaRPr>
+          </a:p>
+          <a:p>
+            <a:pPr lvl="0"/>
+            <a:r>
+              <a:rPr lang="x-none" altLang="pt-BR"/>
+              <a:t>Comunidade gigante e </a:t>
+            </a:r>
+            <a:r>
+              <a:rPr lang="x-none" altLang="pt-BR">
+                <a:solidFill>
+                  <a:srgbClr val="92D050"/>
+                </a:solidFill>
+              </a:rPr>
+              <a:t>estável</a:t>
+            </a:r>
+            <a:r>
+              <a:rPr lang="x-none" altLang="pt-BR"/>
+              <a:t>, sem conflitos de interesse</a:t>
+            </a:r>
+            <a:endParaRPr lang="x-none" altLang="pt-BR"/>
+          </a:p>
+        </p:txBody>
+      </p:sp>
+    </p:spTree>
+  </p:cSld>
+  <p:clrMapOvr>
+    <a:masterClrMapping/>
+  </p:clrMapOvr>
+</p:sld>
+</file>
+
+<file path=ppt/slides/slide40.xml><?xml version="1.0" encoding="utf-8"?>
 <p:sld xmlns:a="http://schemas.openxmlformats.org/drawingml/2006/main" xmlns:r="http://schemas.openxmlformats.org/officeDocument/2006/relationships" xmlns:p="http://schemas.openxmlformats.org/presentationml/2006/main">
   <p:cSld>
     <p:spTree>
@@ -8073,7 +9234,7 @@
 </p:sld>
 </file>
 
-<file path=ppt/slides/slide36.xml><?xml version="1.0" encoding="utf-8"?>
+<file path=ppt/slides/slide41.xml><?xml version="1.0" encoding="utf-8"?>
 <p:sld xmlns:a="http://schemas.openxmlformats.org/drawingml/2006/main" xmlns:r="http://schemas.openxmlformats.org/officeDocument/2006/relationships" xmlns:p="http://schemas.openxmlformats.org/presentationml/2006/main">
   <p:cSld>
     <p:spTree>
@@ -8139,7 +9300,7 @@
 </p:sld>
 </file>
 
-<file path=ppt/slides/slide37.xml><?xml version="1.0" encoding="utf-8"?>
+<file path=ppt/slides/slide42.xml><?xml version="1.0" encoding="utf-8"?>
 <p:sld xmlns:a="http://schemas.openxmlformats.org/drawingml/2006/main" xmlns:r="http://schemas.openxmlformats.org/officeDocument/2006/relationships" xmlns:p="http://schemas.openxmlformats.org/presentationml/2006/main">
   <p:cSld>
     <p:spTree>
@@ -8205,7 +9366,7 @@
 </p:sld>
 </file>
 
-<file path=ppt/slides/slide38.xml><?xml version="1.0" encoding="utf-8"?>
+<file path=ppt/slides/slide43.xml><?xml version="1.0" encoding="utf-8"?>
 <p:sld xmlns:a="http://schemas.openxmlformats.org/drawingml/2006/main" xmlns:r="http://schemas.openxmlformats.org/officeDocument/2006/relationships" xmlns:p="http://schemas.openxmlformats.org/presentationml/2006/main">
   <p:cSld>
     <p:spTree>
@@ -8271,7 +9432,7 @@
 </p:sld>
 </file>
 
-<file path=ppt/slides/slide39.xml><?xml version="1.0" encoding="utf-8"?>
+<file path=ppt/slides/slide44.xml><?xml version="1.0" encoding="utf-8"?>
 <p:sld xmlns:a="http://schemas.openxmlformats.org/drawingml/2006/main" xmlns:r="http://schemas.openxmlformats.org/officeDocument/2006/relationships" xmlns:p="http://schemas.openxmlformats.org/presentationml/2006/main">
   <p:cSld>
     <p:spTree>
@@ -8337,231 +9498,7 @@
 </p:sld>
 </file>
 
-<file path=ppt/slides/slide4.xml><?xml version="1.0" encoding="utf-8"?>
-<p:sld xmlns:a="http://schemas.openxmlformats.org/drawingml/2006/main" xmlns:r="http://schemas.openxmlformats.org/officeDocument/2006/relationships" xmlns:p="http://schemas.openxmlformats.org/presentationml/2006/main">
-  <p:cSld>
-    <p:spTree>
-      <p:nvGrpSpPr>
-        <p:cNvPr id="1" name=""/>
-        <p:cNvGrpSpPr/>
-        <p:nvPr/>
-      </p:nvGrpSpPr>
-      <p:grpSpPr/>
-      <p:sp>
-        <p:nvSpPr>
-          <p:cNvPr id="2" name="Title 1"/>
-          <p:cNvSpPr>
-            <a:spLocks noGrp="1"/>
-          </p:cNvSpPr>
-          <p:nvPr>
-            <p:ph type="title"/>
-          </p:nvPr>
-        </p:nvSpPr>
-        <p:spPr/>
-        <p:txBody>
-          <a:bodyPr/>
-          <a:p>
-            <a:r>
-              <a:rPr lang="x-none" altLang="pt-BR"/>
-              <a:t>Motivação</a:t>
-            </a:r>
-            <a:endParaRPr lang="x-none" altLang="pt-BR"/>
-          </a:p>
-        </p:txBody>
-      </p:sp>
-      <p:sp>
-        <p:nvSpPr>
-          <p:cNvPr id="3" name="Content Placeholder 2"/>
-          <p:cNvSpPr>
-            <a:spLocks noGrp="1"/>
-          </p:cNvSpPr>
-          <p:nvPr>
-            <p:ph idx="1"/>
-          </p:nvPr>
-        </p:nvSpPr>
-        <p:spPr/>
-        <p:txBody>
-          <a:bodyPr>
-            <a:normAutofit fontScale="90000" lnSpcReduction="20000"/>
-          </a:bodyPr>
-          <a:p>
-            <a:pPr lvl="0"/>
-            <a:r>
-              <a:rPr lang="x-none" altLang="pt-BR"/>
-              <a:t>SGBD </a:t>
-            </a:r>
-            <a:r>
-              <a:rPr lang="x-none" altLang="pt-BR">
-                <a:solidFill>
-                  <a:srgbClr val="92D050"/>
-                </a:solidFill>
-              </a:rPr>
-              <a:t>open source</a:t>
-            </a:r>
-            <a:r>
-              <a:rPr lang="x-none" altLang="pt-BR"/>
-              <a:t> mais avançado do mundo</a:t>
-            </a:r>
-            <a:endParaRPr lang="x-none" altLang="pt-BR"/>
-          </a:p>
-          <a:p>
-            <a:pPr lvl="0"/>
-            <a:r>
-              <a:rPr lang="x-none" altLang="pt-BR"/>
-              <a:t>Extremamente </a:t>
-            </a:r>
-            <a:r>
-              <a:rPr lang="x-none" altLang="pt-BR">
-                <a:solidFill>
-                  <a:srgbClr val="92D050"/>
-                </a:solidFill>
-              </a:rPr>
-              <a:t>leve </a:t>
-            </a:r>
-            <a:r>
-              <a:rPr lang="x-none" altLang="pt-BR"/>
-              <a:t>e pequeno (24 MB)</a:t>
-            </a:r>
-            <a:endParaRPr lang="x-none" altLang="pt-BR"/>
-          </a:p>
-          <a:p>
-            <a:pPr lvl="0"/>
-            <a:r>
-              <a:rPr lang="x-none" altLang="pt-BR"/>
-              <a:t>Usado para sistemas muito </a:t>
-            </a:r>
-            <a:r>
-              <a:rPr lang="x-none" altLang="pt-BR">
-                <a:solidFill>
-                  <a:srgbClr val="92D050"/>
-                </a:solidFill>
-              </a:rPr>
-              <a:t>grandes</a:t>
-            </a:r>
-            <a:r>
-              <a:rPr lang="x-none" altLang="pt-BR"/>
-              <a:t>!</a:t>
-            </a:r>
-            <a:endParaRPr lang="x-none" altLang="pt-BR"/>
-          </a:p>
-          <a:p>
-            <a:pPr lvl="0"/>
-            <a:r>
-              <a:rPr lang="x-none" altLang="pt-BR"/>
-              <a:t>Extremamente usado em </a:t>
-            </a:r>
-            <a:r>
-              <a:rPr lang="x-none" altLang="pt-BR">
-                <a:solidFill>
-                  <a:srgbClr val="92D050"/>
-                </a:solidFill>
-              </a:rPr>
-              <a:t>Big Data</a:t>
-            </a:r>
-            <a:endParaRPr lang="x-none" altLang="pt-BR">
-              <a:solidFill>
-                <a:srgbClr val="92D050"/>
-              </a:solidFill>
-            </a:endParaRPr>
-          </a:p>
-          <a:p>
-            <a:pPr lvl="0"/>
-            <a:r>
-              <a:rPr lang="x-none" altLang="pt-BR">
-                <a:sym typeface="+mn-ea"/>
-              </a:rPr>
-              <a:t>Rivaliza diretamente contra </a:t>
-            </a:r>
-            <a:r>
-              <a:rPr lang="x-none" altLang="pt-BR">
-                <a:solidFill>
-                  <a:srgbClr val="92D050"/>
-                </a:solidFill>
-                <a:sym typeface="+mn-ea"/>
-              </a:rPr>
-              <a:t>Oracle </a:t>
-            </a:r>
-            <a:r>
-              <a:rPr lang="x-none" altLang="pt-BR">
-                <a:sym typeface="+mn-ea"/>
-              </a:rPr>
-              <a:t>e </a:t>
-            </a:r>
-            <a:r>
-              <a:rPr lang="x-none" altLang="pt-BR">
-                <a:solidFill>
-                  <a:srgbClr val="92D050"/>
-                </a:solidFill>
-                <a:sym typeface="+mn-ea"/>
-              </a:rPr>
-              <a:t>SQL Server</a:t>
-            </a:r>
-            <a:endParaRPr lang="x-none" altLang="pt-BR">
-              <a:solidFill>
-                <a:srgbClr val="92D050"/>
-              </a:solidFill>
-            </a:endParaRPr>
-          </a:p>
-          <a:p>
-            <a:pPr lvl="0"/>
-            <a:r>
-              <a:rPr lang="x-none" altLang="pt-BR">
-                <a:sym typeface="+mn-ea"/>
-              </a:rPr>
-              <a:t>Possui a melhor </a:t>
-            </a:r>
-            <a:r>
-              <a:rPr lang="x-none" altLang="pt-BR">
-                <a:solidFill>
-                  <a:srgbClr val="92D050"/>
-                </a:solidFill>
-                <a:sym typeface="+mn-ea"/>
-              </a:rPr>
-              <a:t>documentação </a:t>
-            </a:r>
-            <a:r>
-              <a:rPr lang="x-none" altLang="pt-BR">
-                <a:sym typeface="+mn-ea"/>
-              </a:rPr>
-              <a:t>entre todos os projetos open source</a:t>
-            </a:r>
-            <a:endParaRPr lang="x-none" altLang="pt-BR">
-              <a:solidFill>
-                <a:srgbClr val="92D050"/>
-              </a:solidFill>
-            </a:endParaRPr>
-          </a:p>
-          <a:p>
-            <a:pPr lvl="0"/>
-            <a:r>
-              <a:rPr lang="x-none" altLang="pt-BR"/>
-              <a:t>Comunidade gigante e </a:t>
-            </a:r>
-            <a:r>
-              <a:rPr lang="x-none" altLang="pt-BR">
-                <a:solidFill>
-                  <a:srgbClr val="92D050"/>
-                </a:solidFill>
-              </a:rPr>
-              <a:t>estável</a:t>
-            </a:r>
-            <a:r>
-              <a:rPr lang="x-none" altLang="pt-BR"/>
-              <a:t>, sem conflitos de interesse</a:t>
-            </a:r>
-            <a:endParaRPr lang="x-none" altLang="pt-BR"/>
-          </a:p>
-        </p:txBody>
-      </p:sp>
-    </p:spTree>
-  </p:cSld>
-  <p:clrMapOvr>
-    <a:masterClrMapping/>
-  </p:clrMapOvr>
-</p:sld>
-</file>
-
-<file path=ppt/slides/slide40.xml><?xml version="1.0" encoding="utf-8"?>
+<file path=ppt/slides/slide45.xml><?xml version="1.0" encoding="utf-8"?>
 <p:sld xmlns:a="http://schemas.openxmlformats.org/drawingml/2006/main" xmlns:r="http://schemas.openxmlformats.org/officeDocument/2006/relationships" xmlns:p="http://schemas.openxmlformats.org/presentationml/2006/main">
   <p:cSld>
     <p:spTree>
@@ -8627,7 +9564,7 @@
 </p:sld>
 </file>
 
-<file path=ppt/slides/slide41.xml><?xml version="1.0" encoding="utf-8"?>
+<file path=ppt/slides/slide46.xml><?xml version="1.0" encoding="utf-8"?>
 <p:sld xmlns:a="http://schemas.openxmlformats.org/drawingml/2006/main" xmlns:r="http://schemas.openxmlformats.org/officeDocument/2006/relationships" xmlns:p="http://schemas.openxmlformats.org/presentationml/2006/main">
   <p:cSld>
     <p:spTree>
@@ -8693,7 +9630,7 @@
 </p:sld>
 </file>
 
-<file path=ppt/slides/slide42.xml><?xml version="1.0" encoding="utf-8"?>
+<file path=ppt/slides/slide47.xml><?xml version="1.0" encoding="utf-8"?>
 <p:sld xmlns:a="http://schemas.openxmlformats.org/drawingml/2006/main" xmlns:r="http://schemas.openxmlformats.org/officeDocument/2006/relationships" xmlns:p="http://schemas.openxmlformats.org/presentationml/2006/main">
   <p:cSld>
     <p:spTree>
@@ -8759,7 +9696,7 @@
 </p:sld>
 </file>
 
-<file path=ppt/slides/slide43.xml><?xml version="1.0" encoding="utf-8"?>
+<file path=ppt/slides/slide48.xml><?xml version="1.0" encoding="utf-8"?>
 <p:sld xmlns:a="http://schemas.openxmlformats.org/drawingml/2006/main" xmlns:r="http://schemas.openxmlformats.org/officeDocument/2006/relationships" xmlns:p="http://schemas.openxmlformats.org/presentationml/2006/main">
   <p:cSld>
     <p:spTree>
@@ -8825,1023 +9762,6 @@
 </p:sld>
 </file>
 
-<file path=ppt/slides/slide44.xml><?xml version="1.0" encoding="utf-8"?>
-<p:sld xmlns:a="http://schemas.openxmlformats.org/drawingml/2006/main" xmlns:r="http://schemas.openxmlformats.org/officeDocument/2006/relationships" xmlns:p="http://schemas.openxmlformats.org/presentationml/2006/main">
-  <p:cSld>
-    <p:spTree>
-      <p:nvGrpSpPr>
-        <p:cNvPr id="1" name=""/>
-        <p:cNvGrpSpPr/>
-        <p:nvPr/>
-      </p:nvGrpSpPr>
-      <p:grpSpPr/>
-      <p:sp>
-        <p:nvSpPr>
-          <p:cNvPr id="2" name="Title 1"/>
-          <p:cNvSpPr>
-            <a:spLocks noGrp="1"/>
-          </p:cNvSpPr>
-          <p:nvPr>
-            <p:ph type="title"/>
-          </p:nvPr>
-        </p:nvSpPr>
-        <p:spPr/>
-        <p:txBody>
-          <a:bodyPr/>
-          <a:p>
-            <a:r>
-              <a:rPr lang="x-none" altLang="pt-BR"/>
-              <a:t>Desempenho: Configuração</a:t>
-            </a:r>
-            <a:endParaRPr lang="x-none" altLang="pt-BR"/>
-          </a:p>
-        </p:txBody>
-      </p:sp>
-      <p:sp>
-        <p:nvSpPr>
-          <p:cNvPr id="3" name="Content Placeholder 2"/>
-          <p:cNvSpPr>
-            <a:spLocks noGrp="1"/>
-          </p:cNvSpPr>
-          <p:nvPr>
-            <p:ph idx="1"/>
-          </p:nvPr>
-        </p:nvSpPr>
-        <p:spPr/>
-        <p:txBody>
-          <a:bodyPr>
-            <a:normAutofit fontScale="90000"/>
-          </a:bodyPr>
-          <a:p>
-            <a:r>
-              <a:rPr lang="x-none" altLang="pt-BR"/>
-              <a:t>Alguns atributos do arquivo </a:t>
-            </a:r>
-            <a:r>
-              <a:rPr lang="x-none" altLang="pt-BR">
-                <a:solidFill>
-                  <a:srgbClr val="92D050"/>
-                </a:solidFill>
-              </a:rPr>
-              <a:t>postgresql.conf</a:t>
-            </a:r>
-            <a:r>
-              <a:rPr lang="x-none" altLang="pt-BR"/>
-              <a:t>:</a:t>
-            </a:r>
-            <a:endParaRPr lang="x-none" altLang="pt-BR"/>
-          </a:p>
-          <a:p>
-            <a:pPr lvl="1"/>
-            <a:r>
-              <a:rPr lang="x-none" altLang="pt-BR"/>
-              <a:t>listen_addresses</a:t>
-            </a:r>
-            <a:endParaRPr lang="x-none" altLang="pt-BR"/>
-          </a:p>
-          <a:p>
-            <a:pPr lvl="1"/>
-            <a:r>
-              <a:rPr lang="x-none" altLang="pt-BR"/>
-              <a:t>max_connections</a:t>
-            </a:r>
-            <a:endParaRPr lang="x-none" altLang="pt-BR"/>
-          </a:p>
-          <a:p>
-            <a:pPr lvl="1"/>
-            <a:r>
-              <a:rPr lang="x-none" altLang="pt-BR"/>
-              <a:t>effective_cache_size</a:t>
-            </a:r>
-            <a:endParaRPr lang="x-none" altLang="pt-BR"/>
-          </a:p>
-          <a:p>
-            <a:pPr lvl="1"/>
-            <a:r>
-              <a:rPr lang="x-none" altLang="pt-BR"/>
-              <a:t>shared_buffers</a:t>
-            </a:r>
-            <a:endParaRPr lang="x-none" altLang="pt-BR"/>
-          </a:p>
-          <a:p>
-            <a:pPr lvl="1"/>
-            <a:r>
-              <a:rPr lang="x-none" altLang="pt-BR"/>
-              <a:t>work_mem</a:t>
-            </a:r>
-            <a:endParaRPr lang="x-none" altLang="pt-BR"/>
-          </a:p>
-          <a:p>
-            <a:pPr lvl="1"/>
-            <a:r>
-              <a:rPr lang="x-none" altLang="pt-BR"/>
-              <a:t>maintenance_work_mem</a:t>
-            </a:r>
-            <a:endParaRPr lang="x-none" altLang="pt-BR"/>
-          </a:p>
-          <a:p>
-            <a:pPr lvl="1"/>
-            <a:endParaRPr lang="x-none" altLang="pt-BR"/>
-          </a:p>
-          <a:p>
-            <a:pPr lvl="0"/>
-            <a:r>
-              <a:rPr lang="x-none" altLang="pt-BR"/>
-              <a:t>Ferramenta de configuração automática: </a:t>
-            </a:r>
-            <a:r>
-              <a:rPr lang="x-none" altLang="pt-BR">
-                <a:solidFill>
-                  <a:srgbClr val="92D050"/>
-                </a:solidFill>
-              </a:rPr>
-              <a:t>www.pgconfig.org</a:t>
-            </a:r>
-            <a:r>
-              <a:rPr lang="x-none" altLang="pt-BR"/>
-              <a:t> (Sebastian Webber)</a:t>
-            </a:r>
-            <a:endParaRPr lang="x-none" altLang="pt-BR"/>
-          </a:p>
-        </p:txBody>
-      </p:sp>
-    </p:spTree>
-  </p:cSld>
-  <p:clrMapOvr>
-    <a:masterClrMapping/>
-  </p:clrMapOvr>
-</p:sld>
-</file>
-
-<file path=ppt/slides/slide45.xml><?xml version="1.0" encoding="utf-8"?>
-<p:sld xmlns:a="http://schemas.openxmlformats.org/drawingml/2006/main" xmlns:r="http://schemas.openxmlformats.org/officeDocument/2006/relationships" xmlns:p="http://schemas.openxmlformats.org/presentationml/2006/main">
-  <p:cSld>
-    <p:spTree>
-      <p:nvGrpSpPr>
-        <p:cNvPr id="1" name=""/>
-        <p:cNvGrpSpPr/>
-        <p:nvPr/>
-      </p:nvGrpSpPr>
-      <p:grpSpPr/>
-      <p:sp>
-        <p:nvSpPr>
-          <p:cNvPr id="2" name="Title 1"/>
-          <p:cNvSpPr>
-            <a:spLocks noGrp="1"/>
-          </p:cNvSpPr>
-          <p:nvPr>
-            <p:ph type="title"/>
-          </p:nvPr>
-        </p:nvSpPr>
-        <p:spPr/>
-        <p:txBody>
-          <a:bodyPr/>
-          <a:p>
-            <a:r>
-              <a:rPr lang="x-none" altLang="pt-BR"/>
-              <a:t>Funções Customizadas</a:t>
-            </a:r>
-            <a:endParaRPr lang="x-none" altLang="pt-BR"/>
-          </a:p>
-        </p:txBody>
-      </p:sp>
-      <p:sp>
-        <p:nvSpPr>
-          <p:cNvPr id="3" name="Content Placeholder 2"/>
-          <p:cNvSpPr>
-            <a:spLocks noGrp="1"/>
-          </p:cNvSpPr>
-          <p:nvPr>
-            <p:ph idx="1"/>
-          </p:nvPr>
-        </p:nvSpPr>
-        <p:spPr/>
-        <p:txBody>
-          <a:bodyPr>
-            <a:normAutofit fontScale="90000" lnSpcReduction="10000"/>
-          </a:bodyPr>
-          <a:p>
-            <a:r>
-              <a:rPr lang="x-none" altLang="pt-BR"/>
-              <a:t>PostgreSQL permite definirmos nossas próprias </a:t>
-            </a:r>
-            <a:r>
-              <a:rPr lang="x-none" altLang="pt-BR">
-                <a:solidFill>
-                  <a:srgbClr val="92D050"/>
-                </a:solidFill>
-              </a:rPr>
-              <a:t>funções</a:t>
-            </a:r>
-            <a:endParaRPr lang="x-none" altLang="pt-BR">
-              <a:solidFill>
-                <a:srgbClr val="92D050"/>
-              </a:solidFill>
-            </a:endParaRPr>
-          </a:p>
-          <a:p>
-            <a:r>
-              <a:rPr lang="x-none" altLang="pt-BR"/>
-              <a:t>O código das funções é armazenado no banco de dados</a:t>
-            </a:r>
-            <a:endParaRPr lang="x-none" altLang="pt-BR"/>
-          </a:p>
-          <a:p>
-            <a:r>
-              <a:rPr lang="x-none" altLang="pt-BR"/>
-              <a:t>Toda função pode receber </a:t>
-            </a:r>
-            <a:r>
-              <a:rPr lang="x-none" altLang="pt-BR">
-                <a:solidFill>
-                  <a:srgbClr val="92D050"/>
-                </a:solidFill>
-              </a:rPr>
-              <a:t>parâmetros</a:t>
-            </a:r>
-            <a:endParaRPr lang="x-none" altLang="pt-BR">
-              <a:solidFill>
-                <a:srgbClr val="92D050"/>
-              </a:solidFill>
-            </a:endParaRPr>
-          </a:p>
-          <a:p>
-            <a:r>
-              <a:rPr lang="x-none" altLang="pt-BR"/>
-              <a:t>Toda função possui um </a:t>
-            </a:r>
-            <a:r>
-              <a:rPr lang="x-none" altLang="pt-BR">
-                <a:solidFill>
-                  <a:srgbClr val="92D050"/>
-                </a:solidFill>
-              </a:rPr>
-              <a:t>tipo de retorno</a:t>
-            </a:r>
-            <a:endParaRPr lang="x-none" altLang="pt-BR">
-              <a:solidFill>
-                <a:srgbClr val="92D050"/>
-              </a:solidFill>
-            </a:endParaRPr>
-          </a:p>
-          <a:p>
-            <a:pPr lvl="1"/>
-            <a:r>
-              <a:rPr lang="x-none" altLang="pt-BR"/>
-              <a:t>Para não retornar nada, usa-se </a:t>
-            </a:r>
-            <a:r>
-              <a:rPr lang="x-none" altLang="pt-BR">
-                <a:solidFill>
-                  <a:srgbClr val="92D050"/>
-                </a:solidFill>
-              </a:rPr>
-              <a:t>void</a:t>
-            </a:r>
-            <a:endParaRPr lang="x-none" altLang="pt-BR">
-              <a:solidFill>
-                <a:srgbClr val="92D050"/>
-              </a:solidFill>
-            </a:endParaRPr>
-          </a:p>
-          <a:p>
-            <a:pPr lvl="0"/>
-            <a:r>
-              <a:rPr lang="x-none" altLang="pt-BR"/>
-              <a:t>Linguagens suportadas: </a:t>
-            </a:r>
-            <a:r>
-              <a:rPr lang="x-none" altLang="pt-BR">
-                <a:solidFill>
-                  <a:srgbClr val="92D050"/>
-                </a:solidFill>
-              </a:rPr>
-              <a:t>SQL</a:t>
-            </a:r>
-            <a:r>
-              <a:rPr lang="x-none" altLang="pt-BR"/>
-              <a:t>, </a:t>
-            </a:r>
-            <a:r>
-              <a:rPr lang="x-none" altLang="pt-BR">
-                <a:solidFill>
-                  <a:srgbClr val="92D050"/>
-                </a:solidFill>
-              </a:rPr>
-              <a:t>PL/pgSQL</a:t>
-            </a:r>
-            <a:r>
-              <a:rPr lang="x-none" altLang="pt-BR"/>
-              <a:t>, C, PL/Python, PL/Perl</a:t>
-            </a:r>
-            <a:endParaRPr lang="x-none" altLang="pt-BR"/>
-          </a:p>
-          <a:p>
-            <a:pPr lvl="0"/>
-            <a:r>
-              <a:rPr lang="x-none" altLang="pt-BR"/>
-              <a:t>Programação dentro do banco de dados!!</a:t>
-            </a:r>
-            <a:endParaRPr lang="x-none" altLang="pt-BR"/>
-          </a:p>
-        </p:txBody>
-      </p:sp>
-    </p:spTree>
-  </p:cSld>
-  <p:clrMapOvr>
-    <a:masterClrMapping/>
-  </p:clrMapOvr>
-</p:sld>
-</file>
-
-<file path=ppt/slides/slide46.xml><?xml version="1.0" encoding="utf-8"?>
-<p:sld xmlns:a="http://schemas.openxmlformats.org/drawingml/2006/main" xmlns:r="http://schemas.openxmlformats.org/officeDocument/2006/relationships" xmlns:p="http://schemas.openxmlformats.org/presentationml/2006/main">
-  <p:cSld>
-    <p:spTree>
-      <p:nvGrpSpPr>
-        <p:cNvPr id="1" name=""/>
-        <p:cNvGrpSpPr/>
-        <p:nvPr/>
-      </p:nvGrpSpPr>
-      <p:grpSpPr/>
-      <p:sp>
-        <p:nvSpPr>
-          <p:cNvPr id="2" name="Title 1"/>
-          <p:cNvSpPr>
-            <a:spLocks noGrp="1"/>
-          </p:cNvSpPr>
-          <p:nvPr>
-            <p:ph type="title"/>
-          </p:nvPr>
-        </p:nvSpPr>
-        <p:spPr/>
-        <p:txBody>
-          <a:bodyPr/>
-          <a:p>
-            <a:r>
-              <a:rPr lang="x-none" altLang="pt-BR"/>
-              <a:t>Funções Customizadas</a:t>
-            </a:r>
-            <a:endParaRPr lang="x-none" altLang="pt-BR"/>
-          </a:p>
-        </p:txBody>
-      </p:sp>
-      <p:sp>
-        <p:nvSpPr>
-          <p:cNvPr id="3" name="Content Placeholder 2"/>
-          <p:cNvSpPr>
-            <a:spLocks noGrp="1"/>
-          </p:cNvSpPr>
-          <p:nvPr>
-            <p:ph idx="1"/>
-          </p:nvPr>
-        </p:nvSpPr>
-        <p:spPr/>
-        <p:txBody>
-          <a:bodyPr/>
-          <a:p>
-            <a:r>
-              <a:rPr lang="x-none" altLang="pt-BR"/>
-              <a:t>Funções na linguagem </a:t>
-            </a:r>
-            <a:r>
-              <a:rPr lang="x-none" altLang="pt-BR">
-                <a:solidFill>
-                  <a:srgbClr val="92D050"/>
-                </a:solidFill>
-              </a:rPr>
-              <a:t>SQL</a:t>
-            </a:r>
-            <a:r>
-              <a:rPr lang="x-none" altLang="pt-BR"/>
-              <a:t>:</a:t>
-            </a:r>
-            <a:endParaRPr lang="x-none" altLang="pt-BR"/>
-          </a:p>
-          <a:p>
-            <a:pPr lvl="1"/>
-            <a:r>
-              <a:rPr lang="x-none" altLang="pt-BR">
-                <a:solidFill>
-                  <a:srgbClr val="00B0F0"/>
-                </a:solidFill>
-                <a:latin typeface="DejaVu Sans Mono" charset="0"/>
-              </a:rPr>
-              <a:t>create or replace function nome_da_funcao</a:t>
-            </a:r>
-            <a:endParaRPr lang="x-none" altLang="pt-BR">
-              <a:solidFill>
-                <a:srgbClr val="00B0F0"/>
-              </a:solidFill>
-              <a:latin typeface="DejaVu Sans Mono" charset="0"/>
-            </a:endParaRPr>
-          </a:p>
-          <a:p>
-            <a:pPr lvl="1"/>
-            <a:r>
-              <a:rPr lang="x-none" altLang="pt-BR">
-                <a:solidFill>
-                  <a:srgbClr val="00B0F0"/>
-                </a:solidFill>
-                <a:latin typeface="DejaVu Sans Mono" charset="0"/>
-              </a:rPr>
-              <a:t>(lista de tipos de parâmetros)</a:t>
-            </a:r>
-            <a:endParaRPr lang="x-none" altLang="pt-BR">
-              <a:solidFill>
-                <a:srgbClr val="00B0F0"/>
-              </a:solidFill>
-              <a:latin typeface="DejaVu Sans Mono" charset="0"/>
-            </a:endParaRPr>
-          </a:p>
-          <a:p>
-            <a:pPr lvl="1"/>
-            <a:r>
-              <a:rPr lang="x-none" altLang="pt-BR">
-                <a:solidFill>
-                  <a:srgbClr val="00B0F0"/>
-                </a:solidFill>
-                <a:latin typeface="DejaVu Sans Mono" charset="0"/>
-              </a:rPr>
-              <a:t>returns tipo as $$</a:t>
-            </a:r>
-            <a:endParaRPr lang="x-none" altLang="pt-BR">
-              <a:solidFill>
-                <a:srgbClr val="00B0F0"/>
-              </a:solidFill>
-              <a:latin typeface="DejaVu Sans Mono" charset="0"/>
-            </a:endParaRPr>
-          </a:p>
-          <a:p>
-            <a:pPr lvl="1"/>
-            <a:r>
-              <a:rPr lang="x-none" altLang="pt-BR">
-                <a:solidFill>
-                  <a:srgbClr val="00B0F0"/>
-                </a:solidFill>
-                <a:latin typeface="DejaVu Sans Mono" charset="0"/>
-              </a:rPr>
-              <a:t>comandos SQL</a:t>
-            </a:r>
-            <a:endParaRPr lang="x-none" altLang="pt-BR">
-              <a:solidFill>
-                <a:srgbClr val="00B0F0"/>
-              </a:solidFill>
-              <a:latin typeface="DejaVu Sans Mono" charset="0"/>
-            </a:endParaRPr>
-          </a:p>
-          <a:p>
-            <a:pPr lvl="1"/>
-            <a:r>
-              <a:rPr lang="x-none" altLang="pt-BR">
-                <a:solidFill>
-                  <a:srgbClr val="00B0F0"/>
-                </a:solidFill>
-                <a:latin typeface="DejaVu Sans Mono" charset="0"/>
-              </a:rPr>
-              <a:t>$$ language sql;</a:t>
-            </a:r>
-            <a:endParaRPr lang="x-none" altLang="pt-BR">
-              <a:solidFill>
-                <a:srgbClr val="00B0F0"/>
-              </a:solidFill>
-              <a:latin typeface="DejaVu Sans Mono" charset="0"/>
-            </a:endParaRPr>
-          </a:p>
-          <a:p>
-            <a:pPr lvl="0"/>
-            <a:r>
-              <a:rPr lang="x-none" altLang="pt-BR"/>
-              <a:t>Utilizar a função:</a:t>
-            </a:r>
-            <a:endParaRPr lang="x-none" altLang="pt-BR"/>
-          </a:p>
-          <a:p>
-            <a:pPr lvl="1"/>
-            <a:r>
-              <a:rPr lang="x-none" altLang="pt-BR">
-                <a:solidFill>
-                  <a:srgbClr val="00B0F0"/>
-                </a:solidFill>
-                <a:latin typeface="Courier 10 Pitch" charset="0"/>
-              </a:rPr>
-              <a:t>select nome_da_funcao(valores);</a:t>
-            </a:r>
-            <a:endParaRPr lang="x-none" altLang="pt-BR">
-              <a:solidFill>
-                <a:srgbClr val="00B0F0"/>
-              </a:solidFill>
-              <a:latin typeface="Courier 10 Pitch" charset="0"/>
-            </a:endParaRPr>
-          </a:p>
-        </p:txBody>
-      </p:sp>
-    </p:spTree>
-  </p:cSld>
-  <p:clrMapOvr>
-    <a:masterClrMapping/>
-  </p:clrMapOvr>
-</p:sld>
-</file>
-
-<file path=ppt/slides/slide47.xml><?xml version="1.0" encoding="utf-8"?>
-<p:sld xmlns:a="http://schemas.openxmlformats.org/drawingml/2006/main" xmlns:r="http://schemas.openxmlformats.org/officeDocument/2006/relationships" xmlns:p="http://schemas.openxmlformats.org/presentationml/2006/main">
-  <p:cSld>
-    <p:spTree>
-      <p:nvGrpSpPr>
-        <p:cNvPr id="1" name=""/>
-        <p:cNvGrpSpPr/>
-        <p:nvPr/>
-      </p:nvGrpSpPr>
-      <p:grpSpPr/>
-      <p:sp>
-        <p:nvSpPr>
-          <p:cNvPr id="2" name="Title 1"/>
-          <p:cNvSpPr>
-            <a:spLocks noGrp="1"/>
-          </p:cNvSpPr>
-          <p:nvPr>
-            <p:ph type="title"/>
-          </p:nvPr>
-        </p:nvSpPr>
-        <p:spPr/>
-        <p:txBody>
-          <a:bodyPr/>
-          <a:p>
-            <a:r>
-              <a:rPr lang="x-none" altLang="pt-BR"/>
-              <a:t>Funções Customizadas</a:t>
-            </a:r>
-            <a:endParaRPr lang="x-none" altLang="pt-BR"/>
-          </a:p>
-        </p:txBody>
-      </p:sp>
-      <p:sp>
-        <p:nvSpPr>
-          <p:cNvPr id="3" name="Content Placeholder 2"/>
-          <p:cNvSpPr>
-            <a:spLocks noGrp="1"/>
-          </p:cNvSpPr>
-          <p:nvPr>
-            <p:ph idx="1"/>
-          </p:nvPr>
-        </p:nvSpPr>
-        <p:spPr/>
-        <p:txBody>
-          <a:bodyPr>
-            <a:noAutofit/>
-          </a:bodyPr>
-          <a:p>
-            <a:r>
-              <a:rPr lang="x-none" altLang="pt-BR" sz="2400"/>
-              <a:t>Funções na linguagem </a:t>
-            </a:r>
-            <a:r>
-              <a:rPr lang="x-none" altLang="pt-BR" sz="2400">
-                <a:solidFill>
-                  <a:srgbClr val="92D050"/>
-                </a:solidFill>
-              </a:rPr>
-              <a:t>PL/pgSQL</a:t>
-            </a:r>
-            <a:r>
-              <a:rPr lang="x-none" altLang="pt-BR" sz="2400"/>
-              <a:t>:</a:t>
-            </a:r>
-            <a:endParaRPr lang="x-none" altLang="pt-BR" sz="2400"/>
-          </a:p>
-          <a:p>
-            <a:pPr lvl="1"/>
-            <a:r>
-              <a:rPr lang="x-none" altLang="pt-BR" sz="2000">
-                <a:solidFill>
-                  <a:srgbClr val="00B0F0"/>
-                </a:solidFill>
-                <a:latin typeface="DejaVu Sans Mono" charset="0"/>
-              </a:rPr>
-              <a:t>create or replace function nome_da_funcao</a:t>
-            </a:r>
-            <a:endParaRPr lang="x-none" altLang="pt-BR" sz="2000">
-              <a:solidFill>
-                <a:srgbClr val="00B0F0"/>
-              </a:solidFill>
-              <a:latin typeface="DejaVu Sans Mono" charset="0"/>
-            </a:endParaRPr>
-          </a:p>
-          <a:p>
-            <a:pPr lvl="1"/>
-            <a:r>
-              <a:rPr lang="x-none" altLang="pt-BR" sz="2000">
-                <a:solidFill>
-                  <a:srgbClr val="00B0F0"/>
-                </a:solidFill>
-                <a:latin typeface="DejaVu Sans Mono" charset="0"/>
-              </a:rPr>
-              <a:t>(lista de tipos de parâmetros)</a:t>
-            </a:r>
-            <a:endParaRPr lang="x-none" altLang="pt-BR" sz="2000">
-              <a:solidFill>
-                <a:srgbClr val="00B0F0"/>
-              </a:solidFill>
-              <a:latin typeface="DejaVu Sans Mono" charset="0"/>
-            </a:endParaRPr>
-          </a:p>
-          <a:p>
-            <a:pPr lvl="1"/>
-            <a:r>
-              <a:rPr lang="x-none" altLang="pt-BR" sz="2000">
-                <a:solidFill>
-                  <a:srgbClr val="00B0F0"/>
-                </a:solidFill>
-                <a:latin typeface="DejaVu Sans Mono" charset="0"/>
-              </a:rPr>
-              <a:t>returns tipo as $$</a:t>
-            </a:r>
-            <a:endParaRPr lang="x-none" altLang="pt-BR" sz="2000">
-              <a:solidFill>
-                <a:srgbClr val="00B0F0"/>
-              </a:solidFill>
-              <a:latin typeface="DejaVu Sans Mono" charset="0"/>
-            </a:endParaRPr>
-          </a:p>
-          <a:p>
-            <a:pPr lvl="1"/>
-            <a:r>
-              <a:rPr lang="x-none" altLang="pt-BR" sz="2000">
-                <a:solidFill>
-                  <a:srgbClr val="00B0F0"/>
-                </a:solidFill>
-                <a:latin typeface="DejaVu Sans Mono" charset="0"/>
-              </a:rPr>
-              <a:t>declare lista de variáveis;</a:t>
-            </a:r>
-            <a:endParaRPr lang="x-none" altLang="pt-BR" sz="2000">
-              <a:solidFill>
-                <a:srgbClr val="00B0F0"/>
-              </a:solidFill>
-              <a:latin typeface="DejaVu Sans Mono" charset="0"/>
-            </a:endParaRPr>
-          </a:p>
-          <a:p>
-            <a:pPr lvl="1"/>
-            <a:r>
-              <a:rPr lang="x-none" altLang="pt-BR" sz="2000">
-                <a:solidFill>
-                  <a:srgbClr val="00B0F0"/>
-                </a:solidFill>
-                <a:latin typeface="DejaVu Sans Mono" charset="0"/>
-              </a:rPr>
-              <a:t>begin</a:t>
-            </a:r>
-            <a:endParaRPr lang="x-none" altLang="pt-BR" sz="2000">
-              <a:solidFill>
-                <a:srgbClr val="00B0F0"/>
-              </a:solidFill>
-              <a:latin typeface="DejaVu Sans Mono" charset="0"/>
-            </a:endParaRPr>
-          </a:p>
-          <a:p>
-            <a:pPr lvl="1"/>
-            <a:r>
-              <a:rPr lang="x-none" altLang="pt-BR" sz="2000">
-                <a:solidFill>
-                  <a:srgbClr val="00B0F0"/>
-                </a:solidFill>
-                <a:latin typeface="DejaVu Sans Mono" charset="0"/>
-              </a:rPr>
-              <a:t>comandos PL/pgSQL</a:t>
-            </a:r>
-            <a:endParaRPr lang="x-none" altLang="pt-BR" sz="2000">
-              <a:solidFill>
-                <a:srgbClr val="00B0F0"/>
-              </a:solidFill>
-              <a:latin typeface="DejaVu Sans Mono" charset="0"/>
-            </a:endParaRPr>
-          </a:p>
-          <a:p>
-            <a:pPr lvl="1"/>
-            <a:r>
-              <a:rPr lang="x-none" altLang="pt-BR" sz="2000">
-                <a:solidFill>
-                  <a:srgbClr val="00B0F0"/>
-                </a:solidFill>
-                <a:latin typeface="DejaVu Sans Mono" charset="0"/>
-              </a:rPr>
-              <a:t>return valor;</a:t>
-            </a:r>
-            <a:endParaRPr lang="x-none" altLang="pt-BR" sz="2000">
-              <a:solidFill>
-                <a:srgbClr val="00B0F0"/>
-              </a:solidFill>
-              <a:latin typeface="DejaVu Sans Mono" charset="0"/>
-            </a:endParaRPr>
-          </a:p>
-          <a:p>
-            <a:pPr lvl="1"/>
-            <a:r>
-              <a:rPr lang="x-none" altLang="pt-BR" sz="2000">
-                <a:solidFill>
-                  <a:srgbClr val="00B0F0"/>
-                </a:solidFill>
-                <a:latin typeface="DejaVu Sans Mono" charset="0"/>
-              </a:rPr>
-              <a:t>end;</a:t>
-            </a:r>
-            <a:endParaRPr lang="x-none" altLang="pt-BR" sz="2000">
-              <a:solidFill>
-                <a:srgbClr val="00B0F0"/>
-              </a:solidFill>
-              <a:latin typeface="DejaVu Sans Mono" charset="0"/>
-            </a:endParaRPr>
-          </a:p>
-          <a:p>
-            <a:pPr lvl="1"/>
-            <a:r>
-              <a:rPr lang="x-none" altLang="pt-BR" sz="2000">
-                <a:solidFill>
-                  <a:srgbClr val="00B0F0"/>
-                </a:solidFill>
-                <a:latin typeface="DejaVu Sans Mono" charset="0"/>
-              </a:rPr>
-              <a:t>$$ language plpgsql;</a:t>
-            </a:r>
-            <a:endParaRPr lang="x-none" altLang="pt-BR" sz="2000">
-              <a:solidFill>
-                <a:srgbClr val="00B0F0"/>
-              </a:solidFill>
-              <a:latin typeface="DejaVu Sans Mono" charset="0"/>
-            </a:endParaRPr>
-          </a:p>
-          <a:p>
-            <a:pPr lvl="0"/>
-            <a:r>
-              <a:rPr lang="x-none" altLang="pt-BR" sz="2400"/>
-              <a:t>Utilizar a função:</a:t>
-            </a:r>
-            <a:endParaRPr lang="x-none" altLang="pt-BR" sz="2400"/>
-          </a:p>
-          <a:p>
-            <a:pPr lvl="1"/>
-            <a:r>
-              <a:rPr lang="x-none" altLang="pt-BR" sz="2000">
-                <a:solidFill>
-                  <a:srgbClr val="00B0F0"/>
-                </a:solidFill>
-              </a:rPr>
-              <a:t>select nome_da_funcao(valores);</a:t>
-            </a:r>
-            <a:endParaRPr lang="x-none" altLang="pt-BR" sz="2000">
-              <a:solidFill>
-                <a:srgbClr val="00B0F0"/>
-              </a:solidFill>
-            </a:endParaRPr>
-          </a:p>
-        </p:txBody>
-      </p:sp>
-    </p:spTree>
-  </p:cSld>
-  <p:clrMapOvr>
-    <a:masterClrMapping/>
-  </p:clrMapOvr>
-</p:sld>
-</file>
-
-<file path=ppt/slides/slide48.xml><?xml version="1.0" encoding="utf-8"?>
-<p:sld xmlns:a="http://schemas.openxmlformats.org/drawingml/2006/main" xmlns:r="http://schemas.openxmlformats.org/officeDocument/2006/relationships" xmlns:p="http://schemas.openxmlformats.org/presentationml/2006/main">
-  <p:cSld>
-    <p:spTree>
-      <p:nvGrpSpPr>
-        <p:cNvPr id="1" name=""/>
-        <p:cNvGrpSpPr/>
-        <p:nvPr/>
-      </p:nvGrpSpPr>
-      <p:grpSpPr/>
-      <p:sp>
-        <p:nvSpPr>
-          <p:cNvPr id="2" name="Title 1"/>
-          <p:cNvSpPr>
-            <a:spLocks noGrp="1"/>
-          </p:cNvSpPr>
-          <p:nvPr>
-            <p:ph type="title"/>
-          </p:nvPr>
-        </p:nvSpPr>
-        <p:spPr/>
-        <p:txBody>
-          <a:bodyPr/>
-          <a:p>
-            <a:r>
-              <a:rPr lang="x-none" altLang="pt-BR"/>
-              <a:t>Funções Customizadas</a:t>
-            </a:r>
-            <a:endParaRPr lang="x-none" altLang="pt-BR"/>
-          </a:p>
-        </p:txBody>
-      </p:sp>
-      <p:sp>
-        <p:nvSpPr>
-          <p:cNvPr id="3" name="Content Placeholder 2"/>
-          <p:cNvSpPr>
-            <a:spLocks noGrp="1"/>
-          </p:cNvSpPr>
-          <p:nvPr>
-            <p:ph idx="1"/>
-          </p:nvPr>
-        </p:nvSpPr>
-        <p:spPr/>
-        <p:txBody>
-          <a:bodyPr>
-            <a:normAutofit lnSpcReduction="10000"/>
-          </a:bodyPr>
-          <a:p>
-            <a:r>
-              <a:rPr lang="x-none" altLang="pt-BR"/>
-              <a:t>Sintaxe de </a:t>
-            </a:r>
-            <a:r>
-              <a:rPr lang="x-none" altLang="pt-BR">
-                <a:solidFill>
-                  <a:srgbClr val="92D050"/>
-                </a:solidFill>
-              </a:rPr>
-              <a:t>PL/pgSQL</a:t>
-            </a:r>
-            <a:r>
-              <a:rPr lang="x-none" altLang="pt-BR"/>
-              <a:t>:</a:t>
-            </a:r>
-            <a:endParaRPr lang="x-none" altLang="pt-BR"/>
-          </a:p>
-          <a:p>
-            <a:pPr lvl="1"/>
-            <a:r>
-              <a:rPr lang="x-none" altLang="pt-BR"/>
-              <a:t>Atribuição simples:</a:t>
-            </a:r>
-            <a:endParaRPr lang="x-none" altLang="pt-BR"/>
-          </a:p>
-          <a:p>
-            <a:pPr lvl="2"/>
-            <a:r>
-              <a:rPr lang="x-none" altLang="pt-BR">
-                <a:solidFill>
-                  <a:srgbClr val="00B0F0"/>
-                </a:solidFill>
-                <a:latin typeface="DejaVu Sans Mono" charset="0"/>
-              </a:rPr>
-              <a:t>&lt;variavel&gt; := &lt;valor&gt;;</a:t>
-            </a:r>
-            <a:endParaRPr lang="x-none" altLang="pt-BR">
-              <a:solidFill>
-                <a:srgbClr val="00B0F0"/>
-              </a:solidFill>
-              <a:latin typeface="DejaVu Sans Mono" charset="0"/>
-            </a:endParaRPr>
-          </a:p>
-          <a:p>
-            <a:pPr lvl="1"/>
-            <a:r>
-              <a:rPr lang="x-none" altLang="pt-BR"/>
-              <a:t>Atribuição usando select:</a:t>
-            </a:r>
-            <a:endParaRPr lang="x-none" altLang="pt-BR"/>
-          </a:p>
-          <a:p>
-            <a:pPr lvl="2"/>
-            <a:r>
-              <a:rPr lang="x-none" altLang="pt-BR">
-                <a:solidFill>
-                  <a:srgbClr val="00B0F0"/>
-                </a:solidFill>
-                <a:latin typeface="DejaVu Sans Mono" charset="0"/>
-              </a:rPr>
-              <a:t>begin</a:t>
-            </a:r>
-            <a:endParaRPr lang="x-none" altLang="pt-BR">
-              <a:solidFill>
-                <a:srgbClr val="00B0F0"/>
-              </a:solidFill>
-              <a:latin typeface="DejaVu Sans Mono" charset="0"/>
-            </a:endParaRPr>
-          </a:p>
-          <a:p>
-            <a:pPr lvl="3"/>
-            <a:r>
-              <a:rPr lang="x-none" altLang="pt-BR">
-                <a:solidFill>
-                  <a:srgbClr val="00B0F0"/>
-                </a:solidFill>
-                <a:latin typeface="DejaVu Sans Mono" charset="0"/>
-              </a:rPr>
-              <a:t>select val1, val2, val3</a:t>
-            </a:r>
-            <a:endParaRPr lang="x-none" altLang="pt-BR">
-              <a:solidFill>
-                <a:srgbClr val="00B0F0"/>
-              </a:solidFill>
-              <a:latin typeface="DejaVu Sans Mono" charset="0"/>
-            </a:endParaRPr>
-          </a:p>
-          <a:p>
-            <a:pPr lvl="3"/>
-            <a:r>
-              <a:rPr lang="x-none" altLang="pt-BR">
-                <a:solidFill>
-                  <a:srgbClr val="00B0F0"/>
-                </a:solidFill>
-                <a:latin typeface="DejaVu Sans Mono" charset="0"/>
-              </a:rPr>
-              <a:t>into strict var1, var2, var2</a:t>
-            </a:r>
-            <a:endParaRPr lang="x-none" altLang="pt-BR">
-              <a:solidFill>
-                <a:srgbClr val="00B0F0"/>
-              </a:solidFill>
-              <a:latin typeface="DejaVu Sans Mono" charset="0"/>
-            </a:endParaRPr>
-          </a:p>
-          <a:p>
-            <a:pPr lvl="3"/>
-            <a:r>
-              <a:rPr lang="x-none" altLang="pt-BR">
-                <a:solidFill>
-                  <a:srgbClr val="00B0F0"/>
-                </a:solidFill>
-                <a:latin typeface="DejaVu Sans Mono" charset="0"/>
-              </a:rPr>
-              <a:t>from tabela;</a:t>
-            </a:r>
-            <a:endParaRPr lang="x-none" altLang="pt-BR">
-              <a:solidFill>
-                <a:srgbClr val="00B0F0"/>
-              </a:solidFill>
-              <a:latin typeface="DejaVu Sans Mono" charset="0"/>
-            </a:endParaRPr>
-          </a:p>
-          <a:p>
-            <a:pPr lvl="2"/>
-            <a:r>
-              <a:rPr lang="x-none" altLang="pt-BR">
-                <a:solidFill>
-                  <a:srgbClr val="00B0F0"/>
-                </a:solidFill>
-                <a:latin typeface="DejaVu Sans Mono" charset="0"/>
-              </a:rPr>
-              <a:t>exception when no_data_found then</a:t>
-            </a:r>
-            <a:endParaRPr lang="x-none" altLang="pt-BR">
-              <a:solidFill>
-                <a:srgbClr val="00B0F0"/>
-              </a:solidFill>
-              <a:latin typeface="DejaVu Sans Mono" charset="0"/>
-            </a:endParaRPr>
-          </a:p>
-          <a:p>
-            <a:pPr lvl="3"/>
-            <a:r>
-              <a:rPr lang="x-none" altLang="pt-BR">
-                <a:solidFill>
-                  <a:srgbClr val="00B0F0"/>
-                </a:solidFill>
-                <a:latin typeface="DejaVu Sans Mono" charset="0"/>
-              </a:rPr>
-              <a:t>comandos</a:t>
-            </a:r>
-            <a:endParaRPr lang="x-none" altLang="pt-BR">
-              <a:solidFill>
-                <a:srgbClr val="00B0F0"/>
-              </a:solidFill>
-              <a:latin typeface="DejaVu Sans Mono" charset="0"/>
-            </a:endParaRPr>
-          </a:p>
-          <a:p>
-            <a:pPr lvl="2"/>
-            <a:r>
-              <a:rPr lang="x-none" altLang="pt-BR">
-                <a:solidFill>
-                  <a:srgbClr val="00B0F0"/>
-                </a:solidFill>
-                <a:latin typeface="DejaVu Sans Mono" charset="0"/>
-              </a:rPr>
-              <a:t>end;</a:t>
-            </a:r>
-            <a:endParaRPr lang="x-none" altLang="pt-BR">
-              <a:solidFill>
-                <a:srgbClr val="00B0F0"/>
-              </a:solidFill>
-              <a:latin typeface="DejaVu Sans Mono" charset="0"/>
-            </a:endParaRPr>
-          </a:p>
-        </p:txBody>
-      </p:sp>
-    </p:spTree>
-  </p:cSld>
-  <p:clrMapOvr>
-    <a:masterClrMapping/>
-  </p:clrMapOvr>
-</p:sld>
-</file>
-
 <file path=ppt/slides/slide49.xml><?xml version="1.0" encoding="utf-8"?>
 <p:sld xmlns:a="http://schemas.openxmlformats.org/drawingml/2006/main" xmlns:r="http://schemas.openxmlformats.org/officeDocument/2006/relationships" xmlns:p="http://schemas.openxmlformats.org/presentationml/2006/main">
   <p:cSld>
@@ -9868,7 +9788,7 @@
           <a:p>
             <a:r>
               <a:rPr lang="x-none" altLang="pt-BR"/>
-              <a:t>Funções Customizadas</a:t>
+              <a:t>Desempenho: Configuração</a:t>
             </a:r>
             <a:endParaRPr lang="x-none" altLang="pt-BR"/>
           </a:p>
@@ -9887,167 +9807,98 @@
         <p:spPr/>
         <p:txBody>
           <a:bodyPr>
-            <a:normAutofit lnSpcReduction="10000"/>
+            <a:normAutofit fontScale="90000"/>
           </a:bodyPr>
           <a:p>
+            <a:r>
+              <a:rPr lang="x-none" altLang="pt-BR"/>
+              <a:t>Alguns atributos do arquivo </a:t>
+            </a:r>
+            <a:r>
+              <a:rPr lang="x-none" altLang="pt-BR">
+                <a:solidFill>
+                  <a:srgbClr val="92D050"/>
+                </a:solidFill>
+              </a:rPr>
+              <a:t>postgresql.conf</a:t>
+            </a:r>
+            <a:r>
+              <a:rPr lang="x-none" altLang="pt-BR"/>
+              <a:t>:</a:t>
+            </a:r>
+            <a:endParaRPr lang="x-none" altLang="pt-BR"/>
+          </a:p>
+          <a:p>
+            <a:pPr lvl="1"/>
+            <a:r>
+              <a:rPr lang="x-none" altLang="pt-BR"/>
+              <a:t>listen_addresses</a:t>
+            </a:r>
+            <a:endParaRPr lang="x-none" altLang="pt-BR"/>
+          </a:p>
+          <a:p>
+            <a:pPr lvl="1"/>
+            <a:r>
+              <a:rPr lang="x-none" altLang="pt-BR"/>
+              <a:t>max_connections</a:t>
+            </a:r>
+            <a:endParaRPr lang="x-none" altLang="pt-BR"/>
+          </a:p>
+          <a:p>
+            <a:pPr lvl="1"/>
+            <a:r>
+              <a:rPr lang="x-none" altLang="pt-BR"/>
+              <a:t>effective_cache_size</a:t>
+            </a:r>
+            <a:endParaRPr lang="x-none" altLang="pt-BR"/>
+          </a:p>
+          <a:p>
+            <a:pPr lvl="1"/>
+            <a:r>
+              <a:rPr lang="x-none" altLang="pt-BR"/>
+              <a:t>shared_buffers</a:t>
+            </a:r>
+            <a:endParaRPr lang="x-none" altLang="pt-BR"/>
+          </a:p>
+          <a:p>
+            <a:pPr lvl="1"/>
+            <a:r>
+              <a:rPr lang="x-none" altLang="pt-BR"/>
+              <a:t>work_mem</a:t>
+            </a:r>
+            <a:endParaRPr lang="x-none" altLang="pt-BR"/>
+          </a:p>
+          <a:p>
+            <a:pPr lvl="1"/>
+            <a:r>
+              <a:rPr lang="x-none" altLang="pt-BR"/>
+              <a:t>maintenance_work_mem</a:t>
+            </a:r>
+            <a:endParaRPr lang="x-none" altLang="pt-BR"/>
+          </a:p>
+          <a:p>
+            <a:pPr lvl="1"/>
+            <a:endParaRPr lang="x-none" altLang="pt-BR"/>
+          </a:p>
+          <a:p>
             <a:pPr lvl="0"/>
             <a:r>
               <a:rPr lang="x-none" altLang="pt-BR"/>
-              <a:t>Condicional:</a:t>
-            </a:r>
-            <a:endParaRPr lang="x-none" altLang="pt-BR"/>
-          </a:p>
-          <a:p>
-            <a:pPr lvl="1"/>
-            <a:r>
-              <a:rPr lang="x-none" altLang="pt-BR">
-                <a:solidFill>
-                  <a:srgbClr val="00B0F0"/>
-                </a:solidFill>
-                <a:latin typeface="DejaVu Sans Mono" charset="0"/>
-              </a:rPr>
-              <a:t>if &lt;expressao&gt; then</a:t>
-            </a:r>
-            <a:endParaRPr lang="x-none" altLang="pt-BR">
-              <a:solidFill>
-                <a:srgbClr val="00B0F0"/>
-              </a:solidFill>
-              <a:latin typeface="DejaVu Sans Mono" charset="0"/>
-            </a:endParaRPr>
-          </a:p>
-          <a:p>
-            <a:pPr lvl="2"/>
-            <a:r>
-              <a:rPr lang="x-none" altLang="pt-BR">
-                <a:solidFill>
-                  <a:srgbClr val="00B0F0"/>
-                </a:solidFill>
-                <a:latin typeface="DejaVu Sans Mono" charset="0"/>
-              </a:rPr>
-              <a:t>comandos;</a:t>
-            </a:r>
-            <a:endParaRPr lang="x-none" altLang="pt-BR">
-              <a:solidFill>
-                <a:srgbClr val="00B0F0"/>
-              </a:solidFill>
-              <a:latin typeface="DejaVu Sans Mono" charset="0"/>
-            </a:endParaRPr>
-          </a:p>
-          <a:p>
-            <a:pPr lvl="1"/>
-            <a:r>
-              <a:rPr lang="x-none" altLang="pt-BR">
-                <a:solidFill>
-                  <a:srgbClr val="00B0F0"/>
-                </a:solidFill>
-                <a:latin typeface="DejaVu Sans Mono" charset="0"/>
-              </a:rPr>
-              <a:t>else</a:t>
-            </a:r>
-            <a:endParaRPr lang="x-none" altLang="pt-BR">
-              <a:solidFill>
-                <a:srgbClr val="00B0F0"/>
-              </a:solidFill>
-              <a:latin typeface="DejaVu Sans Mono" charset="0"/>
-            </a:endParaRPr>
-          </a:p>
-          <a:p>
-            <a:pPr lvl="2"/>
-            <a:r>
-              <a:rPr lang="x-none" altLang="pt-BR">
-                <a:solidFill>
-                  <a:srgbClr val="00B0F0"/>
-                </a:solidFill>
-                <a:latin typeface="DejaVu Sans Mono" charset="0"/>
-              </a:rPr>
-              <a:t>comandos;</a:t>
-            </a:r>
-            <a:endParaRPr lang="x-none" altLang="pt-BR">
-              <a:solidFill>
-                <a:srgbClr val="00B0F0"/>
-              </a:solidFill>
-              <a:latin typeface="DejaVu Sans Mono" charset="0"/>
-            </a:endParaRPr>
-          </a:p>
-          <a:p>
-            <a:pPr lvl="1"/>
-            <a:r>
-              <a:rPr lang="x-none" altLang="pt-BR">
-                <a:solidFill>
-                  <a:srgbClr val="00B0F0"/>
-                </a:solidFill>
-                <a:latin typeface="DejaVu Sans Mono" charset="0"/>
-              </a:rPr>
-              <a:t>end if;</a:t>
-            </a:r>
-            <a:endParaRPr lang="x-none" altLang="pt-BR">
-              <a:solidFill>
-                <a:srgbClr val="00B0F0"/>
-              </a:solidFill>
-              <a:latin typeface="DejaVu Sans Mono" charset="0"/>
-            </a:endParaRPr>
-          </a:p>
-          <a:p>
-            <a:pPr lvl="0"/>
-            <a:r>
-              <a:rPr lang="x-none" altLang="pt-BR"/>
-              <a:t>Repetição com while:</a:t>
-            </a:r>
-            <a:endParaRPr lang="x-none" altLang="pt-BR"/>
-          </a:p>
-          <a:p>
-            <a:pPr lvl="1"/>
-            <a:r>
-              <a:rPr lang="x-none" altLang="pt-BR">
-                <a:solidFill>
-                  <a:srgbClr val="00B0F0"/>
-                </a:solidFill>
-                <a:latin typeface="DejaVu Sans Mono" charset="0"/>
-              </a:rPr>
-              <a:t>while &lt;expressao&gt; loop</a:t>
-            </a:r>
-            <a:endParaRPr lang="x-none" altLang="pt-BR">
-              <a:solidFill>
-                <a:srgbClr val="00B0F0"/>
-              </a:solidFill>
-              <a:latin typeface="DejaVu Sans Mono" charset="0"/>
-            </a:endParaRPr>
-          </a:p>
-          <a:p>
-            <a:pPr lvl="2"/>
-            <a:r>
-              <a:rPr lang="x-none" altLang="pt-BR">
-                <a:solidFill>
-                  <a:srgbClr val="00B0F0"/>
-                </a:solidFill>
-                <a:latin typeface="DejaVu Sans Mono" charset="0"/>
-              </a:rPr>
-              <a:t>comandos;</a:t>
-            </a:r>
-            <a:endParaRPr lang="x-none" altLang="pt-BR">
-              <a:solidFill>
-                <a:srgbClr val="00B0F0"/>
-              </a:solidFill>
-              <a:latin typeface="DejaVu Sans Mono" charset="0"/>
-            </a:endParaRPr>
-          </a:p>
-          <a:p>
-            <a:pPr lvl="1"/>
-            <a:r>
-              <a:rPr lang="x-none" altLang="pt-BR">
-                <a:solidFill>
-                  <a:srgbClr val="00B0F0"/>
-                </a:solidFill>
-                <a:latin typeface="DejaVu Sans Mono" charset="0"/>
-              </a:rPr>
-              <a:t>end loop;</a:t>
-            </a:r>
-            <a:endParaRPr lang="x-none" altLang="pt-BR">
-              <a:solidFill>
-                <a:srgbClr val="00B0F0"/>
-              </a:solidFill>
-              <a:latin typeface="DejaVu Sans Mono" charset="0"/>
-            </a:endParaRPr>
+              <a:t>Ferramenta de configuração automática: </a:t>
+            </a:r>
+            <a:r>
+              <a:rPr lang="x-none" altLang="pt-BR">
+                <a:solidFill>
+                  <a:srgbClr val="92D050"/>
+                </a:solidFill>
+              </a:rPr>
+              <a:t>www.pgconfig.org</a:t>
+            </a:r>
+            <a:r>
+              <a:rPr lang="x-none" altLang="pt-BR"/>
+              <a:t> (Sebastian Webber)</a:t>
+            </a:r>
+            <a:endParaRPr lang="x-none" altLang="pt-BR"/>
           </a:p>
         </p:txBody>
       </p:sp>
@@ -10320,131 +10171,131 @@
         <p:spPr/>
         <p:txBody>
           <a:bodyPr>
-            <a:normAutofit/>
+            <a:normAutofit fontScale="90000" lnSpcReduction="10000"/>
           </a:bodyPr>
           <a:p>
+            <a:r>
+              <a:rPr lang="x-none" altLang="pt-BR"/>
+              <a:t>PostgreSQL permite definirmos nossas próprias </a:t>
+            </a:r>
+            <a:r>
+              <a:rPr lang="x-none" altLang="pt-BR">
+                <a:solidFill>
+                  <a:srgbClr val="92D050"/>
+                </a:solidFill>
+              </a:rPr>
+              <a:t>funções</a:t>
+            </a:r>
+            <a:endParaRPr lang="x-none" altLang="pt-BR">
+              <a:solidFill>
+                <a:srgbClr val="92D050"/>
+              </a:solidFill>
+            </a:endParaRPr>
+          </a:p>
+          <a:p>
+            <a:r>
+              <a:rPr lang="x-none" altLang="pt-BR"/>
+              <a:t>O código das funções é armazenado no banco de dados</a:t>
+            </a:r>
+            <a:endParaRPr lang="x-none" altLang="pt-BR"/>
+          </a:p>
+          <a:p>
+            <a:r>
+              <a:rPr lang="x-none" altLang="pt-BR"/>
+              <a:t>Toda função pode receber </a:t>
+            </a:r>
+            <a:r>
+              <a:rPr lang="x-none" altLang="pt-BR">
+                <a:solidFill>
+                  <a:srgbClr val="92D050"/>
+                </a:solidFill>
+              </a:rPr>
+              <a:t>parâmetros</a:t>
+            </a:r>
+            <a:endParaRPr lang="x-none" altLang="pt-BR">
+              <a:solidFill>
+                <a:srgbClr val="92D050"/>
+              </a:solidFill>
+            </a:endParaRPr>
+          </a:p>
+          <a:p>
+            <a:r>
+              <a:rPr lang="x-none" altLang="pt-BR"/>
+              <a:t>Toda função possui um </a:t>
+            </a:r>
+            <a:r>
+              <a:rPr lang="x-none" altLang="pt-BR">
+                <a:solidFill>
+                  <a:srgbClr val="92D050"/>
+                </a:solidFill>
+              </a:rPr>
+              <a:t>tipo de retorno</a:t>
+            </a:r>
+            <a:endParaRPr lang="x-none" altLang="pt-BR">
+              <a:solidFill>
+                <a:srgbClr val="92D050"/>
+              </a:solidFill>
+            </a:endParaRPr>
+          </a:p>
+          <a:p>
+            <a:pPr lvl="1"/>
+            <a:r>
+              <a:rPr lang="x-none" altLang="pt-BR"/>
+              <a:t>Para não retornar nada, usa-se </a:t>
+            </a:r>
+            <a:r>
+              <a:rPr lang="x-none" altLang="pt-BR">
+                <a:solidFill>
+                  <a:srgbClr val="92D050"/>
+                </a:solidFill>
+              </a:rPr>
+              <a:t>void</a:t>
+            </a:r>
+            <a:endParaRPr lang="x-none" altLang="pt-BR">
+              <a:solidFill>
+                <a:srgbClr val="92D050"/>
+              </a:solidFill>
+            </a:endParaRPr>
+          </a:p>
+          <a:p>
             <a:pPr lvl="0"/>
             <a:r>
               <a:rPr lang="x-none" altLang="pt-BR"/>
-              <a:t>Repetição com for simples:</a:t>
-            </a:r>
-            <a:endParaRPr lang="x-none" altLang="pt-BR"/>
-          </a:p>
-          <a:p>
-            <a:pPr lvl="1"/>
-            <a:r>
-              <a:rPr lang="x-none" altLang="pt-BR">
-                <a:solidFill>
-                  <a:srgbClr val="00B0F0"/>
-                </a:solidFill>
-                <a:latin typeface="DejaVu Sans Mono" charset="0"/>
-              </a:rPr>
-              <a:t>for i in 1..10 loop</a:t>
-            </a:r>
-            <a:endParaRPr lang="x-none" altLang="pt-BR">
-              <a:solidFill>
-                <a:srgbClr val="00B0F0"/>
-              </a:solidFill>
-              <a:latin typeface="DejaVu Sans Mono" charset="0"/>
-            </a:endParaRPr>
-          </a:p>
-          <a:p>
-            <a:pPr lvl="2"/>
-            <a:r>
-              <a:rPr lang="x-none" altLang="pt-BR" sz="2400">
-                <a:solidFill>
-                  <a:srgbClr val="00B0F0"/>
-                </a:solidFill>
-                <a:latin typeface="DejaVu Sans Mono" charset="0"/>
-              </a:rPr>
-              <a:t>comandos;</a:t>
-            </a:r>
-            <a:endParaRPr lang="x-none" altLang="pt-BR" sz="2400">
-              <a:solidFill>
-                <a:srgbClr val="00B0F0"/>
-              </a:solidFill>
-              <a:latin typeface="DejaVu Sans Mono" charset="0"/>
-            </a:endParaRPr>
-          </a:p>
-          <a:p>
-            <a:pPr lvl="1"/>
-            <a:r>
-              <a:rPr lang="x-none" altLang="pt-BR" sz="2600">
-                <a:solidFill>
-                  <a:srgbClr val="00B0F0"/>
-                </a:solidFill>
-                <a:latin typeface="DejaVu Sans Mono" charset="0"/>
-              </a:rPr>
-              <a:t>end loop;</a:t>
-            </a:r>
-            <a:endParaRPr lang="x-none" altLang="pt-BR" sz="2600">
-              <a:solidFill>
-                <a:srgbClr val="00B0F0"/>
-              </a:solidFill>
-              <a:latin typeface="DejaVu Sans Mono" charset="0"/>
-            </a:endParaRPr>
+              <a:t>Linguagens suportadas: </a:t>
+            </a:r>
+            <a:r>
+              <a:rPr lang="x-none" altLang="pt-BR">
+                <a:solidFill>
+                  <a:srgbClr val="92D050"/>
+                </a:solidFill>
+              </a:rPr>
+              <a:t>SQL</a:t>
+            </a:r>
+            <a:r>
+              <a:rPr lang="x-none" altLang="pt-BR"/>
+              <a:t>, </a:t>
+            </a:r>
+            <a:r>
+              <a:rPr lang="x-none" altLang="pt-BR">
+                <a:solidFill>
+                  <a:srgbClr val="92D050"/>
+                </a:solidFill>
+              </a:rPr>
+              <a:t>PL/pgSQL</a:t>
+            </a:r>
+            <a:r>
+              <a:rPr lang="x-none" altLang="pt-BR"/>
+              <a:t>, C, PL/Python, PL/Perl</a:t>
+            </a:r>
+            <a:endParaRPr lang="x-none" altLang="pt-BR"/>
           </a:p>
           <a:p>
             <a:pPr lvl="0"/>
             <a:r>
               <a:rPr lang="x-none" altLang="pt-BR"/>
-              <a:t>Repetição com for reverso:</a:t>
-            </a:r>
-            <a:endParaRPr lang="x-none" altLang="pt-BR"/>
-          </a:p>
-          <a:p>
-            <a:pPr lvl="1"/>
-            <a:r>
-              <a:rPr lang="x-none" altLang="pt-BR">
-                <a:solidFill>
-                  <a:srgbClr val="00B0F0"/>
-                </a:solidFill>
-                <a:latin typeface="DejaVu Sans Mono" charset="0"/>
-              </a:rPr>
-              <a:t>for i in reverse 10..1 loop</a:t>
-            </a:r>
-            <a:endParaRPr lang="x-none" altLang="pt-BR">
-              <a:solidFill>
-                <a:srgbClr val="00B0F0"/>
-              </a:solidFill>
-              <a:latin typeface="DejaVu Sans Mono" charset="0"/>
-            </a:endParaRPr>
-          </a:p>
-          <a:p>
-            <a:pPr lvl="2"/>
-            <a:r>
-              <a:rPr lang="x-none" altLang="pt-BR">
-                <a:solidFill>
-                  <a:srgbClr val="00B0F0"/>
-                </a:solidFill>
-                <a:latin typeface="DejaVu Sans Mono" charset="0"/>
-              </a:rPr>
-              <a:t>comandos;</a:t>
-            </a:r>
-            <a:endParaRPr lang="x-none" altLang="pt-BR">
-              <a:solidFill>
-                <a:srgbClr val="00B0F0"/>
-              </a:solidFill>
-              <a:latin typeface="DejaVu Sans Mono" charset="0"/>
-            </a:endParaRPr>
-          </a:p>
-          <a:p>
-            <a:pPr lvl="1"/>
-            <a:r>
-              <a:rPr lang="x-none" altLang="pt-BR">
-                <a:solidFill>
-                  <a:srgbClr val="00B0F0"/>
-                </a:solidFill>
-                <a:latin typeface="DejaVu Sans Mono" charset="0"/>
-              </a:rPr>
-              <a:t>end loop;</a:t>
-            </a:r>
-            <a:endParaRPr lang="x-none" altLang="pt-BR">
-              <a:solidFill>
-                <a:srgbClr val="00B0F0"/>
-              </a:solidFill>
-              <a:latin typeface="DejaVu Sans Mono" charset="0"/>
-            </a:endParaRPr>
+              <a:t>Programação dentro do banco de dados!!</a:t>
+            </a:r>
+            <a:endParaRPr lang="x-none" altLang="pt-BR"/>
           </a:p>
         </p:txBody>
       </p:sp>
@@ -10500,203 +10351,140 @@
         </p:nvSpPr>
         <p:spPr/>
         <p:txBody>
-          <a:bodyPr>
-            <a:noAutofit/>
-          </a:bodyPr>
+          <a:bodyPr/>
+          <a:p>
+            <a:r>
+              <a:rPr lang="x-none" altLang="pt-BR"/>
+              <a:t>Funções na linguagem </a:t>
+            </a:r>
+            <a:r>
+              <a:rPr lang="x-none" altLang="pt-BR">
+                <a:solidFill>
+                  <a:srgbClr val="92D050"/>
+                </a:solidFill>
+              </a:rPr>
+              <a:t>SQL</a:t>
+            </a:r>
+            <a:r>
+              <a:rPr lang="x-none" altLang="pt-BR"/>
+              <a:t>:</a:t>
+            </a:r>
+            <a:endParaRPr lang="x-none" altLang="pt-BR"/>
+          </a:p>
+          <a:p>
+            <a:pPr lvl="1"/>
+            <a:r>
+              <a:rPr lang="x-none" altLang="pt-BR">
+                <a:solidFill>
+                  <a:srgbClr val="00B0F0"/>
+                </a:solidFill>
+                <a:latin typeface="DejaVu Sans Mono" charset="0"/>
+              </a:rPr>
+              <a:t>create or replace function nome_da_funcao</a:t>
+            </a:r>
+            <a:endParaRPr lang="x-none" altLang="pt-BR">
+              <a:solidFill>
+                <a:srgbClr val="00B0F0"/>
+              </a:solidFill>
+              <a:latin typeface="DejaVu Sans Mono" charset="0"/>
+            </a:endParaRPr>
+          </a:p>
+          <a:p>
+            <a:pPr lvl="1"/>
+            <a:r>
+              <a:rPr lang="x-none" altLang="pt-BR">
+                <a:solidFill>
+                  <a:srgbClr val="00B0F0"/>
+                </a:solidFill>
+                <a:latin typeface="DejaVu Sans Mono" charset="0"/>
+              </a:rPr>
+              <a:t>(lista de tipos de parâmetros)</a:t>
+            </a:r>
+            <a:endParaRPr lang="x-none" altLang="pt-BR">
+              <a:solidFill>
+                <a:srgbClr val="00B0F0"/>
+              </a:solidFill>
+              <a:latin typeface="DejaVu Sans Mono" charset="0"/>
+            </a:endParaRPr>
+          </a:p>
+          <a:p>
+            <a:pPr lvl="1"/>
+            <a:r>
+              <a:rPr lang="x-none" altLang="pt-BR">
+                <a:solidFill>
+                  <a:srgbClr val="00B0F0"/>
+                </a:solidFill>
+                <a:latin typeface="DejaVu Sans Mono" charset="0"/>
+              </a:rPr>
+              <a:t>returns tipo as $$</a:t>
+            </a:r>
+            <a:endParaRPr lang="x-none" altLang="pt-BR">
+              <a:solidFill>
+                <a:srgbClr val="00B0F0"/>
+              </a:solidFill>
+              <a:latin typeface="DejaVu Sans Mono" charset="0"/>
+            </a:endParaRPr>
+          </a:p>
+          <a:p>
+            <a:pPr lvl="1"/>
+            <a:r>
+              <a:rPr lang="x-none" altLang="pt-BR">
+                <a:solidFill>
+                  <a:srgbClr val="00B0F0"/>
+                </a:solidFill>
+                <a:latin typeface="DejaVu Sans Mono" charset="0"/>
+              </a:rPr>
+              <a:t>comandos SQL</a:t>
+            </a:r>
+            <a:endParaRPr lang="x-none" altLang="pt-BR">
+              <a:solidFill>
+                <a:srgbClr val="00B0F0"/>
+              </a:solidFill>
+              <a:latin typeface="DejaVu Sans Mono" charset="0"/>
+            </a:endParaRPr>
+          </a:p>
+          <a:p>
+            <a:pPr lvl="1"/>
+            <a:r>
+              <a:rPr lang="x-none" altLang="pt-BR">
+                <a:solidFill>
+                  <a:srgbClr val="00B0F0"/>
+                </a:solidFill>
+                <a:latin typeface="DejaVu Sans Mono" charset="0"/>
+              </a:rPr>
+              <a:t>$$ language sql;</a:t>
+            </a:r>
+            <a:endParaRPr lang="x-none" altLang="pt-BR">
+              <a:solidFill>
+                <a:srgbClr val="00B0F0"/>
+              </a:solidFill>
+              <a:latin typeface="DejaVu Sans Mono" charset="0"/>
+            </a:endParaRPr>
+          </a:p>
           <a:p>
             <a:pPr lvl="0"/>
             <a:r>
-              <a:rPr lang="x-none" altLang="pt-BR" sz="2400"/>
-              <a:t>Repetição com for simples com incremento customizado:</a:t>
-            </a:r>
-            <a:endParaRPr lang="x-none" altLang="pt-BR" sz="2400"/>
-          </a:p>
-          <a:p>
-            <a:pPr lvl="1"/>
-            <a:r>
-              <a:rPr lang="x-none" altLang="pt-BR" sz="2000">
+              <a:rPr lang="x-none" altLang="pt-BR"/>
+              <a:t>Utilizar a função:</a:t>
+            </a:r>
+            <a:endParaRPr lang="x-none" altLang="pt-BR"/>
+          </a:p>
+          <a:p>
+            <a:pPr lvl="1"/>
+            <a:r>
+              <a:rPr lang="x-none" altLang="pt-BR">
                 <a:solidFill>
                   <a:srgbClr val="00B0F0"/>
                 </a:solidFill>
-                <a:latin typeface="DejaVu Sans Mono" charset="0"/>
-              </a:rPr>
-              <a:t>for i in 1..10 by 2 loop</a:t>
-            </a:r>
-            <a:endParaRPr lang="x-none" altLang="pt-BR" sz="2000">
+                <a:latin typeface="Courier 10 Pitch" charset="0"/>
+              </a:rPr>
+              <a:t>select nome_da_funcao(valores);</a:t>
+            </a:r>
+            <a:endParaRPr lang="x-none" altLang="pt-BR">
               <a:solidFill>
                 <a:srgbClr val="00B0F0"/>
               </a:solidFill>
-              <a:latin typeface="DejaVu Sans Mono" charset="0"/>
-            </a:endParaRPr>
-          </a:p>
-          <a:p>
-            <a:pPr lvl="2"/>
-            <a:r>
-              <a:rPr lang="x-none" altLang="pt-BR" sz="1800">
-                <a:solidFill>
-                  <a:srgbClr val="00B0F0"/>
-                </a:solidFill>
-                <a:latin typeface="DejaVu Sans Mono" charset="0"/>
-              </a:rPr>
-              <a:t>comandos;</a:t>
-            </a:r>
-            <a:endParaRPr lang="x-none" altLang="pt-BR" sz="1800">
-              <a:solidFill>
-                <a:srgbClr val="00B0F0"/>
-              </a:solidFill>
-              <a:latin typeface="DejaVu Sans Mono" charset="0"/>
-            </a:endParaRPr>
-          </a:p>
-          <a:p>
-            <a:pPr lvl="1"/>
-            <a:r>
-              <a:rPr lang="x-none" altLang="pt-BR" sz="2000">
-                <a:solidFill>
-                  <a:srgbClr val="00B0F0"/>
-                </a:solidFill>
-                <a:latin typeface="DejaVu Sans Mono" charset="0"/>
-              </a:rPr>
-              <a:t>end loop;</a:t>
-            </a:r>
-            <a:endParaRPr lang="x-none" altLang="pt-BR" sz="2000">
-              <a:solidFill>
-                <a:srgbClr val="00B0F0"/>
-              </a:solidFill>
-              <a:latin typeface="DejaVu Sans Mono" charset="0"/>
-            </a:endParaRPr>
-          </a:p>
-          <a:p>
-            <a:pPr lvl="0"/>
-            <a:r>
-              <a:rPr lang="x-none" altLang="pt-BR" sz="2400"/>
-              <a:t>Repetição com for com cursor implícito:</a:t>
-            </a:r>
-            <a:endParaRPr lang="x-none" altLang="pt-BR" sz="2400"/>
-          </a:p>
-          <a:p>
-            <a:pPr lvl="1"/>
-            <a:r>
-              <a:rPr lang="x-none" altLang="pt-BR" sz="2000">
-                <a:solidFill>
-                  <a:srgbClr val="00B0F0"/>
-                </a:solidFill>
-                <a:latin typeface="DejaVu Sans Mono" charset="0"/>
-              </a:rPr>
-              <a:t>declare</a:t>
-            </a:r>
-            <a:endParaRPr lang="x-none" altLang="pt-BR" sz="2000">
-              <a:solidFill>
-                <a:srgbClr val="00B0F0"/>
-              </a:solidFill>
-              <a:latin typeface="DejaVu Sans Mono" charset="0"/>
-            </a:endParaRPr>
-          </a:p>
-          <a:p>
-            <a:pPr lvl="2"/>
-            <a:r>
-              <a:rPr lang="x-none" altLang="pt-BR" sz="1800">
-                <a:solidFill>
-                  <a:srgbClr val="00B0F0"/>
-                </a:solidFill>
-                <a:latin typeface="DejaVu Sans Mono" charset="0"/>
-              </a:rPr>
-              <a:t>c record;</a:t>
-            </a:r>
-            <a:endParaRPr lang="x-none" altLang="pt-BR" sz="1800">
-              <a:solidFill>
-                <a:srgbClr val="00B0F0"/>
-              </a:solidFill>
-              <a:latin typeface="DejaVu Sans Mono" charset="0"/>
-            </a:endParaRPr>
-          </a:p>
-          <a:p>
-            <a:pPr lvl="1"/>
-            <a:r>
-              <a:rPr lang="x-none" altLang="pt-BR" sz="2000">
-                <a:solidFill>
-                  <a:srgbClr val="00B0F0"/>
-                </a:solidFill>
-                <a:latin typeface="DejaVu Sans Mono" charset="0"/>
-              </a:rPr>
-              <a:t>begin</a:t>
-            </a:r>
-            <a:endParaRPr lang="x-none" altLang="pt-BR" sz="2000">
-              <a:solidFill>
-                <a:srgbClr val="00B0F0"/>
-              </a:solidFill>
-              <a:latin typeface="DejaVu Sans Mono" charset="0"/>
-            </a:endParaRPr>
-          </a:p>
-          <a:p>
-            <a:pPr lvl="2"/>
-            <a:r>
-              <a:rPr lang="x-none" altLang="pt-BR" sz="1800">
-                <a:solidFill>
-                  <a:srgbClr val="00B0F0"/>
-                </a:solidFill>
-                <a:latin typeface="DejaVu Sans Mono" charset="0"/>
-              </a:rPr>
-              <a:t>for c in (select * from tabela) loop</a:t>
-            </a:r>
-            <a:endParaRPr lang="x-none" altLang="pt-BR" sz="1800">
-              <a:solidFill>
-                <a:srgbClr val="00B0F0"/>
-              </a:solidFill>
-              <a:latin typeface="DejaVu Sans Mono" charset="0"/>
-            </a:endParaRPr>
-          </a:p>
-          <a:p>
-            <a:pPr lvl="3"/>
-            <a:r>
-              <a:rPr lang="x-none" altLang="pt-BR" sz="1600">
-                <a:solidFill>
-                  <a:srgbClr val="00B0F0"/>
-                </a:solidFill>
-                <a:latin typeface="DejaVu Sans Mono" charset="0"/>
-              </a:rPr>
-              <a:t>comandos;</a:t>
-            </a:r>
-            <a:endParaRPr lang="x-none" altLang="pt-BR" sz="1600">
-              <a:solidFill>
-                <a:srgbClr val="00B0F0"/>
-              </a:solidFill>
-              <a:latin typeface="DejaVu Sans Mono" charset="0"/>
-            </a:endParaRPr>
-          </a:p>
-          <a:p>
-            <a:pPr lvl="2"/>
-            <a:r>
-              <a:rPr lang="x-none" altLang="pt-BR" sz="1800">
-                <a:solidFill>
-                  <a:srgbClr val="00B0F0"/>
-                </a:solidFill>
-                <a:latin typeface="DejaVu Sans Mono" charset="0"/>
-              </a:rPr>
-              <a:t>end loop;</a:t>
-            </a:r>
-            <a:endParaRPr lang="x-none" altLang="pt-BR" sz="1800">
-              <a:solidFill>
-                <a:srgbClr val="00B0F0"/>
-              </a:solidFill>
-              <a:latin typeface="DejaVu Sans Mono" charset="0"/>
-            </a:endParaRPr>
-          </a:p>
-          <a:p>
-            <a:pPr lvl="1"/>
-            <a:r>
-              <a:rPr lang="x-none" altLang="pt-BR" sz="2000">
-                <a:solidFill>
-                  <a:srgbClr val="00B0F0"/>
-                </a:solidFill>
-                <a:latin typeface="DejaVu Sans Mono" charset="0"/>
-              </a:rPr>
-              <a:t>end;</a:t>
-            </a:r>
-            <a:endParaRPr lang="x-none" altLang="pt-BR" sz="2000">
-              <a:solidFill>
-                <a:srgbClr val="00B0F0"/>
-              </a:solidFill>
-              <a:latin typeface="DejaVu Sans Mono" charset="0"/>
+              <a:latin typeface="Courier 10 Pitch" charset="0"/>
             </a:endParaRPr>
           </a:p>
         </p:txBody>
@@ -10757,114 +10545,208 @@
             <a:noAutofit/>
           </a:bodyPr>
           <a:p>
+            <a:r>
+              <a:rPr lang="x-none" altLang="pt-BR" sz="2400"/>
+              <a:t>Funções na linguagem </a:t>
+            </a:r>
+            <a:r>
+              <a:rPr lang="x-none" altLang="pt-BR" sz="2400">
+                <a:solidFill>
+                  <a:srgbClr val="92D050"/>
+                </a:solidFill>
+              </a:rPr>
+              <a:t>PL/pgSQL</a:t>
+            </a:r>
+            <a:r>
+              <a:rPr lang="x-none" altLang="pt-BR" sz="2400"/>
+              <a:t>:</a:t>
+            </a:r>
+            <a:endParaRPr lang="x-none" altLang="pt-BR" sz="2400"/>
+          </a:p>
+          <a:p>
+            <a:pPr lvl="1"/>
+            <a:r>
+              <a:rPr lang="x-none" altLang="pt-BR" sz="2000">
+                <a:solidFill>
+                  <a:srgbClr val="00B0F0"/>
+                </a:solidFill>
+                <a:latin typeface="DejaVu Sans Mono" charset="0"/>
+              </a:rPr>
+              <a:t>create or replace function nome_da_funcao</a:t>
+            </a:r>
+            <a:endParaRPr lang="x-none" altLang="pt-BR" sz="2000">
+              <a:solidFill>
+                <a:srgbClr val="00B0F0"/>
+              </a:solidFill>
+              <a:latin typeface="DejaVu Sans Mono" charset="0"/>
+            </a:endParaRPr>
+          </a:p>
+          <a:p>
+            <a:pPr lvl="1"/>
+            <a:r>
+              <a:rPr lang="x-none" altLang="pt-BR" sz="2000">
+                <a:solidFill>
+                  <a:srgbClr val="00B0F0"/>
+                </a:solidFill>
+                <a:latin typeface="DejaVu Sans Mono" charset="0"/>
+              </a:rPr>
+              <a:t>(lista de tipos de parâmetros)</a:t>
+            </a:r>
+            <a:endParaRPr lang="x-none" altLang="pt-BR" sz="2000">
+              <a:solidFill>
+                <a:srgbClr val="00B0F0"/>
+              </a:solidFill>
+              <a:latin typeface="DejaVu Sans Mono" charset="0"/>
+            </a:endParaRPr>
+          </a:p>
+          <a:p>
+            <a:pPr lvl="1"/>
+            <a:r>
+              <a:rPr lang="x-none" altLang="pt-BR" sz="2000">
+                <a:solidFill>
+                  <a:srgbClr val="00B0F0"/>
+                </a:solidFill>
+                <a:latin typeface="DejaVu Sans Mono" charset="0"/>
+              </a:rPr>
+              <a:t>returns tipo as $$</a:t>
+            </a:r>
+            <a:endParaRPr lang="x-none" altLang="pt-BR" sz="2000">
+              <a:solidFill>
+                <a:srgbClr val="00B0F0"/>
+              </a:solidFill>
+              <a:latin typeface="DejaVu Sans Mono" charset="0"/>
+            </a:endParaRPr>
+          </a:p>
+          <a:p>
+            <a:pPr lvl="1"/>
+            <a:r>
+              <a:rPr lang="x-none" altLang="pt-BR" sz="2000">
+                <a:solidFill>
+                  <a:srgbClr val="00B0F0"/>
+                </a:solidFill>
+                <a:latin typeface="DejaVu Sans Mono" charset="0"/>
+              </a:rPr>
+              <a:t>declare lista de variáveis;</a:t>
+            </a:r>
+            <a:endParaRPr lang="x-none" altLang="pt-BR" sz="2000">
+              <a:solidFill>
+                <a:srgbClr val="00B0F0"/>
+              </a:solidFill>
+              <a:latin typeface="DejaVu Sans Mono" charset="0"/>
+            </a:endParaRPr>
+          </a:p>
+          <a:p>
+            <a:pPr lvl="1"/>
+            <a:r>
+              <a:rPr lang="x-none" altLang="pt-BR" sz="2000">
+                <a:solidFill>
+                  <a:srgbClr val="00B0F0"/>
+                </a:solidFill>
+                <a:latin typeface="DejaVu Sans Mono" charset="0"/>
+              </a:rPr>
+              <a:t>begin</a:t>
+            </a:r>
+            <a:endParaRPr lang="x-none" altLang="pt-BR" sz="2000">
+              <a:solidFill>
+                <a:srgbClr val="00B0F0"/>
+              </a:solidFill>
+              <a:latin typeface="DejaVu Sans Mono" charset="0"/>
+            </a:endParaRPr>
+          </a:p>
+          <a:p>
+            <a:pPr lvl="1"/>
+            <a:r>
+              <a:rPr lang="x-none" altLang="pt-BR" sz="2000">
+                <a:solidFill>
+                  <a:srgbClr val="00B0F0"/>
+                </a:solidFill>
+                <a:latin typeface="DejaVu Sans Mono" charset="0"/>
+              </a:rPr>
+              <a:t>comandos PL/pgSQL</a:t>
+            </a:r>
+            <a:endParaRPr lang="x-none" altLang="pt-BR" sz="2000">
+              <a:solidFill>
+                <a:srgbClr val="00B0F0"/>
+              </a:solidFill>
+              <a:latin typeface="DejaVu Sans Mono" charset="0"/>
+            </a:endParaRPr>
+          </a:p>
+          <a:p>
+            <a:pPr lvl="1"/>
+            <a:r>
+              <a:rPr lang="x-none" altLang="pt-BR" sz="2000">
+                <a:solidFill>
+                  <a:srgbClr val="00B0F0"/>
+                </a:solidFill>
+                <a:latin typeface="DejaVu Sans Mono" charset="0"/>
+              </a:rPr>
+              <a:t>return valor;</a:t>
+            </a:r>
+            <a:endParaRPr lang="x-none" altLang="pt-BR" sz="2000">
+              <a:solidFill>
+                <a:srgbClr val="00B0F0"/>
+              </a:solidFill>
+              <a:latin typeface="DejaVu Sans Mono" charset="0"/>
+            </a:endParaRPr>
+          </a:p>
+          <a:p>
+            <a:pPr lvl="1"/>
+            <a:r>
+              <a:rPr lang="x-none" altLang="pt-BR" sz="2000">
+                <a:solidFill>
+                  <a:srgbClr val="00B0F0"/>
+                </a:solidFill>
+                <a:latin typeface="DejaVu Sans Mono" charset="0"/>
+              </a:rPr>
+              <a:t>end;</a:t>
+            </a:r>
+            <a:endParaRPr lang="x-none" altLang="pt-BR" sz="2000">
+              <a:solidFill>
+                <a:srgbClr val="00B0F0"/>
+              </a:solidFill>
+              <a:latin typeface="DejaVu Sans Mono" charset="0"/>
+            </a:endParaRPr>
+          </a:p>
+          <a:p>
+            <a:pPr lvl="1"/>
+            <a:r>
+              <a:rPr lang="x-none" altLang="pt-BR" sz="2000">
+                <a:solidFill>
+                  <a:srgbClr val="00B0F0"/>
+                </a:solidFill>
+                <a:latin typeface="DejaVu Sans Mono" charset="0"/>
+              </a:rPr>
+              <a:t>$$ language plpgsql;</a:t>
+            </a:r>
+            <a:endParaRPr lang="x-none" altLang="pt-BR" sz="2000">
+              <a:solidFill>
+                <a:srgbClr val="00B0F0"/>
+              </a:solidFill>
+              <a:latin typeface="DejaVu Sans Mono" charset="0"/>
+            </a:endParaRPr>
+          </a:p>
+          <a:p>
             <a:pPr lvl="0"/>
             <a:r>
               <a:rPr lang="x-none" altLang="pt-BR" sz="2400"/>
-              <a:t>Impressão de mensagens:</a:t>
+              <a:t>Utilizar a função:</a:t>
             </a:r>
             <a:endParaRPr lang="x-none" altLang="pt-BR" sz="2400"/>
           </a:p>
           <a:p>
             <a:pPr lvl="1"/>
             <a:r>
-              <a:rPr lang="x-none" altLang="pt-BR" sz="2400">
+              <a:rPr lang="x-none" altLang="pt-BR" sz="2000">
                 <a:solidFill>
                   <a:srgbClr val="00B0F0"/>
                 </a:solidFill>
-                <a:latin typeface="DejaVu Sans Mono" charset="0"/>
-              </a:rPr>
-              <a:t>raise notice 'Valores: % e %',var1,var2</a:t>
-            </a:r>
-            <a:endParaRPr lang="x-none" altLang="pt-BR" sz="2400">
+              </a:rPr>
+              <a:t>select nome_da_funcao(valores);</a:t>
+            </a:r>
+            <a:endParaRPr lang="x-none" altLang="pt-BR" sz="2000">
               <a:solidFill>
                 <a:srgbClr val="00B0F0"/>
               </a:solidFill>
-              <a:latin typeface="DejaVu Sans Mono" charset="0"/>
-            </a:endParaRPr>
-          </a:p>
-          <a:p>
-            <a:pPr lvl="0"/>
-            <a:r>
-              <a:rPr lang="x-none" altLang="pt-BR" sz="2400"/>
-              <a:t>Execução de string SQL:</a:t>
-            </a:r>
-            <a:endParaRPr lang="x-none" altLang="pt-BR" sz="2400"/>
-          </a:p>
-          <a:p>
-            <a:pPr lvl="1"/>
-            <a:r>
-              <a:rPr lang="x-none" altLang="pt-BR" sz="2400">
-                <a:solidFill>
-                  <a:srgbClr val="00B0F0"/>
-                </a:solidFill>
-                <a:latin typeface="DejaVu Sans Mono" charset="0"/>
-              </a:rPr>
-              <a:t>execute 'delete from tabela';</a:t>
-            </a:r>
-            <a:endParaRPr lang="x-none" altLang="pt-BR" sz="2400">
-              <a:solidFill>
-                <a:srgbClr val="00B0F0"/>
-              </a:solidFill>
-              <a:latin typeface="DejaVu Sans Mono" charset="0"/>
-            </a:endParaRPr>
-          </a:p>
-          <a:p>
-            <a:pPr lvl="0"/>
-            <a:r>
-              <a:rPr lang="x-none" altLang="pt-BR" sz="2400">
-                <a:sym typeface="+mn-ea"/>
-              </a:rPr>
-              <a:t>Execução de funções armazenando retorno em variável:</a:t>
-            </a:r>
-            <a:endParaRPr lang="x-none" altLang="pt-BR" sz="2400"/>
-          </a:p>
-          <a:p>
-            <a:pPr lvl="1"/>
-            <a:r>
-              <a:rPr lang="x-none" altLang="pt-BR" sz="2400">
-                <a:solidFill>
-                  <a:srgbClr val="00B0F0"/>
-                </a:solidFill>
-                <a:latin typeface="DejaVu Sans Mono" charset="0"/>
-                <a:sym typeface="+mn-ea"/>
-              </a:rPr>
-              <a:t>x := nome_da_funcao(valores);</a:t>
-            </a:r>
-            <a:endParaRPr lang="x-none" altLang="pt-BR" sz="2400">
-              <a:solidFill>
-                <a:srgbClr val="00B0F0"/>
-              </a:solidFill>
-              <a:latin typeface="DejaVu Sans Mono" charset="0"/>
-              <a:sym typeface="+mn-ea"/>
-            </a:endParaRPr>
-          </a:p>
-          <a:p>
-            <a:pPr lvl="0"/>
-            <a:r>
-              <a:rPr lang="x-none" altLang="pt-BR" sz="2400">
-                <a:sym typeface="+mn-ea"/>
-              </a:rPr>
-              <a:t>Execução de funções descartando retorno:</a:t>
-            </a:r>
-            <a:endParaRPr lang="x-none" altLang="pt-BR" sz="2400"/>
-          </a:p>
-          <a:p>
-            <a:pPr lvl="1"/>
-            <a:r>
-              <a:rPr lang="x-none" altLang="pt-BR" sz="2400">
-                <a:solidFill>
-                  <a:srgbClr val="00B0F0"/>
-                </a:solidFill>
-                <a:latin typeface="DejaVu Sans Mono" charset="0"/>
-                <a:sym typeface="+mn-ea"/>
-              </a:rPr>
-              <a:t>perform nome_da_funcao(valores);</a:t>
-            </a:r>
-            <a:endParaRPr lang="x-none" altLang="pt-BR" sz="2400">
-              <a:solidFill>
-                <a:srgbClr val="00B0F0"/>
-              </a:solidFill>
-              <a:latin typeface="DejaVu Sans Mono" charset="0"/>
             </a:endParaRPr>
           </a:p>
         </p:txBody>
@@ -10922,16 +10804,20 @@
         <p:spPr/>
         <p:txBody>
           <a:bodyPr>
-            <a:normAutofit fontScale="90000" lnSpcReduction="20000"/>
+            <a:normAutofit lnSpcReduction="10000"/>
           </a:bodyPr>
           <a:p>
             <a:r>
+              <a:rPr lang="x-none" altLang="pt-BR"/>
+              <a:t>Sintaxe de </a:t>
+            </a:r>
+            <a:r>
               <a:rPr lang="x-none" altLang="pt-BR">
                 <a:solidFill>
                   <a:srgbClr val="92D050"/>
                 </a:solidFill>
               </a:rPr>
-              <a:t>Vantagens</a:t>
+              <a:t>PL/pgSQL</a:t>
             </a:r>
             <a:r>
               <a:rPr lang="x-none" altLang="pt-BR"/>
@@ -10943,97 +10829,161 @@
             <a:pPr lvl="1"/>
             <a:r>
               <a:rPr lang="x-none" altLang="pt-BR"/>
-              <a:t>Redução de:</a:t>
+              <a:t>Atribuição simples:</a:t>
             </a:r>
             <a:endParaRPr lang="x-none" altLang="pt-BR"/>
           </a:p>
           <a:p>
             <a:pPr lvl="2"/>
             <a:r>
-              <a:rPr lang="x-none" altLang="pt-BR"/>
-              <a:t>trocas de contexto</a:t>
+              <a:rPr lang="x-none" altLang="pt-BR">
+                <a:solidFill>
+                  <a:srgbClr val="00B0F0"/>
+                </a:solidFill>
+                <a:latin typeface="DejaVu Sans Mono" charset="0"/>
+              </a:rPr>
+              <a:t>&lt;variavel&gt; := &lt;valor&gt;;</a:t>
+            </a:r>
+            <a:endParaRPr lang="x-none" altLang="pt-BR">
+              <a:solidFill>
+                <a:srgbClr val="00B0F0"/>
+              </a:solidFill>
+              <a:latin typeface="DejaVu Sans Mono" charset="0"/>
+            </a:endParaRPr>
+          </a:p>
+          <a:p>
+            <a:pPr lvl="1"/>
+            <a:r>
+              <a:rPr lang="x-none" altLang="pt-BR"/>
+              <a:t>Atribuição usando select:</a:t>
             </a:r>
             <a:endParaRPr lang="x-none" altLang="pt-BR"/>
           </a:p>
           <a:p>
             <a:pPr lvl="2"/>
             <a:r>
-              <a:rPr lang="x-none" altLang="pt-BR"/>
-              <a:t>comunicação inter-processo</a:t>
-            </a:r>
-            <a:endParaRPr lang="x-none" altLang="pt-BR"/>
+              <a:rPr lang="x-none" altLang="pt-BR">
+                <a:solidFill>
+                  <a:srgbClr val="00B0F0"/>
+                </a:solidFill>
+                <a:latin typeface="DejaVu Sans Mono" charset="0"/>
+              </a:rPr>
+              <a:t>begin</a:t>
+            </a:r>
+            <a:endParaRPr lang="x-none" altLang="pt-BR">
+              <a:solidFill>
+                <a:srgbClr val="00B0F0"/>
+              </a:solidFill>
+              <a:latin typeface="DejaVu Sans Mono" charset="0"/>
+            </a:endParaRPr>
+          </a:p>
+          <a:p>
+            <a:pPr lvl="3"/>
+            <a:r>
+              <a:rPr lang="x-none" altLang="pt-BR">
+                <a:solidFill>
+                  <a:srgbClr val="00B0F0"/>
+                </a:solidFill>
+                <a:latin typeface="DejaVu Sans Mono" charset="0"/>
+              </a:rPr>
+              <a:t>select val1, val2, val3</a:t>
+            </a:r>
+            <a:endParaRPr lang="x-none" altLang="pt-BR">
+              <a:solidFill>
+                <a:srgbClr val="00B0F0"/>
+              </a:solidFill>
+              <a:latin typeface="DejaVu Sans Mono" charset="0"/>
+            </a:endParaRPr>
+          </a:p>
+          <a:p>
+            <a:pPr lvl="3"/>
+            <a:r>
+              <a:rPr lang="x-none" altLang="pt-BR">
+                <a:solidFill>
+                  <a:srgbClr val="00B0F0"/>
+                </a:solidFill>
+                <a:latin typeface="DejaVu Sans Mono" charset="0"/>
+              </a:rPr>
+              <a:t>into strict var1, var2, var2</a:t>
+            </a:r>
+            <a:endParaRPr lang="x-none" altLang="pt-BR">
+              <a:solidFill>
+                <a:srgbClr val="00B0F0"/>
+              </a:solidFill>
+              <a:latin typeface="DejaVu Sans Mono" charset="0"/>
+            </a:endParaRPr>
+          </a:p>
+          <a:p>
+            <a:pPr lvl="3"/>
+            <a:r>
+              <a:rPr lang="x-none" altLang="pt-BR">
+                <a:solidFill>
+                  <a:srgbClr val="00B0F0"/>
+                </a:solidFill>
+                <a:latin typeface="DejaVu Sans Mono" charset="0"/>
+              </a:rPr>
+              <a:t>from tabela;</a:t>
+            </a:r>
+            <a:endParaRPr lang="x-none" altLang="pt-BR">
+              <a:solidFill>
+                <a:srgbClr val="00B0F0"/>
+              </a:solidFill>
+              <a:latin typeface="DejaVu Sans Mono" charset="0"/>
+            </a:endParaRPr>
           </a:p>
           <a:p>
             <a:pPr lvl="2"/>
             <a:r>
-              <a:rPr lang="x-none" altLang="pt-BR"/>
-              <a:t>transferência de dados via rede</a:t>
-            </a:r>
-            <a:endParaRPr lang="x-none" altLang="pt-BR"/>
-          </a:p>
-          <a:p>
-            <a:pPr lvl="1"/>
-            <a:r>
-              <a:rPr lang="x-none" altLang="pt-BR"/>
-              <a:t>Aumento de desempenho</a:t>
-            </a:r>
-            <a:endParaRPr lang="x-none" altLang="pt-BR"/>
-          </a:p>
-          <a:p>
-            <a:pPr lvl="1"/>
-            <a:r>
-              <a:rPr lang="x-none" altLang="pt-BR"/>
-              <a:t>Parâmetros</a:t>
-            </a:r>
-            <a:endParaRPr lang="x-none" altLang="pt-BR"/>
-          </a:p>
-          <a:p>
-            <a:pPr lvl="1"/>
-            <a:r>
-              <a:rPr lang="x-none" altLang="pt-BR"/>
-              <a:t>Abstração</a:t>
-            </a:r>
-            <a:endParaRPr lang="x-none" altLang="pt-BR"/>
-          </a:p>
-          <a:p>
-            <a:pPr lvl="0"/>
-            <a:r>
-              <a:rPr lang="x-none" altLang="pt-BR">
-                <a:solidFill>
-                  <a:srgbClr val="92D050"/>
-                </a:solidFill>
-              </a:rPr>
-              <a:t>Desvantagens</a:t>
-            </a:r>
-            <a:r>
-              <a:rPr lang="x-none" altLang="pt-BR"/>
-              <a:t>:</a:t>
-            </a:r>
-            <a:endParaRPr lang="x-none" altLang="pt-BR"/>
-          </a:p>
-          <a:p>
-            <a:pPr lvl="1"/>
-            <a:r>
-              <a:rPr lang="x-none" altLang="pt-BR"/>
-              <a:t>Sua aplicação funcionará apenas em PostgreSQL</a:t>
-            </a:r>
-            <a:endParaRPr lang="x-none" altLang="pt-BR"/>
-          </a:p>
-          <a:p>
-            <a:pPr lvl="1"/>
-            <a:r>
-              <a:rPr lang="x-none" altLang="pt-BR"/>
-              <a:t>Migração trabalhosa para outro SGBD</a:t>
-            </a:r>
-            <a:endParaRPr lang="x-none" altLang="pt-BR"/>
-          </a:p>
-          <a:p>
-            <a:pPr lvl="1"/>
-            <a:r>
-              <a:rPr lang="x-none" altLang="pt-BR"/>
-              <a:t>Nem todo SGBD suporta programação</a:t>
-            </a:r>
-            <a:endParaRPr lang="x-none" altLang="pt-BR"/>
+              <a:rPr lang="x-none" altLang="pt-BR">
+                <a:solidFill>
+                  <a:srgbClr val="00B0F0"/>
+                </a:solidFill>
+                <a:latin typeface="DejaVu Sans Mono" charset="0"/>
+              </a:rPr>
+              <a:t>exception when no_data_found then</a:t>
+            </a:r>
+            <a:endParaRPr lang="x-none" altLang="pt-BR">
+              <a:solidFill>
+                <a:srgbClr val="00B0F0"/>
+              </a:solidFill>
+              <a:latin typeface="DejaVu Sans Mono" charset="0"/>
+            </a:endParaRPr>
+          </a:p>
+          <a:p>
+            <a:pPr lvl="3"/>
+            <a:r>
+              <a:rPr lang="x-none" altLang="pt-BR">
+                <a:solidFill>
+                  <a:srgbClr val="00B0F0"/>
+                </a:solidFill>
+                <a:latin typeface="DejaVu Sans Mono" charset="0"/>
+              </a:rPr>
+              <a:t>comandos</a:t>
+            </a:r>
+            <a:endParaRPr lang="x-none" altLang="pt-BR">
+              <a:solidFill>
+                <a:srgbClr val="00B0F0"/>
+              </a:solidFill>
+              <a:latin typeface="DejaVu Sans Mono" charset="0"/>
+            </a:endParaRPr>
+          </a:p>
+          <a:p>
+            <a:pPr lvl="2"/>
+            <a:r>
+              <a:rPr lang="x-none" altLang="pt-BR">
+                <a:solidFill>
+                  <a:srgbClr val="00B0F0"/>
+                </a:solidFill>
+                <a:latin typeface="DejaVu Sans Mono" charset="0"/>
+              </a:rPr>
+              <a:t>end;</a:t>
+            </a:r>
+            <a:endParaRPr lang="x-none" altLang="pt-BR">
+              <a:solidFill>
+                <a:srgbClr val="00B0F0"/>
+              </a:solidFill>
+              <a:latin typeface="DejaVu Sans Mono" charset="0"/>
+            </a:endParaRPr>
           </a:p>
         </p:txBody>
       </p:sp>
@@ -11071,6 +11021,993 @@
           <a:p>
             <a:r>
               <a:rPr lang="x-none" altLang="pt-BR"/>
+              <a:t>Funções Customizadas</a:t>
+            </a:r>
+            <a:endParaRPr lang="x-none" altLang="pt-BR"/>
+          </a:p>
+        </p:txBody>
+      </p:sp>
+      <p:sp>
+        <p:nvSpPr>
+          <p:cNvPr id="3" name="Content Placeholder 2"/>
+          <p:cNvSpPr>
+            <a:spLocks noGrp="1"/>
+          </p:cNvSpPr>
+          <p:nvPr>
+            <p:ph idx="1"/>
+          </p:nvPr>
+        </p:nvSpPr>
+        <p:spPr/>
+        <p:txBody>
+          <a:bodyPr>
+            <a:normAutofit lnSpcReduction="10000"/>
+          </a:bodyPr>
+          <a:p>
+            <a:pPr lvl="0"/>
+            <a:r>
+              <a:rPr lang="x-none" altLang="pt-BR"/>
+              <a:t>Condicional:</a:t>
+            </a:r>
+            <a:endParaRPr lang="x-none" altLang="pt-BR"/>
+          </a:p>
+          <a:p>
+            <a:pPr lvl="1"/>
+            <a:r>
+              <a:rPr lang="x-none" altLang="pt-BR">
+                <a:solidFill>
+                  <a:srgbClr val="00B0F0"/>
+                </a:solidFill>
+                <a:latin typeface="DejaVu Sans Mono" charset="0"/>
+              </a:rPr>
+              <a:t>if &lt;expressao&gt; then</a:t>
+            </a:r>
+            <a:endParaRPr lang="x-none" altLang="pt-BR">
+              <a:solidFill>
+                <a:srgbClr val="00B0F0"/>
+              </a:solidFill>
+              <a:latin typeface="DejaVu Sans Mono" charset="0"/>
+            </a:endParaRPr>
+          </a:p>
+          <a:p>
+            <a:pPr lvl="2"/>
+            <a:r>
+              <a:rPr lang="x-none" altLang="pt-BR">
+                <a:solidFill>
+                  <a:srgbClr val="00B0F0"/>
+                </a:solidFill>
+                <a:latin typeface="DejaVu Sans Mono" charset="0"/>
+              </a:rPr>
+              <a:t>comandos;</a:t>
+            </a:r>
+            <a:endParaRPr lang="x-none" altLang="pt-BR">
+              <a:solidFill>
+                <a:srgbClr val="00B0F0"/>
+              </a:solidFill>
+              <a:latin typeface="DejaVu Sans Mono" charset="0"/>
+            </a:endParaRPr>
+          </a:p>
+          <a:p>
+            <a:pPr lvl="1"/>
+            <a:r>
+              <a:rPr lang="x-none" altLang="pt-BR">
+                <a:solidFill>
+                  <a:srgbClr val="00B0F0"/>
+                </a:solidFill>
+                <a:latin typeface="DejaVu Sans Mono" charset="0"/>
+              </a:rPr>
+              <a:t>else</a:t>
+            </a:r>
+            <a:endParaRPr lang="x-none" altLang="pt-BR">
+              <a:solidFill>
+                <a:srgbClr val="00B0F0"/>
+              </a:solidFill>
+              <a:latin typeface="DejaVu Sans Mono" charset="0"/>
+            </a:endParaRPr>
+          </a:p>
+          <a:p>
+            <a:pPr lvl="2"/>
+            <a:r>
+              <a:rPr lang="x-none" altLang="pt-BR">
+                <a:solidFill>
+                  <a:srgbClr val="00B0F0"/>
+                </a:solidFill>
+                <a:latin typeface="DejaVu Sans Mono" charset="0"/>
+              </a:rPr>
+              <a:t>comandos;</a:t>
+            </a:r>
+            <a:endParaRPr lang="x-none" altLang="pt-BR">
+              <a:solidFill>
+                <a:srgbClr val="00B0F0"/>
+              </a:solidFill>
+              <a:latin typeface="DejaVu Sans Mono" charset="0"/>
+            </a:endParaRPr>
+          </a:p>
+          <a:p>
+            <a:pPr lvl="1"/>
+            <a:r>
+              <a:rPr lang="x-none" altLang="pt-BR">
+                <a:solidFill>
+                  <a:srgbClr val="00B0F0"/>
+                </a:solidFill>
+                <a:latin typeface="DejaVu Sans Mono" charset="0"/>
+              </a:rPr>
+              <a:t>end if;</a:t>
+            </a:r>
+            <a:endParaRPr lang="x-none" altLang="pt-BR">
+              <a:solidFill>
+                <a:srgbClr val="00B0F0"/>
+              </a:solidFill>
+              <a:latin typeface="DejaVu Sans Mono" charset="0"/>
+            </a:endParaRPr>
+          </a:p>
+          <a:p>
+            <a:pPr lvl="0"/>
+            <a:r>
+              <a:rPr lang="x-none" altLang="pt-BR"/>
+              <a:t>Repetição com while:</a:t>
+            </a:r>
+            <a:endParaRPr lang="x-none" altLang="pt-BR"/>
+          </a:p>
+          <a:p>
+            <a:pPr lvl="1"/>
+            <a:r>
+              <a:rPr lang="x-none" altLang="pt-BR">
+                <a:solidFill>
+                  <a:srgbClr val="00B0F0"/>
+                </a:solidFill>
+                <a:latin typeface="DejaVu Sans Mono" charset="0"/>
+              </a:rPr>
+              <a:t>while &lt;expressao&gt; loop</a:t>
+            </a:r>
+            <a:endParaRPr lang="x-none" altLang="pt-BR">
+              <a:solidFill>
+                <a:srgbClr val="00B0F0"/>
+              </a:solidFill>
+              <a:latin typeface="DejaVu Sans Mono" charset="0"/>
+            </a:endParaRPr>
+          </a:p>
+          <a:p>
+            <a:pPr lvl="2"/>
+            <a:r>
+              <a:rPr lang="x-none" altLang="pt-BR">
+                <a:solidFill>
+                  <a:srgbClr val="00B0F0"/>
+                </a:solidFill>
+                <a:latin typeface="DejaVu Sans Mono" charset="0"/>
+              </a:rPr>
+              <a:t>comandos;</a:t>
+            </a:r>
+            <a:endParaRPr lang="x-none" altLang="pt-BR">
+              <a:solidFill>
+                <a:srgbClr val="00B0F0"/>
+              </a:solidFill>
+              <a:latin typeface="DejaVu Sans Mono" charset="0"/>
+            </a:endParaRPr>
+          </a:p>
+          <a:p>
+            <a:pPr lvl="1"/>
+            <a:r>
+              <a:rPr lang="x-none" altLang="pt-BR">
+                <a:solidFill>
+                  <a:srgbClr val="00B0F0"/>
+                </a:solidFill>
+                <a:latin typeface="DejaVu Sans Mono" charset="0"/>
+              </a:rPr>
+              <a:t>end loop;</a:t>
+            </a:r>
+            <a:endParaRPr lang="x-none" altLang="pt-BR">
+              <a:solidFill>
+                <a:srgbClr val="00B0F0"/>
+              </a:solidFill>
+              <a:latin typeface="DejaVu Sans Mono" charset="0"/>
+            </a:endParaRPr>
+          </a:p>
+        </p:txBody>
+      </p:sp>
+    </p:spTree>
+  </p:cSld>
+  <p:clrMapOvr>
+    <a:masterClrMapping/>
+  </p:clrMapOvr>
+</p:sld>
+</file>
+
+<file path=ppt/slides/slide55.xml><?xml version="1.0" encoding="utf-8"?>
+<p:sld xmlns:a="http://schemas.openxmlformats.org/drawingml/2006/main" xmlns:r="http://schemas.openxmlformats.org/officeDocument/2006/relationships" xmlns:p="http://schemas.openxmlformats.org/presentationml/2006/main">
+  <p:cSld>
+    <p:spTree>
+      <p:nvGrpSpPr>
+        <p:cNvPr id="1" name=""/>
+        <p:cNvGrpSpPr/>
+        <p:nvPr/>
+      </p:nvGrpSpPr>
+      <p:grpSpPr/>
+      <p:sp>
+        <p:nvSpPr>
+          <p:cNvPr id="2" name="Title 1"/>
+          <p:cNvSpPr>
+            <a:spLocks noGrp="1"/>
+          </p:cNvSpPr>
+          <p:nvPr>
+            <p:ph type="title"/>
+          </p:nvPr>
+        </p:nvSpPr>
+        <p:spPr/>
+        <p:txBody>
+          <a:bodyPr/>
+          <a:p>
+            <a:r>
+              <a:rPr lang="x-none" altLang="pt-BR"/>
+              <a:t>Funções Customizadas</a:t>
+            </a:r>
+            <a:endParaRPr lang="x-none" altLang="pt-BR"/>
+          </a:p>
+        </p:txBody>
+      </p:sp>
+      <p:sp>
+        <p:nvSpPr>
+          <p:cNvPr id="3" name="Content Placeholder 2"/>
+          <p:cNvSpPr>
+            <a:spLocks noGrp="1"/>
+          </p:cNvSpPr>
+          <p:nvPr>
+            <p:ph idx="1"/>
+          </p:nvPr>
+        </p:nvSpPr>
+        <p:spPr/>
+        <p:txBody>
+          <a:bodyPr>
+            <a:normAutofit/>
+          </a:bodyPr>
+          <a:p>
+            <a:pPr lvl="0"/>
+            <a:r>
+              <a:rPr lang="x-none" altLang="pt-BR"/>
+              <a:t>Repetição com for simples:</a:t>
+            </a:r>
+            <a:endParaRPr lang="x-none" altLang="pt-BR"/>
+          </a:p>
+          <a:p>
+            <a:pPr lvl="1"/>
+            <a:r>
+              <a:rPr lang="x-none" altLang="pt-BR">
+                <a:solidFill>
+                  <a:srgbClr val="00B0F0"/>
+                </a:solidFill>
+                <a:latin typeface="DejaVu Sans Mono" charset="0"/>
+              </a:rPr>
+              <a:t>for i in 1..10 loop</a:t>
+            </a:r>
+            <a:endParaRPr lang="x-none" altLang="pt-BR">
+              <a:solidFill>
+                <a:srgbClr val="00B0F0"/>
+              </a:solidFill>
+              <a:latin typeface="DejaVu Sans Mono" charset="0"/>
+            </a:endParaRPr>
+          </a:p>
+          <a:p>
+            <a:pPr lvl="2"/>
+            <a:r>
+              <a:rPr lang="x-none" altLang="pt-BR" sz="2400">
+                <a:solidFill>
+                  <a:srgbClr val="00B0F0"/>
+                </a:solidFill>
+                <a:latin typeface="DejaVu Sans Mono" charset="0"/>
+              </a:rPr>
+              <a:t>comandos;</a:t>
+            </a:r>
+            <a:endParaRPr lang="x-none" altLang="pt-BR" sz="2400">
+              <a:solidFill>
+                <a:srgbClr val="00B0F0"/>
+              </a:solidFill>
+              <a:latin typeface="DejaVu Sans Mono" charset="0"/>
+            </a:endParaRPr>
+          </a:p>
+          <a:p>
+            <a:pPr lvl="1"/>
+            <a:r>
+              <a:rPr lang="x-none" altLang="pt-BR" sz="2600">
+                <a:solidFill>
+                  <a:srgbClr val="00B0F0"/>
+                </a:solidFill>
+                <a:latin typeface="DejaVu Sans Mono" charset="0"/>
+              </a:rPr>
+              <a:t>end loop;</a:t>
+            </a:r>
+            <a:endParaRPr lang="x-none" altLang="pt-BR" sz="2600">
+              <a:solidFill>
+                <a:srgbClr val="00B0F0"/>
+              </a:solidFill>
+              <a:latin typeface="DejaVu Sans Mono" charset="0"/>
+            </a:endParaRPr>
+          </a:p>
+          <a:p>
+            <a:pPr lvl="0"/>
+            <a:r>
+              <a:rPr lang="x-none" altLang="pt-BR"/>
+              <a:t>Repetição com for reverso:</a:t>
+            </a:r>
+            <a:endParaRPr lang="x-none" altLang="pt-BR"/>
+          </a:p>
+          <a:p>
+            <a:pPr lvl="1"/>
+            <a:r>
+              <a:rPr lang="x-none" altLang="pt-BR">
+                <a:solidFill>
+                  <a:srgbClr val="00B0F0"/>
+                </a:solidFill>
+                <a:latin typeface="DejaVu Sans Mono" charset="0"/>
+              </a:rPr>
+              <a:t>for i in reverse 10..1 loop</a:t>
+            </a:r>
+            <a:endParaRPr lang="x-none" altLang="pt-BR">
+              <a:solidFill>
+                <a:srgbClr val="00B0F0"/>
+              </a:solidFill>
+              <a:latin typeface="DejaVu Sans Mono" charset="0"/>
+            </a:endParaRPr>
+          </a:p>
+          <a:p>
+            <a:pPr lvl="2"/>
+            <a:r>
+              <a:rPr lang="x-none" altLang="pt-BR">
+                <a:solidFill>
+                  <a:srgbClr val="00B0F0"/>
+                </a:solidFill>
+                <a:latin typeface="DejaVu Sans Mono" charset="0"/>
+              </a:rPr>
+              <a:t>comandos;</a:t>
+            </a:r>
+            <a:endParaRPr lang="x-none" altLang="pt-BR">
+              <a:solidFill>
+                <a:srgbClr val="00B0F0"/>
+              </a:solidFill>
+              <a:latin typeface="DejaVu Sans Mono" charset="0"/>
+            </a:endParaRPr>
+          </a:p>
+          <a:p>
+            <a:pPr lvl="1"/>
+            <a:r>
+              <a:rPr lang="x-none" altLang="pt-BR">
+                <a:solidFill>
+                  <a:srgbClr val="00B0F0"/>
+                </a:solidFill>
+                <a:latin typeface="DejaVu Sans Mono" charset="0"/>
+              </a:rPr>
+              <a:t>end loop;</a:t>
+            </a:r>
+            <a:endParaRPr lang="x-none" altLang="pt-BR">
+              <a:solidFill>
+                <a:srgbClr val="00B0F0"/>
+              </a:solidFill>
+              <a:latin typeface="DejaVu Sans Mono" charset="0"/>
+            </a:endParaRPr>
+          </a:p>
+        </p:txBody>
+      </p:sp>
+    </p:spTree>
+  </p:cSld>
+  <p:clrMapOvr>
+    <a:masterClrMapping/>
+  </p:clrMapOvr>
+</p:sld>
+</file>
+
+<file path=ppt/slides/slide56.xml><?xml version="1.0" encoding="utf-8"?>
+<p:sld xmlns:a="http://schemas.openxmlformats.org/drawingml/2006/main" xmlns:r="http://schemas.openxmlformats.org/officeDocument/2006/relationships" xmlns:p="http://schemas.openxmlformats.org/presentationml/2006/main">
+  <p:cSld>
+    <p:spTree>
+      <p:nvGrpSpPr>
+        <p:cNvPr id="1" name=""/>
+        <p:cNvGrpSpPr/>
+        <p:nvPr/>
+      </p:nvGrpSpPr>
+      <p:grpSpPr/>
+      <p:sp>
+        <p:nvSpPr>
+          <p:cNvPr id="2" name="Title 1"/>
+          <p:cNvSpPr>
+            <a:spLocks noGrp="1"/>
+          </p:cNvSpPr>
+          <p:nvPr>
+            <p:ph type="title"/>
+          </p:nvPr>
+        </p:nvSpPr>
+        <p:spPr/>
+        <p:txBody>
+          <a:bodyPr/>
+          <a:p>
+            <a:r>
+              <a:rPr lang="x-none" altLang="pt-BR"/>
+              <a:t>Funções Customizadas</a:t>
+            </a:r>
+            <a:endParaRPr lang="x-none" altLang="pt-BR"/>
+          </a:p>
+        </p:txBody>
+      </p:sp>
+      <p:sp>
+        <p:nvSpPr>
+          <p:cNvPr id="3" name="Content Placeholder 2"/>
+          <p:cNvSpPr>
+            <a:spLocks noGrp="1"/>
+          </p:cNvSpPr>
+          <p:nvPr>
+            <p:ph idx="1"/>
+          </p:nvPr>
+        </p:nvSpPr>
+        <p:spPr/>
+        <p:txBody>
+          <a:bodyPr>
+            <a:noAutofit/>
+          </a:bodyPr>
+          <a:p>
+            <a:pPr lvl="0"/>
+            <a:r>
+              <a:rPr lang="x-none" altLang="pt-BR" sz="2400"/>
+              <a:t>Repetição com for simples com incremento customizado:</a:t>
+            </a:r>
+            <a:endParaRPr lang="x-none" altLang="pt-BR" sz="2400"/>
+          </a:p>
+          <a:p>
+            <a:pPr lvl="1"/>
+            <a:r>
+              <a:rPr lang="x-none" altLang="pt-BR" sz="2000">
+                <a:solidFill>
+                  <a:srgbClr val="00B0F0"/>
+                </a:solidFill>
+                <a:latin typeface="DejaVu Sans Mono" charset="0"/>
+              </a:rPr>
+              <a:t>for i in 1..10 by 2 loop</a:t>
+            </a:r>
+            <a:endParaRPr lang="x-none" altLang="pt-BR" sz="2000">
+              <a:solidFill>
+                <a:srgbClr val="00B0F0"/>
+              </a:solidFill>
+              <a:latin typeface="DejaVu Sans Mono" charset="0"/>
+            </a:endParaRPr>
+          </a:p>
+          <a:p>
+            <a:pPr lvl="2"/>
+            <a:r>
+              <a:rPr lang="x-none" altLang="pt-BR" sz="1800">
+                <a:solidFill>
+                  <a:srgbClr val="00B0F0"/>
+                </a:solidFill>
+                <a:latin typeface="DejaVu Sans Mono" charset="0"/>
+              </a:rPr>
+              <a:t>comandos;</a:t>
+            </a:r>
+            <a:endParaRPr lang="x-none" altLang="pt-BR" sz="1800">
+              <a:solidFill>
+                <a:srgbClr val="00B0F0"/>
+              </a:solidFill>
+              <a:latin typeface="DejaVu Sans Mono" charset="0"/>
+            </a:endParaRPr>
+          </a:p>
+          <a:p>
+            <a:pPr lvl="1"/>
+            <a:r>
+              <a:rPr lang="x-none" altLang="pt-BR" sz="2000">
+                <a:solidFill>
+                  <a:srgbClr val="00B0F0"/>
+                </a:solidFill>
+                <a:latin typeface="DejaVu Sans Mono" charset="0"/>
+              </a:rPr>
+              <a:t>end loop;</a:t>
+            </a:r>
+            <a:endParaRPr lang="x-none" altLang="pt-BR" sz="2000">
+              <a:solidFill>
+                <a:srgbClr val="00B0F0"/>
+              </a:solidFill>
+              <a:latin typeface="DejaVu Sans Mono" charset="0"/>
+            </a:endParaRPr>
+          </a:p>
+          <a:p>
+            <a:pPr lvl="0"/>
+            <a:r>
+              <a:rPr lang="x-none" altLang="pt-BR" sz="2400"/>
+              <a:t>Repetição com for com cursor implícito:</a:t>
+            </a:r>
+            <a:endParaRPr lang="x-none" altLang="pt-BR" sz="2400"/>
+          </a:p>
+          <a:p>
+            <a:pPr lvl="1"/>
+            <a:r>
+              <a:rPr lang="x-none" altLang="pt-BR" sz="2000">
+                <a:solidFill>
+                  <a:srgbClr val="00B0F0"/>
+                </a:solidFill>
+                <a:latin typeface="DejaVu Sans Mono" charset="0"/>
+              </a:rPr>
+              <a:t>declare</a:t>
+            </a:r>
+            <a:endParaRPr lang="x-none" altLang="pt-BR" sz="2000">
+              <a:solidFill>
+                <a:srgbClr val="00B0F0"/>
+              </a:solidFill>
+              <a:latin typeface="DejaVu Sans Mono" charset="0"/>
+            </a:endParaRPr>
+          </a:p>
+          <a:p>
+            <a:pPr lvl="2"/>
+            <a:r>
+              <a:rPr lang="x-none" altLang="pt-BR" sz="1800">
+                <a:solidFill>
+                  <a:srgbClr val="00B0F0"/>
+                </a:solidFill>
+                <a:latin typeface="DejaVu Sans Mono" charset="0"/>
+              </a:rPr>
+              <a:t>c record;</a:t>
+            </a:r>
+            <a:endParaRPr lang="x-none" altLang="pt-BR" sz="1800">
+              <a:solidFill>
+                <a:srgbClr val="00B0F0"/>
+              </a:solidFill>
+              <a:latin typeface="DejaVu Sans Mono" charset="0"/>
+            </a:endParaRPr>
+          </a:p>
+          <a:p>
+            <a:pPr lvl="1"/>
+            <a:r>
+              <a:rPr lang="x-none" altLang="pt-BR" sz="2000">
+                <a:solidFill>
+                  <a:srgbClr val="00B0F0"/>
+                </a:solidFill>
+                <a:latin typeface="DejaVu Sans Mono" charset="0"/>
+              </a:rPr>
+              <a:t>begin</a:t>
+            </a:r>
+            <a:endParaRPr lang="x-none" altLang="pt-BR" sz="2000">
+              <a:solidFill>
+                <a:srgbClr val="00B0F0"/>
+              </a:solidFill>
+              <a:latin typeface="DejaVu Sans Mono" charset="0"/>
+            </a:endParaRPr>
+          </a:p>
+          <a:p>
+            <a:pPr lvl="2"/>
+            <a:r>
+              <a:rPr lang="x-none" altLang="pt-BR" sz="1800">
+                <a:solidFill>
+                  <a:srgbClr val="00B0F0"/>
+                </a:solidFill>
+                <a:latin typeface="DejaVu Sans Mono" charset="0"/>
+              </a:rPr>
+              <a:t>for c in (select * from tabela) loop</a:t>
+            </a:r>
+            <a:endParaRPr lang="x-none" altLang="pt-BR" sz="1800">
+              <a:solidFill>
+                <a:srgbClr val="00B0F0"/>
+              </a:solidFill>
+              <a:latin typeface="DejaVu Sans Mono" charset="0"/>
+            </a:endParaRPr>
+          </a:p>
+          <a:p>
+            <a:pPr lvl="3"/>
+            <a:r>
+              <a:rPr lang="x-none" altLang="pt-BR" sz="1600">
+                <a:solidFill>
+                  <a:srgbClr val="00B0F0"/>
+                </a:solidFill>
+                <a:latin typeface="DejaVu Sans Mono" charset="0"/>
+              </a:rPr>
+              <a:t>comandos;</a:t>
+            </a:r>
+            <a:endParaRPr lang="x-none" altLang="pt-BR" sz="1600">
+              <a:solidFill>
+                <a:srgbClr val="00B0F0"/>
+              </a:solidFill>
+              <a:latin typeface="DejaVu Sans Mono" charset="0"/>
+            </a:endParaRPr>
+          </a:p>
+          <a:p>
+            <a:pPr lvl="2"/>
+            <a:r>
+              <a:rPr lang="x-none" altLang="pt-BR" sz="1800">
+                <a:solidFill>
+                  <a:srgbClr val="00B0F0"/>
+                </a:solidFill>
+                <a:latin typeface="DejaVu Sans Mono" charset="0"/>
+              </a:rPr>
+              <a:t>end loop;</a:t>
+            </a:r>
+            <a:endParaRPr lang="x-none" altLang="pt-BR" sz="1800">
+              <a:solidFill>
+                <a:srgbClr val="00B0F0"/>
+              </a:solidFill>
+              <a:latin typeface="DejaVu Sans Mono" charset="0"/>
+            </a:endParaRPr>
+          </a:p>
+          <a:p>
+            <a:pPr lvl="1"/>
+            <a:r>
+              <a:rPr lang="x-none" altLang="pt-BR" sz="2000">
+                <a:solidFill>
+                  <a:srgbClr val="00B0F0"/>
+                </a:solidFill>
+                <a:latin typeface="DejaVu Sans Mono" charset="0"/>
+              </a:rPr>
+              <a:t>end;</a:t>
+            </a:r>
+            <a:endParaRPr lang="x-none" altLang="pt-BR" sz="2000">
+              <a:solidFill>
+                <a:srgbClr val="00B0F0"/>
+              </a:solidFill>
+              <a:latin typeface="DejaVu Sans Mono" charset="0"/>
+            </a:endParaRPr>
+          </a:p>
+        </p:txBody>
+      </p:sp>
+    </p:spTree>
+  </p:cSld>
+  <p:clrMapOvr>
+    <a:masterClrMapping/>
+  </p:clrMapOvr>
+</p:sld>
+</file>
+
+<file path=ppt/slides/slide57.xml><?xml version="1.0" encoding="utf-8"?>
+<p:sld xmlns:a="http://schemas.openxmlformats.org/drawingml/2006/main" xmlns:r="http://schemas.openxmlformats.org/officeDocument/2006/relationships" xmlns:p="http://schemas.openxmlformats.org/presentationml/2006/main">
+  <p:cSld>
+    <p:spTree>
+      <p:nvGrpSpPr>
+        <p:cNvPr id="1" name=""/>
+        <p:cNvGrpSpPr/>
+        <p:nvPr/>
+      </p:nvGrpSpPr>
+      <p:grpSpPr/>
+      <p:sp>
+        <p:nvSpPr>
+          <p:cNvPr id="2" name="Title 1"/>
+          <p:cNvSpPr>
+            <a:spLocks noGrp="1"/>
+          </p:cNvSpPr>
+          <p:nvPr>
+            <p:ph type="title"/>
+          </p:nvPr>
+        </p:nvSpPr>
+        <p:spPr/>
+        <p:txBody>
+          <a:bodyPr/>
+          <a:p>
+            <a:r>
+              <a:rPr lang="x-none" altLang="pt-BR"/>
+              <a:t>Funções Customizadas</a:t>
+            </a:r>
+            <a:endParaRPr lang="x-none" altLang="pt-BR"/>
+          </a:p>
+        </p:txBody>
+      </p:sp>
+      <p:sp>
+        <p:nvSpPr>
+          <p:cNvPr id="3" name="Content Placeholder 2"/>
+          <p:cNvSpPr>
+            <a:spLocks noGrp="1"/>
+          </p:cNvSpPr>
+          <p:nvPr>
+            <p:ph idx="1"/>
+          </p:nvPr>
+        </p:nvSpPr>
+        <p:spPr/>
+        <p:txBody>
+          <a:bodyPr>
+            <a:noAutofit/>
+          </a:bodyPr>
+          <a:p>
+            <a:pPr lvl="0"/>
+            <a:r>
+              <a:rPr lang="x-none" altLang="pt-BR" sz="2400"/>
+              <a:t>Impressão de mensagens:</a:t>
+            </a:r>
+            <a:endParaRPr lang="x-none" altLang="pt-BR" sz="2400"/>
+          </a:p>
+          <a:p>
+            <a:pPr lvl="1"/>
+            <a:r>
+              <a:rPr lang="x-none" altLang="pt-BR" sz="2400">
+                <a:solidFill>
+                  <a:srgbClr val="00B0F0"/>
+                </a:solidFill>
+                <a:latin typeface="DejaVu Sans Mono" charset="0"/>
+              </a:rPr>
+              <a:t>raise notice 'Valores: % e %',var1,var2</a:t>
+            </a:r>
+            <a:endParaRPr lang="x-none" altLang="pt-BR" sz="2400">
+              <a:solidFill>
+                <a:srgbClr val="00B0F0"/>
+              </a:solidFill>
+              <a:latin typeface="DejaVu Sans Mono" charset="0"/>
+            </a:endParaRPr>
+          </a:p>
+          <a:p>
+            <a:pPr lvl="0"/>
+            <a:r>
+              <a:rPr lang="x-none" altLang="pt-BR" sz="2400"/>
+              <a:t>Execução de string SQL:</a:t>
+            </a:r>
+            <a:endParaRPr lang="x-none" altLang="pt-BR" sz="2400"/>
+          </a:p>
+          <a:p>
+            <a:pPr lvl="1"/>
+            <a:r>
+              <a:rPr lang="x-none" altLang="pt-BR" sz="2400">
+                <a:solidFill>
+                  <a:srgbClr val="00B0F0"/>
+                </a:solidFill>
+                <a:latin typeface="DejaVu Sans Mono" charset="0"/>
+              </a:rPr>
+              <a:t>execute 'delete from tabela';</a:t>
+            </a:r>
+            <a:endParaRPr lang="x-none" altLang="pt-BR" sz="2400">
+              <a:solidFill>
+                <a:srgbClr val="00B0F0"/>
+              </a:solidFill>
+              <a:latin typeface="DejaVu Sans Mono" charset="0"/>
+            </a:endParaRPr>
+          </a:p>
+          <a:p>
+            <a:pPr lvl="0"/>
+            <a:r>
+              <a:rPr lang="x-none" altLang="pt-BR" sz="2400">
+                <a:sym typeface="+mn-ea"/>
+              </a:rPr>
+              <a:t>Execução de funções armazenando retorno em variável:</a:t>
+            </a:r>
+            <a:endParaRPr lang="x-none" altLang="pt-BR" sz="2400"/>
+          </a:p>
+          <a:p>
+            <a:pPr lvl="1"/>
+            <a:r>
+              <a:rPr lang="x-none" altLang="pt-BR" sz="2400">
+                <a:solidFill>
+                  <a:srgbClr val="00B0F0"/>
+                </a:solidFill>
+                <a:latin typeface="DejaVu Sans Mono" charset="0"/>
+                <a:sym typeface="+mn-ea"/>
+              </a:rPr>
+              <a:t>x := nome_da_funcao(valores);</a:t>
+            </a:r>
+            <a:endParaRPr lang="x-none" altLang="pt-BR" sz="2400">
+              <a:solidFill>
+                <a:srgbClr val="00B0F0"/>
+              </a:solidFill>
+              <a:latin typeface="DejaVu Sans Mono" charset="0"/>
+              <a:sym typeface="+mn-ea"/>
+            </a:endParaRPr>
+          </a:p>
+          <a:p>
+            <a:pPr lvl="0"/>
+            <a:r>
+              <a:rPr lang="x-none" altLang="pt-BR" sz="2400">
+                <a:sym typeface="+mn-ea"/>
+              </a:rPr>
+              <a:t>Execução de funções descartando retorno:</a:t>
+            </a:r>
+            <a:endParaRPr lang="x-none" altLang="pt-BR" sz="2400"/>
+          </a:p>
+          <a:p>
+            <a:pPr lvl="1"/>
+            <a:r>
+              <a:rPr lang="x-none" altLang="pt-BR" sz="2400">
+                <a:solidFill>
+                  <a:srgbClr val="00B0F0"/>
+                </a:solidFill>
+                <a:latin typeface="DejaVu Sans Mono" charset="0"/>
+                <a:sym typeface="+mn-ea"/>
+              </a:rPr>
+              <a:t>perform nome_da_funcao(valores);</a:t>
+            </a:r>
+            <a:endParaRPr lang="x-none" altLang="pt-BR" sz="2400">
+              <a:solidFill>
+                <a:srgbClr val="00B0F0"/>
+              </a:solidFill>
+              <a:latin typeface="DejaVu Sans Mono" charset="0"/>
+            </a:endParaRPr>
+          </a:p>
+        </p:txBody>
+      </p:sp>
+    </p:spTree>
+  </p:cSld>
+  <p:clrMapOvr>
+    <a:masterClrMapping/>
+  </p:clrMapOvr>
+</p:sld>
+</file>
+
+<file path=ppt/slides/slide58.xml><?xml version="1.0" encoding="utf-8"?>
+<p:sld xmlns:a="http://schemas.openxmlformats.org/drawingml/2006/main" xmlns:r="http://schemas.openxmlformats.org/officeDocument/2006/relationships" xmlns:p="http://schemas.openxmlformats.org/presentationml/2006/main">
+  <p:cSld>
+    <p:spTree>
+      <p:nvGrpSpPr>
+        <p:cNvPr id="1" name=""/>
+        <p:cNvGrpSpPr/>
+        <p:nvPr/>
+      </p:nvGrpSpPr>
+      <p:grpSpPr/>
+      <p:sp>
+        <p:nvSpPr>
+          <p:cNvPr id="2" name="Title 1"/>
+          <p:cNvSpPr>
+            <a:spLocks noGrp="1"/>
+          </p:cNvSpPr>
+          <p:nvPr>
+            <p:ph type="title"/>
+          </p:nvPr>
+        </p:nvSpPr>
+        <p:spPr/>
+        <p:txBody>
+          <a:bodyPr/>
+          <a:p>
+            <a:r>
+              <a:rPr lang="x-none" altLang="pt-BR"/>
+              <a:t>Funções Customizadas</a:t>
+            </a:r>
+            <a:endParaRPr lang="x-none" altLang="pt-BR"/>
+          </a:p>
+        </p:txBody>
+      </p:sp>
+      <p:sp>
+        <p:nvSpPr>
+          <p:cNvPr id="3" name="Content Placeholder 2"/>
+          <p:cNvSpPr>
+            <a:spLocks noGrp="1"/>
+          </p:cNvSpPr>
+          <p:nvPr>
+            <p:ph idx="1"/>
+          </p:nvPr>
+        </p:nvSpPr>
+        <p:spPr/>
+        <p:txBody>
+          <a:bodyPr>
+            <a:normAutofit fontScale="90000" lnSpcReduction="20000"/>
+          </a:bodyPr>
+          <a:p>
+            <a:r>
+              <a:rPr lang="x-none" altLang="pt-BR">
+                <a:solidFill>
+                  <a:srgbClr val="92D050"/>
+                </a:solidFill>
+              </a:rPr>
+              <a:t>Vantagens</a:t>
+            </a:r>
+            <a:r>
+              <a:rPr lang="x-none" altLang="pt-BR"/>
+              <a:t>:</a:t>
+            </a:r>
+            <a:endParaRPr lang="x-none" altLang="pt-BR"/>
+          </a:p>
+          <a:p>
+            <a:pPr lvl="1"/>
+            <a:r>
+              <a:rPr lang="x-none" altLang="pt-BR"/>
+              <a:t>Redução de:</a:t>
+            </a:r>
+            <a:endParaRPr lang="x-none" altLang="pt-BR"/>
+          </a:p>
+          <a:p>
+            <a:pPr lvl="2"/>
+            <a:r>
+              <a:rPr lang="x-none" altLang="pt-BR"/>
+              <a:t>trocas de contexto</a:t>
+            </a:r>
+            <a:endParaRPr lang="x-none" altLang="pt-BR"/>
+          </a:p>
+          <a:p>
+            <a:pPr lvl="2"/>
+            <a:r>
+              <a:rPr lang="x-none" altLang="pt-BR"/>
+              <a:t>comunicação inter-processo</a:t>
+            </a:r>
+            <a:endParaRPr lang="x-none" altLang="pt-BR"/>
+          </a:p>
+          <a:p>
+            <a:pPr lvl="2"/>
+            <a:r>
+              <a:rPr lang="x-none" altLang="pt-BR"/>
+              <a:t>transferência de dados via rede</a:t>
+            </a:r>
+            <a:endParaRPr lang="x-none" altLang="pt-BR"/>
+          </a:p>
+          <a:p>
+            <a:pPr lvl="1"/>
+            <a:r>
+              <a:rPr lang="x-none" altLang="pt-BR"/>
+              <a:t>Aumento de desempenho</a:t>
+            </a:r>
+            <a:endParaRPr lang="x-none" altLang="pt-BR"/>
+          </a:p>
+          <a:p>
+            <a:pPr lvl="1"/>
+            <a:r>
+              <a:rPr lang="x-none" altLang="pt-BR"/>
+              <a:t>Parâmetros</a:t>
+            </a:r>
+            <a:endParaRPr lang="x-none" altLang="pt-BR"/>
+          </a:p>
+          <a:p>
+            <a:pPr lvl="1"/>
+            <a:r>
+              <a:rPr lang="x-none" altLang="pt-BR"/>
+              <a:t>Abstração</a:t>
+            </a:r>
+            <a:endParaRPr lang="x-none" altLang="pt-BR"/>
+          </a:p>
+          <a:p>
+            <a:pPr lvl="0"/>
+            <a:r>
+              <a:rPr lang="x-none" altLang="pt-BR">
+                <a:solidFill>
+                  <a:srgbClr val="92D050"/>
+                </a:solidFill>
+              </a:rPr>
+              <a:t>Desvantagens</a:t>
+            </a:r>
+            <a:r>
+              <a:rPr lang="x-none" altLang="pt-BR"/>
+              <a:t>:</a:t>
+            </a:r>
+            <a:endParaRPr lang="x-none" altLang="pt-BR"/>
+          </a:p>
+          <a:p>
+            <a:pPr lvl="1"/>
+            <a:r>
+              <a:rPr lang="x-none" altLang="pt-BR"/>
+              <a:t>Sua aplicação funcionará apenas em PostgreSQL</a:t>
+            </a:r>
+            <a:endParaRPr lang="x-none" altLang="pt-BR"/>
+          </a:p>
+          <a:p>
+            <a:pPr lvl="1"/>
+            <a:r>
+              <a:rPr lang="x-none" altLang="pt-BR"/>
+              <a:t>Migração trabalhosa para outro SGBD</a:t>
+            </a:r>
+            <a:endParaRPr lang="x-none" altLang="pt-BR"/>
+          </a:p>
+          <a:p>
+            <a:pPr lvl="1"/>
+            <a:r>
+              <a:rPr lang="x-none" altLang="pt-BR"/>
+              <a:t>Nem todo SGBD suporta programação</a:t>
+            </a:r>
+            <a:endParaRPr lang="x-none" altLang="pt-BR"/>
+          </a:p>
+        </p:txBody>
+      </p:sp>
+    </p:spTree>
+  </p:cSld>
+  <p:clrMapOvr>
+    <a:masterClrMapping/>
+  </p:clrMapOvr>
+</p:sld>
+</file>
+
+<file path=ppt/slides/slide59.xml><?xml version="1.0" encoding="utf-8"?>
+<p:sld xmlns:a="http://schemas.openxmlformats.org/drawingml/2006/main" xmlns:r="http://schemas.openxmlformats.org/officeDocument/2006/relationships" xmlns:p="http://schemas.openxmlformats.org/presentationml/2006/main">
+  <p:cSld>
+    <p:spTree>
+      <p:nvGrpSpPr>
+        <p:cNvPr id="1" name=""/>
+        <p:cNvGrpSpPr/>
+        <p:nvPr/>
+      </p:nvGrpSpPr>
+      <p:grpSpPr/>
+      <p:sp>
+        <p:nvSpPr>
+          <p:cNvPr id="2" name="Title 1"/>
+          <p:cNvSpPr>
+            <a:spLocks noGrp="1"/>
+          </p:cNvSpPr>
+          <p:nvPr>
+            <p:ph type="title"/>
+          </p:nvPr>
+        </p:nvSpPr>
+        <p:spPr/>
+        <p:txBody>
+          <a:bodyPr/>
+          <a:p>
+            <a:r>
+              <a:rPr lang="x-none" altLang="pt-BR"/>
               <a:t>Outras Funcionalidades</a:t>
             </a:r>
             <a:endParaRPr lang="x-none" altLang="pt-BR"/>
@@ -11089,7 +12026,9 @@
         </p:nvSpPr>
         <p:spPr/>
         <p:txBody>
-          <a:bodyPr/>
+          <a:bodyPr>
+            <a:normAutofit lnSpcReduction="10000"/>
+          </a:bodyPr>
           <a:p>
             <a:r>
               <a:rPr lang="x-none" altLang="pt-BR" sz="1400"/>
@@ -11231,6 +12170,13 @@
             <a:r>
               <a:rPr lang="x-none" altLang="pt-BR" sz="1400"/>
               <a:t>Replicação de bancos em servidores diferentes (Hot StandBy)</a:t>
+            </a:r>
+            <a:endParaRPr lang="x-none" altLang="pt-BR" sz="1400"/>
+          </a:p>
+          <a:p>
+            <a:r>
+              <a:rPr lang="x-none" altLang="pt-BR" sz="1400"/>
+              <a:t>PostGIS</a:t>
             </a:r>
             <a:endParaRPr lang="x-none" altLang="pt-BR" sz="1400"/>
           </a:p>

--- a/curso/modulo3capitulo5.pptx
+++ b/curso/modulo3capitulo5.pptx
@@ -12169,7 +12169,7 @@
           <a:p>
             <a:r>
               <a:rPr lang="x-none" altLang="pt-BR" sz="1400"/>
-              <a:t>Replicação de bancos em servidores diferentes (Hot StandBy)</a:t>
+              <a:t>Replicação de bancos em servidores diferentes (Warm StandBy, Hot StandBy e Streaming Replication)</a:t>
             </a:r>
             <a:endParaRPr lang="x-none" altLang="pt-BR" sz="1400"/>
           </a:p>

--- a/curso/modulo3capitulo5.pptx
+++ b/curso/modulo3capitulo5.pptx
@@ -12027,7 +12027,7 @@
         <p:spPr/>
         <p:txBody>
           <a:bodyPr>
-            <a:normAutofit lnSpcReduction="10000"/>
+            <a:normAutofit lnSpcReduction="20000"/>
           </a:bodyPr>
           <a:p>
             <a:r>
@@ -12163,6 +12163,13 @@
             <a:r>
               <a:rPr lang="x-none" altLang="pt-BR" sz="1400"/>
               <a:t>DBLink</a:t>
+            </a:r>
+            <a:endParaRPr lang="x-none" altLang="pt-BR" sz="1400"/>
+          </a:p>
+          <a:p>
+            <a:r>
+              <a:rPr lang="x-none" altLang="pt-BR" sz="1400"/>
+              <a:t>Múltiplios PostgreSQL Listeners no mesmo servidor</a:t>
             </a:r>
             <a:endParaRPr lang="x-none" altLang="pt-BR" sz="1400"/>
           </a:p>
